--- a/Formation Git - avancée.pptx
+++ b/Formation Git - avancée.pptx
@@ -5,18 +5,52 @@
     <p:sldMasterId id="2147483660" r:id="rId1"/>
   </p:sldMasterIdLst>
   <p:notesMasterIdLst>
-    <p:notesMasterId r:id="rId8"/>
+    <p:notesMasterId r:id="rId42"/>
   </p:notesMasterIdLst>
   <p:handoutMasterIdLst>
-    <p:handoutMasterId r:id="rId9"/>
+    <p:handoutMasterId r:id="rId43"/>
   </p:handoutMasterIdLst>
   <p:sldIdLst>
-    <p:sldId id="257" r:id="rId2"/>
-    <p:sldId id="258" r:id="rId3"/>
-    <p:sldId id="259" r:id="rId4"/>
-    <p:sldId id="261" r:id="rId5"/>
-    <p:sldId id="262" r:id="rId6"/>
-    <p:sldId id="263" r:id="rId7"/>
+    <p:sldId id="283" r:id="rId2"/>
+    <p:sldId id="284" r:id="rId3"/>
+    <p:sldId id="285" r:id="rId4"/>
+    <p:sldId id="286" r:id="rId5"/>
+    <p:sldId id="287" r:id="rId6"/>
+    <p:sldId id="288" r:id="rId7"/>
+    <p:sldId id="289" r:id="rId8"/>
+    <p:sldId id="290" r:id="rId9"/>
+    <p:sldId id="291" r:id="rId10"/>
+    <p:sldId id="292" r:id="rId11"/>
+    <p:sldId id="293" r:id="rId12"/>
+    <p:sldId id="294" r:id="rId13"/>
+    <p:sldId id="295" r:id="rId14"/>
+    <p:sldId id="296" r:id="rId15"/>
+    <p:sldId id="297" r:id="rId16"/>
+    <p:sldId id="298" r:id="rId17"/>
+    <p:sldId id="257" r:id="rId18"/>
+    <p:sldId id="258" r:id="rId19"/>
+    <p:sldId id="259" r:id="rId20"/>
+    <p:sldId id="261" r:id="rId21"/>
+    <p:sldId id="262" r:id="rId22"/>
+    <p:sldId id="263" r:id="rId23"/>
+    <p:sldId id="264" r:id="rId24"/>
+    <p:sldId id="265" r:id="rId25"/>
+    <p:sldId id="266" r:id="rId26"/>
+    <p:sldId id="267" r:id="rId27"/>
+    <p:sldId id="268" r:id="rId28"/>
+    <p:sldId id="269" r:id="rId29"/>
+    <p:sldId id="270" r:id="rId30"/>
+    <p:sldId id="272" r:id="rId31"/>
+    <p:sldId id="274" r:id="rId32"/>
+    <p:sldId id="275" r:id="rId33"/>
+    <p:sldId id="276" r:id="rId34"/>
+    <p:sldId id="277" r:id="rId35"/>
+    <p:sldId id="278" r:id="rId36"/>
+    <p:sldId id="273" r:id="rId37"/>
+    <p:sldId id="280" r:id="rId38"/>
+    <p:sldId id="279" r:id="rId39"/>
+    <p:sldId id="281" r:id="rId40"/>
+    <p:sldId id="282" r:id="rId41"/>
   </p:sldIdLst>
   <p:sldSz cx="12192000" cy="6858000"/>
   <p:notesSz cx="6858000" cy="9144000"/>
@@ -208,7 +242,7 @@
           <a:p>
             <a:fld id="{449DC8A8-9D6D-4066-B279-13D21DC43A8D}" type="datetimeFigureOut">
               <a:rPr lang="fr-CH" smtClean="0"/>
-              <a:t>23.05.2019</a:t>
+              <a:t>28.05.2019</a:t>
             </a:fld>
             <a:endParaRPr lang="fr-CH"/>
           </a:p>
@@ -373,7 +407,7 @@
           <a:p>
             <a:fld id="{8E4BFDFC-3DF2-4B3C-BA9C-D67E7E12A90E}" type="datetimeFigureOut">
               <a:rPr lang="fr-CH" smtClean="0"/>
-              <a:t>23.05.2019</a:t>
+              <a:t>28.05.2019</a:t>
             </a:fld>
             <a:endParaRPr lang="fr-CH"/>
           </a:p>
@@ -10208,7 +10242,7 @@
           <a:p>
             <a:fld id="{BD316801-2A97-4601-919F-FCA6A6B76BCF}" type="datetimeFigureOut">
               <a:rPr lang="fr-CH" smtClean="0"/>
-              <a:t>23.05.2019</a:t>
+              <a:t>28.05.2019</a:t>
             </a:fld>
             <a:endParaRPr lang="fr-CH"/>
           </a:p>
@@ -13107,32 +13141,1638 @@
           <a:lstStyle/>
           <a:p>
             <a:r>
+              <a:rPr lang="fr-FR" dirty="0" smtClean="0"/>
+              <a:t>Git sous le capot</a:t>
+            </a:r>
+            <a:endParaRPr lang="fr-CH" dirty="0"/>
+          </a:p>
+        </p:txBody>
+      </p:sp>
+      <p:pic>
+        <p:nvPicPr>
+          <p:cNvPr id="5" name="Espace réservé du contenu 4"/>
+          <p:cNvPicPr>
+            <a:picLocks noGrp="1" noChangeAspect="1"/>
+          </p:cNvPicPr>
+          <p:nvPr>
+            <p:ph idx="1"/>
+          </p:nvPr>
+        </p:nvPicPr>
+        <p:blipFill>
+          <a:blip r:embed="rId2">
+            <a:extLst>
+              <a:ext uri="{28A0092B-C50C-407E-A947-70E740481C1C}">
+                <a14:useLocalDpi xmlns:a14="http://schemas.microsoft.com/office/drawing/2010/main" val="0"/>
+              </a:ext>
+            </a:extLst>
+          </a:blip>
+          <a:stretch>
+            <a:fillRect/>
+          </a:stretch>
+        </p:blipFill>
+        <p:spPr>
+          <a:xfrm>
+            <a:off x="2511846" y="1235678"/>
+            <a:ext cx="6984694" cy="5238520"/>
+          </a:xfrm>
+        </p:spPr>
+      </p:pic>
+    </p:spTree>
+    <p:extLst>
+      <p:ext uri="{BB962C8B-B14F-4D97-AF65-F5344CB8AC3E}">
+        <p14:creationId xmlns:p14="http://schemas.microsoft.com/office/powerpoint/2010/main" val="286723226"/>
+      </p:ext>
+    </p:extLst>
+  </p:cSld>
+  <p:clrMapOvr>
+    <a:masterClrMapping/>
+  </p:clrMapOvr>
+</p:sld>
+</file>
+
+<file path=ppt/slides/slide10.xml><?xml version="1.0" encoding="utf-8"?>
+<p:sld xmlns:a="http://schemas.openxmlformats.org/drawingml/2006/main" xmlns:r="http://schemas.openxmlformats.org/officeDocument/2006/relationships" xmlns:p="http://schemas.openxmlformats.org/presentationml/2006/main">
+  <p:cSld>
+    <p:spTree>
+      <p:nvGrpSpPr>
+        <p:cNvPr id="1" name=""/>
+        <p:cNvGrpSpPr/>
+        <p:nvPr/>
+      </p:nvGrpSpPr>
+      <p:grpSpPr>
+        <a:xfrm>
+          <a:off x="0" y="0"/>
+          <a:ext cx="0" cy="0"/>
+          <a:chOff x="0" y="0"/>
+          <a:chExt cx="0" cy="0"/>
+        </a:xfrm>
+      </p:grpSpPr>
+      <p:sp>
+        <p:nvSpPr>
+          <p:cNvPr id="2" name="Titre 1"/>
+          <p:cNvSpPr>
+            <a:spLocks noGrp="1"/>
+          </p:cNvSpPr>
+          <p:nvPr>
+            <p:ph type="title"/>
+          </p:nvPr>
+        </p:nvSpPr>
+        <p:spPr/>
+        <p:txBody>
+          <a:bodyPr/>
+          <a:lstStyle/>
+          <a:p>
+            <a:r>
+              <a:rPr lang="fr-FR" dirty="0" err="1" smtClean="0"/>
+              <a:t>Rebase</a:t>
+            </a:r>
+            <a:r>
+              <a:rPr lang="fr-FR" dirty="0" smtClean="0"/>
+              <a:t> une branche avec la branche de référence</a:t>
+            </a:r>
+            <a:endParaRPr lang="fr-CH" dirty="0"/>
+          </a:p>
+        </p:txBody>
+      </p:sp>
+      <p:sp>
+        <p:nvSpPr>
+          <p:cNvPr id="3" name="Espace réservé du contenu 2"/>
+          <p:cNvSpPr>
+            <a:spLocks noGrp="1"/>
+          </p:cNvSpPr>
+          <p:nvPr>
+            <p:ph idx="1"/>
+          </p:nvPr>
+        </p:nvSpPr>
+        <p:spPr>
+          <a:xfrm>
+            <a:off x="950384" y="1342768"/>
+            <a:ext cx="10281992" cy="4248406"/>
+          </a:xfrm>
+        </p:spPr>
+        <p:txBody>
+          <a:bodyPr/>
+          <a:lstStyle/>
+          <a:p>
+            <a:r>
+              <a:rPr lang="fr-FR" sz="1800" dirty="0" smtClean="0"/>
+              <a:t>Concerne principalement les branches de </a:t>
+            </a:r>
+            <a:r>
+              <a:rPr lang="fr-FR" sz="1800" dirty="0" err="1" smtClean="0"/>
+              <a:t>feature</a:t>
+            </a:r>
+            <a:endParaRPr lang="fr-FR" sz="1800" dirty="0" smtClean="0"/>
+          </a:p>
+          <a:p>
+            <a:r>
+              <a:rPr lang="fr-FR" sz="1800" dirty="0" smtClean="0"/>
+              <a:t>Récupérer les dernières modifications de la branche mère </a:t>
+            </a:r>
+            <a:r>
+              <a:rPr lang="fr-FR" sz="1800" b="1" dirty="0" smtClean="0"/>
+              <a:t>sans récupérer des </a:t>
+            </a:r>
+            <a:r>
+              <a:rPr lang="fr-FR" sz="1800" b="1" dirty="0" err="1" smtClean="0"/>
+              <a:t>commits</a:t>
+            </a:r>
+            <a:r>
+              <a:rPr lang="fr-FR" sz="1800" b="1" dirty="0" smtClean="0"/>
+              <a:t> de </a:t>
+            </a:r>
+            <a:r>
+              <a:rPr lang="fr-FR" sz="1800" b="1" dirty="0" err="1" smtClean="0"/>
+              <a:t>merge</a:t>
+            </a:r>
+            <a:endParaRPr lang="fr-FR" sz="1800" b="1" dirty="0" smtClean="0"/>
+          </a:p>
+          <a:p>
+            <a:pPr lvl="1"/>
+            <a:r>
+              <a:rPr lang="fr-FR" sz="1600" dirty="0" smtClean="0"/>
+              <a:t>git </a:t>
+            </a:r>
+            <a:r>
+              <a:rPr lang="fr-FR" sz="1600" dirty="0" err="1" smtClean="0"/>
+              <a:t>checkout</a:t>
+            </a:r>
+            <a:r>
+              <a:rPr lang="fr-FR" sz="1600" dirty="0" smtClean="0"/>
+              <a:t> </a:t>
+            </a:r>
+            <a:r>
+              <a:rPr lang="fr-FR" sz="1600" dirty="0" err="1" smtClean="0"/>
+              <a:t>feature</a:t>
+            </a:r>
+            <a:r>
+              <a:rPr lang="fr-FR" sz="1600" dirty="0" smtClean="0"/>
+              <a:t>/</a:t>
+            </a:r>
+            <a:r>
+              <a:rPr lang="fr-FR" sz="1600" dirty="0" err="1" smtClean="0"/>
+              <a:t>mabranche</a:t>
+            </a:r>
+            <a:endParaRPr lang="fr-FR" sz="1600" dirty="0" smtClean="0"/>
+          </a:p>
+          <a:p>
+            <a:pPr lvl="1"/>
+            <a:r>
+              <a:rPr lang="fr-FR" sz="1600" dirty="0" smtClean="0"/>
+              <a:t>git pull --</a:t>
+            </a:r>
+            <a:r>
+              <a:rPr lang="fr-FR" sz="1600" dirty="0" err="1" smtClean="0"/>
+              <a:t>rebase</a:t>
+            </a:r>
+            <a:r>
+              <a:rPr lang="fr-FR" sz="1600" dirty="0" smtClean="0"/>
+              <a:t> </a:t>
+            </a:r>
+            <a:r>
+              <a:rPr lang="fr-FR" sz="1600" dirty="0" err="1" smtClean="0"/>
+              <a:t>origin</a:t>
+            </a:r>
+            <a:r>
+              <a:rPr lang="fr-FR" sz="1600" dirty="0" smtClean="0"/>
+              <a:t> master</a:t>
+            </a:r>
+          </a:p>
+          <a:p>
+            <a:pPr lvl="1"/>
+            <a:r>
+              <a:rPr lang="fr-FR" sz="1600" dirty="0"/>
+              <a:t>g</a:t>
+            </a:r>
+            <a:r>
+              <a:rPr lang="fr-FR" sz="1600" dirty="0" smtClean="0"/>
+              <a:t>it push --force</a:t>
+            </a:r>
+          </a:p>
+          <a:p>
+            <a:endParaRPr lang="fr-FR" dirty="0" smtClean="0"/>
+          </a:p>
+          <a:p>
+            <a:endParaRPr lang="fr-FR" dirty="0" smtClean="0"/>
+          </a:p>
+          <a:p>
+            <a:endParaRPr lang="fr-CH" dirty="0"/>
+          </a:p>
+        </p:txBody>
+      </p:sp>
+      <p:pic>
+        <p:nvPicPr>
+          <p:cNvPr id="5" name="Image 4"/>
+          <p:cNvPicPr>
+            <a:picLocks noChangeAspect="1"/>
+          </p:cNvPicPr>
+          <p:nvPr/>
+        </p:nvPicPr>
+        <p:blipFill>
+          <a:blip r:embed="rId2"/>
+          <a:stretch>
+            <a:fillRect/>
+          </a:stretch>
+        </p:blipFill>
+        <p:spPr>
+          <a:xfrm>
+            <a:off x="5384718" y="2305636"/>
+            <a:ext cx="5082779" cy="3249799"/>
+          </a:xfrm>
+          <a:prstGeom prst="rect">
+            <a:avLst/>
+          </a:prstGeom>
+        </p:spPr>
+      </p:pic>
+    </p:spTree>
+    <p:extLst>
+      <p:ext uri="{BB962C8B-B14F-4D97-AF65-F5344CB8AC3E}">
+        <p14:creationId xmlns:p14="http://schemas.microsoft.com/office/powerpoint/2010/main" val="2019640898"/>
+      </p:ext>
+    </p:extLst>
+  </p:cSld>
+  <p:clrMapOvr>
+    <a:masterClrMapping/>
+  </p:clrMapOvr>
+</p:sld>
+</file>
+
+<file path=ppt/slides/slide11.xml><?xml version="1.0" encoding="utf-8"?>
+<p:sld xmlns:a="http://schemas.openxmlformats.org/drawingml/2006/main" xmlns:r="http://schemas.openxmlformats.org/officeDocument/2006/relationships" xmlns:p="http://schemas.openxmlformats.org/presentationml/2006/main">
+  <p:cSld>
+    <p:spTree>
+      <p:nvGrpSpPr>
+        <p:cNvPr id="1" name=""/>
+        <p:cNvGrpSpPr/>
+        <p:nvPr/>
+      </p:nvGrpSpPr>
+      <p:grpSpPr>
+        <a:xfrm>
+          <a:off x="0" y="0"/>
+          <a:ext cx="0" cy="0"/>
+          <a:chOff x="0" y="0"/>
+          <a:chExt cx="0" cy="0"/>
+        </a:xfrm>
+      </p:grpSpPr>
+      <p:sp>
+        <p:nvSpPr>
+          <p:cNvPr id="2" name="Titre 1"/>
+          <p:cNvSpPr>
+            <a:spLocks noGrp="1"/>
+          </p:cNvSpPr>
+          <p:nvPr>
+            <p:ph type="title"/>
+          </p:nvPr>
+        </p:nvSpPr>
+        <p:spPr/>
+        <p:txBody>
+          <a:bodyPr/>
+          <a:lstStyle/>
+          <a:p>
+            <a:r>
+              <a:rPr lang="fr-FR" dirty="0" smtClean="0"/>
+              <a:t>Explication</a:t>
+            </a:r>
+            <a:endParaRPr lang="fr-CH" dirty="0"/>
+          </a:p>
+        </p:txBody>
+      </p:sp>
+      <p:sp>
+        <p:nvSpPr>
+          <p:cNvPr id="3" name="Espace réservé du contenu 2"/>
+          <p:cNvSpPr>
+            <a:spLocks noGrp="1"/>
+          </p:cNvSpPr>
+          <p:nvPr>
+            <p:ph idx="1"/>
+          </p:nvPr>
+        </p:nvSpPr>
+        <p:spPr/>
+        <p:txBody>
+          <a:bodyPr>
+            <a:normAutofit/>
+          </a:bodyPr>
+          <a:lstStyle/>
+          <a:p>
+            <a:r>
+              <a:rPr lang="fr-CH" sz="1600" dirty="0"/>
+              <a:t>Un </a:t>
+            </a:r>
+            <a:r>
+              <a:rPr lang="fr-CH" sz="1600" dirty="0" err="1"/>
+              <a:t>rebase</a:t>
+            </a:r>
+            <a:r>
+              <a:rPr lang="fr-CH" sz="1600" dirty="0"/>
+              <a:t> consiste à détacher une branche d’un commit de notre </a:t>
+            </a:r>
+            <a:r>
+              <a:rPr lang="fr-CH" sz="1600" dirty="0" smtClean="0"/>
+              <a:t>graphe </a:t>
+            </a:r>
+            <a:r>
+              <a:rPr lang="fr-CH" sz="1600" dirty="0"/>
+              <a:t>git, pour le recoller sur </a:t>
+            </a:r>
+            <a:r>
+              <a:rPr lang="fr-CH" sz="1600" dirty="0" smtClean="0"/>
+              <a:t>un autre commit</a:t>
+            </a:r>
+          </a:p>
+          <a:p>
+            <a:r>
+              <a:rPr lang="fr-CH" sz="1600" dirty="0"/>
+              <a:t>En interne, git reconstruit les </a:t>
+            </a:r>
+            <a:r>
+              <a:rPr lang="fr-CH" sz="1600" dirty="0" err="1" smtClean="0"/>
+              <a:t>commits</a:t>
+            </a:r>
+            <a:r>
+              <a:rPr lang="fr-CH" sz="1600" dirty="0" smtClean="0"/>
+              <a:t> (=&gt; hash modifié) </a:t>
+            </a:r>
+            <a:r>
+              <a:rPr lang="fr-CH" sz="1600" dirty="0"/>
+              <a:t>et les </a:t>
+            </a:r>
+            <a:r>
+              <a:rPr lang="fr-CH" sz="1600" dirty="0" smtClean="0"/>
+              <a:t>rejoue</a:t>
+            </a:r>
+            <a:endParaRPr lang="fr-CH" sz="1600" dirty="0"/>
+          </a:p>
+        </p:txBody>
+      </p:sp>
+      <p:pic>
+        <p:nvPicPr>
+          <p:cNvPr id="5" name="Image 4"/>
+          <p:cNvPicPr>
+            <a:picLocks noChangeAspect="1"/>
+          </p:cNvPicPr>
+          <p:nvPr/>
+        </p:nvPicPr>
+        <p:blipFill>
+          <a:blip r:embed="rId2"/>
+          <a:stretch>
+            <a:fillRect/>
+          </a:stretch>
+        </p:blipFill>
+        <p:spPr>
+          <a:xfrm>
+            <a:off x="2506682" y="2862197"/>
+            <a:ext cx="6563177" cy="3836413"/>
+          </a:xfrm>
+          <a:prstGeom prst="rect">
+            <a:avLst/>
+          </a:prstGeom>
+        </p:spPr>
+      </p:pic>
+    </p:spTree>
+    <p:extLst>
+      <p:ext uri="{BB962C8B-B14F-4D97-AF65-F5344CB8AC3E}">
+        <p14:creationId xmlns:p14="http://schemas.microsoft.com/office/powerpoint/2010/main" val="4188038985"/>
+      </p:ext>
+    </p:extLst>
+  </p:cSld>
+  <p:clrMapOvr>
+    <a:masterClrMapping/>
+  </p:clrMapOvr>
+</p:sld>
+</file>
+
+<file path=ppt/slides/slide12.xml><?xml version="1.0" encoding="utf-8"?>
+<p:sld xmlns:a="http://schemas.openxmlformats.org/drawingml/2006/main" xmlns:r="http://schemas.openxmlformats.org/officeDocument/2006/relationships" xmlns:p="http://schemas.openxmlformats.org/presentationml/2006/main">
+  <p:cSld>
+    <p:spTree>
+      <p:nvGrpSpPr>
+        <p:cNvPr id="1" name=""/>
+        <p:cNvGrpSpPr/>
+        <p:nvPr/>
+      </p:nvGrpSpPr>
+      <p:grpSpPr>
+        <a:xfrm>
+          <a:off x="0" y="0"/>
+          <a:ext cx="0" cy="0"/>
+          <a:chOff x="0" y="0"/>
+          <a:chExt cx="0" cy="0"/>
+        </a:xfrm>
+      </p:grpSpPr>
+      <p:sp>
+        <p:nvSpPr>
+          <p:cNvPr id="2" name="Titre 1"/>
+          <p:cNvSpPr>
+            <a:spLocks noGrp="1"/>
+          </p:cNvSpPr>
+          <p:nvPr>
+            <p:ph type="title"/>
+          </p:nvPr>
+        </p:nvSpPr>
+        <p:spPr/>
+        <p:txBody>
+          <a:bodyPr/>
+          <a:lstStyle/>
+          <a:p>
+            <a:r>
+              <a:rPr lang="fr-FR" dirty="0" smtClean="0"/>
+              <a:t>Exercice: </a:t>
+            </a:r>
+            <a:r>
+              <a:rPr lang="fr-FR" dirty="0" err="1" smtClean="0"/>
+              <a:t>Rebase</a:t>
+            </a:r>
+            <a:endParaRPr lang="fr-CH" dirty="0"/>
+          </a:p>
+        </p:txBody>
+      </p:sp>
+      <p:sp>
+        <p:nvSpPr>
+          <p:cNvPr id="3" name="Espace réservé du contenu 2"/>
+          <p:cNvSpPr>
+            <a:spLocks noGrp="1"/>
+          </p:cNvSpPr>
+          <p:nvPr>
+            <p:ph idx="1"/>
+          </p:nvPr>
+        </p:nvSpPr>
+        <p:spPr/>
+        <p:txBody>
+          <a:bodyPr/>
+          <a:lstStyle/>
+          <a:p>
+            <a:r>
+              <a:rPr lang="fr-FR" sz="1600" dirty="0" smtClean="0"/>
+              <a:t>Cloner le </a:t>
+            </a:r>
+            <a:r>
+              <a:rPr lang="fr-FR" sz="1600" dirty="0"/>
+              <a:t>dépôt </a:t>
+            </a:r>
+            <a:r>
+              <a:rPr lang="fr-CH" sz="1600" dirty="0">
+                <a:hlinkClick r:id="rId2"/>
+              </a:rPr>
+              <a:t>https://</a:t>
+            </a:r>
+            <a:r>
+              <a:rPr lang="fr-CH" sz="1600" dirty="0" smtClean="0">
+                <a:hlinkClick r:id="rId2"/>
+              </a:rPr>
+              <a:t>gitlab.groupemutuel.ch/interdomaine/formation/page-web-participative-rebase</a:t>
+            </a:r>
+            <a:endParaRPr lang="fr-CH" sz="1600" dirty="0" smtClean="0"/>
+          </a:p>
+          <a:p>
+            <a:r>
+              <a:rPr lang="fr-FR" sz="1600" dirty="0" smtClean="0"/>
+              <a:t>Visualiser sur </a:t>
+            </a:r>
+            <a:r>
+              <a:rPr lang="fr-FR" sz="1600" dirty="0" err="1" smtClean="0"/>
+              <a:t>gitlab</a:t>
+            </a:r>
+            <a:endParaRPr lang="fr-FR" sz="1600" dirty="0" smtClean="0"/>
+          </a:p>
+          <a:p>
+            <a:r>
+              <a:rPr lang="fr-FR" sz="1600" dirty="0" smtClean="0"/>
+              <a:t>Afficher en console les 2 branches qui divergent</a:t>
+            </a:r>
+          </a:p>
+          <a:p>
+            <a:r>
+              <a:rPr lang="fr-FR" sz="1600" dirty="0" smtClean="0"/>
+              <a:t>Faire un pull </a:t>
+            </a:r>
+            <a:r>
+              <a:rPr lang="fr-FR" sz="1600" dirty="0" err="1" smtClean="0"/>
+              <a:t>rebase</a:t>
+            </a:r>
+            <a:r>
+              <a:rPr lang="fr-FR" sz="1600" dirty="0" smtClean="0"/>
+              <a:t> de </a:t>
+            </a:r>
+            <a:r>
+              <a:rPr lang="fr-FR" sz="1600" dirty="0"/>
+              <a:t>la branche </a:t>
+            </a:r>
+            <a:r>
+              <a:rPr lang="fr-FR" sz="1600" dirty="0" err="1" smtClean="0"/>
+              <a:t>feature-new_button</a:t>
+            </a:r>
+            <a:r>
+              <a:rPr lang="fr-FR" sz="1600" dirty="0" smtClean="0"/>
+              <a:t/>
+            </a:r>
+            <a:br>
+              <a:rPr lang="fr-FR" sz="1600" dirty="0" smtClean="0"/>
+            </a:br>
+            <a:r>
+              <a:rPr lang="fr-FR" sz="1600" dirty="0" smtClean="0"/>
+              <a:t>avec le master</a:t>
+            </a:r>
+          </a:p>
+          <a:p>
+            <a:r>
+              <a:rPr lang="fr-FR" sz="1600" dirty="0"/>
+              <a:t>Afficher en console les 2 branches qui </a:t>
+            </a:r>
+            <a:r>
+              <a:rPr lang="fr-FR" sz="1600" dirty="0" smtClean="0"/>
+              <a:t>divergent</a:t>
+            </a:r>
+          </a:p>
+          <a:p>
+            <a:r>
+              <a:rPr lang="fr-FR" sz="1600" dirty="0" smtClean="0"/>
+              <a:t>Faire un git push</a:t>
+            </a:r>
+            <a:endParaRPr lang="fr-FR" sz="1600" dirty="0"/>
+          </a:p>
+          <a:p>
+            <a:endParaRPr lang="fr-CH" dirty="0" smtClean="0"/>
+          </a:p>
+          <a:p>
+            <a:endParaRPr lang="fr-CH" dirty="0"/>
+          </a:p>
+        </p:txBody>
+      </p:sp>
+      <p:pic>
+        <p:nvPicPr>
+          <p:cNvPr id="5" name="Image 4"/>
+          <p:cNvPicPr>
+            <a:picLocks noChangeAspect="1"/>
+          </p:cNvPicPr>
+          <p:nvPr/>
+        </p:nvPicPr>
+        <p:blipFill>
+          <a:blip r:embed="rId3"/>
+          <a:stretch>
+            <a:fillRect/>
+          </a:stretch>
+        </p:blipFill>
+        <p:spPr>
+          <a:xfrm>
+            <a:off x="6235855" y="2469389"/>
+            <a:ext cx="4885425" cy="2998218"/>
+          </a:xfrm>
+          <a:prstGeom prst="rect">
+            <a:avLst/>
+          </a:prstGeom>
+        </p:spPr>
+      </p:pic>
+    </p:spTree>
+    <p:extLst>
+      <p:ext uri="{BB962C8B-B14F-4D97-AF65-F5344CB8AC3E}">
+        <p14:creationId xmlns:p14="http://schemas.microsoft.com/office/powerpoint/2010/main" val="1761097998"/>
+      </p:ext>
+    </p:extLst>
+  </p:cSld>
+  <p:clrMapOvr>
+    <a:masterClrMapping/>
+  </p:clrMapOvr>
+</p:sld>
+</file>
+
+<file path=ppt/slides/slide13.xml><?xml version="1.0" encoding="utf-8"?>
+<p:sld xmlns:a="http://schemas.openxmlformats.org/drawingml/2006/main" xmlns:r="http://schemas.openxmlformats.org/officeDocument/2006/relationships" xmlns:p="http://schemas.openxmlformats.org/presentationml/2006/main">
+  <p:cSld>
+    <p:spTree>
+      <p:nvGrpSpPr>
+        <p:cNvPr id="1" name=""/>
+        <p:cNvGrpSpPr/>
+        <p:nvPr/>
+      </p:nvGrpSpPr>
+      <p:grpSpPr>
+        <a:xfrm>
+          <a:off x="0" y="0"/>
+          <a:ext cx="0" cy="0"/>
+          <a:chOff x="0" y="0"/>
+          <a:chExt cx="0" cy="0"/>
+        </a:xfrm>
+      </p:grpSpPr>
+      <p:sp>
+        <p:nvSpPr>
+          <p:cNvPr id="2" name="Titre 1"/>
+          <p:cNvSpPr>
+            <a:spLocks noGrp="1"/>
+          </p:cNvSpPr>
+          <p:nvPr>
+            <p:ph type="title"/>
+          </p:nvPr>
+        </p:nvSpPr>
+        <p:spPr/>
+        <p:txBody>
+          <a:bodyPr/>
+          <a:lstStyle/>
+          <a:p>
+            <a:r>
+              <a:rPr lang="fr-FR" dirty="0" err="1" smtClean="0"/>
+              <a:t>Rebase</a:t>
+            </a:r>
+            <a:r>
+              <a:rPr lang="fr-FR" dirty="0" smtClean="0"/>
+              <a:t> en cas de conflit</a:t>
+            </a:r>
+            <a:endParaRPr lang="fr-CH" dirty="0"/>
+          </a:p>
+        </p:txBody>
+      </p:sp>
+      <p:sp>
+        <p:nvSpPr>
+          <p:cNvPr id="3" name="Espace réservé du contenu 2"/>
+          <p:cNvSpPr>
+            <a:spLocks noGrp="1"/>
+          </p:cNvSpPr>
+          <p:nvPr>
+            <p:ph idx="1"/>
+          </p:nvPr>
+        </p:nvSpPr>
+        <p:spPr>
+          <a:xfrm>
+            <a:off x="950384" y="1443038"/>
+            <a:ext cx="10281992" cy="4148136"/>
+          </a:xfrm>
+        </p:spPr>
+        <p:txBody>
+          <a:bodyPr>
+            <a:normAutofit/>
+          </a:bodyPr>
+          <a:lstStyle/>
+          <a:p>
+            <a:r>
+              <a:rPr lang="fr-FR" sz="1800" dirty="0" smtClean="0"/>
+              <a:t>Si des fichiers en conflit pendant le </a:t>
+            </a:r>
+            <a:r>
+              <a:rPr lang="fr-FR" sz="1800" dirty="0" err="1" smtClean="0"/>
+              <a:t>rebase</a:t>
+            </a:r>
+            <a:r>
+              <a:rPr lang="fr-FR" sz="1800" dirty="0" smtClean="0"/>
+              <a:t>, git redonne la main et attend une action manuelle</a:t>
+            </a:r>
+          </a:p>
+          <a:p>
+            <a:r>
+              <a:rPr lang="fr-FR" sz="1800" dirty="0" smtClean="0"/>
+              <a:t>Résoudre le(s) conflit(s) et continuez le </a:t>
+            </a:r>
+            <a:r>
+              <a:rPr lang="fr-FR" sz="1800" dirty="0" err="1" smtClean="0"/>
+              <a:t>rebase</a:t>
+            </a:r>
+            <a:r>
+              <a:rPr lang="fr-FR" sz="1800" dirty="0" smtClean="0"/>
+              <a:t>:</a:t>
+            </a:r>
+          </a:p>
+          <a:p>
+            <a:pPr lvl="1"/>
+            <a:r>
+              <a:rPr lang="fr-FR" sz="1600" dirty="0" smtClean="0"/>
+              <a:t>Editez le fichier et faire le </a:t>
+            </a:r>
+            <a:r>
+              <a:rPr lang="fr-FR" sz="1600" dirty="0" err="1" smtClean="0"/>
+              <a:t>merge</a:t>
+            </a:r>
+            <a:r>
+              <a:rPr lang="fr-FR" sz="1600" dirty="0" smtClean="0"/>
+              <a:t> manuellement</a:t>
+            </a:r>
+          </a:p>
+          <a:p>
+            <a:pPr lvl="1"/>
+            <a:r>
+              <a:rPr lang="fr-FR" sz="1600" dirty="0" smtClean="0"/>
+              <a:t>Ajoutez le fichier dans la zone de </a:t>
+            </a:r>
+            <a:r>
+              <a:rPr lang="fr-FR" sz="1600" dirty="0" err="1" smtClean="0"/>
+              <a:t>stagging</a:t>
+            </a:r>
+            <a:r>
+              <a:rPr lang="fr-FR" sz="1600" dirty="0" smtClean="0"/>
+              <a:t> (git </a:t>
+            </a:r>
+            <a:r>
+              <a:rPr lang="fr-FR" sz="1600" dirty="0" err="1" smtClean="0"/>
+              <a:t>add</a:t>
+            </a:r>
+            <a:r>
+              <a:rPr lang="fr-FR" sz="1600" dirty="0" smtClean="0"/>
+              <a:t> &lt;</a:t>
+            </a:r>
+            <a:r>
+              <a:rPr lang="fr-FR" sz="1600" dirty="0" err="1" smtClean="0"/>
+              <a:t>filename</a:t>
+            </a:r>
+            <a:r>
+              <a:rPr lang="fr-FR" sz="1600" dirty="0" smtClean="0"/>
+              <a:t>&gt;)</a:t>
+            </a:r>
+          </a:p>
+          <a:p>
+            <a:pPr lvl="1"/>
+            <a:r>
+              <a:rPr lang="fr-FR" sz="1600" dirty="0" smtClean="0"/>
+              <a:t>Continuez le </a:t>
+            </a:r>
+            <a:r>
+              <a:rPr lang="fr-FR" sz="1600" dirty="0" err="1" smtClean="0"/>
+              <a:t>rebase</a:t>
+            </a:r>
+            <a:r>
+              <a:rPr lang="fr-FR" sz="1600" dirty="0" smtClean="0"/>
+              <a:t>: git </a:t>
+            </a:r>
+            <a:r>
+              <a:rPr lang="fr-FR" sz="1600" dirty="0" err="1" smtClean="0"/>
+              <a:t>rebase</a:t>
+            </a:r>
+            <a:r>
+              <a:rPr lang="fr-FR" sz="1600" dirty="0" smtClean="0"/>
+              <a:t> –continue</a:t>
+            </a:r>
+          </a:p>
+          <a:p>
+            <a:r>
+              <a:rPr lang="fr-FR" sz="1800" dirty="0" smtClean="0"/>
+              <a:t>Pour annuler le </a:t>
+            </a:r>
+            <a:r>
+              <a:rPr lang="fr-FR" sz="1800" dirty="0" err="1" smtClean="0"/>
+              <a:t>rebase</a:t>
+            </a:r>
+            <a:r>
+              <a:rPr lang="fr-FR" sz="1800" dirty="0" smtClean="0"/>
+              <a:t> en cours </a:t>
+            </a:r>
+          </a:p>
+          <a:p>
+            <a:pPr lvl="1"/>
+            <a:r>
+              <a:rPr lang="fr-FR" sz="1600" dirty="0" smtClean="0"/>
+              <a:t>git </a:t>
+            </a:r>
+            <a:r>
+              <a:rPr lang="fr-FR" sz="1600" dirty="0" err="1" smtClean="0"/>
+              <a:t>rebase</a:t>
+            </a:r>
+            <a:r>
+              <a:rPr lang="fr-FR" sz="1600" dirty="0" smtClean="0"/>
+              <a:t> --</a:t>
+            </a:r>
+            <a:r>
+              <a:rPr lang="fr-FR" sz="1600" dirty="0" err="1" smtClean="0"/>
+              <a:t>abort</a:t>
+            </a:r>
+            <a:endParaRPr lang="fr-FR" sz="1600" dirty="0" smtClean="0"/>
+          </a:p>
+          <a:p>
+            <a:r>
+              <a:rPr lang="fr-FR" sz="1800" dirty="0" smtClean="0"/>
+              <a:t>Continuer le </a:t>
+            </a:r>
+            <a:r>
+              <a:rPr lang="fr-FR" sz="1800" dirty="0" err="1" smtClean="0"/>
+              <a:t>rebase</a:t>
+            </a:r>
+            <a:r>
+              <a:rPr lang="fr-FR" sz="1800" dirty="0" smtClean="0"/>
+              <a:t> en ignorant le conflit</a:t>
+            </a:r>
+          </a:p>
+          <a:p>
+            <a:pPr lvl="1"/>
+            <a:r>
+              <a:rPr lang="fr-FR" sz="1600" dirty="0" smtClean="0"/>
+              <a:t>git </a:t>
+            </a:r>
+            <a:r>
+              <a:rPr lang="fr-FR" sz="1600" dirty="0" err="1" smtClean="0"/>
+              <a:t>rebase</a:t>
+            </a:r>
+            <a:r>
+              <a:rPr lang="fr-FR" sz="1600" dirty="0" smtClean="0"/>
+              <a:t> --skip</a:t>
+            </a:r>
+          </a:p>
+          <a:p>
+            <a:pPr marL="623888" lvl="2" indent="0">
+              <a:buNone/>
+            </a:pPr>
+            <a:endParaRPr lang="fr-FR" dirty="0" smtClean="0"/>
+          </a:p>
+          <a:p>
+            <a:pPr marL="66675" indent="0">
+              <a:buNone/>
+            </a:pPr>
+            <a:endParaRPr lang="fr-CH" dirty="0"/>
+          </a:p>
+        </p:txBody>
+      </p:sp>
+    </p:spTree>
+    <p:extLst>
+      <p:ext uri="{BB962C8B-B14F-4D97-AF65-F5344CB8AC3E}">
+        <p14:creationId xmlns:p14="http://schemas.microsoft.com/office/powerpoint/2010/main" val="1250787570"/>
+      </p:ext>
+    </p:extLst>
+  </p:cSld>
+  <p:clrMapOvr>
+    <a:masterClrMapping/>
+  </p:clrMapOvr>
+</p:sld>
+</file>
+
+<file path=ppt/slides/slide14.xml><?xml version="1.0" encoding="utf-8"?>
+<p:sld xmlns:a="http://schemas.openxmlformats.org/drawingml/2006/main" xmlns:r="http://schemas.openxmlformats.org/officeDocument/2006/relationships" xmlns:p="http://schemas.openxmlformats.org/presentationml/2006/main">
+  <p:cSld>
+    <p:spTree>
+      <p:nvGrpSpPr>
+        <p:cNvPr id="1" name=""/>
+        <p:cNvGrpSpPr/>
+        <p:nvPr/>
+      </p:nvGrpSpPr>
+      <p:grpSpPr>
+        <a:xfrm>
+          <a:off x="0" y="0"/>
+          <a:ext cx="0" cy="0"/>
+          <a:chOff x="0" y="0"/>
+          <a:chExt cx="0" cy="0"/>
+        </a:xfrm>
+      </p:grpSpPr>
+      <p:sp>
+        <p:nvSpPr>
+          <p:cNvPr id="2" name="Titre 1"/>
+          <p:cNvSpPr>
+            <a:spLocks noGrp="1"/>
+          </p:cNvSpPr>
+          <p:nvPr>
+            <p:ph type="title"/>
+          </p:nvPr>
+        </p:nvSpPr>
+        <p:spPr/>
+        <p:txBody>
+          <a:bodyPr/>
+          <a:lstStyle/>
+          <a:p>
+            <a:r>
+              <a:rPr lang="fr-FR" dirty="0" err="1" smtClean="0"/>
+              <a:t>Merge</a:t>
+            </a:r>
+            <a:r>
+              <a:rPr lang="fr-FR" dirty="0" smtClean="0"/>
+              <a:t> de branche (= </a:t>
+            </a:r>
+            <a:r>
+              <a:rPr lang="fr-FR" dirty="0" err="1" smtClean="0"/>
+              <a:t>fuuuuusion</a:t>
+            </a:r>
+            <a:r>
+              <a:rPr lang="fr-FR" dirty="0" smtClean="0"/>
+              <a:t>)</a:t>
+            </a:r>
+            <a:endParaRPr lang="fr-CH" dirty="0"/>
+          </a:p>
+        </p:txBody>
+      </p:sp>
+      <p:pic>
+        <p:nvPicPr>
+          <p:cNvPr id="4098" name="Picture 2" descr="Image associÃ©e"/>
+          <p:cNvPicPr>
+            <a:picLocks noChangeAspect="1" noChangeArrowheads="1"/>
+          </p:cNvPicPr>
+          <p:nvPr/>
+        </p:nvPicPr>
+        <p:blipFill>
+          <a:blip r:embed="rId2">
+            <a:extLst>
+              <a:ext uri="{28A0092B-C50C-407E-A947-70E740481C1C}">
+                <a14:useLocalDpi xmlns:a14="http://schemas.microsoft.com/office/drawing/2010/main" val="0"/>
+              </a:ext>
+            </a:extLst>
+          </a:blip>
+          <a:srcRect/>
+          <a:stretch>
+            <a:fillRect/>
+          </a:stretch>
+        </p:blipFill>
+        <p:spPr bwMode="auto">
+          <a:xfrm>
+            <a:off x="1926710" y="1340705"/>
+            <a:ext cx="7983409" cy="4495641"/>
+          </a:xfrm>
+          <a:prstGeom prst="rect">
+            <a:avLst/>
+          </a:prstGeom>
+          <a:noFill/>
+          <a:extLst>
+            <a:ext uri="{909E8E84-426E-40DD-AFC4-6F175D3DCCD1}">
+              <a14:hiddenFill xmlns:a14="http://schemas.microsoft.com/office/drawing/2010/main">
+                <a:solidFill>
+                  <a:srgbClr val="FFFFFF"/>
+                </a:solidFill>
+              </a14:hiddenFill>
+            </a:ext>
+          </a:extLst>
+        </p:spPr>
+      </p:pic>
+    </p:spTree>
+    <p:extLst>
+      <p:ext uri="{BB962C8B-B14F-4D97-AF65-F5344CB8AC3E}">
+        <p14:creationId xmlns:p14="http://schemas.microsoft.com/office/powerpoint/2010/main" val="2898289949"/>
+      </p:ext>
+    </p:extLst>
+  </p:cSld>
+  <p:clrMapOvr>
+    <a:masterClrMapping/>
+  </p:clrMapOvr>
+</p:sld>
+</file>
+
+<file path=ppt/slides/slide15.xml><?xml version="1.0" encoding="utf-8"?>
+<p:sld xmlns:a="http://schemas.openxmlformats.org/drawingml/2006/main" xmlns:r="http://schemas.openxmlformats.org/officeDocument/2006/relationships" xmlns:p="http://schemas.openxmlformats.org/presentationml/2006/main">
+  <p:cSld>
+    <p:spTree>
+      <p:nvGrpSpPr>
+        <p:cNvPr id="1" name=""/>
+        <p:cNvGrpSpPr/>
+        <p:nvPr/>
+      </p:nvGrpSpPr>
+      <p:grpSpPr>
+        <a:xfrm>
+          <a:off x="0" y="0"/>
+          <a:ext cx="0" cy="0"/>
+          <a:chOff x="0" y="0"/>
+          <a:chExt cx="0" cy="0"/>
+        </a:xfrm>
+      </p:grpSpPr>
+      <p:sp>
+        <p:nvSpPr>
+          <p:cNvPr id="2" name="Titre 1"/>
+          <p:cNvSpPr>
+            <a:spLocks noGrp="1"/>
+          </p:cNvSpPr>
+          <p:nvPr>
+            <p:ph type="title"/>
+          </p:nvPr>
+        </p:nvSpPr>
+        <p:spPr/>
+        <p:txBody>
+          <a:bodyPr/>
+          <a:lstStyle/>
+          <a:p>
+            <a:r>
+              <a:rPr lang="fr-FR" dirty="0" err="1" smtClean="0"/>
+              <a:t>Merge</a:t>
+            </a:r>
+            <a:endParaRPr lang="fr-CH" dirty="0"/>
+          </a:p>
+        </p:txBody>
+      </p:sp>
+      <p:sp>
+        <p:nvSpPr>
+          <p:cNvPr id="3" name="Espace réservé du contenu 2"/>
+          <p:cNvSpPr>
+            <a:spLocks noGrp="1"/>
+          </p:cNvSpPr>
+          <p:nvPr>
+            <p:ph idx="1"/>
+          </p:nvPr>
+        </p:nvSpPr>
+        <p:spPr>
+          <a:xfrm>
+            <a:off x="950384" y="1443038"/>
+            <a:ext cx="10281992" cy="4148136"/>
+          </a:xfrm>
+        </p:spPr>
+        <p:txBody>
+          <a:bodyPr>
+            <a:normAutofit lnSpcReduction="10000"/>
+          </a:bodyPr>
+          <a:lstStyle/>
+          <a:p>
+            <a:r>
+              <a:rPr lang="fr-FR" sz="1600" dirty="0" smtClean="0"/>
+              <a:t>Il existe 2 types</a:t>
+            </a:r>
+          </a:p>
+          <a:p>
+            <a:pPr lvl="1"/>
+            <a:r>
+              <a:rPr lang="fr-FR" sz="1400" dirty="0" smtClean="0"/>
+              <a:t>no-</a:t>
+            </a:r>
+            <a:r>
+              <a:rPr lang="fr-FR" sz="1400" dirty="0" err="1" smtClean="0"/>
+              <a:t>fast</a:t>
+            </a:r>
+            <a:r>
+              <a:rPr lang="fr-FR" sz="1400" dirty="0" smtClean="0"/>
+              <a:t>-</a:t>
+            </a:r>
+            <a:r>
+              <a:rPr lang="fr-FR" sz="1400" dirty="0" err="1" smtClean="0"/>
+              <a:t>forward</a:t>
+            </a:r>
+            <a:r>
+              <a:rPr lang="fr-FR" sz="1400" dirty="0" smtClean="0"/>
+              <a:t>: branche identifiable dans l’historique</a:t>
+            </a:r>
+          </a:p>
+          <a:p>
+            <a:pPr lvl="1"/>
+            <a:r>
+              <a:rPr lang="fr-FR" sz="1400" dirty="0" err="1"/>
+              <a:t>f</a:t>
+            </a:r>
+            <a:r>
+              <a:rPr lang="fr-FR" sz="1400" dirty="0" err="1" smtClean="0"/>
+              <a:t>ast-forward</a:t>
+            </a:r>
+            <a:r>
+              <a:rPr lang="fr-FR" sz="1400" dirty="0" smtClean="0"/>
+              <a:t>: branche transparente dans l’historique</a:t>
+            </a:r>
+            <a:endParaRPr lang="fr-FR" dirty="0" smtClean="0"/>
+          </a:p>
+          <a:p>
+            <a:r>
+              <a:rPr lang="fr-FR" sz="1600" dirty="0" smtClean="0"/>
+              <a:t>Par défaut, le comportement de </a:t>
+            </a:r>
+            <a:r>
+              <a:rPr lang="fr-FR" sz="1400" b="1" i="1" dirty="0" smtClean="0"/>
+              <a:t>git </a:t>
+            </a:r>
+            <a:r>
+              <a:rPr lang="fr-FR" sz="1400" b="1" i="1" dirty="0" err="1" smtClean="0"/>
+              <a:t>merge</a:t>
+            </a:r>
+            <a:r>
+              <a:rPr lang="fr-FR" sz="1400" b="1" i="1" dirty="0" smtClean="0"/>
+              <a:t> </a:t>
+            </a:r>
+            <a:r>
+              <a:rPr lang="fr-FR" sz="1400" b="1" i="1" dirty="0" err="1" smtClean="0"/>
+              <a:t>mabranche</a:t>
+            </a:r>
+            <a:r>
+              <a:rPr lang="fr-FR" sz="1400" b="1" i="1" dirty="0" smtClean="0"/>
+              <a:t> </a:t>
+            </a:r>
+            <a:r>
+              <a:rPr lang="fr-FR" sz="1600" dirty="0" smtClean="0"/>
+              <a:t>est le suivant</a:t>
+            </a:r>
+          </a:p>
+          <a:p>
+            <a:pPr lvl="1"/>
+            <a:r>
+              <a:rPr lang="fr-FR" sz="1400" dirty="0" smtClean="0"/>
+              <a:t>La branche de référence a divergée: no-</a:t>
+            </a:r>
+            <a:r>
+              <a:rPr lang="fr-FR" sz="1400" dirty="0" err="1" smtClean="0"/>
+              <a:t>fast</a:t>
+            </a:r>
+            <a:r>
+              <a:rPr lang="fr-FR" sz="1400" dirty="0" smtClean="0"/>
+              <a:t>-</a:t>
+            </a:r>
+            <a:r>
+              <a:rPr lang="fr-FR" sz="1400" dirty="0" err="1" smtClean="0"/>
+              <a:t>forward</a:t>
+            </a:r>
+            <a:endParaRPr lang="fr-FR" sz="1400" dirty="0" smtClean="0"/>
+          </a:p>
+          <a:p>
+            <a:pPr lvl="1"/>
+            <a:r>
+              <a:rPr lang="fr-FR" sz="1400" dirty="0" smtClean="0"/>
+              <a:t>La branche de référence n’a pas divergée : </a:t>
+            </a:r>
+            <a:r>
+              <a:rPr lang="fr-FR" sz="1400" dirty="0" err="1" smtClean="0"/>
+              <a:t>fast-forward</a:t>
+            </a:r>
+            <a:endParaRPr lang="fr-FR" sz="1400" dirty="0" smtClean="0"/>
+          </a:p>
+          <a:p>
+            <a:r>
+              <a:rPr lang="fr-FR" sz="1600" dirty="0" smtClean="0"/>
+              <a:t>Forcer le comportement par défaut</a:t>
+            </a:r>
+          </a:p>
+          <a:p>
+            <a:pPr lvl="1"/>
+            <a:r>
+              <a:rPr lang="fr-FR" sz="1400" dirty="0" smtClean="0"/>
+              <a:t>Forcer le no-</a:t>
+            </a:r>
+            <a:r>
+              <a:rPr lang="fr-FR" sz="1400" dirty="0" err="1" smtClean="0"/>
+              <a:t>fast</a:t>
+            </a:r>
+            <a:r>
+              <a:rPr lang="fr-FR" sz="1400" dirty="0" smtClean="0"/>
+              <a:t>-</a:t>
+            </a:r>
+            <a:r>
+              <a:rPr lang="fr-FR" sz="1400" dirty="0" err="1" smtClean="0"/>
+              <a:t>forward</a:t>
+            </a:r>
+            <a:r>
+              <a:rPr lang="fr-FR" sz="1400" dirty="0" smtClean="0"/>
+              <a:t>: git </a:t>
+            </a:r>
+            <a:r>
+              <a:rPr lang="fr-FR" sz="1400" dirty="0" err="1" smtClean="0"/>
+              <a:t>merge</a:t>
+            </a:r>
+            <a:r>
+              <a:rPr lang="fr-FR" sz="1400" dirty="0" smtClean="0"/>
+              <a:t> --no-</a:t>
+            </a:r>
+            <a:r>
+              <a:rPr lang="fr-FR" sz="1400" dirty="0" err="1" smtClean="0"/>
+              <a:t>ff</a:t>
+            </a:r>
+            <a:r>
+              <a:rPr lang="fr-FR" sz="1400" dirty="0" smtClean="0"/>
+              <a:t> </a:t>
+            </a:r>
+            <a:r>
+              <a:rPr lang="fr-FR" sz="1400" dirty="0" err="1" smtClean="0"/>
+              <a:t>mabranche</a:t>
+            </a:r>
+            <a:endParaRPr lang="fr-FR" sz="1400" dirty="0" smtClean="0"/>
+          </a:p>
+          <a:p>
+            <a:pPr lvl="1"/>
+            <a:r>
+              <a:rPr lang="fr-FR" sz="1400" dirty="0" smtClean="0"/>
+              <a:t>Forcer le </a:t>
+            </a:r>
+            <a:r>
+              <a:rPr lang="fr-FR" sz="1400" dirty="0" err="1" smtClean="0"/>
+              <a:t>fast-forward</a:t>
+            </a:r>
+            <a:r>
+              <a:rPr lang="fr-FR" sz="1400" dirty="0" smtClean="0"/>
+              <a:t>: git pull --</a:t>
+            </a:r>
+            <a:r>
+              <a:rPr lang="fr-FR" sz="1400" dirty="0" err="1" smtClean="0"/>
+              <a:t>rebase</a:t>
+            </a:r>
+            <a:r>
+              <a:rPr lang="fr-FR" sz="1400" dirty="0" smtClean="0"/>
+              <a:t> </a:t>
+            </a:r>
+            <a:r>
+              <a:rPr lang="fr-FR" sz="1400" dirty="0" err="1" smtClean="0"/>
+              <a:t>origin</a:t>
+            </a:r>
+            <a:r>
+              <a:rPr lang="fr-FR" sz="1400" dirty="0" smtClean="0"/>
+              <a:t> master + git </a:t>
+            </a:r>
+            <a:r>
+              <a:rPr lang="fr-FR" sz="1400" dirty="0" err="1" smtClean="0"/>
+              <a:t>merge</a:t>
+            </a:r>
+            <a:r>
+              <a:rPr lang="fr-FR" sz="1400" dirty="0" smtClean="0"/>
+              <a:t> </a:t>
+            </a:r>
+            <a:r>
+              <a:rPr lang="fr-FR" sz="1400" dirty="0" err="1" smtClean="0"/>
+              <a:t>mabranche</a:t>
+            </a:r>
+            <a:endParaRPr lang="fr-FR" sz="1400" dirty="0" smtClean="0"/>
+          </a:p>
+          <a:p>
+            <a:r>
+              <a:rPr lang="fr-FR" sz="1600" dirty="0" smtClean="0"/>
+              <a:t>Il est possible de modifier le comportement par défaut dans les </a:t>
+            </a:r>
+            <a:r>
+              <a:rPr lang="fr-FR" sz="1600" dirty="0" err="1" smtClean="0"/>
+              <a:t>configs</a:t>
+            </a:r>
+            <a:endParaRPr lang="fr-FR" sz="1600" dirty="0" smtClean="0"/>
+          </a:p>
+          <a:p>
+            <a:pPr lvl="1"/>
+            <a:r>
+              <a:rPr lang="fr-FR" sz="1400" dirty="0" smtClean="0"/>
+              <a:t>Empêcher le </a:t>
+            </a:r>
+            <a:r>
+              <a:rPr lang="fr-FR" sz="1400" dirty="0" err="1" smtClean="0"/>
+              <a:t>fast-forward</a:t>
+            </a:r>
+            <a:r>
+              <a:rPr lang="fr-FR" sz="1400" dirty="0" smtClean="0"/>
+              <a:t>: </a:t>
+            </a:r>
+            <a:r>
+              <a:rPr lang="fr-FR" sz="1400" dirty="0" err="1" smtClean="0"/>
+              <a:t>merge.ff</a:t>
+            </a:r>
+            <a:r>
+              <a:rPr lang="fr-FR" sz="1400" dirty="0" smtClean="0"/>
+              <a:t>=false</a:t>
+            </a:r>
+          </a:p>
+          <a:p>
+            <a:pPr lvl="1"/>
+            <a:r>
+              <a:rPr lang="fr-FR" sz="1400" dirty="0" smtClean="0"/>
+              <a:t>Forcer le </a:t>
+            </a:r>
+            <a:r>
+              <a:rPr lang="fr-FR" sz="1400" dirty="0" err="1" smtClean="0"/>
+              <a:t>fast-forward</a:t>
+            </a:r>
+            <a:r>
+              <a:rPr lang="fr-FR" sz="1400" dirty="0" smtClean="0"/>
+              <a:t>: </a:t>
+            </a:r>
+            <a:r>
+              <a:rPr lang="fr-FR" sz="1400" dirty="0" err="1" smtClean="0"/>
+              <a:t>merge.ff</a:t>
+            </a:r>
+            <a:r>
+              <a:rPr lang="fr-FR" sz="1400" dirty="0" smtClean="0"/>
+              <a:t>=</a:t>
+            </a:r>
+            <a:r>
+              <a:rPr lang="fr-FR" sz="1400" dirty="0" err="1" smtClean="0"/>
+              <a:t>only</a:t>
+            </a:r>
+            <a:endParaRPr lang="fr-CH" sz="1400" dirty="0"/>
+          </a:p>
+        </p:txBody>
+      </p:sp>
+      <p:sp>
+        <p:nvSpPr>
+          <p:cNvPr id="5" name="Rectangle 1"/>
+          <p:cNvSpPr>
+            <a:spLocks noChangeArrowheads="1"/>
+          </p:cNvSpPr>
+          <p:nvPr/>
+        </p:nvSpPr>
+        <p:spPr bwMode="auto">
+          <a:xfrm>
+            <a:off x="0" y="0"/>
+            <a:ext cx="12192000" cy="0"/>
+          </a:xfrm>
+          <a:prstGeom prst="rect">
+            <a:avLst/>
+          </a:prstGeom>
+          <a:solidFill>
+            <a:srgbClr val="FFFFFF"/>
+          </a:solidFill>
+          <a:ln>
+            <a:noFill/>
+          </a:ln>
+          <a:effectLst/>
+          <a:extLst>
+            <a:ext uri="{91240B29-F687-4F45-9708-019B960494DF}">
+              <a14:hiddenLine xmlns:a14="http://schemas.microsoft.com/office/drawing/2010/main" w="9525">
+                <a:solidFill>
+                  <a:schemeClr val="tx1"/>
+                </a:solidFill>
+                <a:miter lim="800000"/>
+                <a:headEnd/>
+                <a:tailEnd/>
+              </a14:hiddenLine>
+            </a:ext>
+            <a:ext uri="{AF507438-7753-43E0-B8FC-AC1667EBCBE1}">
+              <a14:hiddenEffects xmlns:a14="http://schemas.microsoft.com/office/drawing/2010/main">
+                <a:effectLst>
+                  <a:outerShdw dist="35921" dir="2700000" algn="ctr" rotWithShape="0">
+                    <a:schemeClr val="bg2"/>
+                  </a:outerShdw>
+                </a:effectLst>
+              </a14:hiddenEffects>
+            </a:ext>
+          </a:extLst>
+        </p:spPr>
+        <p:txBody>
+          <a:bodyPr vert="horz" wrap="none" lIns="12696" tIns="0" rIns="12696" bIns="0" numCol="1" anchor="ctr" anchorCtr="0" compatLnSpc="1">
+            <a:prstTxWarp prst="textNoShape">
+              <a:avLst/>
+            </a:prstTxWarp>
+            <a:spAutoFit/>
+          </a:bodyPr>
+          <a:lstStyle/>
+          <a:p>
+            <a:pPr marL="0" marR="0" lvl="0" indent="0" algn="l" defTabSz="914400" rtl="0" eaLnBrk="0" fontAlgn="base" latinLnBrk="0" hangingPunct="0">
+              <a:lnSpc>
+                <a:spcPct val="100000"/>
+              </a:lnSpc>
+              <a:spcBef>
+                <a:spcPct val="0"/>
+              </a:spcBef>
+              <a:spcAft>
+                <a:spcPct val="0"/>
+              </a:spcAft>
+              <a:buClrTx/>
+              <a:buSzTx/>
+              <a:buFontTx/>
+              <a:buNone/>
+              <a:tabLst/>
+            </a:pPr>
+            <a:endParaRPr kumimoji="0" lang="fr-FR" altLang="fr-FR" sz="1800" b="0" i="0" u="none" strike="noStrike" cap="none" normalizeH="0" baseline="0" smtClean="0">
+              <a:ln>
+                <a:noFill/>
+              </a:ln>
+              <a:solidFill>
+                <a:schemeClr val="tx1"/>
+              </a:solidFill>
+              <a:effectLst/>
+              <a:latin typeface="Arial" panose="020B0604020202020204" pitchFamily="34" charset="0"/>
+            </a:endParaRPr>
+          </a:p>
+          <a:p>
+            <a:pPr marL="0" marR="0" lvl="0" indent="0" algn="l" defTabSz="914400" rtl="0" eaLnBrk="0" fontAlgn="base" latinLnBrk="0" hangingPunct="0">
+              <a:lnSpc>
+                <a:spcPct val="100000"/>
+              </a:lnSpc>
+              <a:spcBef>
+                <a:spcPct val="0"/>
+              </a:spcBef>
+              <a:spcAft>
+                <a:spcPct val="0"/>
+              </a:spcAft>
+              <a:buClrTx/>
+              <a:buSzTx/>
+              <a:buFontTx/>
+              <a:buChar char="•"/>
+              <a:tabLst/>
+            </a:pPr>
+            <a:r>
+              <a:rPr kumimoji="0" lang="fr-FR" altLang="fr-FR" sz="1000" b="0" i="0" u="none" strike="noStrike" cap="none" normalizeH="0" baseline="0" smtClean="0">
+                <a:ln>
+                  <a:noFill/>
+                </a:ln>
+                <a:solidFill>
+                  <a:srgbClr val="000000"/>
+                </a:solidFill>
+                <a:effectLst/>
+                <a:latin typeface="Courier New" panose="02070309020205020404" pitchFamily="49" charset="0"/>
+                <a:cs typeface="Courier New" panose="02070309020205020404" pitchFamily="49" charset="0"/>
+              </a:rPr>
+              <a:t>merge.ff = false</a:t>
+            </a:r>
+            <a:endParaRPr kumimoji="0" lang="fr-FR" altLang="fr-FR" sz="1300" b="0" i="0" u="none" strike="noStrike" cap="none" normalizeH="0" baseline="0" smtClean="0">
+              <a:ln>
+                <a:noFill/>
+              </a:ln>
+              <a:solidFill>
+                <a:srgbClr val="000000"/>
+              </a:solidFill>
+              <a:effectLst/>
+              <a:latin typeface="open_sanslight"/>
+            </a:endParaRPr>
+          </a:p>
+          <a:p>
+            <a:pPr marL="0" marR="0" lvl="0" indent="0" algn="l" defTabSz="914400" rtl="0" eaLnBrk="0" fontAlgn="base" latinLnBrk="0" hangingPunct="0">
+              <a:lnSpc>
+                <a:spcPct val="100000"/>
+              </a:lnSpc>
+              <a:spcBef>
+                <a:spcPct val="0"/>
+              </a:spcBef>
+              <a:spcAft>
+                <a:spcPct val="0"/>
+              </a:spcAft>
+              <a:buClrTx/>
+              <a:buSzTx/>
+              <a:buFontTx/>
+              <a:buNone/>
+              <a:tabLst/>
+            </a:pPr>
+            <a:endParaRPr kumimoji="0" lang="fr-FR" altLang="fr-FR" sz="1800" b="0" i="0" u="none" strike="noStrike" cap="none" normalizeH="0" baseline="0" smtClean="0">
+              <a:ln>
+                <a:noFill/>
+              </a:ln>
+              <a:solidFill>
+                <a:schemeClr val="tx1"/>
+              </a:solidFill>
+              <a:effectLst/>
+              <a:latin typeface="Arial" panose="020B0604020202020204" pitchFamily="34" charset="0"/>
+            </a:endParaRPr>
+          </a:p>
+        </p:txBody>
+      </p:sp>
+    </p:spTree>
+    <p:extLst>
+      <p:ext uri="{BB962C8B-B14F-4D97-AF65-F5344CB8AC3E}">
+        <p14:creationId xmlns:p14="http://schemas.microsoft.com/office/powerpoint/2010/main" val="525843154"/>
+      </p:ext>
+    </p:extLst>
+  </p:cSld>
+  <p:clrMapOvr>
+    <a:masterClrMapping/>
+  </p:clrMapOvr>
+</p:sld>
+</file>
+
+<file path=ppt/slides/slide16.xml><?xml version="1.0" encoding="utf-8"?>
+<p:sld xmlns:a="http://schemas.openxmlformats.org/drawingml/2006/main" xmlns:r="http://schemas.openxmlformats.org/officeDocument/2006/relationships" xmlns:p="http://schemas.openxmlformats.org/presentationml/2006/main">
+  <p:cSld>
+    <p:spTree>
+      <p:nvGrpSpPr>
+        <p:cNvPr id="1" name=""/>
+        <p:cNvGrpSpPr/>
+        <p:nvPr/>
+      </p:nvGrpSpPr>
+      <p:grpSpPr>
+        <a:xfrm>
+          <a:off x="0" y="0"/>
+          <a:ext cx="0" cy="0"/>
+          <a:chOff x="0" y="0"/>
+          <a:chExt cx="0" cy="0"/>
+        </a:xfrm>
+      </p:grpSpPr>
+      <p:sp>
+        <p:nvSpPr>
+          <p:cNvPr id="2" name="Titre 1"/>
+          <p:cNvSpPr>
+            <a:spLocks noGrp="1"/>
+          </p:cNvSpPr>
+          <p:nvPr>
+            <p:ph type="title"/>
+          </p:nvPr>
+        </p:nvSpPr>
+        <p:spPr/>
+        <p:txBody>
+          <a:bodyPr/>
+          <a:lstStyle/>
+          <a:p>
+            <a:r>
+              <a:rPr lang="fr-FR" dirty="0" err="1" smtClean="0"/>
+              <a:t>Merge</a:t>
+            </a:r>
+            <a:endParaRPr lang="fr-CH" dirty="0"/>
+          </a:p>
+        </p:txBody>
+      </p:sp>
+      <p:sp>
+        <p:nvSpPr>
+          <p:cNvPr id="3" name="Espace réservé du contenu 2"/>
+          <p:cNvSpPr>
+            <a:spLocks noGrp="1"/>
+          </p:cNvSpPr>
+          <p:nvPr>
+            <p:ph idx="1"/>
+          </p:nvPr>
+        </p:nvSpPr>
+        <p:spPr>
+          <a:xfrm>
+            <a:off x="2795660" y="5279125"/>
+            <a:ext cx="10281992" cy="3640136"/>
+          </a:xfrm>
+        </p:spPr>
+        <p:txBody>
+          <a:bodyPr/>
+          <a:lstStyle/>
+          <a:p>
+            <a:r>
+              <a:rPr lang="fr-FR" dirty="0" smtClean="0"/>
+              <a:t>Pas de commit de </a:t>
+            </a:r>
+            <a:r>
+              <a:rPr lang="fr-FR" dirty="0" err="1" smtClean="0"/>
+              <a:t>merge</a:t>
+            </a:r>
+            <a:endParaRPr lang="fr-FR" dirty="0" smtClean="0"/>
+          </a:p>
+          <a:p>
+            <a:endParaRPr lang="fr-CH" dirty="0"/>
+          </a:p>
+        </p:txBody>
+      </p:sp>
+      <p:pic>
+        <p:nvPicPr>
+          <p:cNvPr id="6148" name="Picture 4" descr="fast-forward-merge"/>
+          <p:cNvPicPr>
+            <a:picLocks noChangeAspect="1" noChangeArrowheads="1"/>
+          </p:cNvPicPr>
+          <p:nvPr/>
+        </p:nvPicPr>
+        <p:blipFill>
+          <a:blip r:embed="rId2">
+            <a:extLst>
+              <a:ext uri="{28A0092B-C50C-407E-A947-70E740481C1C}">
+                <a14:useLocalDpi xmlns:a14="http://schemas.microsoft.com/office/drawing/2010/main" val="0"/>
+              </a:ext>
+            </a:extLst>
+          </a:blip>
+          <a:srcRect/>
+          <a:stretch>
+            <a:fillRect/>
+          </a:stretch>
+        </p:blipFill>
+        <p:spPr bwMode="auto">
+          <a:xfrm>
+            <a:off x="2311243" y="720163"/>
+            <a:ext cx="7268985" cy="5457437"/>
+          </a:xfrm>
+          <a:prstGeom prst="rect">
+            <a:avLst/>
+          </a:prstGeom>
+          <a:noFill/>
+          <a:extLst>
+            <a:ext uri="{909E8E84-426E-40DD-AFC4-6F175D3DCCD1}">
+              <a14:hiddenFill xmlns:a14="http://schemas.microsoft.com/office/drawing/2010/main">
+                <a:solidFill>
+                  <a:srgbClr val="FFFFFF"/>
+                </a:solidFill>
+              </a14:hiddenFill>
+            </a:ext>
+          </a:extLst>
+        </p:spPr>
+      </p:pic>
+    </p:spTree>
+    <p:extLst>
+      <p:ext uri="{BB962C8B-B14F-4D97-AF65-F5344CB8AC3E}">
+        <p14:creationId xmlns:p14="http://schemas.microsoft.com/office/powerpoint/2010/main" val="2238224726"/>
+      </p:ext>
+    </p:extLst>
+  </p:cSld>
+  <p:clrMapOvr>
+    <a:masterClrMapping/>
+  </p:clrMapOvr>
+</p:sld>
+</file>
+
+<file path=ppt/slides/slide17.xml><?xml version="1.0" encoding="utf-8"?>
+<p:sld xmlns:a="http://schemas.openxmlformats.org/drawingml/2006/main" xmlns:r="http://schemas.openxmlformats.org/officeDocument/2006/relationships" xmlns:p="http://schemas.openxmlformats.org/presentationml/2006/main">
+  <p:cSld>
+    <p:spTree>
+      <p:nvGrpSpPr>
+        <p:cNvPr id="1" name=""/>
+        <p:cNvGrpSpPr/>
+        <p:nvPr/>
+      </p:nvGrpSpPr>
+      <p:grpSpPr>
+        <a:xfrm>
+          <a:off x="0" y="0"/>
+          <a:ext cx="0" cy="0"/>
+          <a:chOff x="0" y="0"/>
+          <a:chExt cx="0" cy="0"/>
+        </a:xfrm>
+      </p:grpSpPr>
+      <p:sp>
+        <p:nvSpPr>
+          <p:cNvPr id="2" name="Titre 1"/>
+          <p:cNvSpPr>
+            <a:spLocks noGrp="1"/>
+          </p:cNvSpPr>
+          <p:nvPr>
+            <p:ph type="title"/>
+          </p:nvPr>
+        </p:nvSpPr>
+        <p:spPr/>
+        <p:txBody>
+          <a:bodyPr/>
+          <a:lstStyle/>
+          <a:p>
+            <a:r>
               <a:rPr lang="fr-CH" dirty="0"/>
               <a:t>Hands-on : </a:t>
             </a:r>
             <a:r>
               <a:rPr lang="fr-CH" dirty="0" smtClean="0"/>
-              <a:t>git </a:t>
+              <a:t>git cherry </a:t>
+            </a:r>
+            <a:r>
+              <a:rPr lang="fr-CH" dirty="0" err="1" smtClean="0"/>
+              <a:t>pick</a:t>
+            </a:r>
+            <a:r>
+              <a:rPr lang="fr-CH" dirty="0" smtClean="0"/>
+              <a:t>, </a:t>
+            </a:r>
+            <a:r>
+              <a:rPr lang="fr-CH" dirty="0" err="1" smtClean="0"/>
+              <a:t>rebase</a:t>
+            </a:r>
+            <a:r>
+              <a:rPr lang="fr-CH" dirty="0" smtClean="0"/>
+              <a:t> onto et </a:t>
             </a:r>
             <a:r>
               <a:rPr lang="fr-CH" dirty="0" err="1" smtClean="0"/>
               <a:t>bisect</a:t>
             </a:r>
-            <a:r>
-              <a:rPr lang="fr-CH" dirty="0" smtClean="0"/>
-              <a:t> et cherry </a:t>
-            </a:r>
-            <a:r>
-              <a:rPr lang="fr-CH" dirty="0" err="1" smtClean="0"/>
-              <a:t>pick</a:t>
-            </a:r>
-            <a:r>
-              <a:rPr lang="fr-CH" dirty="0"/>
-              <a:t/>
-            </a:r>
-            <a:br>
-              <a:rPr lang="fr-CH" dirty="0"/>
-            </a:br>
             <a:endParaRPr lang="fr-CH" dirty="0"/>
           </a:p>
         </p:txBody>
@@ -13198,7 +14838,7 @@
 </p:sld>
 </file>
 
-<file path=ppt/slides/slide2.xml><?xml version="1.0" encoding="utf-8"?>
+<file path=ppt/slides/slide18.xml><?xml version="1.0" encoding="utf-8"?>
 <p:sld xmlns:a="http://schemas.openxmlformats.org/drawingml/2006/main" xmlns:r="http://schemas.openxmlformats.org/officeDocument/2006/relationships" xmlns:p="http://schemas.openxmlformats.org/presentationml/2006/main">
   <p:cSld>
     <p:spTree>
@@ -13624,7 +15264,7 @@
 </p:sld>
 </file>
 
-<file path=ppt/slides/slide3.xml><?xml version="1.0" encoding="utf-8"?>
+<file path=ppt/slides/slide19.xml><?xml version="1.0" encoding="utf-8"?>
 <p:sld xmlns:a="http://schemas.openxmlformats.org/drawingml/2006/main" xmlns:r="http://schemas.openxmlformats.org/officeDocument/2006/relationships" xmlns:p="http://schemas.openxmlformats.org/presentationml/2006/main">
   <p:cSld>
     <p:spTree>
@@ -13843,7 +15483,7 @@
 </p:sld>
 </file>
 
-<file path=ppt/slides/slide4.xml><?xml version="1.0" encoding="utf-8"?>
+<file path=ppt/slides/slide2.xml><?xml version="1.0" encoding="utf-8"?>
 <p:sld xmlns:a="http://schemas.openxmlformats.org/drawingml/2006/main" xmlns:r="http://schemas.openxmlformats.org/officeDocument/2006/relationships" xmlns:p="http://schemas.openxmlformats.org/presentationml/2006/main">
   <p:cSld>
     <p:spTree>
@@ -13876,6 +15516,160 @@
           <a:lstStyle/>
           <a:p>
             <a:r>
+              <a:rPr lang="fr-FR" dirty="0" smtClean="0"/>
+              <a:t>L’architecture</a:t>
+            </a:r>
+            <a:endParaRPr lang="fr-CH" dirty="0"/>
+          </a:p>
+        </p:txBody>
+      </p:sp>
+      <p:sp>
+        <p:nvSpPr>
+          <p:cNvPr id="3" name="Espace réservé du contenu 2"/>
+          <p:cNvSpPr>
+            <a:spLocks noGrp="1"/>
+          </p:cNvSpPr>
+          <p:nvPr>
+            <p:ph idx="1"/>
+          </p:nvPr>
+        </p:nvSpPr>
+        <p:spPr>
+          <a:xfrm>
+            <a:off x="950384" y="1555242"/>
+            <a:ext cx="10281992" cy="3619041"/>
+          </a:xfrm>
+        </p:spPr>
+        <p:txBody>
+          <a:bodyPr>
+            <a:normAutofit/>
+          </a:bodyPr>
+          <a:lstStyle/>
+          <a:p>
+            <a:r>
+              <a:rPr lang="fr-FR" dirty="0" smtClean="0"/>
+              <a:t>Le répertoire .git contient toutes les informations nécessaire au fonctionnement du </a:t>
+            </a:r>
+            <a:r>
+              <a:rPr lang="fr-FR" dirty="0" err="1" smtClean="0"/>
+              <a:t>dépot</a:t>
+            </a:r>
+            <a:endParaRPr lang="fr-FR" dirty="0" smtClean="0"/>
+          </a:p>
+          <a:p>
+            <a:r>
+              <a:rPr lang="fr-FR" dirty="0" smtClean="0"/>
+              <a:t>Contient les répertoires suivants</a:t>
+            </a:r>
+          </a:p>
+          <a:p>
+            <a:pPr lvl="1"/>
+            <a:r>
+              <a:rPr lang="fr-FR" dirty="0" err="1" smtClean="0"/>
+              <a:t>Hooks</a:t>
+            </a:r>
+            <a:r>
+              <a:rPr lang="fr-FR" dirty="0" smtClean="0"/>
+              <a:t> -&gt; permet de stocker les scripts de </a:t>
+            </a:r>
+            <a:r>
+              <a:rPr lang="fr-FR" dirty="0" err="1" smtClean="0"/>
+              <a:t>hook</a:t>
+            </a:r>
+            <a:endParaRPr lang="fr-FR" dirty="0" smtClean="0"/>
+          </a:p>
+          <a:p>
+            <a:pPr lvl="1"/>
+            <a:r>
+              <a:rPr lang="fr-FR" dirty="0" smtClean="0"/>
+              <a:t>Logs -&gt; logs des différentes opérations effectuées avec git</a:t>
+            </a:r>
+          </a:p>
+          <a:p>
+            <a:pPr lvl="1"/>
+            <a:r>
+              <a:rPr lang="fr-FR" dirty="0" err="1" smtClean="0"/>
+              <a:t>Objects</a:t>
+            </a:r>
+            <a:r>
+              <a:rPr lang="fr-FR" dirty="0" smtClean="0"/>
+              <a:t> -&gt; contient (entre autre) les </a:t>
+            </a:r>
+            <a:r>
+              <a:rPr lang="fr-FR" dirty="0" err="1" smtClean="0"/>
+              <a:t>commits</a:t>
+            </a:r>
+            <a:endParaRPr lang="fr-FR" dirty="0" smtClean="0"/>
+          </a:p>
+          <a:p>
+            <a:pPr lvl="1"/>
+            <a:r>
+              <a:rPr lang="fr-FR" dirty="0" err="1" smtClean="0"/>
+              <a:t>Refs</a:t>
+            </a:r>
+            <a:r>
+              <a:rPr lang="fr-FR" dirty="0" smtClean="0"/>
+              <a:t> -&gt; contient les étiquettes  </a:t>
+            </a:r>
+          </a:p>
+          <a:p>
+            <a:r>
+              <a:rPr lang="fr-CH" dirty="0" smtClean="0"/>
+              <a:t>Le fonctionnement interne de git est basé que sur les </a:t>
+            </a:r>
+            <a:r>
+              <a:rPr lang="fr-CH" dirty="0" err="1" smtClean="0"/>
+              <a:t>objects</a:t>
+            </a:r>
+            <a:endParaRPr lang="fr-FR" dirty="0"/>
+          </a:p>
+        </p:txBody>
+      </p:sp>
+    </p:spTree>
+    <p:extLst>
+      <p:ext uri="{BB962C8B-B14F-4D97-AF65-F5344CB8AC3E}">
+        <p14:creationId xmlns:p14="http://schemas.microsoft.com/office/powerpoint/2010/main" val="3934817676"/>
+      </p:ext>
+    </p:extLst>
+  </p:cSld>
+  <p:clrMapOvr>
+    <a:masterClrMapping/>
+  </p:clrMapOvr>
+</p:sld>
+</file>
+
+<file path=ppt/slides/slide20.xml><?xml version="1.0" encoding="utf-8"?>
+<p:sld xmlns:a="http://schemas.openxmlformats.org/drawingml/2006/main" xmlns:r="http://schemas.openxmlformats.org/officeDocument/2006/relationships" xmlns:p="http://schemas.openxmlformats.org/presentationml/2006/main">
+  <p:cSld>
+    <p:spTree>
+      <p:nvGrpSpPr>
+        <p:cNvPr id="1" name=""/>
+        <p:cNvGrpSpPr/>
+        <p:nvPr/>
+      </p:nvGrpSpPr>
+      <p:grpSpPr>
+        <a:xfrm>
+          <a:off x="0" y="0"/>
+          <a:ext cx="0" cy="0"/>
+          <a:chOff x="0" y="0"/>
+          <a:chExt cx="0" cy="0"/>
+        </a:xfrm>
+      </p:grpSpPr>
+      <p:sp>
+        <p:nvSpPr>
+          <p:cNvPr id="2" name="Titre 1"/>
+          <p:cNvSpPr>
+            <a:spLocks noGrp="1"/>
+          </p:cNvSpPr>
+          <p:nvPr>
+            <p:ph type="title"/>
+          </p:nvPr>
+        </p:nvSpPr>
+        <p:spPr/>
+        <p:txBody>
+          <a:bodyPr/>
+          <a:lstStyle/>
+          <a:p>
+            <a:r>
               <a:rPr lang="fr-CH" dirty="0" smtClean="0"/>
               <a:t>git cherry-</a:t>
             </a:r>
@@ -14098,7 +15892,7 @@
 </p:sld>
 </file>
 
-<file path=ppt/slides/slide5.xml><?xml version="1.0" encoding="utf-8"?>
+<file path=ppt/slides/slide21.xml><?xml version="1.0" encoding="utf-8"?>
 <p:sld xmlns:a="http://schemas.openxmlformats.org/drawingml/2006/main" xmlns:r="http://schemas.openxmlformats.org/officeDocument/2006/relationships" xmlns:p="http://schemas.openxmlformats.org/presentationml/2006/main">
   <p:cSld>
     <p:spTree>
@@ -14222,6 +16016,3268 @@
 </p:sld>
 </file>
 
+<file path=ppt/slides/slide22.xml><?xml version="1.0" encoding="utf-8"?>
+<p:sld xmlns:a="http://schemas.openxmlformats.org/drawingml/2006/main" xmlns:r="http://schemas.openxmlformats.org/officeDocument/2006/relationships" xmlns:p="http://schemas.openxmlformats.org/presentationml/2006/main">
+  <p:cSld>
+    <p:spTree>
+      <p:nvGrpSpPr>
+        <p:cNvPr id="1" name=""/>
+        <p:cNvGrpSpPr/>
+        <p:nvPr/>
+      </p:nvGrpSpPr>
+      <p:grpSpPr>
+        <a:xfrm>
+          <a:off x="0" y="0"/>
+          <a:ext cx="0" cy="0"/>
+          <a:chOff x="0" y="0"/>
+          <a:chExt cx="0" cy="0"/>
+        </a:xfrm>
+      </p:grpSpPr>
+      <p:sp>
+        <p:nvSpPr>
+          <p:cNvPr id="2" name="Titre 1"/>
+          <p:cNvSpPr>
+            <a:spLocks noGrp="1"/>
+          </p:cNvSpPr>
+          <p:nvPr>
+            <p:ph type="title"/>
+          </p:nvPr>
+        </p:nvSpPr>
+        <p:spPr/>
+        <p:txBody>
+          <a:bodyPr/>
+          <a:lstStyle/>
+          <a:p>
+            <a:r>
+              <a:rPr lang="fr-CH" dirty="0" smtClean="0"/>
+              <a:t>git </a:t>
+            </a:r>
+            <a:r>
+              <a:rPr lang="fr-CH" dirty="0" err="1" smtClean="0"/>
+              <a:t>rebase</a:t>
+            </a:r>
+            <a:r>
+              <a:rPr lang="fr-CH" dirty="0" smtClean="0"/>
+              <a:t> --onto</a:t>
+            </a:r>
+            <a:endParaRPr lang="fr-CH" dirty="0"/>
+          </a:p>
+        </p:txBody>
+      </p:sp>
+      <p:sp>
+        <p:nvSpPr>
+          <p:cNvPr id="3" name="Espace réservé du contenu 2"/>
+          <p:cNvSpPr>
+            <a:spLocks noGrp="1"/>
+          </p:cNvSpPr>
+          <p:nvPr>
+            <p:ph idx="1"/>
+          </p:nvPr>
+        </p:nvSpPr>
+        <p:spPr/>
+        <p:txBody>
+          <a:bodyPr/>
+          <a:lstStyle/>
+          <a:p>
+            <a:r>
+              <a:rPr lang="fr-CH" dirty="0" smtClean="0"/>
+              <a:t>Se positionner sur le master du dépôt page-web-participative-</a:t>
+            </a:r>
+            <a:r>
+              <a:rPr lang="fr-CH" dirty="0" err="1" smtClean="0"/>
+              <a:t>rebase</a:t>
+            </a:r>
+            <a:endParaRPr lang="fr-CH" dirty="0" smtClean="0"/>
+          </a:p>
+          <a:p>
+            <a:r>
+              <a:rPr lang="fr-CH" dirty="0" smtClean="0"/>
+              <a:t>Faire une branche </a:t>
+            </a:r>
+            <a:r>
+              <a:rPr lang="fr-CH" dirty="0" err="1" smtClean="0"/>
+              <a:t>feature-awesome_new_button</a:t>
+            </a:r>
+            <a:r>
+              <a:rPr lang="fr-CH" dirty="0" smtClean="0"/>
+              <a:t> en partant de la branche </a:t>
+            </a:r>
+            <a:r>
+              <a:rPr lang="fr-CH" dirty="0" err="1" smtClean="0"/>
+              <a:t>feature-new_button</a:t>
+            </a:r>
+            <a:endParaRPr lang="fr-CH" dirty="0" smtClean="0"/>
+          </a:p>
+          <a:p>
+            <a:r>
+              <a:rPr lang="fr-CH" dirty="0" smtClean="0"/>
+              <a:t>Faire quelques </a:t>
+            </a:r>
+            <a:r>
+              <a:rPr lang="fr-CH" dirty="0" err="1" smtClean="0"/>
+              <a:t>commits</a:t>
+            </a:r>
+            <a:r>
+              <a:rPr lang="fr-CH" dirty="0"/>
+              <a:t> et </a:t>
+            </a:r>
+            <a:r>
+              <a:rPr lang="fr-CH" dirty="0" smtClean="0"/>
+              <a:t>observer </a:t>
+            </a:r>
+            <a:r>
+              <a:rPr lang="fr-CH" dirty="0"/>
+              <a:t>le log et son graphe</a:t>
+            </a:r>
+            <a:endParaRPr lang="fr-CH" dirty="0" smtClean="0"/>
+          </a:p>
+          <a:p>
+            <a:r>
+              <a:rPr lang="fr-CH" dirty="0" smtClean="0"/>
+              <a:t>Faire en sorte que la branche </a:t>
+            </a:r>
+            <a:r>
+              <a:rPr lang="fr-CH" dirty="0" err="1" smtClean="0"/>
+              <a:t>feature-awesome_new_button</a:t>
+            </a:r>
+            <a:r>
+              <a:rPr lang="fr-CH" dirty="0" smtClean="0"/>
+              <a:t> démarre en fait de master</a:t>
+            </a:r>
+          </a:p>
+          <a:p>
+            <a:r>
+              <a:rPr lang="fr-CH" dirty="0"/>
+              <a:t>Observer le log et son </a:t>
+            </a:r>
+            <a:r>
+              <a:rPr lang="fr-CH" dirty="0" smtClean="0"/>
+              <a:t>graphe et constater l’impact du git </a:t>
+            </a:r>
+            <a:r>
+              <a:rPr lang="fr-CH" dirty="0" err="1" smtClean="0"/>
+              <a:t>rebase</a:t>
+            </a:r>
+            <a:r>
+              <a:rPr lang="fr-CH" dirty="0"/>
+              <a:t> </a:t>
+            </a:r>
+            <a:r>
+              <a:rPr lang="fr-CH" dirty="0" smtClean="0"/>
+              <a:t>--onto</a:t>
+            </a:r>
+          </a:p>
+        </p:txBody>
+      </p:sp>
+    </p:spTree>
+    <p:extLst>
+      <p:ext uri="{BB962C8B-B14F-4D97-AF65-F5344CB8AC3E}">
+        <p14:creationId xmlns:p14="http://schemas.microsoft.com/office/powerpoint/2010/main" val="1393638253"/>
+      </p:ext>
+    </p:extLst>
+  </p:cSld>
+  <p:clrMapOvr>
+    <a:masterClrMapping/>
+  </p:clrMapOvr>
+</p:sld>
+</file>
+
+<file path=ppt/slides/slide23.xml><?xml version="1.0" encoding="utf-8"?>
+<p:sld xmlns:a="http://schemas.openxmlformats.org/drawingml/2006/main" xmlns:r="http://schemas.openxmlformats.org/officeDocument/2006/relationships" xmlns:p="http://schemas.openxmlformats.org/presentationml/2006/main">
+  <p:cSld>
+    <p:spTree>
+      <p:nvGrpSpPr>
+        <p:cNvPr id="1" name=""/>
+        <p:cNvGrpSpPr/>
+        <p:nvPr/>
+      </p:nvGrpSpPr>
+      <p:grpSpPr>
+        <a:xfrm>
+          <a:off x="0" y="0"/>
+          <a:ext cx="0" cy="0"/>
+          <a:chOff x="0" y="0"/>
+          <a:chExt cx="0" cy="0"/>
+        </a:xfrm>
+      </p:grpSpPr>
+      <p:sp>
+        <p:nvSpPr>
+          <p:cNvPr id="2" name="Titre 1"/>
+          <p:cNvSpPr>
+            <a:spLocks noGrp="1"/>
+          </p:cNvSpPr>
+          <p:nvPr>
+            <p:ph type="title"/>
+          </p:nvPr>
+        </p:nvSpPr>
+        <p:spPr/>
+        <p:txBody>
+          <a:bodyPr/>
+          <a:lstStyle/>
+          <a:p>
+            <a:r>
+              <a:rPr lang="fr-CH" dirty="0" smtClean="0"/>
+              <a:t>git </a:t>
+            </a:r>
+            <a:r>
+              <a:rPr lang="fr-CH" dirty="0" err="1" smtClean="0"/>
+              <a:t>bisect</a:t>
+            </a:r>
+            <a:endParaRPr lang="fr-CH" dirty="0"/>
+          </a:p>
+        </p:txBody>
+      </p:sp>
+      <p:sp>
+        <p:nvSpPr>
+          <p:cNvPr id="3" name="Espace réservé du contenu 2"/>
+          <p:cNvSpPr>
+            <a:spLocks noGrp="1"/>
+          </p:cNvSpPr>
+          <p:nvPr>
+            <p:ph idx="1"/>
+          </p:nvPr>
+        </p:nvSpPr>
+        <p:spPr/>
+        <p:txBody>
+          <a:bodyPr/>
+          <a:lstStyle/>
+          <a:p>
+            <a:r>
+              <a:rPr lang="fr-CH" dirty="0"/>
+              <a:t>Pour faire une </a:t>
+            </a:r>
+            <a:r>
+              <a:rPr lang="fr-CH" dirty="0" smtClean="0"/>
+              <a:t>dichotomie </a:t>
+            </a:r>
+            <a:r>
+              <a:rPr lang="fr-CH" dirty="0"/>
+              <a:t>sur vos commit afin de trouver le commit qui a introduit </a:t>
+            </a:r>
+            <a:r>
+              <a:rPr lang="fr-CH" dirty="0" smtClean="0"/>
+              <a:t>une régression</a:t>
+            </a:r>
+          </a:p>
+          <a:p>
+            <a:pPr lvl="1"/>
+            <a:r>
+              <a:rPr lang="fr-CH" dirty="0" smtClean="0"/>
+              <a:t>Manuel : git </a:t>
+            </a:r>
+            <a:r>
+              <a:rPr lang="fr-CH" dirty="0" err="1" smtClean="0"/>
+              <a:t>bisect</a:t>
+            </a:r>
+            <a:r>
+              <a:rPr lang="fr-CH" dirty="0" smtClean="0"/>
+              <a:t> </a:t>
+            </a:r>
+            <a:r>
+              <a:rPr lang="fr-CH" dirty="0" err="1" smtClean="0"/>
+              <a:t>start</a:t>
+            </a:r>
+            <a:endParaRPr lang="fr-CH" dirty="0" smtClean="0"/>
+          </a:p>
+          <a:p>
+            <a:pPr lvl="1"/>
+            <a:r>
+              <a:rPr lang="fr-CH" dirty="0" smtClean="0"/>
+              <a:t>Automatique : git </a:t>
+            </a:r>
+            <a:r>
+              <a:rPr lang="fr-CH" dirty="0" err="1" smtClean="0"/>
+              <a:t>bisect</a:t>
+            </a:r>
+            <a:r>
+              <a:rPr lang="fr-CH" dirty="0" smtClean="0"/>
+              <a:t> </a:t>
+            </a:r>
+            <a:r>
+              <a:rPr lang="fr-CH" dirty="0" err="1" smtClean="0"/>
+              <a:t>run</a:t>
+            </a:r>
+            <a:r>
+              <a:rPr lang="fr-CH" dirty="0" smtClean="0"/>
+              <a:t> </a:t>
+            </a:r>
+            <a:r>
+              <a:rPr lang="fr-CH" dirty="0" err="1" smtClean="0"/>
+              <a:t>my_script</a:t>
+            </a:r>
+            <a:r>
+              <a:rPr lang="fr-CH" dirty="0" smtClean="0"/>
+              <a:t> arguments</a:t>
+            </a:r>
+            <a:endParaRPr lang="fr-CH" dirty="0"/>
+          </a:p>
+        </p:txBody>
+      </p:sp>
+    </p:spTree>
+    <p:extLst>
+      <p:ext uri="{BB962C8B-B14F-4D97-AF65-F5344CB8AC3E}">
+        <p14:creationId xmlns:p14="http://schemas.microsoft.com/office/powerpoint/2010/main" val="735586294"/>
+      </p:ext>
+    </p:extLst>
+  </p:cSld>
+  <p:clrMapOvr>
+    <a:masterClrMapping/>
+  </p:clrMapOvr>
+</p:sld>
+</file>
+
+<file path=ppt/slides/slide24.xml><?xml version="1.0" encoding="utf-8"?>
+<p:sld xmlns:a="http://schemas.openxmlformats.org/drawingml/2006/main" xmlns:r="http://schemas.openxmlformats.org/officeDocument/2006/relationships" xmlns:p="http://schemas.openxmlformats.org/presentationml/2006/main">
+  <p:cSld>
+    <p:spTree>
+      <p:nvGrpSpPr>
+        <p:cNvPr id="1" name=""/>
+        <p:cNvGrpSpPr/>
+        <p:nvPr/>
+      </p:nvGrpSpPr>
+      <p:grpSpPr>
+        <a:xfrm>
+          <a:off x="0" y="0"/>
+          <a:ext cx="0" cy="0"/>
+          <a:chOff x="0" y="0"/>
+          <a:chExt cx="0" cy="0"/>
+        </a:xfrm>
+      </p:grpSpPr>
+      <p:sp>
+        <p:nvSpPr>
+          <p:cNvPr id="2" name="Titre 1"/>
+          <p:cNvSpPr>
+            <a:spLocks noGrp="1"/>
+          </p:cNvSpPr>
+          <p:nvPr>
+            <p:ph type="title"/>
+          </p:nvPr>
+        </p:nvSpPr>
+        <p:spPr/>
+        <p:txBody>
+          <a:bodyPr/>
+          <a:lstStyle/>
+          <a:p>
+            <a:r>
+              <a:rPr lang="fr-CH" dirty="0" smtClean="0"/>
+              <a:t>git </a:t>
+            </a:r>
+            <a:r>
+              <a:rPr lang="fr-CH" dirty="0" err="1" smtClean="0"/>
+              <a:t>bisect</a:t>
+            </a:r>
+            <a:endParaRPr lang="fr-CH" dirty="0"/>
+          </a:p>
+        </p:txBody>
+      </p:sp>
+      <p:sp>
+        <p:nvSpPr>
+          <p:cNvPr id="3" name="Espace réservé du contenu 2"/>
+          <p:cNvSpPr>
+            <a:spLocks noGrp="1"/>
+          </p:cNvSpPr>
+          <p:nvPr>
+            <p:ph idx="1"/>
+          </p:nvPr>
+        </p:nvSpPr>
+        <p:spPr/>
+        <p:txBody>
+          <a:bodyPr/>
+          <a:lstStyle/>
+          <a:p>
+            <a:r>
+              <a:rPr lang="fr-CH" dirty="0" smtClean="0"/>
+              <a:t>Récupérer la branche master du projet </a:t>
+            </a:r>
+            <a:r>
+              <a:rPr lang="fr-CH" dirty="0" err="1" smtClean="0"/>
+              <a:t>template_java</a:t>
+            </a:r>
+            <a:endParaRPr lang="fr-CH" dirty="0" smtClean="0"/>
+          </a:p>
+          <a:p>
+            <a:r>
+              <a:rPr lang="fr-CH" dirty="0" smtClean="0"/>
+              <a:t>Lancer un </a:t>
+            </a:r>
+            <a:r>
+              <a:rPr lang="fr-CH" dirty="0" err="1" smtClean="0"/>
+              <a:t>maven</a:t>
+            </a:r>
+            <a:r>
+              <a:rPr lang="fr-CH" dirty="0" smtClean="0"/>
+              <a:t> clean </a:t>
+            </a:r>
+            <a:r>
+              <a:rPr lang="fr-CH" dirty="0" err="1" smtClean="0"/>
+              <a:t>install</a:t>
+            </a:r>
+            <a:r>
+              <a:rPr lang="fr-CH" dirty="0" smtClean="0"/>
+              <a:t> pour constater qu’un test est en erreur</a:t>
+            </a:r>
+          </a:p>
+          <a:p>
+            <a:r>
+              <a:rPr lang="fr-CH" dirty="0" smtClean="0"/>
+              <a:t>Trouver le commit qui a fait passer ce test en erreur à l’aide de git </a:t>
+            </a:r>
+            <a:r>
+              <a:rPr lang="fr-CH" dirty="0" err="1" smtClean="0"/>
+              <a:t>bisect</a:t>
+            </a:r>
+            <a:r>
+              <a:rPr lang="fr-CH" dirty="0" smtClean="0"/>
+              <a:t> </a:t>
+            </a:r>
+            <a:r>
+              <a:rPr lang="fr-CH" dirty="0" err="1" smtClean="0"/>
+              <a:t>start</a:t>
+            </a:r>
+            <a:endParaRPr lang="fr-CH" dirty="0"/>
+          </a:p>
+        </p:txBody>
+      </p:sp>
+    </p:spTree>
+    <p:extLst>
+      <p:ext uri="{BB962C8B-B14F-4D97-AF65-F5344CB8AC3E}">
+        <p14:creationId xmlns:p14="http://schemas.microsoft.com/office/powerpoint/2010/main" val="3496589206"/>
+      </p:ext>
+    </p:extLst>
+  </p:cSld>
+  <p:clrMapOvr>
+    <a:masterClrMapping/>
+  </p:clrMapOvr>
+</p:sld>
+</file>
+
+<file path=ppt/slides/slide25.xml><?xml version="1.0" encoding="utf-8"?>
+<p:sld xmlns:a="http://schemas.openxmlformats.org/drawingml/2006/main" xmlns:r="http://schemas.openxmlformats.org/officeDocument/2006/relationships" xmlns:p="http://schemas.openxmlformats.org/presentationml/2006/main">
+  <p:cSld>
+    <p:spTree>
+      <p:nvGrpSpPr>
+        <p:cNvPr id="1" name=""/>
+        <p:cNvGrpSpPr/>
+        <p:nvPr/>
+      </p:nvGrpSpPr>
+      <p:grpSpPr>
+        <a:xfrm>
+          <a:off x="0" y="0"/>
+          <a:ext cx="0" cy="0"/>
+          <a:chOff x="0" y="0"/>
+          <a:chExt cx="0" cy="0"/>
+        </a:xfrm>
+      </p:grpSpPr>
+      <p:sp>
+        <p:nvSpPr>
+          <p:cNvPr id="2" name="Titre 1"/>
+          <p:cNvSpPr>
+            <a:spLocks noGrp="1"/>
+          </p:cNvSpPr>
+          <p:nvPr>
+            <p:ph type="title"/>
+          </p:nvPr>
+        </p:nvSpPr>
+        <p:spPr/>
+        <p:txBody>
+          <a:bodyPr/>
+          <a:lstStyle/>
+          <a:p>
+            <a:r>
+              <a:rPr lang="fr-CH" dirty="0"/>
+              <a:t>Hands-on : </a:t>
+            </a:r>
+            <a:r>
+              <a:rPr lang="fr-CH" dirty="0" smtClean="0"/>
+              <a:t>revenir en arrière</a:t>
+            </a:r>
+            <a:endParaRPr lang="fr-CH" dirty="0"/>
+          </a:p>
+        </p:txBody>
+      </p:sp>
+      <p:pic>
+        <p:nvPicPr>
+          <p:cNvPr id="5126" name="Picture 6" descr="File:Cartoon Man Doing Research Using A Computer.svg"/>
+          <p:cNvPicPr>
+            <a:picLocks noChangeAspect="1" noChangeArrowheads="1"/>
+          </p:cNvPicPr>
+          <p:nvPr/>
+        </p:nvPicPr>
+        <p:blipFill>
+          <a:blip r:embed="rId2">
+            <a:extLst>
+              <a:ext uri="{28A0092B-C50C-407E-A947-70E740481C1C}">
+                <a14:useLocalDpi xmlns:a14="http://schemas.microsoft.com/office/drawing/2010/main" val="0"/>
+              </a:ext>
+            </a:extLst>
+          </a:blip>
+          <a:srcRect/>
+          <a:stretch>
+            <a:fillRect/>
+          </a:stretch>
+        </p:blipFill>
+        <p:spPr bwMode="auto">
+          <a:xfrm>
+            <a:off x="3542587" y="1152524"/>
+            <a:ext cx="4410075" cy="5705476"/>
+          </a:xfrm>
+          <a:prstGeom prst="rect">
+            <a:avLst/>
+          </a:prstGeom>
+          <a:noFill/>
+          <a:extLst>
+            <a:ext uri="{909E8E84-426E-40DD-AFC4-6F175D3DCCD1}">
+              <a14:hiddenFill xmlns:a14="http://schemas.microsoft.com/office/drawing/2010/main">
+                <a:solidFill>
+                  <a:srgbClr val="FFFFFF"/>
+                </a:solidFill>
+              </a14:hiddenFill>
+            </a:ext>
+          </a:extLst>
+        </p:spPr>
+      </p:pic>
+    </p:spTree>
+    <p:extLst>
+      <p:ext uri="{BB962C8B-B14F-4D97-AF65-F5344CB8AC3E}">
+        <p14:creationId xmlns:p14="http://schemas.microsoft.com/office/powerpoint/2010/main" val="1835911282"/>
+      </p:ext>
+    </p:extLst>
+  </p:cSld>
+  <p:clrMapOvr>
+    <a:masterClrMapping/>
+  </p:clrMapOvr>
+  <p:timing>
+    <p:tnLst>
+      <p:par>
+        <p:cTn id="1" dur="indefinite" restart="never" nodeType="tmRoot"/>
+      </p:par>
+    </p:tnLst>
+  </p:timing>
+</p:sld>
+</file>
+
+<file path=ppt/slides/slide26.xml><?xml version="1.0" encoding="utf-8"?>
+<p:sld xmlns:a="http://schemas.openxmlformats.org/drawingml/2006/main" xmlns:r="http://schemas.openxmlformats.org/officeDocument/2006/relationships" xmlns:p="http://schemas.openxmlformats.org/presentationml/2006/main">
+  <p:cSld>
+    <p:spTree>
+      <p:nvGrpSpPr>
+        <p:cNvPr id="1" name=""/>
+        <p:cNvGrpSpPr/>
+        <p:nvPr/>
+      </p:nvGrpSpPr>
+      <p:grpSpPr>
+        <a:xfrm>
+          <a:off x="0" y="0"/>
+          <a:ext cx="0" cy="0"/>
+          <a:chOff x="0" y="0"/>
+          <a:chExt cx="0" cy="0"/>
+        </a:xfrm>
+      </p:grpSpPr>
+      <p:sp>
+        <p:nvSpPr>
+          <p:cNvPr id="2" name="Titre 1"/>
+          <p:cNvSpPr>
+            <a:spLocks noGrp="1"/>
+          </p:cNvSpPr>
+          <p:nvPr>
+            <p:ph type="title"/>
+          </p:nvPr>
+        </p:nvSpPr>
+        <p:spPr/>
+        <p:txBody>
+          <a:bodyPr/>
+          <a:lstStyle/>
+          <a:p>
+            <a:r>
+              <a:rPr lang="fr-CH" dirty="0" smtClean="0"/>
+              <a:t>git </a:t>
+            </a:r>
+            <a:r>
+              <a:rPr lang="fr-CH" dirty="0" err="1" smtClean="0"/>
+              <a:t>checkout</a:t>
+            </a:r>
+            <a:endParaRPr lang="fr-CH" dirty="0"/>
+          </a:p>
+        </p:txBody>
+      </p:sp>
+      <p:sp>
+        <p:nvSpPr>
+          <p:cNvPr id="3" name="Espace réservé du contenu 2"/>
+          <p:cNvSpPr>
+            <a:spLocks noGrp="1"/>
+          </p:cNvSpPr>
+          <p:nvPr>
+            <p:ph idx="1"/>
+          </p:nvPr>
+        </p:nvSpPr>
+        <p:spPr>
+          <a:xfrm>
+            <a:off x="950384" y="1951038"/>
+            <a:ext cx="10281992" cy="3543600"/>
+          </a:xfrm>
+        </p:spPr>
+        <p:txBody>
+          <a:bodyPr/>
+          <a:lstStyle/>
+          <a:p>
+            <a:r>
+              <a:rPr lang="fr-CH" dirty="0"/>
+              <a:t>Amener votre environnement sur une version connue</a:t>
+            </a:r>
+          </a:p>
+          <a:p>
+            <a:pPr lvl="1"/>
+            <a:r>
+              <a:rPr lang="fr-CH" dirty="0" smtClean="0"/>
+              <a:t>git </a:t>
+            </a:r>
+            <a:r>
+              <a:rPr lang="fr-CH" dirty="0" err="1"/>
+              <a:t>checkout</a:t>
+            </a:r>
+            <a:r>
+              <a:rPr lang="fr-CH" dirty="0"/>
+              <a:t> {</a:t>
+            </a:r>
+            <a:r>
+              <a:rPr lang="fr-CH" dirty="0" err="1"/>
+              <a:t>shorthash</a:t>
+            </a:r>
+            <a:r>
+              <a:rPr lang="fr-CH" dirty="0" smtClean="0"/>
+              <a:t>}</a:t>
+            </a:r>
+          </a:p>
+          <a:p>
+            <a:r>
+              <a:rPr lang="fr-CH" dirty="0"/>
+              <a:t>Lorsque vous revenez à un commit antérieur, votre environnement de travail est placé sur </a:t>
+            </a:r>
+            <a:r>
+              <a:rPr lang="fr-CH" dirty="0" smtClean="0"/>
+              <a:t>un “DETACHED </a:t>
+            </a:r>
+            <a:r>
+              <a:rPr lang="fr-CH" dirty="0"/>
+              <a:t>HEAD”. Si vous </a:t>
+            </a:r>
+            <a:r>
+              <a:rPr lang="fr-CH" dirty="0" err="1"/>
+              <a:t>commitez</a:t>
+            </a:r>
+            <a:r>
+              <a:rPr lang="fr-CH" dirty="0"/>
+              <a:t> du contenu à partir de là, il créera une branche </a:t>
+            </a:r>
+            <a:r>
+              <a:rPr lang="fr-CH" dirty="0" smtClean="0"/>
+              <a:t>virtuelle référencée </a:t>
+            </a:r>
+            <a:r>
+              <a:rPr lang="fr-CH" dirty="0"/>
+              <a:t>nulle part.</a:t>
+            </a:r>
+          </a:p>
+          <a:p>
+            <a:pPr lvl="1"/>
+            <a:r>
+              <a:rPr lang="fr-CH" dirty="0"/>
+              <a:t>Ne </a:t>
+            </a:r>
+            <a:r>
+              <a:rPr lang="fr-CH" dirty="0" err="1"/>
+              <a:t>commitez</a:t>
+            </a:r>
+            <a:r>
+              <a:rPr lang="fr-CH" dirty="0"/>
+              <a:t> pas de contenu après un </a:t>
+            </a:r>
+            <a:r>
+              <a:rPr lang="fr-CH" dirty="0" err="1"/>
+              <a:t>checkout</a:t>
+            </a:r>
+            <a:r>
+              <a:rPr lang="fr-CH" dirty="0"/>
+              <a:t> sur un commit </a:t>
+            </a:r>
+            <a:r>
+              <a:rPr lang="fr-CH" dirty="0" smtClean="0"/>
+              <a:t>spécifique</a:t>
+            </a:r>
+            <a:r>
+              <a:rPr lang="fr-CH" dirty="0"/>
+              <a:t> </a:t>
+            </a:r>
+            <a:r>
+              <a:rPr lang="fr-CH" dirty="0" smtClean="0"/>
+              <a:t>(</a:t>
+            </a:r>
+            <a:r>
+              <a:rPr lang="fr-CH" dirty="0" err="1" smtClean="0"/>
+              <a:t>garbage</a:t>
+            </a:r>
+            <a:r>
+              <a:rPr lang="fr-CH" dirty="0" smtClean="0"/>
+              <a:t> collector)</a:t>
+            </a:r>
+          </a:p>
+          <a:p>
+            <a:pPr lvl="1"/>
+            <a:r>
+              <a:rPr lang="fr-CH" dirty="0" smtClean="0"/>
+              <a:t>Sauf si… ?</a:t>
+            </a:r>
+            <a:endParaRPr lang="fr-CH" dirty="0"/>
+          </a:p>
+        </p:txBody>
+      </p:sp>
+    </p:spTree>
+    <p:extLst>
+      <p:ext uri="{BB962C8B-B14F-4D97-AF65-F5344CB8AC3E}">
+        <p14:creationId xmlns:p14="http://schemas.microsoft.com/office/powerpoint/2010/main" val="877634655"/>
+      </p:ext>
+    </p:extLst>
+  </p:cSld>
+  <p:clrMapOvr>
+    <a:masterClrMapping/>
+  </p:clrMapOvr>
+</p:sld>
+</file>
+
+<file path=ppt/slides/slide27.xml><?xml version="1.0" encoding="utf-8"?>
+<p:sld xmlns:a="http://schemas.openxmlformats.org/drawingml/2006/main" xmlns:r="http://schemas.openxmlformats.org/officeDocument/2006/relationships" xmlns:p="http://schemas.openxmlformats.org/presentationml/2006/main">
+  <p:cSld>
+    <p:spTree>
+      <p:nvGrpSpPr>
+        <p:cNvPr id="1" name=""/>
+        <p:cNvGrpSpPr/>
+        <p:nvPr/>
+      </p:nvGrpSpPr>
+      <p:grpSpPr>
+        <a:xfrm>
+          <a:off x="0" y="0"/>
+          <a:ext cx="0" cy="0"/>
+          <a:chOff x="0" y="0"/>
+          <a:chExt cx="0" cy="0"/>
+        </a:xfrm>
+      </p:grpSpPr>
+      <p:sp>
+        <p:nvSpPr>
+          <p:cNvPr id="2" name="Titre 1"/>
+          <p:cNvSpPr>
+            <a:spLocks noGrp="1"/>
+          </p:cNvSpPr>
+          <p:nvPr>
+            <p:ph type="title"/>
+          </p:nvPr>
+        </p:nvSpPr>
+        <p:spPr/>
+        <p:txBody>
+          <a:bodyPr/>
+          <a:lstStyle/>
+          <a:p>
+            <a:r>
+              <a:rPr lang="fr-CH" dirty="0" smtClean="0"/>
+              <a:t>git </a:t>
+            </a:r>
+            <a:r>
+              <a:rPr lang="fr-CH" dirty="0" err="1" smtClean="0"/>
+              <a:t>checkout</a:t>
+            </a:r>
+            <a:endParaRPr lang="fr-CH" dirty="0"/>
+          </a:p>
+        </p:txBody>
+      </p:sp>
+      <p:sp>
+        <p:nvSpPr>
+          <p:cNvPr id="3" name="Espace réservé du contenu 2"/>
+          <p:cNvSpPr>
+            <a:spLocks noGrp="1"/>
+          </p:cNvSpPr>
+          <p:nvPr>
+            <p:ph idx="1"/>
+          </p:nvPr>
+        </p:nvSpPr>
+        <p:spPr>
+          <a:xfrm>
+            <a:off x="950384" y="1951038"/>
+            <a:ext cx="10281992" cy="3543600"/>
+          </a:xfrm>
+        </p:spPr>
+        <p:txBody>
+          <a:bodyPr/>
+          <a:lstStyle/>
+          <a:p>
+            <a:r>
+              <a:rPr lang="fr-CH" dirty="0" smtClean="0"/>
+              <a:t>Créez une nouvelle branche à partir du commit «Simplification du test»</a:t>
+            </a:r>
+            <a:endParaRPr lang="fr-CH" dirty="0"/>
+          </a:p>
+        </p:txBody>
+      </p:sp>
+    </p:spTree>
+    <p:extLst>
+      <p:ext uri="{BB962C8B-B14F-4D97-AF65-F5344CB8AC3E}">
+        <p14:creationId xmlns:p14="http://schemas.microsoft.com/office/powerpoint/2010/main" val="3167818479"/>
+      </p:ext>
+    </p:extLst>
+  </p:cSld>
+  <p:clrMapOvr>
+    <a:masterClrMapping/>
+  </p:clrMapOvr>
+</p:sld>
+</file>
+
+<file path=ppt/slides/slide28.xml><?xml version="1.0" encoding="utf-8"?>
+<p:sld xmlns:a="http://schemas.openxmlformats.org/drawingml/2006/main" xmlns:r="http://schemas.openxmlformats.org/officeDocument/2006/relationships" xmlns:p="http://schemas.openxmlformats.org/presentationml/2006/main">
+  <p:cSld>
+    <p:spTree>
+      <p:nvGrpSpPr>
+        <p:cNvPr id="1" name=""/>
+        <p:cNvGrpSpPr/>
+        <p:nvPr/>
+      </p:nvGrpSpPr>
+      <p:grpSpPr>
+        <a:xfrm>
+          <a:off x="0" y="0"/>
+          <a:ext cx="0" cy="0"/>
+          <a:chOff x="0" y="0"/>
+          <a:chExt cx="0" cy="0"/>
+        </a:xfrm>
+      </p:grpSpPr>
+      <p:sp>
+        <p:nvSpPr>
+          <p:cNvPr id="2" name="Titre 1"/>
+          <p:cNvSpPr>
+            <a:spLocks noGrp="1"/>
+          </p:cNvSpPr>
+          <p:nvPr>
+            <p:ph type="title"/>
+          </p:nvPr>
+        </p:nvSpPr>
+        <p:spPr/>
+        <p:txBody>
+          <a:bodyPr/>
+          <a:lstStyle/>
+          <a:p>
+            <a:r>
+              <a:rPr lang="fr-CH" dirty="0" smtClean="0"/>
+              <a:t>git </a:t>
+            </a:r>
+            <a:r>
+              <a:rPr lang="fr-CH" dirty="0" err="1" smtClean="0"/>
+              <a:t>revert</a:t>
+            </a:r>
+            <a:endParaRPr lang="fr-CH" dirty="0"/>
+          </a:p>
+        </p:txBody>
+      </p:sp>
+      <p:sp>
+        <p:nvSpPr>
+          <p:cNvPr id="3" name="Espace réservé du contenu 2"/>
+          <p:cNvSpPr>
+            <a:spLocks noGrp="1"/>
+          </p:cNvSpPr>
+          <p:nvPr>
+            <p:ph idx="1"/>
+          </p:nvPr>
+        </p:nvSpPr>
+        <p:spPr/>
+        <p:txBody>
+          <a:bodyPr/>
+          <a:lstStyle/>
+          <a:p>
+            <a:r>
+              <a:rPr lang="fr-CH" dirty="0">
+                <a:solidFill>
+                  <a:srgbClr val="FF0000"/>
+                </a:solidFill>
+              </a:rPr>
+              <a:t>Construit un nouveau commit </a:t>
+            </a:r>
+            <a:r>
+              <a:rPr lang="fr-CH" dirty="0"/>
+              <a:t>qui annule un commit antérieur. C’est l’opération </a:t>
+            </a:r>
+            <a:r>
+              <a:rPr lang="fr-CH" dirty="0" smtClean="0"/>
+              <a:t>à utiliser </a:t>
+            </a:r>
+            <a:r>
+              <a:rPr lang="fr-CH" dirty="0"/>
+              <a:t>pour faire disparaître explicitement un </a:t>
+            </a:r>
+            <a:r>
+              <a:rPr lang="fr-CH" dirty="0" smtClean="0"/>
+              <a:t>commit</a:t>
+            </a:r>
+          </a:p>
+          <a:p>
+            <a:pPr lvl="1"/>
+            <a:r>
+              <a:rPr lang="fr-CH" dirty="0"/>
+              <a:t>git </a:t>
+            </a:r>
+            <a:r>
+              <a:rPr lang="fr-CH" dirty="0" err="1"/>
+              <a:t>revert</a:t>
+            </a:r>
+            <a:r>
+              <a:rPr lang="fr-CH" dirty="0"/>
+              <a:t> {</a:t>
+            </a:r>
+            <a:r>
+              <a:rPr lang="fr-CH" dirty="0" err="1"/>
+              <a:t>shorthash</a:t>
+            </a:r>
+            <a:r>
+              <a:rPr lang="fr-CH" dirty="0" smtClean="0"/>
+              <a:t>}</a:t>
+            </a:r>
+          </a:p>
+          <a:p>
+            <a:r>
+              <a:rPr lang="fr-CH" dirty="0"/>
+              <a:t>Pour que la commande fonctionne, votre </a:t>
+            </a:r>
+            <a:r>
+              <a:rPr lang="fr-CH" dirty="0" err="1"/>
+              <a:t>staging</a:t>
+            </a:r>
+            <a:r>
+              <a:rPr lang="fr-CH" dirty="0"/>
+              <a:t> et votre environnement de </a:t>
+            </a:r>
+            <a:r>
+              <a:rPr lang="fr-CH" dirty="0" smtClean="0"/>
+              <a:t>travail ne </a:t>
+            </a:r>
+            <a:r>
+              <a:rPr lang="fr-CH" dirty="0"/>
+              <a:t>doivent pas contenir de modifications en </a:t>
+            </a:r>
+            <a:r>
+              <a:rPr lang="fr-CH" dirty="0" smtClean="0"/>
+              <a:t>cours</a:t>
+            </a:r>
+          </a:p>
+          <a:p>
+            <a:endParaRPr lang="fr-CH" dirty="0"/>
+          </a:p>
+          <a:p>
+            <a:endParaRPr lang="fr-CH" dirty="0" smtClean="0"/>
+          </a:p>
+          <a:p>
+            <a:r>
+              <a:rPr lang="fr-CH" dirty="0" smtClean="0"/>
+              <a:t>Faites un </a:t>
+            </a:r>
+            <a:r>
+              <a:rPr lang="fr-CH" dirty="0" err="1" smtClean="0"/>
+              <a:t>revert</a:t>
+            </a:r>
+            <a:r>
+              <a:rPr lang="fr-CH" dirty="0" smtClean="0"/>
+              <a:t> du commit «</a:t>
+            </a:r>
+            <a:r>
+              <a:rPr lang="fr-CH" dirty="0"/>
+              <a:t>Bilingue et adaptation du </a:t>
+            </a:r>
+            <a:r>
+              <a:rPr lang="fr-CH" dirty="0" smtClean="0"/>
+              <a:t>test»</a:t>
+            </a:r>
+            <a:endParaRPr lang="fr-CH" dirty="0"/>
+          </a:p>
+        </p:txBody>
+      </p:sp>
+    </p:spTree>
+    <p:extLst>
+      <p:ext uri="{BB962C8B-B14F-4D97-AF65-F5344CB8AC3E}">
+        <p14:creationId xmlns:p14="http://schemas.microsoft.com/office/powerpoint/2010/main" val="3538104851"/>
+      </p:ext>
+    </p:extLst>
+  </p:cSld>
+  <p:clrMapOvr>
+    <a:masterClrMapping/>
+  </p:clrMapOvr>
+</p:sld>
+</file>
+
+<file path=ppt/slides/slide29.xml><?xml version="1.0" encoding="utf-8"?>
+<p:sld xmlns:a="http://schemas.openxmlformats.org/drawingml/2006/main" xmlns:r="http://schemas.openxmlformats.org/officeDocument/2006/relationships" xmlns:p="http://schemas.openxmlformats.org/presentationml/2006/main">
+  <p:cSld>
+    <p:spTree>
+      <p:nvGrpSpPr>
+        <p:cNvPr id="1" name=""/>
+        <p:cNvGrpSpPr/>
+        <p:nvPr/>
+      </p:nvGrpSpPr>
+      <p:grpSpPr>
+        <a:xfrm>
+          <a:off x="0" y="0"/>
+          <a:ext cx="0" cy="0"/>
+          <a:chOff x="0" y="0"/>
+          <a:chExt cx="0" cy="0"/>
+        </a:xfrm>
+      </p:grpSpPr>
+      <p:sp>
+        <p:nvSpPr>
+          <p:cNvPr id="2" name="Titre 1"/>
+          <p:cNvSpPr>
+            <a:spLocks noGrp="1"/>
+          </p:cNvSpPr>
+          <p:nvPr>
+            <p:ph type="title"/>
+          </p:nvPr>
+        </p:nvSpPr>
+        <p:spPr/>
+        <p:txBody>
+          <a:bodyPr/>
+          <a:lstStyle/>
+          <a:p>
+            <a:r>
+              <a:rPr lang="fr-CH" dirty="0" smtClean="0"/>
+              <a:t>git reset</a:t>
+            </a:r>
+            <a:endParaRPr lang="fr-CH" dirty="0"/>
+          </a:p>
+        </p:txBody>
+      </p:sp>
+      <p:sp>
+        <p:nvSpPr>
+          <p:cNvPr id="3" name="Espace réservé du contenu 2"/>
+          <p:cNvSpPr>
+            <a:spLocks noGrp="1"/>
+          </p:cNvSpPr>
+          <p:nvPr>
+            <p:ph idx="1"/>
+          </p:nvPr>
+        </p:nvSpPr>
+        <p:spPr/>
+        <p:txBody>
+          <a:bodyPr/>
+          <a:lstStyle/>
+          <a:p>
+            <a:r>
+              <a:rPr lang="fr-CH" dirty="0">
+                <a:solidFill>
+                  <a:srgbClr val="FF0000"/>
+                </a:solidFill>
+              </a:rPr>
+              <a:t>Reset permet de jouer sur l’historique</a:t>
+            </a:r>
+            <a:r>
+              <a:rPr lang="fr-CH" dirty="0"/>
+              <a:t>. Vous pouvez déplacer le HEAD de </a:t>
+            </a:r>
+            <a:r>
+              <a:rPr lang="fr-CH" dirty="0" smtClean="0"/>
+              <a:t>votre branche </a:t>
+            </a:r>
+            <a:r>
+              <a:rPr lang="fr-CH" dirty="0"/>
+              <a:t>active sur un commit antérieur.</a:t>
+            </a:r>
+          </a:p>
+          <a:p>
+            <a:pPr lvl="1"/>
+            <a:r>
+              <a:rPr lang="fr-CH" dirty="0" smtClean="0"/>
+              <a:t>git </a:t>
+            </a:r>
+            <a:r>
+              <a:rPr lang="fr-CH" dirty="0"/>
+              <a:t>reset {</a:t>
+            </a:r>
+            <a:r>
+              <a:rPr lang="fr-CH" dirty="0" err="1"/>
+              <a:t>shorthash</a:t>
+            </a:r>
+            <a:r>
+              <a:rPr lang="fr-CH" dirty="0" smtClean="0"/>
+              <a:t>}</a:t>
+            </a:r>
+          </a:p>
+          <a:p>
+            <a:r>
+              <a:rPr lang="fr-CH" dirty="0"/>
+              <a:t>Les changements sont remis en zone de </a:t>
+            </a:r>
+            <a:r>
+              <a:rPr lang="fr-CH" dirty="0" err="1"/>
+              <a:t>staging</a:t>
+            </a:r>
+            <a:r>
+              <a:rPr lang="fr-CH" dirty="0"/>
+              <a:t>. Vous pouvez reconstruire pas à pas vos </a:t>
+            </a:r>
+            <a:r>
+              <a:rPr lang="fr-CH" dirty="0" err="1" smtClean="0"/>
+              <a:t>commits</a:t>
+            </a:r>
+            <a:r>
+              <a:rPr lang="fr-CH" dirty="0" smtClean="0"/>
+              <a:t>.</a:t>
+            </a:r>
+            <a:endParaRPr lang="fr-CH" dirty="0"/>
+          </a:p>
+        </p:txBody>
+      </p:sp>
+    </p:spTree>
+    <p:extLst>
+      <p:ext uri="{BB962C8B-B14F-4D97-AF65-F5344CB8AC3E}">
+        <p14:creationId xmlns:p14="http://schemas.microsoft.com/office/powerpoint/2010/main" val="3254708671"/>
+      </p:ext>
+    </p:extLst>
+  </p:cSld>
+  <p:clrMapOvr>
+    <a:masterClrMapping/>
+  </p:clrMapOvr>
+</p:sld>
+</file>
+
+<file path=ppt/slides/slide3.xml><?xml version="1.0" encoding="utf-8"?>
+<p:sld xmlns:a="http://schemas.openxmlformats.org/drawingml/2006/main" xmlns:r="http://schemas.openxmlformats.org/officeDocument/2006/relationships" xmlns:p="http://schemas.openxmlformats.org/presentationml/2006/main">
+  <p:cSld>
+    <p:spTree>
+      <p:nvGrpSpPr>
+        <p:cNvPr id="1" name=""/>
+        <p:cNvGrpSpPr/>
+        <p:nvPr/>
+      </p:nvGrpSpPr>
+      <p:grpSpPr>
+        <a:xfrm>
+          <a:off x="0" y="0"/>
+          <a:ext cx="0" cy="0"/>
+          <a:chOff x="0" y="0"/>
+          <a:chExt cx="0" cy="0"/>
+        </a:xfrm>
+      </p:grpSpPr>
+      <p:sp>
+        <p:nvSpPr>
+          <p:cNvPr id="2" name="Titre 1"/>
+          <p:cNvSpPr>
+            <a:spLocks noGrp="1"/>
+          </p:cNvSpPr>
+          <p:nvPr>
+            <p:ph type="title"/>
+          </p:nvPr>
+        </p:nvSpPr>
+        <p:spPr/>
+        <p:txBody>
+          <a:bodyPr/>
+          <a:lstStyle/>
+          <a:p>
+            <a:r>
+              <a:rPr lang="fr-FR" dirty="0" smtClean="0"/>
+              <a:t>L’architecture</a:t>
+            </a:r>
+            <a:endParaRPr lang="fr-CH" dirty="0"/>
+          </a:p>
+        </p:txBody>
+      </p:sp>
+      <p:sp>
+        <p:nvSpPr>
+          <p:cNvPr id="3" name="Espace réservé du contenu 2"/>
+          <p:cNvSpPr>
+            <a:spLocks noGrp="1"/>
+          </p:cNvSpPr>
+          <p:nvPr>
+            <p:ph idx="1"/>
+          </p:nvPr>
+        </p:nvSpPr>
+        <p:spPr>
+          <a:xfrm>
+            <a:off x="950384" y="1555242"/>
+            <a:ext cx="10281992" cy="3619041"/>
+          </a:xfrm>
+        </p:spPr>
+        <p:txBody>
+          <a:bodyPr>
+            <a:normAutofit/>
+          </a:bodyPr>
+          <a:lstStyle/>
+          <a:p>
+            <a:r>
+              <a:rPr lang="fr-FR" dirty="0" smtClean="0"/>
+              <a:t>Le répertoire .git contient toutes les informations nécessaire au fonctionnement du </a:t>
+            </a:r>
+            <a:r>
+              <a:rPr lang="fr-FR" dirty="0" err="1" smtClean="0"/>
+              <a:t>dépot</a:t>
+            </a:r>
+            <a:endParaRPr lang="fr-FR" dirty="0" smtClean="0"/>
+          </a:p>
+          <a:p>
+            <a:r>
+              <a:rPr lang="fr-FR" dirty="0" smtClean="0"/>
+              <a:t>Contient les répertoires suivants</a:t>
+            </a:r>
+          </a:p>
+          <a:p>
+            <a:pPr lvl="1"/>
+            <a:r>
+              <a:rPr lang="fr-FR" dirty="0" err="1" smtClean="0"/>
+              <a:t>Hooks</a:t>
+            </a:r>
+            <a:r>
+              <a:rPr lang="fr-FR" dirty="0" smtClean="0"/>
+              <a:t> -&gt; permet de stocker les scripts de </a:t>
+            </a:r>
+            <a:r>
+              <a:rPr lang="fr-FR" dirty="0" err="1" smtClean="0"/>
+              <a:t>hook</a:t>
+            </a:r>
+            <a:endParaRPr lang="fr-FR" dirty="0" smtClean="0"/>
+          </a:p>
+          <a:p>
+            <a:pPr lvl="1"/>
+            <a:r>
+              <a:rPr lang="fr-FR" dirty="0" smtClean="0"/>
+              <a:t>Logs -&gt; logs des différentes opérations effectuées avec git</a:t>
+            </a:r>
+          </a:p>
+          <a:p>
+            <a:pPr lvl="1"/>
+            <a:r>
+              <a:rPr lang="fr-FR" dirty="0" err="1" smtClean="0"/>
+              <a:t>Objects</a:t>
+            </a:r>
+            <a:r>
+              <a:rPr lang="fr-FR" dirty="0" smtClean="0"/>
+              <a:t> -&gt; contient (entre autre) les </a:t>
+            </a:r>
+            <a:r>
+              <a:rPr lang="fr-FR" dirty="0" err="1" smtClean="0"/>
+              <a:t>commits</a:t>
+            </a:r>
+            <a:endParaRPr lang="fr-FR" dirty="0" smtClean="0"/>
+          </a:p>
+          <a:p>
+            <a:pPr lvl="1"/>
+            <a:r>
+              <a:rPr lang="fr-FR" dirty="0" err="1" smtClean="0"/>
+              <a:t>Refs</a:t>
+            </a:r>
+            <a:r>
+              <a:rPr lang="fr-FR" dirty="0" smtClean="0"/>
+              <a:t> -&gt; contient les étiquettes  </a:t>
+            </a:r>
+          </a:p>
+          <a:p>
+            <a:r>
+              <a:rPr lang="fr-CH" dirty="0" smtClean="0"/>
+              <a:t>Le fonctionnement interne de git est basé que sur les </a:t>
+            </a:r>
+            <a:r>
+              <a:rPr lang="fr-CH" dirty="0" err="1" smtClean="0"/>
+              <a:t>objects</a:t>
+            </a:r>
+            <a:endParaRPr lang="fr-FR" dirty="0"/>
+          </a:p>
+        </p:txBody>
+      </p:sp>
+    </p:spTree>
+    <p:extLst>
+      <p:ext uri="{BB962C8B-B14F-4D97-AF65-F5344CB8AC3E}">
+        <p14:creationId xmlns:p14="http://schemas.microsoft.com/office/powerpoint/2010/main" val="1697854684"/>
+      </p:ext>
+    </p:extLst>
+  </p:cSld>
+  <p:clrMapOvr>
+    <a:masterClrMapping/>
+  </p:clrMapOvr>
+</p:sld>
+</file>
+
+<file path=ppt/slides/slide30.xml><?xml version="1.0" encoding="utf-8"?>
+<p:sld xmlns:a="http://schemas.openxmlformats.org/drawingml/2006/main" xmlns:r="http://schemas.openxmlformats.org/officeDocument/2006/relationships" xmlns:p="http://schemas.openxmlformats.org/presentationml/2006/main">
+  <p:cSld>
+    <p:spTree>
+      <p:nvGrpSpPr>
+        <p:cNvPr id="1" name=""/>
+        <p:cNvGrpSpPr/>
+        <p:nvPr/>
+      </p:nvGrpSpPr>
+      <p:grpSpPr>
+        <a:xfrm>
+          <a:off x="0" y="0"/>
+          <a:ext cx="0" cy="0"/>
+          <a:chOff x="0" y="0"/>
+          <a:chExt cx="0" cy="0"/>
+        </a:xfrm>
+      </p:grpSpPr>
+      <p:sp>
+        <p:nvSpPr>
+          <p:cNvPr id="2" name="Titre 1"/>
+          <p:cNvSpPr>
+            <a:spLocks noGrp="1"/>
+          </p:cNvSpPr>
+          <p:nvPr>
+            <p:ph type="title"/>
+          </p:nvPr>
+        </p:nvSpPr>
+        <p:spPr/>
+        <p:txBody>
+          <a:bodyPr/>
+          <a:lstStyle/>
+          <a:p>
+            <a:r>
+              <a:rPr lang="fr-CH" dirty="0" smtClean="0"/>
+              <a:t>git reset</a:t>
+            </a:r>
+            <a:endParaRPr lang="fr-CH" dirty="0"/>
+          </a:p>
+        </p:txBody>
+      </p:sp>
+      <p:sp>
+        <p:nvSpPr>
+          <p:cNvPr id="3" name="Espace réservé du contenu 2"/>
+          <p:cNvSpPr>
+            <a:spLocks noGrp="1"/>
+          </p:cNvSpPr>
+          <p:nvPr>
+            <p:ph idx="1"/>
+          </p:nvPr>
+        </p:nvSpPr>
+        <p:spPr/>
+        <p:txBody>
+          <a:bodyPr/>
+          <a:lstStyle/>
+          <a:p>
+            <a:r>
+              <a:rPr lang="fr-CH" dirty="0" smtClean="0"/>
+              <a:t>Modifiez un fichier et </a:t>
+            </a:r>
+            <a:r>
+              <a:rPr lang="fr-CH" dirty="0" err="1" smtClean="0"/>
+              <a:t>commitez</a:t>
+            </a:r>
+            <a:r>
+              <a:rPr lang="fr-CH" dirty="0" smtClean="0"/>
+              <a:t> le.</a:t>
+            </a:r>
+          </a:p>
+          <a:p>
+            <a:r>
+              <a:rPr lang="fr-CH" dirty="0" smtClean="0"/>
+              <a:t>Revenez un commit en arrière avec git reset.</a:t>
+            </a:r>
+          </a:p>
+          <a:p>
+            <a:r>
+              <a:rPr lang="fr-CH" dirty="0" smtClean="0"/>
+              <a:t>Revenez à l’état de la branche </a:t>
+            </a:r>
+            <a:r>
+              <a:rPr lang="fr-CH" dirty="0" err="1" smtClean="0"/>
+              <a:t>origin</a:t>
+            </a:r>
+            <a:r>
+              <a:rPr lang="fr-CH" dirty="0" smtClean="0"/>
+              <a:t>/master (git reset </a:t>
+            </a:r>
+            <a:r>
+              <a:rPr lang="fr-CH" dirty="0" err="1" smtClean="0"/>
+              <a:t>origin</a:t>
+            </a:r>
+            <a:r>
+              <a:rPr lang="fr-CH" dirty="0" smtClean="0"/>
+              <a:t>/master)</a:t>
+            </a:r>
+            <a:endParaRPr lang="fr-CH" dirty="0"/>
+          </a:p>
+        </p:txBody>
+      </p:sp>
+      <p:sp>
+        <p:nvSpPr>
+          <p:cNvPr id="4" name="ZoneTexte 3"/>
+          <p:cNvSpPr txBox="1"/>
+          <p:nvPr/>
+        </p:nvSpPr>
+        <p:spPr>
+          <a:xfrm>
+            <a:off x="950384" y="5591174"/>
+            <a:ext cx="8585502" cy="830997"/>
+          </a:xfrm>
+          <a:prstGeom prst="rect">
+            <a:avLst/>
+          </a:prstGeom>
+          <a:solidFill>
+            <a:srgbClr val="D91E4B"/>
+          </a:solidFill>
+        </p:spPr>
+        <p:txBody>
+          <a:bodyPr wrap="square" rtlCol="0">
+            <a:spAutoFit/>
+          </a:bodyPr>
+          <a:lstStyle/>
+          <a:p>
+            <a:r>
+              <a:rPr lang="fr-CH" sz="1600" dirty="0" smtClean="0">
+                <a:solidFill>
+                  <a:schemeClr val="bg1"/>
+                </a:solidFill>
+              </a:rPr>
+              <a:t>Question :</a:t>
+            </a:r>
+          </a:p>
+          <a:p>
+            <a:r>
+              <a:rPr lang="fr-CH" sz="1600" dirty="0" smtClean="0">
+                <a:solidFill>
+                  <a:schemeClr val="bg1"/>
+                </a:solidFill>
+              </a:rPr>
+              <a:t>● Comment revenir à l’état de la branche </a:t>
+            </a:r>
+            <a:r>
+              <a:rPr lang="fr-CH" sz="1600" dirty="0" err="1" smtClean="0">
+                <a:solidFill>
+                  <a:schemeClr val="bg1"/>
+                </a:solidFill>
+              </a:rPr>
+              <a:t>origin</a:t>
+            </a:r>
+            <a:r>
+              <a:rPr lang="fr-CH" sz="1600" dirty="0" smtClean="0">
+                <a:solidFill>
+                  <a:schemeClr val="bg1"/>
+                </a:solidFill>
+              </a:rPr>
+              <a:t>/master en oubliant vos modifications sur votre dépôt local ?</a:t>
+            </a:r>
+            <a:endParaRPr lang="fr-CH" sz="1600" dirty="0">
+              <a:solidFill>
+                <a:schemeClr val="bg1"/>
+              </a:solidFill>
+            </a:endParaRPr>
+          </a:p>
+        </p:txBody>
+      </p:sp>
+    </p:spTree>
+    <p:extLst>
+      <p:ext uri="{BB962C8B-B14F-4D97-AF65-F5344CB8AC3E}">
+        <p14:creationId xmlns:p14="http://schemas.microsoft.com/office/powerpoint/2010/main" val="2376632055"/>
+      </p:ext>
+    </p:extLst>
+  </p:cSld>
+  <p:clrMapOvr>
+    <a:masterClrMapping/>
+  </p:clrMapOvr>
+</p:sld>
+</file>
+
+<file path=ppt/slides/slide31.xml><?xml version="1.0" encoding="utf-8"?>
+<p:sld xmlns:a="http://schemas.openxmlformats.org/drawingml/2006/main" xmlns:r="http://schemas.openxmlformats.org/officeDocument/2006/relationships" xmlns:p="http://schemas.openxmlformats.org/presentationml/2006/main">
+  <p:cSld>
+    <p:spTree>
+      <p:nvGrpSpPr>
+        <p:cNvPr id="1" name=""/>
+        <p:cNvGrpSpPr/>
+        <p:nvPr/>
+      </p:nvGrpSpPr>
+      <p:grpSpPr>
+        <a:xfrm>
+          <a:off x="0" y="0"/>
+          <a:ext cx="0" cy="0"/>
+          <a:chOff x="0" y="0"/>
+          <a:chExt cx="0" cy="0"/>
+        </a:xfrm>
+      </p:grpSpPr>
+      <p:sp>
+        <p:nvSpPr>
+          <p:cNvPr id="2" name="Titre 1"/>
+          <p:cNvSpPr>
+            <a:spLocks noGrp="1"/>
+          </p:cNvSpPr>
+          <p:nvPr>
+            <p:ph type="title"/>
+          </p:nvPr>
+        </p:nvSpPr>
+        <p:spPr/>
+        <p:txBody>
+          <a:bodyPr/>
+          <a:lstStyle/>
+          <a:p>
+            <a:r>
+              <a:rPr lang="fr-CH" dirty="0"/>
+              <a:t>Hands-on : </a:t>
+            </a:r>
+            <a:r>
+              <a:rPr lang="fr-CH" dirty="0" err="1" smtClean="0"/>
+              <a:t>ré-écrire</a:t>
+            </a:r>
+            <a:r>
+              <a:rPr lang="fr-CH" dirty="0" smtClean="0"/>
+              <a:t> l’histoire</a:t>
+            </a:r>
+            <a:endParaRPr lang="fr-CH" dirty="0"/>
+          </a:p>
+        </p:txBody>
+      </p:sp>
+      <p:pic>
+        <p:nvPicPr>
+          <p:cNvPr id="5126" name="Picture 6" descr="File:Cartoon Man Doing Research Using A Computer.svg"/>
+          <p:cNvPicPr>
+            <a:picLocks noChangeAspect="1" noChangeArrowheads="1"/>
+          </p:cNvPicPr>
+          <p:nvPr/>
+        </p:nvPicPr>
+        <p:blipFill>
+          <a:blip r:embed="rId2">
+            <a:extLst>
+              <a:ext uri="{28A0092B-C50C-407E-A947-70E740481C1C}">
+                <a14:useLocalDpi xmlns:a14="http://schemas.microsoft.com/office/drawing/2010/main" val="0"/>
+              </a:ext>
+            </a:extLst>
+          </a:blip>
+          <a:srcRect/>
+          <a:stretch>
+            <a:fillRect/>
+          </a:stretch>
+        </p:blipFill>
+        <p:spPr bwMode="auto">
+          <a:xfrm>
+            <a:off x="3542587" y="1152524"/>
+            <a:ext cx="4410075" cy="5705476"/>
+          </a:xfrm>
+          <a:prstGeom prst="rect">
+            <a:avLst/>
+          </a:prstGeom>
+          <a:noFill/>
+          <a:extLst>
+            <a:ext uri="{909E8E84-426E-40DD-AFC4-6F175D3DCCD1}">
+              <a14:hiddenFill xmlns:a14="http://schemas.microsoft.com/office/drawing/2010/main">
+                <a:solidFill>
+                  <a:srgbClr val="FFFFFF"/>
+                </a:solidFill>
+              </a14:hiddenFill>
+            </a:ext>
+          </a:extLst>
+        </p:spPr>
+      </p:pic>
+    </p:spTree>
+    <p:extLst>
+      <p:ext uri="{BB962C8B-B14F-4D97-AF65-F5344CB8AC3E}">
+        <p14:creationId xmlns:p14="http://schemas.microsoft.com/office/powerpoint/2010/main" val="1881137798"/>
+      </p:ext>
+    </p:extLst>
+  </p:cSld>
+  <p:clrMapOvr>
+    <a:masterClrMapping/>
+  </p:clrMapOvr>
+  <p:timing>
+    <p:tnLst>
+      <p:par>
+        <p:cTn id="1" dur="indefinite" restart="never" nodeType="tmRoot"/>
+      </p:par>
+    </p:tnLst>
+  </p:timing>
+</p:sld>
+</file>
+
+<file path=ppt/slides/slide32.xml><?xml version="1.0" encoding="utf-8"?>
+<p:sld xmlns:a="http://schemas.openxmlformats.org/drawingml/2006/main" xmlns:r="http://schemas.openxmlformats.org/officeDocument/2006/relationships" xmlns:p="http://schemas.openxmlformats.org/presentationml/2006/main">
+  <p:cSld>
+    <p:spTree>
+      <p:nvGrpSpPr>
+        <p:cNvPr id="1" name=""/>
+        <p:cNvGrpSpPr/>
+        <p:nvPr/>
+      </p:nvGrpSpPr>
+      <p:grpSpPr>
+        <a:xfrm>
+          <a:off x="0" y="0"/>
+          <a:ext cx="0" cy="0"/>
+          <a:chOff x="0" y="0"/>
+          <a:chExt cx="0" cy="0"/>
+        </a:xfrm>
+      </p:grpSpPr>
+      <p:sp>
+        <p:nvSpPr>
+          <p:cNvPr id="2" name="Titre 1"/>
+          <p:cNvSpPr>
+            <a:spLocks noGrp="1"/>
+          </p:cNvSpPr>
+          <p:nvPr>
+            <p:ph type="title"/>
+          </p:nvPr>
+        </p:nvSpPr>
+        <p:spPr/>
+        <p:txBody>
+          <a:bodyPr/>
+          <a:lstStyle/>
+          <a:p>
+            <a:r>
+              <a:rPr lang="fr-CH" dirty="0" smtClean="0"/>
+              <a:t>git commit --</a:t>
+            </a:r>
+            <a:r>
+              <a:rPr lang="fr-CH" dirty="0" err="1" smtClean="0"/>
+              <a:t>amend</a:t>
+            </a:r>
+            <a:endParaRPr lang="fr-CH" dirty="0"/>
+          </a:p>
+        </p:txBody>
+      </p:sp>
+      <p:sp>
+        <p:nvSpPr>
+          <p:cNvPr id="3" name="Espace réservé du contenu 2"/>
+          <p:cNvSpPr>
+            <a:spLocks noGrp="1"/>
+          </p:cNvSpPr>
+          <p:nvPr>
+            <p:ph idx="1"/>
+          </p:nvPr>
+        </p:nvSpPr>
+        <p:spPr/>
+        <p:txBody>
+          <a:bodyPr/>
+          <a:lstStyle/>
+          <a:p>
+            <a:r>
+              <a:rPr lang="fr-CH" dirty="0" smtClean="0"/>
+              <a:t>Permet de modifier le dernier commit</a:t>
+            </a:r>
+          </a:p>
+          <a:p>
+            <a:pPr lvl="1"/>
+            <a:r>
+              <a:rPr lang="fr-CH" dirty="0" smtClean="0"/>
+              <a:t>Contenu (ajoute le contenu du </a:t>
+            </a:r>
+            <a:r>
+              <a:rPr lang="fr-CH" dirty="0" err="1" smtClean="0"/>
+              <a:t>staging</a:t>
+            </a:r>
+            <a:r>
+              <a:rPr lang="fr-CH" dirty="0" smtClean="0"/>
+              <a:t>)</a:t>
+            </a:r>
+          </a:p>
+          <a:p>
+            <a:pPr lvl="1"/>
+            <a:r>
+              <a:rPr lang="fr-CH" dirty="0" smtClean="0"/>
+              <a:t>Message de commit</a:t>
+            </a:r>
+          </a:p>
+          <a:p>
+            <a:pPr lvl="1"/>
+            <a:endParaRPr lang="fr-CH" dirty="0"/>
+          </a:p>
+          <a:p>
+            <a:endParaRPr lang="fr-CH" dirty="0" smtClean="0"/>
+          </a:p>
+          <a:p>
+            <a:endParaRPr lang="fr-CH" dirty="0"/>
+          </a:p>
+          <a:p>
+            <a:r>
+              <a:rPr lang="fr-CH" dirty="0" smtClean="0"/>
+              <a:t>Ajoutez un fichier dans votre dernier commit et modifiez son message.</a:t>
+            </a:r>
+            <a:endParaRPr lang="fr-CH" dirty="0"/>
+          </a:p>
+        </p:txBody>
+      </p:sp>
+    </p:spTree>
+    <p:extLst>
+      <p:ext uri="{BB962C8B-B14F-4D97-AF65-F5344CB8AC3E}">
+        <p14:creationId xmlns:p14="http://schemas.microsoft.com/office/powerpoint/2010/main" val="2418644300"/>
+      </p:ext>
+    </p:extLst>
+  </p:cSld>
+  <p:clrMapOvr>
+    <a:masterClrMapping/>
+  </p:clrMapOvr>
+</p:sld>
+</file>
+
+<file path=ppt/slides/slide33.xml><?xml version="1.0" encoding="utf-8"?>
+<p:sld xmlns:a="http://schemas.openxmlformats.org/drawingml/2006/main" xmlns:r="http://schemas.openxmlformats.org/officeDocument/2006/relationships" xmlns:p="http://schemas.openxmlformats.org/presentationml/2006/main">
+  <p:cSld>
+    <p:spTree>
+      <p:nvGrpSpPr>
+        <p:cNvPr id="1" name=""/>
+        <p:cNvGrpSpPr/>
+        <p:nvPr/>
+      </p:nvGrpSpPr>
+      <p:grpSpPr>
+        <a:xfrm>
+          <a:off x="0" y="0"/>
+          <a:ext cx="0" cy="0"/>
+          <a:chOff x="0" y="0"/>
+          <a:chExt cx="0" cy="0"/>
+        </a:xfrm>
+      </p:grpSpPr>
+      <p:sp>
+        <p:nvSpPr>
+          <p:cNvPr id="2" name="Titre 1"/>
+          <p:cNvSpPr>
+            <a:spLocks noGrp="1"/>
+          </p:cNvSpPr>
+          <p:nvPr>
+            <p:ph type="title"/>
+          </p:nvPr>
+        </p:nvSpPr>
+        <p:spPr/>
+        <p:txBody>
+          <a:bodyPr/>
+          <a:lstStyle/>
+          <a:p>
+            <a:r>
+              <a:rPr lang="fr-CH" dirty="0" smtClean="0"/>
+              <a:t>git </a:t>
+            </a:r>
+            <a:r>
+              <a:rPr lang="fr-CH" dirty="0" err="1" smtClean="0"/>
+              <a:t>rebase</a:t>
+            </a:r>
+            <a:r>
+              <a:rPr lang="fr-CH" dirty="0" smtClean="0"/>
+              <a:t> -i</a:t>
+            </a:r>
+            <a:endParaRPr lang="fr-CH" dirty="0"/>
+          </a:p>
+        </p:txBody>
+      </p:sp>
+      <p:sp>
+        <p:nvSpPr>
+          <p:cNvPr id="3" name="Espace réservé du contenu 2"/>
+          <p:cNvSpPr>
+            <a:spLocks noGrp="1"/>
+          </p:cNvSpPr>
+          <p:nvPr>
+            <p:ph idx="1"/>
+          </p:nvPr>
+        </p:nvSpPr>
+        <p:spPr>
+          <a:xfrm>
+            <a:off x="950384" y="1572097"/>
+            <a:ext cx="10281992" cy="4367384"/>
+          </a:xfrm>
+        </p:spPr>
+        <p:txBody>
+          <a:bodyPr>
+            <a:normAutofit/>
+          </a:bodyPr>
+          <a:lstStyle/>
+          <a:p>
+            <a:r>
+              <a:rPr lang="fr-CH" dirty="0" smtClean="0"/>
+              <a:t>Permet de modifier un ensemble de </a:t>
+            </a:r>
+            <a:r>
+              <a:rPr lang="fr-CH" dirty="0" err="1" smtClean="0"/>
+              <a:t>commits</a:t>
+            </a:r>
+            <a:endParaRPr lang="fr-CH" dirty="0"/>
+          </a:p>
+          <a:p>
+            <a:endParaRPr lang="fr-CH" dirty="0" smtClean="0"/>
+          </a:p>
+          <a:p>
+            <a:endParaRPr lang="fr-CH" dirty="0" smtClean="0"/>
+          </a:p>
+          <a:p>
+            <a:endParaRPr lang="fr-CH" dirty="0"/>
+          </a:p>
+          <a:p>
+            <a:endParaRPr lang="fr-CH" dirty="0" smtClean="0"/>
+          </a:p>
+          <a:p>
+            <a:endParaRPr lang="fr-CH" dirty="0" smtClean="0"/>
+          </a:p>
+          <a:p>
+            <a:endParaRPr lang="fr-CH" dirty="0"/>
+          </a:p>
+          <a:p>
+            <a:endParaRPr lang="fr-CH" dirty="0"/>
+          </a:p>
+          <a:p>
+            <a:r>
+              <a:rPr lang="fr-CH" dirty="0" smtClean="0"/>
+              <a:t>Essayez de fusionner vos trois derniers </a:t>
+            </a:r>
+            <a:r>
+              <a:rPr lang="fr-CH" dirty="0" err="1" smtClean="0"/>
+              <a:t>commits</a:t>
+            </a:r>
+            <a:r>
+              <a:rPr lang="fr-CH" dirty="0" smtClean="0"/>
+              <a:t>.</a:t>
+            </a:r>
+            <a:endParaRPr lang="fr-CH" dirty="0"/>
+          </a:p>
+        </p:txBody>
+      </p:sp>
+      <p:pic>
+        <p:nvPicPr>
+          <p:cNvPr id="4" name="Image 3"/>
+          <p:cNvPicPr>
+            <a:picLocks noChangeAspect="1"/>
+          </p:cNvPicPr>
+          <p:nvPr/>
+        </p:nvPicPr>
+        <p:blipFill>
+          <a:blip r:embed="rId2"/>
+          <a:stretch>
+            <a:fillRect/>
+          </a:stretch>
+        </p:blipFill>
+        <p:spPr>
+          <a:xfrm>
+            <a:off x="1386618" y="2078921"/>
+            <a:ext cx="4704762" cy="2857143"/>
+          </a:xfrm>
+          <a:prstGeom prst="rect">
+            <a:avLst/>
+          </a:prstGeom>
+        </p:spPr>
+      </p:pic>
+    </p:spTree>
+    <p:extLst>
+      <p:ext uri="{BB962C8B-B14F-4D97-AF65-F5344CB8AC3E}">
+        <p14:creationId xmlns:p14="http://schemas.microsoft.com/office/powerpoint/2010/main" val="1462212787"/>
+      </p:ext>
+    </p:extLst>
+  </p:cSld>
+  <p:clrMapOvr>
+    <a:masterClrMapping/>
+  </p:clrMapOvr>
+</p:sld>
+</file>
+
+<file path=ppt/slides/slide34.xml><?xml version="1.0" encoding="utf-8"?>
+<p:sld xmlns:a="http://schemas.openxmlformats.org/drawingml/2006/main" xmlns:r="http://schemas.openxmlformats.org/officeDocument/2006/relationships" xmlns:p="http://schemas.openxmlformats.org/presentationml/2006/main">
+  <p:cSld>
+    <p:spTree>
+      <p:nvGrpSpPr>
+        <p:cNvPr id="1" name=""/>
+        <p:cNvGrpSpPr/>
+        <p:nvPr/>
+      </p:nvGrpSpPr>
+      <p:grpSpPr>
+        <a:xfrm>
+          <a:off x="0" y="0"/>
+          <a:ext cx="0" cy="0"/>
+          <a:chOff x="0" y="0"/>
+          <a:chExt cx="0" cy="0"/>
+        </a:xfrm>
+      </p:grpSpPr>
+      <p:sp>
+        <p:nvSpPr>
+          <p:cNvPr id="2" name="Titre 1"/>
+          <p:cNvSpPr>
+            <a:spLocks noGrp="1"/>
+          </p:cNvSpPr>
+          <p:nvPr>
+            <p:ph type="title"/>
+          </p:nvPr>
+        </p:nvSpPr>
+        <p:spPr/>
+        <p:txBody>
+          <a:bodyPr/>
+          <a:lstStyle/>
+          <a:p>
+            <a:r>
+              <a:rPr lang="fr-CH" dirty="0" smtClean="0"/>
+              <a:t>git </a:t>
+            </a:r>
+            <a:r>
+              <a:rPr lang="fr-CH" dirty="0" err="1" smtClean="0"/>
+              <a:t>rebase</a:t>
+            </a:r>
+            <a:r>
+              <a:rPr lang="fr-CH" dirty="0" smtClean="0"/>
+              <a:t> -i</a:t>
+            </a:r>
+            <a:endParaRPr lang="fr-CH" dirty="0"/>
+          </a:p>
+        </p:txBody>
+      </p:sp>
+      <p:sp>
+        <p:nvSpPr>
+          <p:cNvPr id="3" name="Espace réservé du contenu 2"/>
+          <p:cNvSpPr>
+            <a:spLocks noGrp="1"/>
+          </p:cNvSpPr>
+          <p:nvPr>
+            <p:ph idx="1"/>
+          </p:nvPr>
+        </p:nvSpPr>
+        <p:spPr>
+          <a:xfrm>
+            <a:off x="950384" y="1572097"/>
+            <a:ext cx="10281992" cy="4367384"/>
+          </a:xfrm>
+        </p:spPr>
+        <p:txBody>
+          <a:bodyPr>
+            <a:normAutofit/>
+          </a:bodyPr>
+          <a:lstStyle/>
+          <a:p>
+            <a:r>
+              <a:rPr lang="fr-CH" dirty="0" smtClean="0"/>
+              <a:t>Essayez de séparer un commit en plusieurs </a:t>
+            </a:r>
+            <a:r>
+              <a:rPr lang="fr-CH" dirty="0" err="1" smtClean="0"/>
+              <a:t>commits</a:t>
+            </a:r>
+            <a:r>
+              <a:rPr lang="fr-CH" dirty="0" smtClean="0"/>
+              <a:t> (cas d’un commit trop gros ou mélange de deux correctifs)</a:t>
+            </a:r>
+            <a:endParaRPr lang="fr-CH" dirty="0"/>
+          </a:p>
+          <a:p>
+            <a:pPr lvl="1"/>
+            <a:r>
+              <a:rPr lang="fr-CH" dirty="0" smtClean="0"/>
+              <a:t>git </a:t>
+            </a:r>
+            <a:r>
+              <a:rPr lang="fr-CH" dirty="0" err="1" smtClean="0"/>
+              <a:t>rebase</a:t>
+            </a:r>
+            <a:r>
+              <a:rPr lang="fr-CH" dirty="0" smtClean="0"/>
+              <a:t>, git reset, git </a:t>
+            </a:r>
+            <a:r>
+              <a:rPr lang="fr-CH" dirty="0" err="1" smtClean="0"/>
+              <a:t>add</a:t>
+            </a:r>
+            <a:r>
+              <a:rPr lang="fr-CH" dirty="0" smtClean="0"/>
+              <a:t>, git commit</a:t>
+            </a:r>
+          </a:p>
+          <a:p>
+            <a:endParaRPr lang="fr-CH" dirty="0"/>
+          </a:p>
+          <a:p>
+            <a:endParaRPr lang="fr-CH" dirty="0" smtClean="0"/>
+          </a:p>
+          <a:p>
+            <a:endParaRPr lang="fr-CH" dirty="0" smtClean="0"/>
+          </a:p>
+        </p:txBody>
+      </p:sp>
+    </p:spTree>
+    <p:extLst>
+      <p:ext uri="{BB962C8B-B14F-4D97-AF65-F5344CB8AC3E}">
+        <p14:creationId xmlns:p14="http://schemas.microsoft.com/office/powerpoint/2010/main" val="1475944714"/>
+      </p:ext>
+    </p:extLst>
+  </p:cSld>
+  <p:clrMapOvr>
+    <a:masterClrMapping/>
+  </p:clrMapOvr>
+</p:sld>
+</file>
+
+<file path=ppt/slides/slide35.xml><?xml version="1.0" encoding="utf-8"?>
+<p:sld xmlns:a="http://schemas.openxmlformats.org/drawingml/2006/main" xmlns:r="http://schemas.openxmlformats.org/officeDocument/2006/relationships" xmlns:p="http://schemas.openxmlformats.org/presentationml/2006/main">
+  <p:cSld>
+    <p:spTree>
+      <p:nvGrpSpPr>
+        <p:cNvPr id="1" name=""/>
+        <p:cNvGrpSpPr/>
+        <p:nvPr/>
+      </p:nvGrpSpPr>
+      <p:grpSpPr>
+        <a:xfrm>
+          <a:off x="0" y="0"/>
+          <a:ext cx="0" cy="0"/>
+          <a:chOff x="0" y="0"/>
+          <a:chExt cx="0" cy="0"/>
+        </a:xfrm>
+      </p:grpSpPr>
+      <p:sp>
+        <p:nvSpPr>
+          <p:cNvPr id="2" name="Titre 1"/>
+          <p:cNvSpPr>
+            <a:spLocks noGrp="1"/>
+          </p:cNvSpPr>
+          <p:nvPr>
+            <p:ph type="title"/>
+          </p:nvPr>
+        </p:nvSpPr>
+        <p:spPr/>
+        <p:txBody>
+          <a:bodyPr/>
+          <a:lstStyle/>
+          <a:p>
+            <a:r>
+              <a:rPr lang="fr-CH" dirty="0" smtClean="0"/>
+              <a:t>git </a:t>
+            </a:r>
+            <a:r>
+              <a:rPr lang="fr-CH" dirty="0" err="1" smtClean="0"/>
+              <a:t>filter-branch</a:t>
+            </a:r>
+            <a:endParaRPr lang="fr-CH" dirty="0"/>
+          </a:p>
+        </p:txBody>
+      </p:sp>
+      <p:sp>
+        <p:nvSpPr>
+          <p:cNvPr id="3" name="Espace réservé du contenu 2"/>
+          <p:cNvSpPr>
+            <a:spLocks noGrp="1"/>
+          </p:cNvSpPr>
+          <p:nvPr>
+            <p:ph idx="1"/>
+          </p:nvPr>
+        </p:nvSpPr>
+        <p:spPr>
+          <a:xfrm>
+            <a:off x="950384" y="1572097"/>
+            <a:ext cx="10281992" cy="4367384"/>
+          </a:xfrm>
+        </p:spPr>
+        <p:txBody>
+          <a:bodyPr>
+            <a:normAutofit/>
+          </a:bodyPr>
+          <a:lstStyle/>
+          <a:p>
+            <a:r>
+              <a:rPr lang="fr-CH" dirty="0" smtClean="0"/>
+              <a:t>Permet de modifier tous les </a:t>
+            </a:r>
+            <a:r>
+              <a:rPr lang="fr-CH" dirty="0" err="1" smtClean="0"/>
+              <a:t>commits</a:t>
+            </a:r>
+            <a:r>
+              <a:rPr lang="fr-CH" dirty="0" smtClean="0"/>
+              <a:t> d’une branche !</a:t>
+            </a:r>
+            <a:endParaRPr lang="fr-CH" dirty="0"/>
+          </a:p>
+          <a:p>
+            <a:pPr lvl="1"/>
+            <a:r>
+              <a:rPr lang="fr-CH" dirty="0" smtClean="0"/>
+              <a:t>Supprimer un fichier de l’historique</a:t>
+            </a:r>
+          </a:p>
+          <a:p>
+            <a:pPr lvl="1"/>
+            <a:r>
+              <a:rPr lang="fr-CH" dirty="0" smtClean="0"/>
+              <a:t>Modifier l’adresse e-mail de tous les </a:t>
+            </a:r>
+            <a:r>
+              <a:rPr lang="fr-CH" dirty="0" err="1" smtClean="0"/>
+              <a:t>commits</a:t>
+            </a:r>
+            <a:endParaRPr lang="fr-CH" dirty="0" smtClean="0"/>
+          </a:p>
+          <a:p>
+            <a:endParaRPr lang="fr-CH" dirty="0" smtClean="0"/>
+          </a:p>
+          <a:p>
+            <a:endParaRPr lang="fr-CH" dirty="0" smtClean="0"/>
+          </a:p>
+          <a:p>
+            <a:endParaRPr lang="fr-CH" dirty="0"/>
+          </a:p>
+          <a:p>
+            <a:r>
+              <a:rPr lang="fr-CH" dirty="0" smtClean="0"/>
+              <a:t>Supprimer le fichier AppTest.java de tout l’historique</a:t>
+            </a:r>
+          </a:p>
+          <a:p>
+            <a:pPr lvl="1"/>
+            <a:endParaRPr lang="fr-CH" dirty="0"/>
+          </a:p>
+        </p:txBody>
+      </p:sp>
+    </p:spTree>
+    <p:extLst>
+      <p:ext uri="{BB962C8B-B14F-4D97-AF65-F5344CB8AC3E}">
+        <p14:creationId xmlns:p14="http://schemas.microsoft.com/office/powerpoint/2010/main" val="2547717949"/>
+      </p:ext>
+    </p:extLst>
+  </p:cSld>
+  <p:clrMapOvr>
+    <a:masterClrMapping/>
+  </p:clrMapOvr>
+</p:sld>
+</file>
+
+<file path=ppt/slides/slide36.xml><?xml version="1.0" encoding="utf-8"?>
+<p:sld xmlns:a="http://schemas.openxmlformats.org/drawingml/2006/main" xmlns:r="http://schemas.openxmlformats.org/officeDocument/2006/relationships" xmlns:p="http://schemas.openxmlformats.org/presentationml/2006/main">
+  <p:cSld>
+    <p:spTree>
+      <p:nvGrpSpPr>
+        <p:cNvPr id="1" name=""/>
+        <p:cNvGrpSpPr/>
+        <p:nvPr/>
+      </p:nvGrpSpPr>
+      <p:grpSpPr>
+        <a:xfrm>
+          <a:off x="0" y="0"/>
+          <a:ext cx="0" cy="0"/>
+          <a:chOff x="0" y="0"/>
+          <a:chExt cx="0" cy="0"/>
+        </a:xfrm>
+      </p:grpSpPr>
+      <p:pic>
+        <p:nvPicPr>
+          <p:cNvPr id="1026" name="Picture 2" descr="RÃ©sultat de recherche d'images pour &quot;chuck norris git push force&quot;"/>
+          <p:cNvPicPr>
+            <a:picLocks noChangeAspect="1" noChangeArrowheads="1"/>
+          </p:cNvPicPr>
+          <p:nvPr/>
+        </p:nvPicPr>
+        <p:blipFill>
+          <a:blip r:embed="rId2">
+            <a:extLst>
+              <a:ext uri="{28A0092B-C50C-407E-A947-70E740481C1C}">
+                <a14:useLocalDpi xmlns:a14="http://schemas.microsoft.com/office/drawing/2010/main" val="0"/>
+              </a:ext>
+            </a:extLst>
+          </a:blip>
+          <a:srcRect/>
+          <a:stretch>
+            <a:fillRect/>
+          </a:stretch>
+        </p:blipFill>
+        <p:spPr bwMode="auto">
+          <a:xfrm>
+            <a:off x="3575222" y="1204540"/>
+            <a:ext cx="3638893" cy="4528654"/>
+          </a:xfrm>
+          <a:prstGeom prst="rect">
+            <a:avLst/>
+          </a:prstGeom>
+          <a:noFill/>
+          <a:extLst>
+            <a:ext uri="{909E8E84-426E-40DD-AFC4-6F175D3DCCD1}">
+              <a14:hiddenFill xmlns:a14="http://schemas.microsoft.com/office/drawing/2010/main">
+                <a:solidFill>
+                  <a:srgbClr val="FFFFFF"/>
+                </a:solidFill>
+              </a14:hiddenFill>
+            </a:ext>
+          </a:extLst>
+        </p:spPr>
+      </p:pic>
+      <p:sp>
+        <p:nvSpPr>
+          <p:cNvPr id="6" name="Titre 1"/>
+          <p:cNvSpPr>
+            <a:spLocks noGrp="1"/>
+          </p:cNvSpPr>
+          <p:nvPr>
+            <p:ph type="title"/>
+          </p:nvPr>
+        </p:nvSpPr>
+        <p:spPr>
+          <a:xfrm>
+            <a:off x="950385" y="480170"/>
+            <a:ext cx="10289116" cy="962868"/>
+          </a:xfrm>
+        </p:spPr>
+        <p:txBody>
+          <a:bodyPr/>
+          <a:lstStyle/>
+          <a:p>
+            <a:r>
+              <a:rPr lang="fr-CH" dirty="0" err="1" smtClean="0"/>
+              <a:t>Disclaimer</a:t>
+            </a:r>
+            <a:endParaRPr lang="fr-CH" dirty="0"/>
+          </a:p>
+        </p:txBody>
+      </p:sp>
+    </p:spTree>
+    <p:extLst>
+      <p:ext uri="{BB962C8B-B14F-4D97-AF65-F5344CB8AC3E}">
+        <p14:creationId xmlns:p14="http://schemas.microsoft.com/office/powerpoint/2010/main" val="4287816022"/>
+      </p:ext>
+    </p:extLst>
+  </p:cSld>
+  <p:clrMapOvr>
+    <a:masterClrMapping/>
+  </p:clrMapOvr>
+</p:sld>
+</file>
+
+<file path=ppt/slides/slide37.xml><?xml version="1.0" encoding="utf-8"?>
+<p:sld xmlns:a="http://schemas.openxmlformats.org/drawingml/2006/main" xmlns:r="http://schemas.openxmlformats.org/officeDocument/2006/relationships" xmlns:p="http://schemas.openxmlformats.org/presentationml/2006/main">
+  <p:cSld>
+    <p:spTree>
+      <p:nvGrpSpPr>
+        <p:cNvPr id="1" name=""/>
+        <p:cNvGrpSpPr/>
+        <p:nvPr/>
+      </p:nvGrpSpPr>
+      <p:grpSpPr>
+        <a:xfrm>
+          <a:off x="0" y="0"/>
+          <a:ext cx="0" cy="0"/>
+          <a:chOff x="0" y="0"/>
+          <a:chExt cx="0" cy="0"/>
+        </a:xfrm>
+      </p:grpSpPr>
+      <p:sp>
+        <p:nvSpPr>
+          <p:cNvPr id="2" name="Titre 1"/>
+          <p:cNvSpPr>
+            <a:spLocks noGrp="1"/>
+          </p:cNvSpPr>
+          <p:nvPr>
+            <p:ph type="title"/>
+          </p:nvPr>
+        </p:nvSpPr>
+        <p:spPr/>
+        <p:txBody>
+          <a:bodyPr/>
+          <a:lstStyle/>
+          <a:p>
+            <a:r>
+              <a:rPr lang="fr-CH" dirty="0" smtClean="0"/>
+              <a:t>Les </a:t>
+            </a:r>
+            <a:r>
+              <a:rPr lang="fr-CH" dirty="0" err="1" smtClean="0"/>
+              <a:t>hooks</a:t>
+            </a:r>
+            <a:endParaRPr lang="fr-CH" dirty="0"/>
+          </a:p>
+        </p:txBody>
+      </p:sp>
+      <p:pic>
+        <p:nvPicPr>
+          <p:cNvPr id="6146" name="Picture 2" descr="Image associÃ©e"/>
+          <p:cNvPicPr>
+            <a:picLocks noChangeAspect="1" noChangeArrowheads="1"/>
+          </p:cNvPicPr>
+          <p:nvPr/>
+        </p:nvPicPr>
+        <p:blipFill>
+          <a:blip r:embed="rId2">
+            <a:extLst>
+              <a:ext uri="{28A0092B-C50C-407E-A947-70E740481C1C}">
+                <a14:useLocalDpi xmlns:a14="http://schemas.microsoft.com/office/drawing/2010/main" val="0"/>
+              </a:ext>
+            </a:extLst>
+          </a:blip>
+          <a:srcRect/>
+          <a:stretch>
+            <a:fillRect/>
+          </a:stretch>
+        </p:blipFill>
+        <p:spPr bwMode="auto">
+          <a:xfrm>
+            <a:off x="2670609" y="961604"/>
+            <a:ext cx="6687996" cy="4723398"/>
+          </a:xfrm>
+          <a:prstGeom prst="rect">
+            <a:avLst/>
+          </a:prstGeom>
+          <a:noFill/>
+          <a:extLst>
+            <a:ext uri="{909E8E84-426E-40DD-AFC4-6F175D3DCCD1}">
+              <a14:hiddenFill xmlns:a14="http://schemas.microsoft.com/office/drawing/2010/main">
+                <a:solidFill>
+                  <a:srgbClr val="FFFFFF"/>
+                </a:solidFill>
+              </a14:hiddenFill>
+            </a:ext>
+          </a:extLst>
+        </p:spPr>
+      </p:pic>
+    </p:spTree>
+    <p:extLst>
+      <p:ext uri="{BB962C8B-B14F-4D97-AF65-F5344CB8AC3E}">
+        <p14:creationId xmlns:p14="http://schemas.microsoft.com/office/powerpoint/2010/main" val="3148004108"/>
+      </p:ext>
+    </p:extLst>
+  </p:cSld>
+  <p:clrMapOvr>
+    <a:masterClrMapping/>
+  </p:clrMapOvr>
+  <p:timing>
+    <p:tnLst>
+      <p:par>
+        <p:cTn id="1" dur="indefinite" restart="never" nodeType="tmRoot"/>
+      </p:par>
+    </p:tnLst>
+  </p:timing>
+</p:sld>
+</file>
+
+<file path=ppt/slides/slide38.xml><?xml version="1.0" encoding="utf-8"?>
+<p:sld xmlns:a="http://schemas.openxmlformats.org/drawingml/2006/main" xmlns:r="http://schemas.openxmlformats.org/officeDocument/2006/relationships" xmlns:p="http://schemas.openxmlformats.org/presentationml/2006/main">
+  <p:cSld>
+    <p:spTree>
+      <p:nvGrpSpPr>
+        <p:cNvPr id="1" name=""/>
+        <p:cNvGrpSpPr/>
+        <p:nvPr/>
+      </p:nvGrpSpPr>
+      <p:grpSpPr>
+        <a:xfrm>
+          <a:off x="0" y="0"/>
+          <a:ext cx="0" cy="0"/>
+          <a:chOff x="0" y="0"/>
+          <a:chExt cx="0" cy="0"/>
+        </a:xfrm>
+      </p:grpSpPr>
+      <p:sp>
+        <p:nvSpPr>
+          <p:cNvPr id="2" name="Titre 1"/>
+          <p:cNvSpPr>
+            <a:spLocks noGrp="1"/>
+          </p:cNvSpPr>
+          <p:nvPr>
+            <p:ph type="title"/>
+          </p:nvPr>
+        </p:nvSpPr>
+        <p:spPr/>
+        <p:txBody>
+          <a:bodyPr/>
+          <a:lstStyle/>
+          <a:p>
+            <a:r>
+              <a:rPr lang="fr-CH" dirty="0" smtClean="0"/>
+              <a:t>Un </a:t>
+            </a:r>
+            <a:r>
+              <a:rPr lang="fr-CH" dirty="0" err="1" smtClean="0"/>
+              <a:t>hook</a:t>
+            </a:r>
+            <a:r>
+              <a:rPr lang="fr-CH" dirty="0" smtClean="0"/>
+              <a:t>, pourquoi faire ?</a:t>
+            </a:r>
+            <a:endParaRPr lang="fr-CH" dirty="0"/>
+          </a:p>
+        </p:txBody>
+      </p:sp>
+      <p:sp>
+        <p:nvSpPr>
+          <p:cNvPr id="3" name="Espace réservé du contenu 2"/>
+          <p:cNvSpPr>
+            <a:spLocks noGrp="1"/>
+          </p:cNvSpPr>
+          <p:nvPr>
+            <p:ph idx="1"/>
+          </p:nvPr>
+        </p:nvSpPr>
+        <p:spPr/>
+        <p:txBody>
+          <a:bodyPr>
+            <a:normAutofit fontScale="92500" lnSpcReduction="10000"/>
+          </a:bodyPr>
+          <a:lstStyle/>
+          <a:p>
+            <a:r>
+              <a:rPr lang="fr-CH" dirty="0"/>
+              <a:t>Un </a:t>
+            </a:r>
+            <a:r>
+              <a:rPr lang="fr-CH" dirty="0" err="1"/>
+              <a:t>hook</a:t>
+            </a:r>
+            <a:r>
+              <a:rPr lang="fr-CH" dirty="0"/>
+              <a:t> est un script qui s'exécute dès qu’un événement particulier se </a:t>
+            </a:r>
+            <a:r>
+              <a:rPr lang="fr-CH" dirty="0" smtClean="0"/>
+              <a:t>produit dans </a:t>
+            </a:r>
+            <a:r>
+              <a:rPr lang="fr-CH" dirty="0"/>
+              <a:t>un repo. </a:t>
+            </a:r>
+            <a:r>
+              <a:rPr lang="fr-CH" dirty="0" smtClean="0"/>
+              <a:t>git.</a:t>
+            </a:r>
+          </a:p>
+          <a:p>
+            <a:pPr lvl="1"/>
+            <a:r>
+              <a:rPr lang="fr-CH" dirty="0" smtClean="0"/>
+              <a:t>Dans </a:t>
+            </a:r>
+            <a:r>
+              <a:rPr lang="fr-CH" dirty="0" err="1"/>
+              <a:t>gitlab</a:t>
+            </a:r>
+            <a:r>
+              <a:rPr lang="fr-CH" dirty="0"/>
+              <a:t>, ce sont les </a:t>
+            </a:r>
+            <a:r>
+              <a:rPr lang="fr-CH" dirty="0" err="1"/>
+              <a:t>webhooks</a:t>
+            </a:r>
+            <a:r>
+              <a:rPr lang="fr-CH" dirty="0"/>
+              <a:t> qui sont responsables de lancer </a:t>
+            </a:r>
+            <a:r>
+              <a:rPr lang="fr-CH" dirty="0" smtClean="0"/>
+              <a:t>une action.</a:t>
+            </a:r>
+          </a:p>
+          <a:p>
+            <a:r>
+              <a:rPr lang="fr-CH" dirty="0"/>
+              <a:t>Cas d’utilisation :</a:t>
+            </a:r>
+          </a:p>
+          <a:p>
+            <a:pPr lvl="1"/>
+            <a:r>
+              <a:rPr lang="fr-CH" dirty="0" err="1" smtClean="0"/>
+              <a:t>hooks</a:t>
+            </a:r>
+            <a:r>
+              <a:rPr lang="fr-CH" dirty="0" smtClean="0"/>
+              <a:t> </a:t>
+            </a:r>
+            <a:r>
+              <a:rPr lang="fr-CH" dirty="0"/>
+              <a:t>côté serveur</a:t>
+            </a:r>
+          </a:p>
+          <a:p>
+            <a:pPr lvl="2"/>
+            <a:r>
+              <a:rPr lang="fr-CH" dirty="0" smtClean="0"/>
+              <a:t>mise </a:t>
+            </a:r>
+            <a:r>
+              <a:rPr lang="fr-CH" dirty="0"/>
+              <a:t>en place d’une stratégie de commit</a:t>
+            </a:r>
+          </a:p>
+          <a:p>
+            <a:pPr lvl="2"/>
+            <a:r>
+              <a:rPr lang="fr-CH" dirty="0" smtClean="0"/>
+              <a:t>workflows </a:t>
+            </a:r>
+            <a:r>
+              <a:rPr lang="fr-CH" dirty="0"/>
+              <a:t>d’intégration continue</a:t>
+            </a:r>
+          </a:p>
+          <a:p>
+            <a:pPr lvl="2"/>
+            <a:r>
+              <a:rPr lang="fr-CH" dirty="0" smtClean="0"/>
+              <a:t>publication </a:t>
+            </a:r>
+            <a:r>
+              <a:rPr lang="fr-CH" dirty="0"/>
+              <a:t>des notifications sur un </a:t>
+            </a:r>
+            <a:r>
+              <a:rPr lang="fr-CH" dirty="0" err="1"/>
+              <a:t>channel</a:t>
+            </a:r>
+            <a:r>
+              <a:rPr lang="fr-CH" dirty="0"/>
+              <a:t> </a:t>
+            </a:r>
+            <a:r>
+              <a:rPr lang="fr-CH" dirty="0" err="1" smtClean="0"/>
+              <a:t>Mattermost</a:t>
+            </a:r>
+            <a:endParaRPr lang="fr-CH" dirty="0"/>
+          </a:p>
+          <a:p>
+            <a:pPr lvl="1"/>
+            <a:r>
+              <a:rPr lang="fr-CH" dirty="0" err="1" smtClean="0"/>
+              <a:t>hooks</a:t>
+            </a:r>
+            <a:r>
+              <a:rPr lang="fr-CH" dirty="0" smtClean="0"/>
+              <a:t> </a:t>
+            </a:r>
+            <a:r>
+              <a:rPr lang="fr-CH" dirty="0"/>
+              <a:t>en </a:t>
+            </a:r>
+            <a:r>
+              <a:rPr lang="fr-CH" dirty="0" smtClean="0"/>
+              <a:t>local</a:t>
+            </a:r>
+          </a:p>
+          <a:p>
+            <a:pPr lvl="2"/>
+            <a:r>
+              <a:rPr lang="fr-CH" dirty="0" smtClean="0"/>
+              <a:t>script </a:t>
+            </a:r>
+            <a:r>
+              <a:rPr lang="fr-CH" dirty="0"/>
+              <a:t>spécifique</a:t>
+            </a:r>
+          </a:p>
+        </p:txBody>
+      </p:sp>
+    </p:spTree>
+    <p:extLst>
+      <p:ext uri="{BB962C8B-B14F-4D97-AF65-F5344CB8AC3E}">
+        <p14:creationId xmlns:p14="http://schemas.microsoft.com/office/powerpoint/2010/main" val="1332524225"/>
+      </p:ext>
+    </p:extLst>
+  </p:cSld>
+  <p:clrMapOvr>
+    <a:masterClrMapping/>
+  </p:clrMapOvr>
+</p:sld>
+</file>
+
+<file path=ppt/slides/slide39.xml><?xml version="1.0" encoding="utf-8"?>
+<p:sld xmlns:a="http://schemas.openxmlformats.org/drawingml/2006/main" xmlns:r="http://schemas.openxmlformats.org/officeDocument/2006/relationships" xmlns:p="http://schemas.openxmlformats.org/presentationml/2006/main">
+  <p:cSld>
+    <p:spTree>
+      <p:nvGrpSpPr>
+        <p:cNvPr id="1" name=""/>
+        <p:cNvGrpSpPr/>
+        <p:nvPr/>
+      </p:nvGrpSpPr>
+      <p:grpSpPr>
+        <a:xfrm>
+          <a:off x="0" y="0"/>
+          <a:ext cx="0" cy="0"/>
+          <a:chOff x="0" y="0"/>
+          <a:chExt cx="0" cy="0"/>
+        </a:xfrm>
+      </p:grpSpPr>
+      <p:sp>
+        <p:nvSpPr>
+          <p:cNvPr id="2" name="Titre 1"/>
+          <p:cNvSpPr>
+            <a:spLocks noGrp="1"/>
+          </p:cNvSpPr>
+          <p:nvPr>
+            <p:ph type="title"/>
+          </p:nvPr>
+        </p:nvSpPr>
+        <p:spPr/>
+        <p:txBody>
+          <a:bodyPr/>
+          <a:lstStyle/>
+          <a:p>
+            <a:r>
+              <a:rPr lang="fr-CH" b="1" dirty="0"/>
+              <a:t>Les types de </a:t>
+            </a:r>
+            <a:r>
+              <a:rPr lang="fr-CH" b="1" dirty="0" err="1"/>
+              <a:t>hooks</a:t>
+            </a:r>
+            <a:endParaRPr lang="fr-CH" dirty="0"/>
+          </a:p>
+        </p:txBody>
+      </p:sp>
+      <p:sp>
+        <p:nvSpPr>
+          <p:cNvPr id="3" name="Espace réservé du contenu 2"/>
+          <p:cNvSpPr>
+            <a:spLocks noGrp="1"/>
+          </p:cNvSpPr>
+          <p:nvPr>
+            <p:ph idx="1"/>
+          </p:nvPr>
+        </p:nvSpPr>
+        <p:spPr>
+          <a:xfrm>
+            <a:off x="950384" y="1178010"/>
+            <a:ext cx="10281992" cy="4355498"/>
+          </a:xfrm>
+        </p:spPr>
+        <p:txBody>
+          <a:bodyPr>
+            <a:normAutofit fontScale="92500" lnSpcReduction="20000"/>
+          </a:bodyPr>
+          <a:lstStyle/>
+          <a:p>
+            <a:r>
+              <a:rPr lang="fr-CH" dirty="0" err="1"/>
+              <a:t>pre</a:t>
+            </a:r>
+            <a:r>
+              <a:rPr lang="fr-CH" dirty="0"/>
+              <a:t>-commit</a:t>
+            </a:r>
+          </a:p>
+          <a:p>
+            <a:pPr lvl="1"/>
+            <a:r>
+              <a:rPr lang="fr-CH" dirty="0" smtClean="0"/>
+              <a:t>avant </a:t>
+            </a:r>
+            <a:r>
+              <a:rPr lang="fr-CH" dirty="0"/>
+              <a:t>chaque git commit</a:t>
+            </a:r>
+          </a:p>
+          <a:p>
+            <a:r>
+              <a:rPr lang="fr-CH" dirty="0" err="1" smtClean="0"/>
+              <a:t>prepare</a:t>
+            </a:r>
+            <a:r>
+              <a:rPr lang="fr-CH" dirty="0" smtClean="0"/>
+              <a:t>-commit-</a:t>
+            </a:r>
+            <a:r>
+              <a:rPr lang="fr-CH" dirty="0" err="1" smtClean="0"/>
+              <a:t>msg</a:t>
+            </a:r>
+            <a:endParaRPr lang="fr-CH" dirty="0"/>
+          </a:p>
+          <a:p>
+            <a:pPr lvl="1"/>
+            <a:r>
+              <a:rPr lang="fr-CH" dirty="0" smtClean="0"/>
+              <a:t>pour </a:t>
+            </a:r>
+            <a:r>
+              <a:rPr lang="fr-CH" dirty="0"/>
+              <a:t>indiquer un message de commit dans l'éditeur de texte</a:t>
+            </a:r>
+          </a:p>
+          <a:p>
+            <a:r>
+              <a:rPr lang="fr-CH" dirty="0" smtClean="0"/>
+              <a:t>commit-</a:t>
+            </a:r>
+            <a:r>
+              <a:rPr lang="fr-CH" dirty="0" err="1" smtClean="0"/>
+              <a:t>msg</a:t>
+            </a:r>
+            <a:endParaRPr lang="fr-CH" dirty="0"/>
+          </a:p>
+          <a:p>
+            <a:pPr lvl="1"/>
+            <a:r>
+              <a:rPr lang="fr-CH" dirty="0" smtClean="0"/>
+              <a:t>après </a:t>
+            </a:r>
+            <a:r>
+              <a:rPr lang="fr-CH" dirty="0"/>
+              <a:t>que l'utilisateur a saisi un message de commit</a:t>
+            </a:r>
+          </a:p>
+          <a:p>
+            <a:r>
+              <a:rPr lang="fr-CH" dirty="0" smtClean="0"/>
+              <a:t>post-commit</a:t>
+            </a:r>
+            <a:endParaRPr lang="fr-CH" dirty="0"/>
+          </a:p>
+          <a:p>
+            <a:pPr lvl="1"/>
+            <a:r>
+              <a:rPr lang="fr-CH" dirty="0" smtClean="0"/>
+              <a:t>utilisé </a:t>
+            </a:r>
+            <a:r>
+              <a:rPr lang="fr-CH" dirty="0"/>
+              <a:t>à des fins de notification</a:t>
+            </a:r>
+          </a:p>
+          <a:p>
+            <a:r>
+              <a:rPr lang="fr-CH" dirty="0" smtClean="0"/>
+              <a:t>post-</a:t>
+            </a:r>
+            <a:r>
+              <a:rPr lang="fr-CH" dirty="0" err="1" smtClean="0"/>
+              <a:t>checkout</a:t>
+            </a:r>
+            <a:endParaRPr lang="fr-CH" dirty="0"/>
+          </a:p>
+          <a:p>
+            <a:pPr lvl="1"/>
+            <a:r>
+              <a:rPr lang="fr-CH" dirty="0" smtClean="0"/>
+              <a:t>à </a:t>
+            </a:r>
+            <a:r>
+              <a:rPr lang="fr-CH" dirty="0"/>
+              <a:t>chaque git </a:t>
+            </a:r>
+            <a:r>
+              <a:rPr lang="fr-CH" dirty="0" err="1"/>
+              <a:t>checkout</a:t>
+            </a:r>
+            <a:r>
+              <a:rPr lang="fr-CH" dirty="0"/>
+              <a:t>, utile pour faire le ménage sur notre solution</a:t>
+            </a:r>
+          </a:p>
+          <a:p>
+            <a:r>
+              <a:rPr lang="fr-CH" dirty="0" err="1" smtClean="0"/>
+              <a:t>pre-rebase</a:t>
+            </a:r>
+            <a:endParaRPr lang="fr-CH" dirty="0"/>
+          </a:p>
+          <a:p>
+            <a:pPr lvl="1"/>
+            <a:r>
+              <a:rPr lang="fr-CH" dirty="0" smtClean="0"/>
+              <a:t>avant </a:t>
+            </a:r>
+            <a:r>
+              <a:rPr lang="fr-CH" dirty="0"/>
+              <a:t>que git </a:t>
+            </a:r>
+            <a:r>
+              <a:rPr lang="fr-CH" dirty="0" err="1"/>
+              <a:t>rebase</a:t>
+            </a:r>
+            <a:r>
+              <a:rPr lang="fr-CH" dirty="0"/>
+              <a:t> n'apporte le moindre changement</a:t>
+            </a:r>
+          </a:p>
+        </p:txBody>
+      </p:sp>
+      <p:sp>
+        <p:nvSpPr>
+          <p:cNvPr id="5" name="ZoneTexte 4"/>
+          <p:cNvSpPr txBox="1"/>
+          <p:nvPr/>
+        </p:nvSpPr>
+        <p:spPr>
+          <a:xfrm>
+            <a:off x="950384" y="5698268"/>
+            <a:ext cx="8585502" cy="338554"/>
+          </a:xfrm>
+          <a:prstGeom prst="rect">
+            <a:avLst/>
+          </a:prstGeom>
+          <a:solidFill>
+            <a:srgbClr val="D91E4B"/>
+          </a:solidFill>
+        </p:spPr>
+        <p:txBody>
+          <a:bodyPr wrap="square" rtlCol="0">
+            <a:spAutoFit/>
+          </a:bodyPr>
+          <a:lstStyle/>
+          <a:p>
+            <a:r>
+              <a:rPr lang="fr-CH" sz="1600" dirty="0" smtClean="0">
+                <a:solidFill>
+                  <a:schemeClr val="bg1"/>
+                </a:solidFill>
+              </a:rPr>
+              <a:t>● </a:t>
+            </a:r>
+            <a:r>
+              <a:rPr lang="fr-CH" sz="1600" dirty="0">
+                <a:solidFill>
+                  <a:schemeClr val="bg1"/>
+                </a:solidFill>
+              </a:rPr>
+              <a:t>Des </a:t>
+            </a:r>
+            <a:r>
+              <a:rPr lang="fr-CH" sz="1600" dirty="0" err="1">
+                <a:solidFill>
+                  <a:schemeClr val="bg1"/>
+                </a:solidFill>
+              </a:rPr>
+              <a:t>hooks</a:t>
+            </a:r>
+            <a:r>
+              <a:rPr lang="fr-CH" sz="1600" dirty="0">
+                <a:solidFill>
+                  <a:schemeClr val="bg1"/>
+                </a:solidFill>
+              </a:rPr>
+              <a:t> côté serveur existent : </a:t>
+            </a:r>
+            <a:r>
+              <a:rPr lang="fr-CH" sz="1600" dirty="0" err="1">
+                <a:solidFill>
+                  <a:schemeClr val="bg1"/>
+                </a:solidFill>
+              </a:rPr>
+              <a:t>pre-receive</a:t>
+            </a:r>
+            <a:r>
+              <a:rPr lang="fr-CH" sz="1600" dirty="0">
+                <a:solidFill>
+                  <a:schemeClr val="bg1"/>
+                </a:solidFill>
+              </a:rPr>
+              <a:t>, update, post-</a:t>
+            </a:r>
+            <a:r>
+              <a:rPr lang="fr-CH" sz="1600" dirty="0" err="1">
+                <a:solidFill>
+                  <a:schemeClr val="bg1"/>
+                </a:solidFill>
+              </a:rPr>
+              <a:t>receive</a:t>
+            </a:r>
+            <a:r>
+              <a:rPr lang="fr-CH" sz="1600" dirty="0">
+                <a:solidFill>
+                  <a:schemeClr val="bg1"/>
+                </a:solidFill>
+              </a:rPr>
+              <a:t>...</a:t>
+            </a:r>
+          </a:p>
+        </p:txBody>
+      </p:sp>
+    </p:spTree>
+    <p:extLst>
+      <p:ext uri="{BB962C8B-B14F-4D97-AF65-F5344CB8AC3E}">
+        <p14:creationId xmlns:p14="http://schemas.microsoft.com/office/powerpoint/2010/main" val="3205066126"/>
+      </p:ext>
+    </p:extLst>
+  </p:cSld>
+  <p:clrMapOvr>
+    <a:masterClrMapping/>
+  </p:clrMapOvr>
+</p:sld>
+</file>
+
+<file path=ppt/slides/slide4.xml><?xml version="1.0" encoding="utf-8"?>
+<p:sld xmlns:a="http://schemas.openxmlformats.org/drawingml/2006/main" xmlns:r="http://schemas.openxmlformats.org/officeDocument/2006/relationships" xmlns:p="http://schemas.openxmlformats.org/presentationml/2006/main">
+  <p:cSld>
+    <p:spTree>
+      <p:nvGrpSpPr>
+        <p:cNvPr id="1" name=""/>
+        <p:cNvGrpSpPr/>
+        <p:nvPr/>
+      </p:nvGrpSpPr>
+      <p:grpSpPr>
+        <a:xfrm>
+          <a:off x="0" y="0"/>
+          <a:ext cx="0" cy="0"/>
+          <a:chOff x="0" y="0"/>
+          <a:chExt cx="0" cy="0"/>
+        </a:xfrm>
+      </p:grpSpPr>
+      <p:sp>
+        <p:nvSpPr>
+          <p:cNvPr id="2" name="Titre 1"/>
+          <p:cNvSpPr>
+            <a:spLocks noGrp="1"/>
+          </p:cNvSpPr>
+          <p:nvPr>
+            <p:ph type="title"/>
+          </p:nvPr>
+        </p:nvSpPr>
+        <p:spPr/>
+        <p:txBody>
+          <a:bodyPr/>
+          <a:lstStyle/>
+          <a:p>
+            <a:r>
+              <a:rPr lang="fr-FR" dirty="0" smtClean="0"/>
+              <a:t>Relation entre les objets</a:t>
+            </a:r>
+            <a:endParaRPr lang="fr-CH" dirty="0"/>
+          </a:p>
+        </p:txBody>
+      </p:sp>
+      <p:pic>
+        <p:nvPicPr>
+          <p:cNvPr id="5" name="Espace réservé du contenu 4"/>
+          <p:cNvPicPr>
+            <a:picLocks noGrp="1" noChangeAspect="1"/>
+          </p:cNvPicPr>
+          <p:nvPr>
+            <p:ph idx="1"/>
+          </p:nvPr>
+        </p:nvPicPr>
+        <p:blipFill>
+          <a:blip r:embed="rId2"/>
+          <a:stretch>
+            <a:fillRect/>
+          </a:stretch>
+        </p:blipFill>
+        <p:spPr>
+          <a:xfrm>
+            <a:off x="4946574" y="1609516"/>
+            <a:ext cx="5482061" cy="4469544"/>
+          </a:xfrm>
+          <a:prstGeom prst="rect">
+            <a:avLst/>
+          </a:prstGeom>
+        </p:spPr>
+      </p:pic>
+      <p:pic>
+        <p:nvPicPr>
+          <p:cNvPr id="6" name="Image 5"/>
+          <p:cNvPicPr>
+            <a:picLocks noChangeAspect="1"/>
+          </p:cNvPicPr>
+          <p:nvPr/>
+        </p:nvPicPr>
+        <p:blipFill>
+          <a:blip r:embed="rId3"/>
+          <a:stretch>
+            <a:fillRect/>
+          </a:stretch>
+        </p:blipFill>
+        <p:spPr>
+          <a:xfrm>
+            <a:off x="449250" y="2186781"/>
+            <a:ext cx="3764643" cy="2572506"/>
+          </a:xfrm>
+          <a:prstGeom prst="rect">
+            <a:avLst/>
+          </a:prstGeom>
+        </p:spPr>
+      </p:pic>
+      <p:pic>
+        <p:nvPicPr>
+          <p:cNvPr id="1026" name="Picture 2" descr="https://alexgirard.com/git-book/img/figure/object-tag.png"/>
+          <p:cNvPicPr>
+            <a:picLocks noChangeAspect="1" noChangeArrowheads="1"/>
+          </p:cNvPicPr>
+          <p:nvPr/>
+        </p:nvPicPr>
+        <p:blipFill>
+          <a:blip r:embed="rId4">
+            <a:extLst>
+              <a:ext uri="{28A0092B-C50C-407E-A947-70E740481C1C}">
+                <a14:useLocalDpi xmlns:a14="http://schemas.microsoft.com/office/drawing/2010/main" val="0"/>
+              </a:ext>
+            </a:extLst>
+          </a:blip>
+          <a:srcRect/>
+          <a:stretch>
+            <a:fillRect/>
+          </a:stretch>
+        </p:blipFill>
+        <p:spPr bwMode="auto">
+          <a:xfrm>
+            <a:off x="4755974" y="3817045"/>
+            <a:ext cx="1812693" cy="1884484"/>
+          </a:xfrm>
+          <a:prstGeom prst="rect">
+            <a:avLst/>
+          </a:prstGeom>
+          <a:noFill/>
+          <a:extLst>
+            <a:ext uri="{909E8E84-426E-40DD-AFC4-6F175D3DCCD1}">
+              <a14:hiddenFill xmlns:a14="http://schemas.microsoft.com/office/drawing/2010/main">
+                <a:solidFill>
+                  <a:srgbClr val="FFFFFF"/>
+                </a:solidFill>
+              </a14:hiddenFill>
+            </a:ext>
+          </a:extLst>
+        </p:spPr>
+      </p:pic>
+    </p:spTree>
+    <p:extLst>
+      <p:ext uri="{BB962C8B-B14F-4D97-AF65-F5344CB8AC3E}">
+        <p14:creationId xmlns:p14="http://schemas.microsoft.com/office/powerpoint/2010/main" val="2624993597"/>
+      </p:ext>
+    </p:extLst>
+  </p:cSld>
+  <p:clrMapOvr>
+    <a:masterClrMapping/>
+  </p:clrMapOvr>
+</p:sld>
+</file>
+
+<file path=ppt/slides/slide40.xml><?xml version="1.0" encoding="utf-8"?>
+<p:sld xmlns:a="http://schemas.openxmlformats.org/drawingml/2006/main" xmlns:r="http://schemas.openxmlformats.org/officeDocument/2006/relationships" xmlns:p="http://schemas.openxmlformats.org/presentationml/2006/main">
+  <p:cSld>
+    <p:spTree>
+      <p:nvGrpSpPr>
+        <p:cNvPr id="1" name=""/>
+        <p:cNvGrpSpPr/>
+        <p:nvPr/>
+      </p:nvGrpSpPr>
+      <p:grpSpPr>
+        <a:xfrm>
+          <a:off x="0" y="0"/>
+          <a:ext cx="0" cy="0"/>
+          <a:chOff x="0" y="0"/>
+          <a:chExt cx="0" cy="0"/>
+        </a:xfrm>
+      </p:grpSpPr>
+      <p:sp>
+        <p:nvSpPr>
+          <p:cNvPr id="2" name="Titre 1"/>
+          <p:cNvSpPr>
+            <a:spLocks noGrp="1"/>
+          </p:cNvSpPr>
+          <p:nvPr>
+            <p:ph type="title"/>
+          </p:nvPr>
+        </p:nvSpPr>
+        <p:spPr/>
+        <p:txBody>
+          <a:bodyPr/>
+          <a:lstStyle/>
+          <a:p>
+            <a:r>
+              <a:rPr lang="fr-CH" dirty="0" smtClean="0"/>
+              <a:t>Où sont les </a:t>
+            </a:r>
+            <a:r>
+              <a:rPr lang="fr-CH" dirty="0" err="1" smtClean="0"/>
+              <a:t>hooks</a:t>
+            </a:r>
+            <a:r>
+              <a:rPr lang="fr-CH" dirty="0" smtClean="0"/>
+              <a:t> ?</a:t>
+            </a:r>
+            <a:endParaRPr lang="fr-CH" dirty="0"/>
+          </a:p>
+        </p:txBody>
+      </p:sp>
+      <p:sp>
+        <p:nvSpPr>
+          <p:cNvPr id="3" name="Espace réservé du contenu 2"/>
+          <p:cNvSpPr>
+            <a:spLocks noGrp="1"/>
+          </p:cNvSpPr>
+          <p:nvPr>
+            <p:ph idx="1"/>
+          </p:nvPr>
+        </p:nvSpPr>
+        <p:spPr/>
+        <p:txBody>
+          <a:bodyPr/>
+          <a:lstStyle/>
+          <a:p>
+            <a:r>
+              <a:rPr lang="fr-CH" dirty="0" smtClean="0"/>
+              <a:t>Regarder les exemples de .git/</a:t>
+            </a:r>
+            <a:r>
+              <a:rPr lang="fr-CH" dirty="0" err="1" smtClean="0"/>
+              <a:t>hooks</a:t>
+            </a:r>
+            <a:endParaRPr lang="fr-CH" dirty="0" smtClean="0"/>
+          </a:p>
+          <a:p>
+            <a:pPr lvl="1"/>
+            <a:r>
+              <a:rPr lang="fr-CH" dirty="0" err="1" smtClean="0"/>
+              <a:t>Pre</a:t>
+            </a:r>
+            <a:r>
+              <a:rPr lang="fr-CH" dirty="0" smtClean="0"/>
+              <a:t>-commit : lancement de tests, …</a:t>
+            </a:r>
+          </a:p>
+          <a:p>
+            <a:pPr lvl="1"/>
+            <a:r>
+              <a:rPr lang="fr-CH" dirty="0" err="1" smtClean="0"/>
+              <a:t>Prepare</a:t>
+            </a:r>
+            <a:r>
+              <a:rPr lang="fr-CH" dirty="0" smtClean="0"/>
+              <a:t>-commit-message : modifier les messages de </a:t>
+            </a:r>
+            <a:r>
+              <a:rPr lang="fr-CH" dirty="0" err="1" smtClean="0"/>
+              <a:t>commits</a:t>
+            </a:r>
+            <a:r>
+              <a:rPr lang="fr-CH" dirty="0" smtClean="0"/>
+              <a:t> (préfixe en fonction du nom de la branche, …)</a:t>
+            </a:r>
+          </a:p>
+          <a:p>
+            <a:pPr lvl="1"/>
+            <a:r>
+              <a:rPr lang="fr-CH" dirty="0" smtClean="0"/>
+              <a:t>Commit-</a:t>
+            </a:r>
+            <a:r>
+              <a:rPr lang="fr-CH" dirty="0" err="1" smtClean="0"/>
+              <a:t>msg</a:t>
+            </a:r>
+            <a:r>
+              <a:rPr lang="fr-CH" dirty="0" smtClean="0"/>
+              <a:t> : vérification du message de commit, …</a:t>
+            </a:r>
+          </a:p>
+          <a:p>
+            <a:pPr lvl="1"/>
+            <a:r>
+              <a:rPr lang="fr-CH" dirty="0" smtClean="0"/>
+              <a:t>Post-commit : notifications, envoie de mail, …</a:t>
+            </a:r>
+          </a:p>
+        </p:txBody>
+      </p:sp>
+    </p:spTree>
+    <p:extLst>
+      <p:ext uri="{BB962C8B-B14F-4D97-AF65-F5344CB8AC3E}">
+        <p14:creationId xmlns:p14="http://schemas.microsoft.com/office/powerpoint/2010/main" val="1749906507"/>
+      </p:ext>
+    </p:extLst>
+  </p:cSld>
+  <p:clrMapOvr>
+    <a:masterClrMapping/>
+  </p:clrMapOvr>
+</p:sld>
+</file>
+
+<file path=ppt/slides/slide5.xml><?xml version="1.0" encoding="utf-8"?>
+<p:sld xmlns:a="http://schemas.openxmlformats.org/drawingml/2006/main" xmlns:r="http://schemas.openxmlformats.org/officeDocument/2006/relationships" xmlns:p="http://schemas.openxmlformats.org/presentationml/2006/main">
+  <p:cSld>
+    <p:spTree>
+      <p:nvGrpSpPr>
+        <p:cNvPr id="1" name=""/>
+        <p:cNvGrpSpPr/>
+        <p:nvPr/>
+      </p:nvGrpSpPr>
+      <p:grpSpPr>
+        <a:xfrm>
+          <a:off x="0" y="0"/>
+          <a:ext cx="0" cy="0"/>
+          <a:chOff x="0" y="0"/>
+          <a:chExt cx="0" cy="0"/>
+        </a:xfrm>
+      </p:grpSpPr>
+      <p:sp>
+        <p:nvSpPr>
+          <p:cNvPr id="2" name="Titre 1"/>
+          <p:cNvSpPr>
+            <a:spLocks noGrp="1"/>
+          </p:cNvSpPr>
+          <p:nvPr>
+            <p:ph type="title"/>
+          </p:nvPr>
+        </p:nvSpPr>
+        <p:spPr/>
+        <p:txBody>
+          <a:bodyPr/>
+          <a:lstStyle/>
+          <a:p>
+            <a:r>
+              <a:rPr lang="fr-FR" dirty="0" smtClean="0"/>
+              <a:t>Graphe des </a:t>
+            </a:r>
+            <a:r>
+              <a:rPr lang="fr-FR" dirty="0" err="1" smtClean="0"/>
+              <a:t>commits</a:t>
+            </a:r>
+            <a:endParaRPr lang="fr-CH" dirty="0"/>
+          </a:p>
+        </p:txBody>
+      </p:sp>
+      <p:sp>
+        <p:nvSpPr>
+          <p:cNvPr id="5" name="Espace réservé du contenu 4"/>
+          <p:cNvSpPr>
+            <a:spLocks noGrp="1"/>
+          </p:cNvSpPr>
+          <p:nvPr>
+            <p:ph idx="1"/>
+          </p:nvPr>
+        </p:nvSpPr>
+        <p:spPr/>
+        <p:txBody>
+          <a:bodyPr/>
+          <a:lstStyle/>
+          <a:p>
+            <a:r>
+              <a:rPr lang="fr-FR" dirty="0" smtClean="0"/>
+              <a:t>Graphe orienté acyclique</a:t>
+            </a:r>
+          </a:p>
+          <a:p>
+            <a:r>
+              <a:rPr lang="fr-FR" dirty="0" smtClean="0"/>
+              <a:t>Git permet de manipuler ce graphe</a:t>
+            </a:r>
+          </a:p>
+          <a:p>
+            <a:r>
+              <a:rPr lang="fr-FR" dirty="0" smtClean="0"/>
+              <a:t>Branche ou tag est un label sur un commit</a:t>
+            </a:r>
+          </a:p>
+          <a:p>
+            <a:pPr lvl="1"/>
+            <a:r>
+              <a:rPr lang="fr-FR" dirty="0" smtClean="0"/>
+              <a:t>Peu couteux</a:t>
+            </a:r>
+          </a:p>
+          <a:p>
+            <a:endParaRPr lang="fr-CH" dirty="0"/>
+          </a:p>
+        </p:txBody>
+      </p:sp>
+      <p:pic>
+        <p:nvPicPr>
+          <p:cNvPr id="9" name="Espace réservé du contenu 5"/>
+          <p:cNvPicPr>
+            <a:picLocks noChangeAspect="1"/>
+          </p:cNvPicPr>
+          <p:nvPr/>
+        </p:nvPicPr>
+        <p:blipFill>
+          <a:blip r:embed="rId2">
+            <a:extLst>
+              <a:ext uri="{28A0092B-C50C-407E-A947-70E740481C1C}">
+                <a14:useLocalDpi xmlns:a14="http://schemas.microsoft.com/office/drawing/2010/main" val="0"/>
+              </a:ext>
+            </a:extLst>
+          </a:blip>
+          <a:stretch>
+            <a:fillRect/>
+          </a:stretch>
+        </p:blipFill>
+        <p:spPr>
+          <a:xfrm>
+            <a:off x="6378766" y="712130"/>
+            <a:ext cx="4457003" cy="5289063"/>
+          </a:xfrm>
+          <a:prstGeom prst="rect">
+            <a:avLst/>
+          </a:prstGeom>
+        </p:spPr>
+      </p:pic>
+    </p:spTree>
+    <p:extLst>
+      <p:ext uri="{BB962C8B-B14F-4D97-AF65-F5344CB8AC3E}">
+        <p14:creationId xmlns:p14="http://schemas.microsoft.com/office/powerpoint/2010/main" val="3099981821"/>
+      </p:ext>
+    </p:extLst>
+  </p:cSld>
+  <p:clrMapOvr>
+    <a:masterClrMapping/>
+  </p:clrMapOvr>
+</p:sld>
+</file>
+
 <file path=ppt/slides/slide6.xml><?xml version="1.0" encoding="utf-8"?>
 <p:sld xmlns:a="http://schemas.openxmlformats.org/drawingml/2006/main" xmlns:r="http://schemas.openxmlformats.org/officeDocument/2006/relationships" xmlns:p="http://schemas.openxmlformats.org/presentationml/2006/main">
   <p:cSld>
@@ -14255,183 +19311,689 @@
           <a:lstStyle/>
           <a:p>
             <a:r>
-              <a:rPr lang="fr-CH" dirty="0" smtClean="0"/>
-              <a:t>git </a:t>
-            </a:r>
-            <a:r>
-              <a:rPr lang="fr-CH" dirty="0" err="1" smtClean="0"/>
-              <a:t>rebase</a:t>
-            </a:r>
-            <a:r>
-              <a:rPr lang="fr-CH" dirty="0" smtClean="0"/>
-              <a:t> --onto</a:t>
+              <a:rPr lang="fr-FR" dirty="0" err="1" smtClean="0"/>
+              <a:t>Rebase</a:t>
+            </a:r>
+            <a:r>
+              <a:rPr lang="fr-FR" dirty="0" smtClean="0"/>
+              <a:t> non interactif</a:t>
             </a:r>
             <a:endParaRPr lang="fr-CH" dirty="0"/>
           </a:p>
         </p:txBody>
       </p:sp>
-      <p:sp>
-        <p:nvSpPr>
-          <p:cNvPr id="3" name="Espace réservé du contenu 2"/>
-          <p:cNvSpPr>
-            <a:spLocks noGrp="1"/>
-          </p:cNvSpPr>
+      <p:pic>
+        <p:nvPicPr>
+          <p:cNvPr id="5" name="Picture 6" descr="File:Cartoon Man Doing Research Using A Computer.svg"/>
+          <p:cNvPicPr>
+            <a:picLocks noGrp="1" noChangeAspect="1" noChangeArrowheads="1"/>
+          </p:cNvPicPr>
           <p:nvPr>
             <p:ph idx="1"/>
           </p:nvPr>
-        </p:nvSpPr>
-        <p:spPr/>
-        <p:txBody>
-          <a:bodyPr/>
-          <a:lstStyle/>
-          <a:p>
-            <a:r>
-              <a:rPr lang="fr-CH" dirty="0" smtClean="0"/>
-              <a:t>Se positionner sur le master du dépôt page-web-participative-</a:t>
-            </a:r>
-            <a:r>
-              <a:rPr lang="fr-CH" dirty="0" err="1" smtClean="0"/>
-              <a:t>rebase</a:t>
-            </a:r>
-            <a:endParaRPr lang="fr-CH" dirty="0" smtClean="0"/>
-          </a:p>
-          <a:p>
-            <a:r>
-              <a:rPr lang="fr-CH" dirty="0" smtClean="0"/>
-              <a:t>Faire </a:t>
-            </a:r>
-            <a:r>
-              <a:rPr lang="fr-CH" dirty="0" smtClean="0"/>
-              <a:t>une branche </a:t>
-            </a:r>
-            <a:r>
-              <a:rPr lang="fr-CH" dirty="0" err="1" smtClean="0"/>
-              <a:t>feature-awesome_new_button</a:t>
-            </a:r>
-            <a:r>
-              <a:rPr lang="fr-CH" dirty="0" smtClean="0"/>
-              <a:t> en partant de la branche </a:t>
-            </a:r>
-            <a:r>
-              <a:rPr lang="fr-CH" dirty="0" err="1" smtClean="0"/>
-              <a:t>feature-new_button</a:t>
-            </a:r>
-            <a:endParaRPr lang="fr-CH" dirty="0" smtClean="0"/>
-          </a:p>
-          <a:p>
-            <a:r>
-              <a:rPr lang="fr-CH" dirty="0" smtClean="0"/>
-              <a:t>Observer le log et son graphe pour voir l’impact sur le graphe</a:t>
-            </a:r>
-          </a:p>
-          <a:p>
-            <a:pPr lvl="1"/>
-            <a:r>
-              <a:rPr lang="en-US" i="1" dirty="0" err="1"/>
-              <a:t>git</a:t>
-            </a:r>
-            <a:r>
-              <a:rPr lang="en-US" i="1" dirty="0"/>
-              <a:t> log --graph --</a:t>
-            </a:r>
-            <a:r>
-              <a:rPr lang="en-US" i="1" dirty="0" err="1"/>
-              <a:t>oneline</a:t>
-            </a:r>
-            <a:r>
-              <a:rPr lang="en-US" i="1" dirty="0"/>
-              <a:t> --decorate</a:t>
-            </a:r>
-            <a:endParaRPr lang="fr-CH" dirty="0"/>
-          </a:p>
-        </p:txBody>
-      </p:sp>
-      <p:sp>
-        <p:nvSpPr>
-          <p:cNvPr id="5" name="ZoneTexte 4"/>
-          <p:cNvSpPr txBox="1"/>
-          <p:nvPr/>
-        </p:nvSpPr>
-        <p:spPr>
+        </p:nvPicPr>
+        <p:blipFill>
+          <a:blip r:embed="rId2">
+            <a:extLst>
+              <a:ext uri="{28A0092B-C50C-407E-A947-70E740481C1C}">
+                <a14:useLocalDpi xmlns:a14="http://schemas.microsoft.com/office/drawing/2010/main" val="0"/>
+              </a:ext>
+            </a:extLst>
+          </a:blip>
+          <a:srcRect/>
+          <a:stretch>
+            <a:fillRect/>
+          </a:stretch>
+        </p:blipFill>
+        <p:spPr bwMode="auto">
           <a:xfrm>
-            <a:off x="950384" y="5591174"/>
-            <a:ext cx="8585502" cy="584775"/>
+            <a:off x="3583459" y="1119597"/>
+            <a:ext cx="4143633" cy="5360771"/>
           </a:xfrm>
           <a:prstGeom prst="rect">
             <a:avLst/>
           </a:prstGeom>
-          <a:solidFill>
-            <a:srgbClr val="D91E4B"/>
-          </a:solidFill>
+          <a:noFill/>
+          <a:extLst>
+            <a:ext uri="{909E8E84-426E-40DD-AFC4-6F175D3DCCD1}">
+              <a14:hiddenFill xmlns:a14="http://schemas.microsoft.com/office/drawing/2010/main">
+                <a:solidFill>
+                  <a:srgbClr val="FFFFFF"/>
+                </a:solidFill>
+              </a14:hiddenFill>
+            </a:ext>
+          </a:extLst>
         </p:spPr>
-        <p:txBody>
-          <a:bodyPr wrap="square" rtlCol="0">
-            <a:spAutoFit/>
-          </a:bodyPr>
-          <a:lstStyle/>
-          <a:p>
-            <a:r>
-              <a:rPr lang="fr-CH" sz="1600" dirty="0" smtClean="0">
-                <a:solidFill>
-                  <a:schemeClr val="bg1"/>
-                </a:solidFill>
-              </a:rPr>
-              <a:t>Question :</a:t>
-            </a:r>
-          </a:p>
-          <a:p>
-            <a:r>
-              <a:rPr lang="fr-CH" sz="1600" dirty="0" smtClean="0">
-                <a:solidFill>
-                  <a:schemeClr val="bg1"/>
-                </a:solidFill>
-              </a:rPr>
-              <a:t>● </a:t>
-            </a:r>
-            <a:r>
-              <a:rPr lang="fr-CH" sz="1600" dirty="0">
-                <a:solidFill>
-                  <a:schemeClr val="bg1"/>
-                </a:solidFill>
-              </a:rPr>
-              <a:t>Lors de quelles opérations l’usage de cherry-</a:t>
-            </a:r>
-            <a:r>
-              <a:rPr lang="fr-CH" sz="1600" dirty="0" err="1">
-                <a:solidFill>
-                  <a:schemeClr val="bg1"/>
-                </a:solidFill>
-              </a:rPr>
-              <a:t>pick</a:t>
-            </a:r>
-            <a:r>
-              <a:rPr lang="fr-CH" sz="1600" dirty="0">
-                <a:solidFill>
-                  <a:schemeClr val="bg1"/>
-                </a:solidFill>
-              </a:rPr>
-              <a:t> déclenchera des conflits a </a:t>
-            </a:r>
-            <a:r>
-              <a:rPr lang="fr-CH" sz="1600" dirty="0" smtClean="0">
-                <a:solidFill>
-                  <a:schemeClr val="bg1"/>
-                </a:solidFill>
-              </a:rPr>
-              <a:t>posteriori ?</a:t>
-            </a:r>
-            <a:endParaRPr lang="fr-CH" sz="1600" dirty="0">
-              <a:solidFill>
-                <a:schemeClr val="bg1"/>
-              </a:solidFill>
-            </a:endParaRPr>
-          </a:p>
-        </p:txBody>
-      </p:sp>
+      </p:pic>
     </p:spTree>
     <p:extLst>
       <p:ext uri="{BB962C8B-B14F-4D97-AF65-F5344CB8AC3E}">
-        <p14:creationId xmlns:p14="http://schemas.microsoft.com/office/powerpoint/2010/main" val="1393638253"/>
+        <p14:creationId xmlns:p14="http://schemas.microsoft.com/office/powerpoint/2010/main" val="2688864181"/>
+      </p:ext>
+    </p:extLst>
+  </p:cSld>
+  <p:clrMapOvr>
+    <a:masterClrMapping/>
+  </p:clrMapOvr>
+</p:sld>
+</file>
+
+<file path=ppt/slides/slide7.xml><?xml version="1.0" encoding="utf-8"?>
+<p:sld xmlns:a="http://schemas.openxmlformats.org/drawingml/2006/main" xmlns:r="http://schemas.openxmlformats.org/officeDocument/2006/relationships" xmlns:p="http://schemas.openxmlformats.org/presentationml/2006/main">
+  <p:cSld>
+    <p:spTree>
+      <p:nvGrpSpPr>
+        <p:cNvPr id="1" name=""/>
+        <p:cNvGrpSpPr/>
+        <p:nvPr/>
+      </p:nvGrpSpPr>
+      <p:grpSpPr>
+        <a:xfrm>
+          <a:off x="0" y="0"/>
+          <a:ext cx="0" cy="0"/>
+          <a:chOff x="0" y="0"/>
+          <a:chExt cx="0" cy="0"/>
+        </a:xfrm>
+      </p:grpSpPr>
+      <p:sp>
+        <p:nvSpPr>
+          <p:cNvPr id="2" name="Titre 1"/>
+          <p:cNvSpPr>
+            <a:spLocks noGrp="1"/>
+          </p:cNvSpPr>
+          <p:nvPr>
+            <p:ph type="title"/>
+          </p:nvPr>
+        </p:nvSpPr>
+        <p:spPr/>
+        <p:txBody>
+          <a:bodyPr/>
+          <a:lstStyle/>
+          <a:p>
+            <a:r>
+              <a:rPr lang="fr-FR" dirty="0" smtClean="0"/>
+              <a:t>Pull </a:t>
+            </a:r>
+            <a:r>
+              <a:rPr lang="fr-FR" dirty="0" err="1" smtClean="0"/>
+              <a:t>rebase</a:t>
+            </a:r>
+            <a:r>
+              <a:rPr lang="fr-FR" dirty="0" smtClean="0"/>
+              <a:t> </a:t>
+            </a:r>
+            <a:endParaRPr lang="fr-CH" dirty="0"/>
+          </a:p>
+        </p:txBody>
+      </p:sp>
+      <p:sp>
+        <p:nvSpPr>
+          <p:cNvPr id="3" name="Espace réservé du contenu 2"/>
+          <p:cNvSpPr>
+            <a:spLocks noGrp="1"/>
+          </p:cNvSpPr>
+          <p:nvPr>
+            <p:ph idx="1"/>
+          </p:nvPr>
+        </p:nvSpPr>
+        <p:spPr/>
+        <p:txBody>
+          <a:bodyPr/>
+          <a:lstStyle/>
+          <a:p>
+            <a:r>
+              <a:rPr lang="fr-FR" dirty="0" smtClean="0"/>
+              <a:t>Git pull créé des </a:t>
+            </a:r>
+            <a:r>
+              <a:rPr lang="fr-FR" dirty="0" err="1" smtClean="0"/>
+              <a:t>commits</a:t>
+            </a:r>
+            <a:r>
+              <a:rPr lang="fr-FR" dirty="0" smtClean="0"/>
+              <a:t> de </a:t>
+            </a:r>
+            <a:r>
+              <a:rPr lang="fr-FR" dirty="0" err="1" smtClean="0"/>
+              <a:t>merge</a:t>
+            </a:r>
+            <a:r>
+              <a:rPr lang="fr-FR" dirty="0" smtClean="0"/>
+              <a:t> qui « polluent » l’historique</a:t>
+            </a:r>
+          </a:p>
+          <a:p>
+            <a:r>
+              <a:rPr lang="fr-FR" dirty="0" smtClean="0"/>
+              <a:t>git </a:t>
+            </a:r>
+            <a:r>
+              <a:rPr lang="fr-FR" dirty="0" err="1" smtClean="0"/>
+              <a:t>fetch</a:t>
+            </a:r>
+            <a:r>
+              <a:rPr lang="fr-FR" dirty="0" smtClean="0"/>
+              <a:t> + git </a:t>
+            </a:r>
+            <a:r>
+              <a:rPr lang="fr-FR" dirty="0" err="1" smtClean="0"/>
+              <a:t>rebase</a:t>
+            </a:r>
+            <a:r>
+              <a:rPr lang="fr-FR" dirty="0" smtClean="0"/>
+              <a:t> </a:t>
+            </a:r>
+            <a:r>
+              <a:rPr lang="fr-FR" dirty="0" err="1" smtClean="0"/>
+              <a:t>origin</a:t>
+            </a:r>
+            <a:r>
+              <a:rPr lang="fr-FR" dirty="0" smtClean="0"/>
+              <a:t> </a:t>
+            </a:r>
+            <a:r>
+              <a:rPr lang="fr-FR" dirty="0" err="1" smtClean="0"/>
+              <a:t>mabranche</a:t>
+            </a:r>
+            <a:endParaRPr lang="fr-FR" dirty="0"/>
+          </a:p>
+          <a:p>
+            <a:pPr lvl="1"/>
+            <a:r>
+              <a:rPr lang="fr-FR" dirty="0" smtClean="0"/>
+              <a:t>git pull --</a:t>
+            </a:r>
+            <a:r>
+              <a:rPr lang="fr-FR" dirty="0" err="1" smtClean="0"/>
+              <a:t>rebase</a:t>
+            </a:r>
+            <a:r>
+              <a:rPr lang="fr-FR" dirty="0" smtClean="0"/>
+              <a:t> </a:t>
+            </a:r>
+            <a:r>
+              <a:rPr lang="fr-FR" dirty="0" err="1" smtClean="0"/>
+              <a:t>origin</a:t>
+            </a:r>
+            <a:r>
+              <a:rPr lang="fr-FR" dirty="0" smtClean="0"/>
+              <a:t> </a:t>
+            </a:r>
+            <a:r>
+              <a:rPr lang="fr-FR" dirty="0" err="1" smtClean="0"/>
+              <a:t>mabranche</a:t>
+            </a:r>
+            <a:endParaRPr lang="fr-FR" dirty="0"/>
+          </a:p>
+          <a:p>
+            <a:r>
+              <a:rPr lang="fr-FR" dirty="0" smtClean="0"/>
+              <a:t>git pull </a:t>
+            </a:r>
+            <a:r>
+              <a:rPr lang="fr-FR" dirty="0" err="1" smtClean="0"/>
+              <a:t>rebase</a:t>
+            </a:r>
+            <a:r>
+              <a:rPr lang="fr-FR" dirty="0" smtClean="0"/>
+              <a:t> pour 2 cas:</a:t>
+            </a:r>
+          </a:p>
+          <a:p>
+            <a:pPr lvl="1"/>
+            <a:r>
+              <a:rPr lang="fr-FR" dirty="0"/>
+              <a:t>Rapatrier les </a:t>
+            </a:r>
+            <a:r>
+              <a:rPr lang="fr-FR" dirty="0" err="1"/>
+              <a:t>commits</a:t>
+            </a:r>
+            <a:r>
+              <a:rPr lang="fr-FR" dirty="0"/>
+              <a:t> distants </a:t>
+            </a:r>
+            <a:r>
+              <a:rPr lang="fr-FR" dirty="0" smtClean="0"/>
+              <a:t>sur ma branche locale</a:t>
+            </a:r>
+          </a:p>
+          <a:p>
+            <a:pPr lvl="1"/>
+            <a:r>
+              <a:rPr lang="fr-FR" dirty="0" smtClean="0"/>
+              <a:t>Repositionner ma branche locale sur la branche référente</a:t>
+            </a:r>
+            <a:endParaRPr lang="fr-FR" dirty="0"/>
+          </a:p>
+        </p:txBody>
+      </p:sp>
+    </p:spTree>
+    <p:extLst>
+      <p:ext uri="{BB962C8B-B14F-4D97-AF65-F5344CB8AC3E}">
+        <p14:creationId xmlns:p14="http://schemas.microsoft.com/office/powerpoint/2010/main" val="1059349003"/>
+      </p:ext>
+    </p:extLst>
+  </p:cSld>
+  <p:clrMapOvr>
+    <a:masterClrMapping/>
+  </p:clrMapOvr>
+</p:sld>
+</file>
+
+<file path=ppt/slides/slide8.xml><?xml version="1.0" encoding="utf-8"?>
+<p:sld xmlns:a="http://schemas.openxmlformats.org/drawingml/2006/main" xmlns:r="http://schemas.openxmlformats.org/officeDocument/2006/relationships" xmlns:p="http://schemas.openxmlformats.org/presentationml/2006/main">
+  <p:cSld>
+    <p:spTree>
+      <p:nvGrpSpPr>
+        <p:cNvPr id="1" name=""/>
+        <p:cNvGrpSpPr/>
+        <p:nvPr/>
+      </p:nvGrpSpPr>
+      <p:grpSpPr>
+        <a:xfrm>
+          <a:off x="0" y="0"/>
+          <a:ext cx="0" cy="0"/>
+          <a:chOff x="0" y="0"/>
+          <a:chExt cx="0" cy="0"/>
+        </a:xfrm>
+      </p:grpSpPr>
+      <p:sp>
+        <p:nvSpPr>
+          <p:cNvPr id="2" name="Titre 1"/>
+          <p:cNvSpPr>
+            <a:spLocks noGrp="1"/>
+          </p:cNvSpPr>
+          <p:nvPr>
+            <p:ph type="title"/>
+          </p:nvPr>
+        </p:nvSpPr>
+        <p:spPr/>
+        <p:txBody>
+          <a:bodyPr/>
+          <a:lstStyle/>
+          <a:p>
+            <a:r>
+              <a:rPr lang="fr-FR" dirty="0" smtClean="0"/>
+              <a:t>Rapatrier </a:t>
+            </a:r>
+            <a:r>
+              <a:rPr lang="fr-FR" dirty="0"/>
+              <a:t>les </a:t>
+            </a:r>
+            <a:r>
+              <a:rPr lang="fr-FR" dirty="0" err="1"/>
+              <a:t>commits</a:t>
+            </a:r>
+            <a:r>
+              <a:rPr lang="fr-FR" dirty="0"/>
+              <a:t> </a:t>
+            </a:r>
+            <a:r>
+              <a:rPr lang="fr-FR" dirty="0" smtClean="0"/>
+              <a:t>distants: </a:t>
+            </a:r>
+            <a:r>
+              <a:rPr lang="fr-FR" dirty="0" err="1" smtClean="0"/>
+              <a:t>Rebase</a:t>
+            </a:r>
+            <a:r>
+              <a:rPr lang="fr-FR" dirty="0" smtClean="0"/>
+              <a:t> ou </a:t>
+            </a:r>
+            <a:r>
+              <a:rPr lang="fr-FR" dirty="0" err="1" smtClean="0"/>
+              <a:t>merge</a:t>
+            </a:r>
+            <a:r>
+              <a:rPr lang="fr-FR" dirty="0" smtClean="0"/>
+              <a:t>?</a:t>
+            </a:r>
+            <a:endParaRPr lang="fr-CH" dirty="0"/>
+          </a:p>
+        </p:txBody>
+      </p:sp>
+      <p:pic>
+        <p:nvPicPr>
+          <p:cNvPr id="7" name="Image 6"/>
+          <p:cNvPicPr>
+            <a:picLocks noChangeAspect="1"/>
+          </p:cNvPicPr>
+          <p:nvPr/>
+        </p:nvPicPr>
+        <p:blipFill>
+          <a:blip r:embed="rId2"/>
+          <a:stretch>
+            <a:fillRect/>
+          </a:stretch>
+        </p:blipFill>
+        <p:spPr>
+          <a:xfrm>
+            <a:off x="6004403" y="3910774"/>
+            <a:ext cx="3688463" cy="2360468"/>
+          </a:xfrm>
+          <a:prstGeom prst="rect">
+            <a:avLst/>
+          </a:prstGeom>
+          <a:ln>
+            <a:solidFill>
+              <a:schemeClr val="tx1"/>
+            </a:solidFill>
+          </a:ln>
+        </p:spPr>
+      </p:pic>
+      <p:pic>
+        <p:nvPicPr>
+          <p:cNvPr id="9" name="Image 8"/>
+          <p:cNvPicPr>
+            <a:picLocks noChangeAspect="1"/>
+          </p:cNvPicPr>
+          <p:nvPr/>
+        </p:nvPicPr>
+        <p:blipFill>
+          <a:blip r:embed="rId3"/>
+          <a:stretch>
+            <a:fillRect/>
+          </a:stretch>
+        </p:blipFill>
+        <p:spPr>
+          <a:xfrm>
+            <a:off x="6004403" y="1140117"/>
+            <a:ext cx="3688463" cy="2391801"/>
+          </a:xfrm>
+          <a:prstGeom prst="rect">
+            <a:avLst/>
+          </a:prstGeom>
+          <a:ln>
+            <a:solidFill>
+              <a:schemeClr val="tx1"/>
+            </a:solidFill>
+          </a:ln>
+        </p:spPr>
+      </p:pic>
+      <p:pic>
+        <p:nvPicPr>
+          <p:cNvPr id="10" name="Image 9"/>
+          <p:cNvPicPr>
+            <a:picLocks noChangeAspect="1"/>
+          </p:cNvPicPr>
+          <p:nvPr/>
+        </p:nvPicPr>
+        <p:blipFill>
+          <a:blip r:embed="rId4"/>
+          <a:stretch>
+            <a:fillRect/>
+          </a:stretch>
+        </p:blipFill>
+        <p:spPr>
+          <a:xfrm>
+            <a:off x="1148095" y="1140117"/>
+            <a:ext cx="3584214" cy="2391801"/>
+          </a:xfrm>
+          <a:prstGeom prst="rect">
+            <a:avLst/>
+          </a:prstGeom>
+          <a:ln>
+            <a:solidFill>
+              <a:schemeClr val="tx1"/>
+            </a:solidFill>
+          </a:ln>
+        </p:spPr>
+      </p:pic>
+      <p:pic>
+        <p:nvPicPr>
+          <p:cNvPr id="16" name="Image 15"/>
+          <p:cNvPicPr>
+            <a:picLocks noChangeAspect="1"/>
+          </p:cNvPicPr>
+          <p:nvPr/>
+        </p:nvPicPr>
+        <p:blipFill>
+          <a:blip r:embed="rId5"/>
+          <a:stretch>
+            <a:fillRect/>
+          </a:stretch>
+        </p:blipFill>
+        <p:spPr>
+          <a:xfrm>
+            <a:off x="1114786" y="3910773"/>
+            <a:ext cx="3617523" cy="2360469"/>
+          </a:xfrm>
+          <a:prstGeom prst="rect">
+            <a:avLst/>
+          </a:prstGeom>
+          <a:ln>
+            <a:solidFill>
+              <a:schemeClr val="tx1"/>
+            </a:solidFill>
+          </a:ln>
+        </p:spPr>
+      </p:pic>
+    </p:spTree>
+    <p:extLst>
+      <p:ext uri="{BB962C8B-B14F-4D97-AF65-F5344CB8AC3E}">
+        <p14:creationId xmlns:p14="http://schemas.microsoft.com/office/powerpoint/2010/main" val="2153305433"/>
+      </p:ext>
+    </p:extLst>
+  </p:cSld>
+  <p:clrMapOvr>
+    <a:masterClrMapping/>
+  </p:clrMapOvr>
+</p:sld>
+</file>
+
+<file path=ppt/slides/slide9.xml><?xml version="1.0" encoding="utf-8"?>
+<p:sld xmlns:a="http://schemas.openxmlformats.org/drawingml/2006/main" xmlns:r="http://schemas.openxmlformats.org/officeDocument/2006/relationships" xmlns:p="http://schemas.openxmlformats.org/presentationml/2006/main">
+  <p:cSld>
+    <p:spTree>
+      <p:nvGrpSpPr>
+        <p:cNvPr id="1" name=""/>
+        <p:cNvGrpSpPr/>
+        <p:nvPr/>
+      </p:nvGrpSpPr>
+      <p:grpSpPr>
+        <a:xfrm>
+          <a:off x="0" y="0"/>
+          <a:ext cx="0" cy="0"/>
+          <a:chOff x="0" y="0"/>
+          <a:chExt cx="0" cy="0"/>
+        </a:xfrm>
+      </p:grpSpPr>
+      <p:sp>
+        <p:nvSpPr>
+          <p:cNvPr id="2" name="Titre 1"/>
+          <p:cNvSpPr>
+            <a:spLocks noGrp="1"/>
+          </p:cNvSpPr>
+          <p:nvPr>
+            <p:ph type="title"/>
+          </p:nvPr>
+        </p:nvSpPr>
+        <p:spPr/>
+        <p:txBody>
+          <a:bodyPr/>
+          <a:lstStyle/>
+          <a:p>
+            <a:r>
+              <a:rPr lang="fr-FR" dirty="0" smtClean="0"/>
+              <a:t>Rapatrier les </a:t>
+            </a:r>
+            <a:r>
+              <a:rPr lang="fr-FR" dirty="0" err="1" smtClean="0"/>
+              <a:t>commits</a:t>
+            </a:r>
+            <a:r>
+              <a:rPr lang="fr-FR" dirty="0" smtClean="0"/>
+              <a:t> distants avec le </a:t>
+            </a:r>
+            <a:r>
+              <a:rPr lang="fr-FR" dirty="0" err="1" smtClean="0"/>
+              <a:t>rebase</a:t>
+            </a:r>
+            <a:endParaRPr lang="fr-CH" dirty="0"/>
+          </a:p>
+        </p:txBody>
+      </p:sp>
+      <p:sp>
+        <p:nvSpPr>
+          <p:cNvPr id="3" name="Espace réservé du contenu 2"/>
+          <p:cNvSpPr>
+            <a:spLocks noGrp="1"/>
+          </p:cNvSpPr>
+          <p:nvPr>
+            <p:ph idx="1"/>
+          </p:nvPr>
+        </p:nvSpPr>
+        <p:spPr/>
+        <p:txBody>
+          <a:bodyPr/>
+          <a:lstStyle/>
+          <a:p>
+            <a:r>
+              <a:rPr lang="fr-FR" dirty="0" smtClean="0"/>
+              <a:t>Mettre à jour ma branche locale avec un </a:t>
+            </a:r>
+            <a:r>
+              <a:rPr lang="fr-FR" dirty="0" err="1" smtClean="0"/>
+              <a:t>rebase</a:t>
+            </a:r>
+            <a:endParaRPr lang="fr-FR" dirty="0" smtClean="0"/>
+          </a:p>
+          <a:p>
+            <a:pPr lvl="1"/>
+            <a:r>
+              <a:rPr lang="fr-FR" dirty="0" smtClean="0"/>
+              <a:t>git </a:t>
+            </a:r>
+            <a:r>
+              <a:rPr lang="fr-FR" dirty="0" err="1" smtClean="0"/>
+              <a:t>checkout</a:t>
+            </a:r>
+            <a:r>
+              <a:rPr lang="fr-FR" dirty="0" smtClean="0"/>
+              <a:t> </a:t>
+            </a:r>
+            <a:r>
+              <a:rPr lang="fr-FR" dirty="0" err="1" smtClean="0"/>
+              <a:t>mabranche</a:t>
+            </a:r>
+            <a:r>
+              <a:rPr lang="fr-FR" dirty="0" smtClean="0"/>
+              <a:t> </a:t>
+            </a:r>
+          </a:p>
+          <a:p>
+            <a:pPr lvl="1"/>
+            <a:r>
+              <a:rPr lang="fr-FR" dirty="0"/>
+              <a:t>g</a:t>
+            </a:r>
+            <a:r>
+              <a:rPr lang="fr-FR" dirty="0" smtClean="0"/>
+              <a:t>it </a:t>
+            </a:r>
+            <a:r>
+              <a:rPr lang="fr-FR" dirty="0" err="1" smtClean="0"/>
+              <a:t>fetch</a:t>
+            </a:r>
+            <a:endParaRPr lang="fr-FR" dirty="0" smtClean="0"/>
+          </a:p>
+          <a:p>
+            <a:pPr lvl="1"/>
+            <a:r>
+              <a:rPr lang="fr-FR" dirty="0" smtClean="0"/>
+              <a:t>git </a:t>
+            </a:r>
+            <a:r>
+              <a:rPr lang="fr-FR" dirty="0" err="1" smtClean="0"/>
+              <a:t>rebase</a:t>
+            </a:r>
+            <a:r>
+              <a:rPr lang="fr-FR" dirty="0" smtClean="0"/>
+              <a:t> </a:t>
+            </a:r>
+            <a:r>
+              <a:rPr lang="fr-FR" dirty="0" err="1" smtClean="0"/>
+              <a:t>origin</a:t>
+            </a:r>
+            <a:r>
+              <a:rPr lang="fr-FR" dirty="0" smtClean="0"/>
+              <a:t> </a:t>
+            </a:r>
+            <a:r>
+              <a:rPr lang="fr-FR" dirty="0" err="1" smtClean="0"/>
+              <a:t>mabranche</a:t>
+            </a:r>
+            <a:endParaRPr lang="fr-FR" dirty="0" smtClean="0"/>
+          </a:p>
+          <a:p>
+            <a:pPr lvl="1"/>
+            <a:r>
+              <a:rPr lang="fr-FR" dirty="0" smtClean="0"/>
+              <a:t>En une commande: git pull --</a:t>
+            </a:r>
+            <a:r>
+              <a:rPr lang="fr-FR" dirty="0" err="1" smtClean="0"/>
+              <a:t>rebase</a:t>
+            </a:r>
+            <a:r>
+              <a:rPr lang="fr-FR" dirty="0" smtClean="0"/>
+              <a:t> </a:t>
+            </a:r>
+            <a:r>
+              <a:rPr lang="fr-FR" dirty="0" err="1" smtClean="0"/>
+              <a:t>origin</a:t>
+            </a:r>
+            <a:r>
+              <a:rPr lang="fr-FR" dirty="0" smtClean="0"/>
+              <a:t> </a:t>
+            </a:r>
+            <a:r>
+              <a:rPr lang="fr-FR" dirty="0" err="1" smtClean="0"/>
+              <a:t>mabranche</a:t>
+            </a:r>
+            <a:endParaRPr lang="fr-FR" dirty="0" smtClean="0"/>
+          </a:p>
+          <a:p>
+            <a:r>
+              <a:rPr lang="fr-FR" dirty="0" smtClean="0"/>
+              <a:t>Pas de réécriture de l’histoire</a:t>
+            </a:r>
+          </a:p>
+          <a:p>
+            <a:pPr lvl="1"/>
+            <a:r>
+              <a:rPr lang="fr-FR" dirty="0"/>
+              <a:t>g</a:t>
+            </a:r>
+            <a:r>
+              <a:rPr lang="fr-FR" dirty="0" smtClean="0"/>
+              <a:t>it push </a:t>
+            </a:r>
+            <a:r>
+              <a:rPr lang="fr-FR" dirty="0" err="1" smtClean="0"/>
+              <a:t>origin</a:t>
+            </a:r>
+            <a:r>
+              <a:rPr lang="fr-FR" dirty="0" smtClean="0"/>
+              <a:t> </a:t>
+            </a:r>
+            <a:r>
+              <a:rPr lang="fr-FR" dirty="0" err="1" smtClean="0"/>
+              <a:t>mabranche</a:t>
+            </a:r>
+            <a:endParaRPr lang="fr-FR" dirty="0" smtClean="0"/>
+          </a:p>
+          <a:p>
+            <a:pPr lvl="1"/>
+            <a:endParaRPr lang="fr-CH" dirty="0"/>
+          </a:p>
+        </p:txBody>
+      </p:sp>
+    </p:spTree>
+    <p:extLst>
+      <p:ext uri="{BB962C8B-B14F-4D97-AF65-F5344CB8AC3E}">
+        <p14:creationId xmlns:p14="http://schemas.microsoft.com/office/powerpoint/2010/main" val="1478987373"/>
       </p:ext>
     </p:extLst>
   </p:cSld>

--- a/Formation Git - avancée.pptx
+++ b/Formation Git - avancée.pptx
@@ -5,52 +5,53 @@
     <p:sldMasterId id="2147483660" r:id="rId1"/>
   </p:sldMasterIdLst>
   <p:notesMasterIdLst>
-    <p:notesMasterId r:id="rId42"/>
+    <p:notesMasterId r:id="rId43"/>
   </p:notesMasterIdLst>
   <p:handoutMasterIdLst>
-    <p:handoutMasterId r:id="rId43"/>
+    <p:handoutMasterId r:id="rId44"/>
   </p:handoutMasterIdLst>
   <p:sldIdLst>
-    <p:sldId id="283" r:id="rId2"/>
-    <p:sldId id="284" r:id="rId3"/>
-    <p:sldId id="285" r:id="rId4"/>
-    <p:sldId id="286" r:id="rId5"/>
-    <p:sldId id="287" r:id="rId6"/>
-    <p:sldId id="288" r:id="rId7"/>
-    <p:sldId id="289" r:id="rId8"/>
-    <p:sldId id="290" r:id="rId9"/>
-    <p:sldId id="291" r:id="rId10"/>
-    <p:sldId id="292" r:id="rId11"/>
-    <p:sldId id="293" r:id="rId12"/>
-    <p:sldId id="294" r:id="rId13"/>
-    <p:sldId id="295" r:id="rId14"/>
-    <p:sldId id="296" r:id="rId15"/>
-    <p:sldId id="297" r:id="rId16"/>
-    <p:sldId id="298" r:id="rId17"/>
-    <p:sldId id="257" r:id="rId18"/>
-    <p:sldId id="258" r:id="rId19"/>
-    <p:sldId id="259" r:id="rId20"/>
-    <p:sldId id="261" r:id="rId21"/>
-    <p:sldId id="262" r:id="rId22"/>
-    <p:sldId id="263" r:id="rId23"/>
-    <p:sldId id="264" r:id="rId24"/>
-    <p:sldId id="265" r:id="rId25"/>
-    <p:sldId id="266" r:id="rId26"/>
-    <p:sldId id="267" r:id="rId27"/>
-    <p:sldId id="268" r:id="rId28"/>
-    <p:sldId id="269" r:id="rId29"/>
-    <p:sldId id="270" r:id="rId30"/>
-    <p:sldId id="272" r:id="rId31"/>
-    <p:sldId id="274" r:id="rId32"/>
-    <p:sldId id="275" r:id="rId33"/>
-    <p:sldId id="276" r:id="rId34"/>
-    <p:sldId id="277" r:id="rId35"/>
-    <p:sldId id="278" r:id="rId36"/>
-    <p:sldId id="273" r:id="rId37"/>
-    <p:sldId id="280" r:id="rId38"/>
-    <p:sldId id="279" r:id="rId39"/>
-    <p:sldId id="281" r:id="rId40"/>
-    <p:sldId id="282" r:id="rId41"/>
+    <p:sldId id="300" r:id="rId2"/>
+    <p:sldId id="283" r:id="rId3"/>
+    <p:sldId id="284" r:id="rId4"/>
+    <p:sldId id="285" r:id="rId5"/>
+    <p:sldId id="286" r:id="rId6"/>
+    <p:sldId id="287" r:id="rId7"/>
+    <p:sldId id="288" r:id="rId8"/>
+    <p:sldId id="289" r:id="rId9"/>
+    <p:sldId id="290" r:id="rId10"/>
+    <p:sldId id="291" r:id="rId11"/>
+    <p:sldId id="292" r:id="rId12"/>
+    <p:sldId id="293" r:id="rId13"/>
+    <p:sldId id="294" r:id="rId14"/>
+    <p:sldId id="295" r:id="rId15"/>
+    <p:sldId id="296" r:id="rId16"/>
+    <p:sldId id="297" r:id="rId17"/>
+    <p:sldId id="298" r:id="rId18"/>
+    <p:sldId id="257" r:id="rId19"/>
+    <p:sldId id="258" r:id="rId20"/>
+    <p:sldId id="259" r:id="rId21"/>
+    <p:sldId id="261" r:id="rId22"/>
+    <p:sldId id="262" r:id="rId23"/>
+    <p:sldId id="263" r:id="rId24"/>
+    <p:sldId id="264" r:id="rId25"/>
+    <p:sldId id="265" r:id="rId26"/>
+    <p:sldId id="266" r:id="rId27"/>
+    <p:sldId id="267" r:id="rId28"/>
+    <p:sldId id="268" r:id="rId29"/>
+    <p:sldId id="269" r:id="rId30"/>
+    <p:sldId id="270" r:id="rId31"/>
+    <p:sldId id="272" r:id="rId32"/>
+    <p:sldId id="274" r:id="rId33"/>
+    <p:sldId id="275" r:id="rId34"/>
+    <p:sldId id="276" r:id="rId35"/>
+    <p:sldId id="277" r:id="rId36"/>
+    <p:sldId id="278" r:id="rId37"/>
+    <p:sldId id="273" r:id="rId38"/>
+    <p:sldId id="280" r:id="rId39"/>
+    <p:sldId id="279" r:id="rId40"/>
+    <p:sldId id="281" r:id="rId41"/>
+    <p:sldId id="282" r:id="rId42"/>
   </p:sldIdLst>
   <p:sldSz cx="12192000" cy="6858000"/>
   <p:notesSz cx="6858000" cy="9144000"/>
@@ -13137,50 +13138,30 @@
         </p:nvSpPr>
         <p:spPr/>
         <p:txBody>
-          <a:bodyPr/>
+          <a:bodyPr>
+            <a:normAutofit fontScale="90000"/>
+          </a:bodyPr>
           <a:lstStyle/>
           <a:p>
             <a:r>
-              <a:rPr lang="fr-FR" dirty="0" smtClean="0"/>
-              <a:t>Git sous le capot</a:t>
+              <a:rPr lang="fr-CH" b="1" dirty="0"/>
+              <a:t>Formation git - avancé</a:t>
+            </a:r>
+            <a:br>
+              <a:rPr lang="fr-CH" b="1" dirty="0"/>
+            </a:br>
+            <a:r>
+              <a:rPr lang="fr-CH" dirty="0"/>
+              <a:t>Comprendre git pour l’utiliser encore mieux tous les jours</a:t>
             </a:r>
             <a:endParaRPr lang="fr-CH" dirty="0"/>
           </a:p>
         </p:txBody>
       </p:sp>
-      <p:pic>
-        <p:nvPicPr>
-          <p:cNvPr id="5" name="Espace réservé du contenu 4"/>
-          <p:cNvPicPr>
-            <a:picLocks noGrp="1" noChangeAspect="1"/>
-          </p:cNvPicPr>
-          <p:nvPr>
-            <p:ph idx="1"/>
-          </p:nvPr>
-        </p:nvPicPr>
-        <p:blipFill>
-          <a:blip r:embed="rId2">
-            <a:extLst>
-              <a:ext uri="{28A0092B-C50C-407E-A947-70E740481C1C}">
-                <a14:useLocalDpi xmlns:a14="http://schemas.microsoft.com/office/drawing/2010/main" val="0"/>
-              </a:ext>
-            </a:extLst>
-          </a:blip>
-          <a:stretch>
-            <a:fillRect/>
-          </a:stretch>
-        </p:blipFill>
-        <p:spPr>
-          <a:xfrm>
-            <a:off x="2511846" y="1235678"/>
-            <a:ext cx="6984694" cy="5238520"/>
-          </a:xfrm>
-        </p:spPr>
-      </p:pic>
     </p:spTree>
     <p:extLst>
       <p:ext uri="{BB962C8B-B14F-4D97-AF65-F5344CB8AC3E}">
-        <p14:creationId xmlns:p14="http://schemas.microsoft.com/office/powerpoint/2010/main" val="286723226"/>
+        <p14:creationId xmlns:p14="http://schemas.microsoft.com/office/powerpoint/2010/main" val="2301295919"/>
       </p:ext>
     </p:extLst>
   </p:cSld>
@@ -13191,6 +13172,227 @@
 </file>
 
 <file path=ppt/slides/slide10.xml><?xml version="1.0" encoding="utf-8"?>
+<p:sld xmlns:a="http://schemas.openxmlformats.org/drawingml/2006/main" xmlns:r="http://schemas.openxmlformats.org/officeDocument/2006/relationships" xmlns:p="http://schemas.openxmlformats.org/presentationml/2006/main">
+  <p:cSld>
+    <p:spTree>
+      <p:nvGrpSpPr>
+        <p:cNvPr id="1" name=""/>
+        <p:cNvGrpSpPr/>
+        <p:nvPr/>
+      </p:nvGrpSpPr>
+      <p:grpSpPr>
+        <a:xfrm>
+          <a:off x="0" y="0"/>
+          <a:ext cx="0" cy="0"/>
+          <a:chOff x="0" y="0"/>
+          <a:chExt cx="0" cy="0"/>
+        </a:xfrm>
+      </p:grpSpPr>
+      <p:sp>
+        <p:nvSpPr>
+          <p:cNvPr id="2" name="Titre 1"/>
+          <p:cNvSpPr>
+            <a:spLocks noGrp="1"/>
+          </p:cNvSpPr>
+          <p:nvPr>
+            <p:ph type="title"/>
+          </p:nvPr>
+        </p:nvSpPr>
+        <p:spPr/>
+        <p:txBody>
+          <a:bodyPr/>
+          <a:lstStyle/>
+          <a:p>
+            <a:r>
+              <a:rPr lang="fr-FR" dirty="0" smtClean="0"/>
+              <a:t>Rapatrier les </a:t>
+            </a:r>
+            <a:r>
+              <a:rPr lang="fr-FR" dirty="0" err="1" smtClean="0"/>
+              <a:t>commits</a:t>
+            </a:r>
+            <a:r>
+              <a:rPr lang="fr-FR" dirty="0" smtClean="0"/>
+              <a:t> distants avec le </a:t>
+            </a:r>
+            <a:r>
+              <a:rPr lang="fr-FR" dirty="0" err="1" smtClean="0"/>
+              <a:t>rebase</a:t>
+            </a:r>
+            <a:endParaRPr lang="fr-CH" dirty="0"/>
+          </a:p>
+        </p:txBody>
+      </p:sp>
+      <p:sp>
+        <p:nvSpPr>
+          <p:cNvPr id="3" name="Espace réservé du contenu 2"/>
+          <p:cNvSpPr>
+            <a:spLocks noGrp="1"/>
+          </p:cNvSpPr>
+          <p:nvPr>
+            <p:ph idx="1"/>
+          </p:nvPr>
+        </p:nvSpPr>
+        <p:spPr/>
+        <p:txBody>
+          <a:bodyPr/>
+          <a:lstStyle/>
+          <a:p>
+            <a:r>
+              <a:rPr lang="fr-FR" dirty="0" smtClean="0"/>
+              <a:t>Mettre à jour ma branche locale avec un </a:t>
+            </a:r>
+            <a:r>
+              <a:rPr lang="fr-FR" dirty="0" err="1" smtClean="0"/>
+              <a:t>rebase</a:t>
+            </a:r>
+            <a:endParaRPr lang="fr-FR" dirty="0" smtClean="0"/>
+          </a:p>
+          <a:p>
+            <a:pPr lvl="1"/>
+            <a:r>
+              <a:rPr lang="fr-FR" dirty="0" smtClean="0"/>
+              <a:t>git </a:t>
+            </a:r>
+            <a:r>
+              <a:rPr lang="fr-FR" dirty="0" err="1" smtClean="0"/>
+              <a:t>checkout</a:t>
+            </a:r>
+            <a:r>
+              <a:rPr lang="fr-FR" dirty="0" smtClean="0"/>
+              <a:t> </a:t>
+            </a:r>
+            <a:r>
+              <a:rPr lang="fr-FR" dirty="0" err="1" smtClean="0"/>
+              <a:t>mabranche</a:t>
+            </a:r>
+            <a:r>
+              <a:rPr lang="fr-FR" dirty="0" smtClean="0"/>
+              <a:t> </a:t>
+            </a:r>
+          </a:p>
+          <a:p>
+            <a:pPr lvl="1"/>
+            <a:r>
+              <a:rPr lang="fr-FR" dirty="0"/>
+              <a:t>g</a:t>
+            </a:r>
+            <a:r>
+              <a:rPr lang="fr-FR" dirty="0" smtClean="0"/>
+              <a:t>it </a:t>
+            </a:r>
+            <a:r>
+              <a:rPr lang="fr-FR" dirty="0" err="1" smtClean="0"/>
+              <a:t>fetch</a:t>
+            </a:r>
+            <a:endParaRPr lang="fr-FR" dirty="0" smtClean="0"/>
+          </a:p>
+          <a:p>
+            <a:pPr lvl="1"/>
+            <a:r>
+              <a:rPr lang="fr-FR" dirty="0" smtClean="0"/>
+              <a:t>git </a:t>
+            </a:r>
+            <a:r>
+              <a:rPr lang="fr-FR" dirty="0" err="1" smtClean="0"/>
+              <a:t>rebase</a:t>
+            </a:r>
+            <a:r>
+              <a:rPr lang="fr-FR" dirty="0" smtClean="0"/>
+              <a:t> </a:t>
+            </a:r>
+            <a:r>
+              <a:rPr lang="fr-FR" dirty="0" err="1" smtClean="0"/>
+              <a:t>origin</a:t>
+            </a:r>
+            <a:r>
+              <a:rPr lang="fr-FR" dirty="0" smtClean="0"/>
+              <a:t> </a:t>
+            </a:r>
+            <a:r>
+              <a:rPr lang="fr-FR" dirty="0" err="1" smtClean="0"/>
+              <a:t>mabranche</a:t>
+            </a:r>
+            <a:endParaRPr lang="fr-FR" dirty="0" smtClean="0"/>
+          </a:p>
+          <a:p>
+            <a:pPr lvl="1"/>
+            <a:r>
+              <a:rPr lang="fr-FR" dirty="0" smtClean="0"/>
+              <a:t>En une commande: git pull --</a:t>
+            </a:r>
+            <a:r>
+              <a:rPr lang="fr-FR" dirty="0" err="1" smtClean="0"/>
+              <a:t>rebase</a:t>
+            </a:r>
+            <a:r>
+              <a:rPr lang="fr-FR" dirty="0" smtClean="0"/>
+              <a:t> </a:t>
+            </a:r>
+            <a:r>
+              <a:rPr lang="fr-FR" dirty="0" err="1" smtClean="0"/>
+              <a:t>origin</a:t>
+            </a:r>
+            <a:r>
+              <a:rPr lang="fr-FR" dirty="0" smtClean="0"/>
+              <a:t> </a:t>
+            </a:r>
+            <a:r>
+              <a:rPr lang="fr-FR" dirty="0" err="1" smtClean="0"/>
+              <a:t>mabranche</a:t>
+            </a:r>
+            <a:endParaRPr lang="fr-FR" dirty="0" smtClean="0"/>
+          </a:p>
+          <a:p>
+            <a:r>
+              <a:rPr lang="fr-FR" dirty="0" smtClean="0"/>
+              <a:t>Pas de réécriture de l’histoire</a:t>
+            </a:r>
+          </a:p>
+          <a:p>
+            <a:pPr lvl="1"/>
+            <a:r>
+              <a:rPr lang="fr-FR" dirty="0"/>
+              <a:t>g</a:t>
+            </a:r>
+            <a:r>
+              <a:rPr lang="fr-FR" dirty="0" smtClean="0"/>
+              <a:t>it push </a:t>
+            </a:r>
+            <a:r>
+              <a:rPr lang="fr-FR" dirty="0" err="1" smtClean="0"/>
+              <a:t>origin</a:t>
+            </a:r>
+            <a:r>
+              <a:rPr lang="fr-FR" dirty="0" smtClean="0"/>
+              <a:t> </a:t>
+            </a:r>
+            <a:r>
+              <a:rPr lang="fr-FR" dirty="0" err="1" smtClean="0"/>
+              <a:t>mabranche</a:t>
+            </a:r>
+            <a:endParaRPr lang="fr-FR" dirty="0" smtClean="0"/>
+          </a:p>
+          <a:p>
+            <a:pPr lvl="1"/>
+            <a:endParaRPr lang="fr-CH" dirty="0"/>
+          </a:p>
+        </p:txBody>
+      </p:sp>
+    </p:spTree>
+    <p:extLst>
+      <p:ext uri="{BB962C8B-B14F-4D97-AF65-F5344CB8AC3E}">
+        <p14:creationId xmlns:p14="http://schemas.microsoft.com/office/powerpoint/2010/main" val="1478987373"/>
+      </p:ext>
+    </p:extLst>
+  </p:cSld>
+  <p:clrMapOvr>
+    <a:masterClrMapping/>
+  </p:clrMapOvr>
+</p:sld>
+</file>
+
+<file path=ppt/slides/slide11.xml><?xml version="1.0" encoding="utf-8"?>
 <p:sld xmlns:a="http://schemas.openxmlformats.org/drawingml/2006/main" xmlns:r="http://schemas.openxmlformats.org/officeDocument/2006/relationships" xmlns:p="http://schemas.openxmlformats.org/presentationml/2006/main">
   <p:cSld>
     <p:spTree>
@@ -13397,7 +13599,7 @@
 </p:sld>
 </file>
 
-<file path=ppt/slides/slide11.xml><?xml version="1.0" encoding="utf-8"?>
+<file path=ppt/slides/slide12.xml><?xml version="1.0" encoding="utf-8"?>
 <p:sld xmlns:a="http://schemas.openxmlformats.org/drawingml/2006/main" xmlns:r="http://schemas.openxmlformats.org/officeDocument/2006/relationships" xmlns:p="http://schemas.openxmlformats.org/presentationml/2006/main">
   <p:cSld>
     <p:spTree>
@@ -13541,7 +13743,7 @@
 </p:sld>
 </file>
 
-<file path=ppt/slides/slide12.xml><?xml version="1.0" encoding="utf-8"?>
+<file path=ppt/slides/slide13.xml><?xml version="1.0" encoding="utf-8"?>
 <p:sld xmlns:a="http://schemas.openxmlformats.org/drawingml/2006/main" xmlns:r="http://schemas.openxmlformats.org/officeDocument/2006/relationships" xmlns:p="http://schemas.openxmlformats.org/presentationml/2006/main">
   <p:cSld>
     <p:spTree>
@@ -13734,7 +13936,7 @@
 </p:sld>
 </file>
 
-<file path=ppt/slides/slide13.xml><?xml version="1.0" encoding="utf-8"?>
+<file path=ppt/slides/slide14.xml><?xml version="1.0" encoding="utf-8"?>
 <p:sld xmlns:a="http://schemas.openxmlformats.org/drawingml/2006/main" xmlns:r="http://schemas.openxmlformats.org/officeDocument/2006/relationships" xmlns:p="http://schemas.openxmlformats.org/presentationml/2006/main">
   <p:cSld>
     <p:spTree>
@@ -13986,7 +14188,7 @@
 </p:sld>
 </file>
 
-<file path=ppt/slides/slide14.xml><?xml version="1.0" encoding="utf-8"?>
+<file path=ppt/slides/slide15.xml><?xml version="1.0" encoding="utf-8"?>
 <p:sld xmlns:a="http://schemas.openxmlformats.org/drawingml/2006/main" xmlns:r="http://schemas.openxmlformats.org/officeDocument/2006/relationships" xmlns:p="http://schemas.openxmlformats.org/presentationml/2006/main">
   <p:cSld>
     <p:spTree>
@@ -14092,7 +14294,7 @@
 </p:sld>
 </file>
 
-<file path=ppt/slides/slide15.xml><?xml version="1.0" encoding="utf-8"?>
+<file path=ppt/slides/slide16.xml><?xml version="1.0" encoding="utf-8"?>
 <p:sld xmlns:a="http://schemas.openxmlformats.org/drawingml/2006/main" xmlns:r="http://schemas.openxmlformats.org/officeDocument/2006/relationships" xmlns:p="http://schemas.openxmlformats.org/presentationml/2006/main">
   <p:cSld>
     <p:spTree>
@@ -14584,7 +14786,7 @@
 </p:sld>
 </file>
 
-<file path=ppt/slides/slide16.xml><?xml version="1.0" encoding="utf-8"?>
+<file path=ppt/slides/slide17.xml><?xml version="1.0" encoding="utf-8"?>
 <p:sld xmlns:a="http://schemas.openxmlformats.org/drawingml/2006/main" xmlns:r="http://schemas.openxmlformats.org/officeDocument/2006/relationships" xmlns:p="http://schemas.openxmlformats.org/presentationml/2006/main">
   <p:cSld>
     <p:spTree>
@@ -14713,7 +14915,7 @@
 </p:sld>
 </file>
 
-<file path=ppt/slides/slide17.xml><?xml version="1.0" encoding="utf-8"?>
+<file path=ppt/slides/slide18.xml><?xml version="1.0" encoding="utf-8"?>
 <p:sld xmlns:a="http://schemas.openxmlformats.org/drawingml/2006/main" xmlns:r="http://schemas.openxmlformats.org/officeDocument/2006/relationships" xmlns:p="http://schemas.openxmlformats.org/presentationml/2006/main">
   <p:cSld>
     <p:spTree>
@@ -14838,7 +15040,7 @@
 </p:sld>
 </file>
 
-<file path=ppt/slides/slide18.xml><?xml version="1.0" encoding="utf-8"?>
+<file path=ppt/slides/slide19.xml><?xml version="1.0" encoding="utf-8"?>
 <p:sld xmlns:a="http://schemas.openxmlformats.org/drawingml/2006/main" xmlns:r="http://schemas.openxmlformats.org/officeDocument/2006/relationships" xmlns:p="http://schemas.openxmlformats.org/presentationml/2006/main">
   <p:cSld>
     <p:spTree>
@@ -15264,225 +15466,6 @@
 </p:sld>
 </file>
 
-<file path=ppt/slides/slide19.xml><?xml version="1.0" encoding="utf-8"?>
-<p:sld xmlns:a="http://schemas.openxmlformats.org/drawingml/2006/main" xmlns:r="http://schemas.openxmlformats.org/officeDocument/2006/relationships" xmlns:p="http://schemas.openxmlformats.org/presentationml/2006/main">
-  <p:cSld>
-    <p:spTree>
-      <p:nvGrpSpPr>
-        <p:cNvPr id="1" name=""/>
-        <p:cNvGrpSpPr/>
-        <p:nvPr/>
-      </p:nvGrpSpPr>
-      <p:grpSpPr>
-        <a:xfrm>
-          <a:off x="0" y="0"/>
-          <a:ext cx="0" cy="0"/>
-          <a:chOff x="0" y="0"/>
-          <a:chExt cx="0" cy="0"/>
-        </a:xfrm>
-      </p:grpSpPr>
-      <p:sp>
-        <p:nvSpPr>
-          <p:cNvPr id="2" name="Titre 1"/>
-          <p:cNvSpPr>
-            <a:spLocks noGrp="1"/>
-          </p:cNvSpPr>
-          <p:nvPr>
-            <p:ph type="title"/>
-          </p:nvPr>
-        </p:nvSpPr>
-        <p:spPr/>
-        <p:txBody>
-          <a:bodyPr/>
-          <a:lstStyle/>
-          <a:p>
-            <a:r>
-              <a:rPr lang="fr-CH" dirty="0" smtClean="0"/>
-              <a:t>git cherry-</a:t>
-            </a:r>
-            <a:r>
-              <a:rPr lang="fr-CH" dirty="0" err="1" smtClean="0"/>
-              <a:t>pick</a:t>
-            </a:r>
-            <a:endParaRPr lang="fr-CH" dirty="0"/>
-          </a:p>
-        </p:txBody>
-      </p:sp>
-      <p:sp>
-        <p:nvSpPr>
-          <p:cNvPr id="3" name="Espace réservé du contenu 2"/>
-          <p:cNvSpPr>
-            <a:spLocks noGrp="1"/>
-          </p:cNvSpPr>
-          <p:nvPr>
-            <p:ph idx="1"/>
-          </p:nvPr>
-        </p:nvSpPr>
-        <p:spPr/>
-        <p:txBody>
-          <a:bodyPr/>
-          <a:lstStyle/>
-          <a:p>
-            <a:r>
-              <a:rPr lang="fr-CH" dirty="0" smtClean="0"/>
-              <a:t>Se positionner sur le master du dépôt page-web-participative-</a:t>
-            </a:r>
-            <a:r>
-              <a:rPr lang="fr-CH" dirty="0" err="1" smtClean="0"/>
-              <a:t>rebase</a:t>
-            </a:r>
-            <a:endParaRPr lang="fr-CH" dirty="0" smtClean="0"/>
-          </a:p>
-          <a:p>
-            <a:r>
-              <a:rPr lang="fr-CH" dirty="0" smtClean="0"/>
-              <a:t>Faire un cherry-</a:t>
-            </a:r>
-            <a:r>
-              <a:rPr lang="fr-CH" dirty="0" err="1" smtClean="0"/>
-              <a:t>pick</a:t>
-            </a:r>
-            <a:r>
-              <a:rPr lang="fr-CH" dirty="0" smtClean="0"/>
-              <a:t> du commit «commit1» de la </a:t>
-            </a:r>
-            <a:r>
-              <a:rPr lang="fr-CH" dirty="0" err="1" smtClean="0"/>
-              <a:t>feature</a:t>
-            </a:r>
-            <a:r>
-              <a:rPr lang="fr-CH" dirty="0" smtClean="0"/>
-              <a:t> </a:t>
-            </a:r>
-            <a:r>
-              <a:rPr lang="fr-CH" dirty="0" err="1" smtClean="0"/>
-              <a:t>new_button</a:t>
-            </a:r>
-            <a:endParaRPr lang="fr-CH" dirty="0" smtClean="0"/>
-          </a:p>
-          <a:p>
-            <a:r>
-              <a:rPr lang="fr-CH" dirty="0" smtClean="0"/>
-              <a:t>Observer le log et son graphe pour voir l’impact sur le graphe</a:t>
-            </a:r>
-          </a:p>
-          <a:p>
-            <a:pPr lvl="1"/>
-            <a:r>
-              <a:rPr lang="en-US" i="1" dirty="0" err="1"/>
-              <a:t>git</a:t>
-            </a:r>
-            <a:r>
-              <a:rPr lang="en-US" i="1" dirty="0"/>
-              <a:t> log --graph --</a:t>
-            </a:r>
-            <a:r>
-              <a:rPr lang="en-US" i="1" dirty="0" err="1"/>
-              <a:t>oneline</a:t>
-            </a:r>
-            <a:r>
-              <a:rPr lang="en-US" i="1" dirty="0"/>
-              <a:t> --decorate</a:t>
-            </a:r>
-            <a:endParaRPr lang="fr-CH" dirty="0"/>
-          </a:p>
-        </p:txBody>
-      </p:sp>
-      <p:sp>
-        <p:nvSpPr>
-          <p:cNvPr id="5" name="ZoneTexte 4"/>
-          <p:cNvSpPr txBox="1"/>
-          <p:nvPr/>
-        </p:nvSpPr>
-        <p:spPr>
-          <a:xfrm>
-            <a:off x="950384" y="5591174"/>
-            <a:ext cx="8585502" cy="584775"/>
-          </a:xfrm>
-          <a:prstGeom prst="rect">
-            <a:avLst/>
-          </a:prstGeom>
-          <a:solidFill>
-            <a:srgbClr val="D91E4B"/>
-          </a:solidFill>
-        </p:spPr>
-        <p:txBody>
-          <a:bodyPr wrap="square" rtlCol="0">
-            <a:spAutoFit/>
-          </a:bodyPr>
-          <a:lstStyle/>
-          <a:p>
-            <a:r>
-              <a:rPr lang="fr-CH" sz="1600" dirty="0" smtClean="0">
-                <a:solidFill>
-                  <a:schemeClr val="bg1"/>
-                </a:solidFill>
-              </a:rPr>
-              <a:t>Question :</a:t>
-            </a:r>
-          </a:p>
-          <a:p>
-            <a:r>
-              <a:rPr lang="fr-CH" sz="1600" dirty="0" smtClean="0">
-                <a:solidFill>
-                  <a:schemeClr val="bg1"/>
-                </a:solidFill>
-              </a:rPr>
-              <a:t>● </a:t>
-            </a:r>
-            <a:r>
-              <a:rPr lang="fr-CH" sz="1600" dirty="0">
-                <a:solidFill>
-                  <a:schemeClr val="bg1"/>
-                </a:solidFill>
-              </a:rPr>
-              <a:t>Lors de quelles opérations l’usage de cherry-</a:t>
-            </a:r>
-            <a:r>
-              <a:rPr lang="fr-CH" sz="1600" dirty="0" err="1">
-                <a:solidFill>
-                  <a:schemeClr val="bg1"/>
-                </a:solidFill>
-              </a:rPr>
-              <a:t>pick</a:t>
-            </a:r>
-            <a:r>
-              <a:rPr lang="fr-CH" sz="1600" dirty="0">
-                <a:solidFill>
-                  <a:schemeClr val="bg1"/>
-                </a:solidFill>
-              </a:rPr>
-              <a:t> déclenchera des conflits a </a:t>
-            </a:r>
-            <a:r>
-              <a:rPr lang="fr-CH" sz="1600" dirty="0" smtClean="0">
-                <a:solidFill>
-                  <a:schemeClr val="bg1"/>
-                </a:solidFill>
-              </a:rPr>
-              <a:t>posteriori ?</a:t>
-            </a:r>
-            <a:endParaRPr lang="fr-CH" sz="1600" dirty="0">
-              <a:solidFill>
-                <a:schemeClr val="bg1"/>
-              </a:solidFill>
-            </a:endParaRPr>
-          </a:p>
-        </p:txBody>
-      </p:sp>
-    </p:spTree>
-    <p:extLst>
-      <p:ext uri="{BB962C8B-B14F-4D97-AF65-F5344CB8AC3E}">
-        <p14:creationId xmlns:p14="http://schemas.microsoft.com/office/powerpoint/2010/main" val="4235567567"/>
-      </p:ext>
-    </p:extLst>
-  </p:cSld>
-  <p:clrMapOvr>
-    <a:masterClrMapping/>
-  </p:clrMapOvr>
-</p:sld>
-</file>
-
 <file path=ppt/slides/slide2.xml><?xml version="1.0" encoding="utf-8"?>
 <p:sld xmlns:a="http://schemas.openxmlformats.org/drawingml/2006/main" xmlns:r="http://schemas.openxmlformats.org/officeDocument/2006/relationships" xmlns:p="http://schemas.openxmlformats.org/presentationml/2006/main">
   <p:cSld>
@@ -15517,117 +15500,45 @@
           <a:p>
             <a:r>
               <a:rPr lang="fr-FR" dirty="0" smtClean="0"/>
-              <a:t>L’architecture</a:t>
+              <a:t>Git sous le capot</a:t>
             </a:r>
             <a:endParaRPr lang="fr-CH" dirty="0"/>
           </a:p>
         </p:txBody>
       </p:sp>
-      <p:sp>
-        <p:nvSpPr>
-          <p:cNvPr id="3" name="Espace réservé du contenu 2"/>
-          <p:cNvSpPr>
-            <a:spLocks noGrp="1"/>
-          </p:cNvSpPr>
+      <p:pic>
+        <p:nvPicPr>
+          <p:cNvPr id="5" name="Espace réservé du contenu 4"/>
+          <p:cNvPicPr>
+            <a:picLocks noGrp="1" noChangeAspect="1"/>
+          </p:cNvPicPr>
           <p:nvPr>
             <p:ph idx="1"/>
           </p:nvPr>
-        </p:nvSpPr>
+        </p:nvPicPr>
+        <p:blipFill>
+          <a:blip r:embed="rId2">
+            <a:extLst>
+              <a:ext uri="{28A0092B-C50C-407E-A947-70E740481C1C}">
+                <a14:useLocalDpi xmlns:a14="http://schemas.microsoft.com/office/drawing/2010/main" val="0"/>
+              </a:ext>
+            </a:extLst>
+          </a:blip>
+          <a:stretch>
+            <a:fillRect/>
+          </a:stretch>
+        </p:blipFill>
         <p:spPr>
           <a:xfrm>
-            <a:off x="950384" y="1555242"/>
-            <a:ext cx="10281992" cy="3619041"/>
+            <a:off x="2511846" y="1235678"/>
+            <a:ext cx="6984694" cy="5238520"/>
           </a:xfrm>
         </p:spPr>
-        <p:txBody>
-          <a:bodyPr>
-            <a:normAutofit/>
-          </a:bodyPr>
-          <a:lstStyle/>
-          <a:p>
-            <a:r>
-              <a:rPr lang="fr-FR" dirty="0" smtClean="0"/>
-              <a:t>Le répertoire .git contient toutes les informations nécessaire au fonctionnement du </a:t>
-            </a:r>
-            <a:r>
-              <a:rPr lang="fr-FR" dirty="0" err="1" smtClean="0"/>
-              <a:t>dépot</a:t>
-            </a:r>
-            <a:endParaRPr lang="fr-FR" dirty="0" smtClean="0"/>
-          </a:p>
-          <a:p>
-            <a:r>
-              <a:rPr lang="fr-FR" dirty="0" smtClean="0"/>
-              <a:t>Contient les répertoires suivants</a:t>
-            </a:r>
-          </a:p>
-          <a:p>
-            <a:pPr lvl="1"/>
-            <a:r>
-              <a:rPr lang="fr-FR" dirty="0" err="1" smtClean="0"/>
-              <a:t>Hooks</a:t>
-            </a:r>
-            <a:r>
-              <a:rPr lang="fr-FR" dirty="0" smtClean="0"/>
-              <a:t> -&gt; permet de stocker les scripts de </a:t>
-            </a:r>
-            <a:r>
-              <a:rPr lang="fr-FR" dirty="0" err="1" smtClean="0"/>
-              <a:t>hook</a:t>
-            </a:r>
-            <a:endParaRPr lang="fr-FR" dirty="0" smtClean="0"/>
-          </a:p>
-          <a:p>
-            <a:pPr lvl="1"/>
-            <a:r>
-              <a:rPr lang="fr-FR" dirty="0" smtClean="0"/>
-              <a:t>Logs -&gt; logs des différentes opérations effectuées avec git</a:t>
-            </a:r>
-          </a:p>
-          <a:p>
-            <a:pPr lvl="1"/>
-            <a:r>
-              <a:rPr lang="fr-FR" dirty="0" err="1" smtClean="0"/>
-              <a:t>Objects</a:t>
-            </a:r>
-            <a:r>
-              <a:rPr lang="fr-FR" dirty="0" smtClean="0"/>
-              <a:t> -&gt; contient (entre autre) les </a:t>
-            </a:r>
-            <a:r>
-              <a:rPr lang="fr-FR" dirty="0" err="1" smtClean="0"/>
-              <a:t>commits</a:t>
-            </a:r>
-            <a:endParaRPr lang="fr-FR" dirty="0" smtClean="0"/>
-          </a:p>
-          <a:p>
-            <a:pPr lvl="1"/>
-            <a:r>
-              <a:rPr lang="fr-FR" dirty="0" err="1" smtClean="0"/>
-              <a:t>Refs</a:t>
-            </a:r>
-            <a:r>
-              <a:rPr lang="fr-FR" dirty="0" smtClean="0"/>
-              <a:t> -&gt; contient les étiquettes  </a:t>
-            </a:r>
-          </a:p>
-          <a:p>
-            <a:r>
-              <a:rPr lang="fr-CH" dirty="0" smtClean="0"/>
-              <a:t>Le fonctionnement interne de git est basé que sur les </a:t>
-            </a:r>
-            <a:r>
-              <a:rPr lang="fr-CH" dirty="0" err="1" smtClean="0"/>
-              <a:t>objects</a:t>
-            </a:r>
-            <a:endParaRPr lang="fr-FR" dirty="0"/>
-          </a:p>
-        </p:txBody>
-      </p:sp>
+      </p:pic>
     </p:spTree>
     <p:extLst>
       <p:ext uri="{BB962C8B-B14F-4D97-AF65-F5344CB8AC3E}">
-        <p14:creationId xmlns:p14="http://schemas.microsoft.com/office/powerpoint/2010/main" val="3934817676"/>
+        <p14:creationId xmlns:p14="http://schemas.microsoft.com/office/powerpoint/2010/main" val="286723226"/>
       </p:ext>
     </p:extLst>
   </p:cSld>
@@ -15683,6 +15594,225 @@
       </p:sp>
       <p:sp>
         <p:nvSpPr>
+          <p:cNvPr id="3" name="Espace réservé du contenu 2"/>
+          <p:cNvSpPr>
+            <a:spLocks noGrp="1"/>
+          </p:cNvSpPr>
+          <p:nvPr>
+            <p:ph idx="1"/>
+          </p:nvPr>
+        </p:nvSpPr>
+        <p:spPr/>
+        <p:txBody>
+          <a:bodyPr/>
+          <a:lstStyle/>
+          <a:p>
+            <a:r>
+              <a:rPr lang="fr-CH" dirty="0" smtClean="0"/>
+              <a:t>Se positionner sur le master du dépôt page-web-participative-</a:t>
+            </a:r>
+            <a:r>
+              <a:rPr lang="fr-CH" dirty="0" err="1" smtClean="0"/>
+              <a:t>rebase</a:t>
+            </a:r>
+            <a:endParaRPr lang="fr-CH" dirty="0" smtClean="0"/>
+          </a:p>
+          <a:p>
+            <a:r>
+              <a:rPr lang="fr-CH" dirty="0" smtClean="0"/>
+              <a:t>Faire un cherry-</a:t>
+            </a:r>
+            <a:r>
+              <a:rPr lang="fr-CH" dirty="0" err="1" smtClean="0"/>
+              <a:t>pick</a:t>
+            </a:r>
+            <a:r>
+              <a:rPr lang="fr-CH" dirty="0" smtClean="0"/>
+              <a:t> du commit «commit1» de la </a:t>
+            </a:r>
+            <a:r>
+              <a:rPr lang="fr-CH" dirty="0" err="1" smtClean="0"/>
+              <a:t>feature</a:t>
+            </a:r>
+            <a:r>
+              <a:rPr lang="fr-CH" dirty="0" smtClean="0"/>
+              <a:t> </a:t>
+            </a:r>
+            <a:r>
+              <a:rPr lang="fr-CH" dirty="0" err="1" smtClean="0"/>
+              <a:t>new_button</a:t>
+            </a:r>
+            <a:endParaRPr lang="fr-CH" dirty="0" smtClean="0"/>
+          </a:p>
+          <a:p>
+            <a:r>
+              <a:rPr lang="fr-CH" dirty="0" smtClean="0"/>
+              <a:t>Observer le log et son graphe pour voir l’impact sur le graphe</a:t>
+            </a:r>
+          </a:p>
+          <a:p>
+            <a:pPr lvl="1"/>
+            <a:r>
+              <a:rPr lang="en-US" i="1" dirty="0" err="1"/>
+              <a:t>git</a:t>
+            </a:r>
+            <a:r>
+              <a:rPr lang="en-US" i="1" dirty="0"/>
+              <a:t> log --graph --</a:t>
+            </a:r>
+            <a:r>
+              <a:rPr lang="en-US" i="1" dirty="0" err="1"/>
+              <a:t>oneline</a:t>
+            </a:r>
+            <a:r>
+              <a:rPr lang="en-US" i="1" dirty="0"/>
+              <a:t> --decorate</a:t>
+            </a:r>
+            <a:endParaRPr lang="fr-CH" dirty="0"/>
+          </a:p>
+        </p:txBody>
+      </p:sp>
+      <p:sp>
+        <p:nvSpPr>
+          <p:cNvPr id="5" name="ZoneTexte 4"/>
+          <p:cNvSpPr txBox="1"/>
+          <p:nvPr/>
+        </p:nvSpPr>
+        <p:spPr>
+          <a:xfrm>
+            <a:off x="950384" y="5591174"/>
+            <a:ext cx="8585502" cy="584775"/>
+          </a:xfrm>
+          <a:prstGeom prst="rect">
+            <a:avLst/>
+          </a:prstGeom>
+          <a:solidFill>
+            <a:srgbClr val="D91E4B"/>
+          </a:solidFill>
+        </p:spPr>
+        <p:txBody>
+          <a:bodyPr wrap="square" rtlCol="0">
+            <a:spAutoFit/>
+          </a:bodyPr>
+          <a:lstStyle/>
+          <a:p>
+            <a:r>
+              <a:rPr lang="fr-CH" sz="1600" dirty="0" smtClean="0">
+                <a:solidFill>
+                  <a:schemeClr val="bg1"/>
+                </a:solidFill>
+              </a:rPr>
+              <a:t>Question :</a:t>
+            </a:r>
+          </a:p>
+          <a:p>
+            <a:r>
+              <a:rPr lang="fr-CH" sz="1600" dirty="0" smtClean="0">
+                <a:solidFill>
+                  <a:schemeClr val="bg1"/>
+                </a:solidFill>
+              </a:rPr>
+              <a:t>● </a:t>
+            </a:r>
+            <a:r>
+              <a:rPr lang="fr-CH" sz="1600" dirty="0">
+                <a:solidFill>
+                  <a:schemeClr val="bg1"/>
+                </a:solidFill>
+              </a:rPr>
+              <a:t>Lors de quelles opérations l’usage de cherry-</a:t>
+            </a:r>
+            <a:r>
+              <a:rPr lang="fr-CH" sz="1600" dirty="0" err="1">
+                <a:solidFill>
+                  <a:schemeClr val="bg1"/>
+                </a:solidFill>
+              </a:rPr>
+              <a:t>pick</a:t>
+            </a:r>
+            <a:r>
+              <a:rPr lang="fr-CH" sz="1600" dirty="0">
+                <a:solidFill>
+                  <a:schemeClr val="bg1"/>
+                </a:solidFill>
+              </a:rPr>
+              <a:t> déclenchera des conflits a </a:t>
+            </a:r>
+            <a:r>
+              <a:rPr lang="fr-CH" sz="1600" dirty="0" smtClean="0">
+                <a:solidFill>
+                  <a:schemeClr val="bg1"/>
+                </a:solidFill>
+              </a:rPr>
+              <a:t>posteriori ?</a:t>
+            </a:r>
+            <a:endParaRPr lang="fr-CH" sz="1600" dirty="0">
+              <a:solidFill>
+                <a:schemeClr val="bg1"/>
+              </a:solidFill>
+            </a:endParaRPr>
+          </a:p>
+        </p:txBody>
+      </p:sp>
+    </p:spTree>
+    <p:extLst>
+      <p:ext uri="{BB962C8B-B14F-4D97-AF65-F5344CB8AC3E}">
+        <p14:creationId xmlns:p14="http://schemas.microsoft.com/office/powerpoint/2010/main" val="4235567567"/>
+      </p:ext>
+    </p:extLst>
+  </p:cSld>
+  <p:clrMapOvr>
+    <a:masterClrMapping/>
+  </p:clrMapOvr>
+</p:sld>
+</file>
+
+<file path=ppt/slides/slide21.xml><?xml version="1.0" encoding="utf-8"?>
+<p:sld xmlns:a="http://schemas.openxmlformats.org/drawingml/2006/main" xmlns:r="http://schemas.openxmlformats.org/officeDocument/2006/relationships" xmlns:p="http://schemas.openxmlformats.org/presentationml/2006/main">
+  <p:cSld>
+    <p:spTree>
+      <p:nvGrpSpPr>
+        <p:cNvPr id="1" name=""/>
+        <p:cNvGrpSpPr/>
+        <p:nvPr/>
+      </p:nvGrpSpPr>
+      <p:grpSpPr>
+        <a:xfrm>
+          <a:off x="0" y="0"/>
+          <a:ext cx="0" cy="0"/>
+          <a:chOff x="0" y="0"/>
+          <a:chExt cx="0" cy="0"/>
+        </a:xfrm>
+      </p:grpSpPr>
+      <p:sp>
+        <p:nvSpPr>
+          <p:cNvPr id="2" name="Titre 1"/>
+          <p:cNvSpPr>
+            <a:spLocks noGrp="1"/>
+          </p:cNvSpPr>
+          <p:nvPr>
+            <p:ph type="title"/>
+          </p:nvPr>
+        </p:nvSpPr>
+        <p:spPr/>
+        <p:txBody>
+          <a:bodyPr/>
+          <a:lstStyle/>
+          <a:p>
+            <a:r>
+              <a:rPr lang="fr-CH" dirty="0" smtClean="0"/>
+              <a:t>git cherry-</a:t>
+            </a:r>
+            <a:r>
+              <a:rPr lang="fr-CH" dirty="0" err="1" smtClean="0"/>
+              <a:t>pick</a:t>
+            </a:r>
+            <a:endParaRPr lang="fr-CH" dirty="0"/>
+          </a:p>
+        </p:txBody>
+      </p:sp>
+      <p:sp>
+        <p:nvSpPr>
           <p:cNvPr id="5" name="ZoneTexte 4"/>
           <p:cNvSpPr txBox="1"/>
           <p:nvPr/>
@@ -15892,7 +16022,7 @@
 </p:sld>
 </file>
 
-<file path=ppt/slides/slide21.xml><?xml version="1.0" encoding="utf-8"?>
+<file path=ppt/slides/slide22.xml><?xml version="1.0" encoding="utf-8"?>
 <p:sld xmlns:a="http://schemas.openxmlformats.org/drawingml/2006/main" xmlns:r="http://schemas.openxmlformats.org/officeDocument/2006/relationships" xmlns:p="http://schemas.openxmlformats.org/presentationml/2006/main">
   <p:cSld>
     <p:spTree>
@@ -16016,172 +16146,6 @@
 </p:sld>
 </file>
 
-<file path=ppt/slides/slide22.xml><?xml version="1.0" encoding="utf-8"?>
-<p:sld xmlns:a="http://schemas.openxmlformats.org/drawingml/2006/main" xmlns:r="http://schemas.openxmlformats.org/officeDocument/2006/relationships" xmlns:p="http://schemas.openxmlformats.org/presentationml/2006/main">
-  <p:cSld>
-    <p:spTree>
-      <p:nvGrpSpPr>
-        <p:cNvPr id="1" name=""/>
-        <p:cNvGrpSpPr/>
-        <p:nvPr/>
-      </p:nvGrpSpPr>
-      <p:grpSpPr>
-        <a:xfrm>
-          <a:off x="0" y="0"/>
-          <a:ext cx="0" cy="0"/>
-          <a:chOff x="0" y="0"/>
-          <a:chExt cx="0" cy="0"/>
-        </a:xfrm>
-      </p:grpSpPr>
-      <p:sp>
-        <p:nvSpPr>
-          <p:cNvPr id="2" name="Titre 1"/>
-          <p:cNvSpPr>
-            <a:spLocks noGrp="1"/>
-          </p:cNvSpPr>
-          <p:nvPr>
-            <p:ph type="title"/>
-          </p:nvPr>
-        </p:nvSpPr>
-        <p:spPr/>
-        <p:txBody>
-          <a:bodyPr/>
-          <a:lstStyle/>
-          <a:p>
-            <a:r>
-              <a:rPr lang="fr-CH" dirty="0" smtClean="0"/>
-              <a:t>git </a:t>
-            </a:r>
-            <a:r>
-              <a:rPr lang="fr-CH" dirty="0" err="1" smtClean="0"/>
-              <a:t>rebase</a:t>
-            </a:r>
-            <a:r>
-              <a:rPr lang="fr-CH" dirty="0" smtClean="0"/>
-              <a:t> --onto</a:t>
-            </a:r>
-            <a:endParaRPr lang="fr-CH" dirty="0"/>
-          </a:p>
-        </p:txBody>
-      </p:sp>
-      <p:sp>
-        <p:nvSpPr>
-          <p:cNvPr id="3" name="Espace réservé du contenu 2"/>
-          <p:cNvSpPr>
-            <a:spLocks noGrp="1"/>
-          </p:cNvSpPr>
-          <p:nvPr>
-            <p:ph idx="1"/>
-          </p:nvPr>
-        </p:nvSpPr>
-        <p:spPr/>
-        <p:txBody>
-          <a:bodyPr/>
-          <a:lstStyle/>
-          <a:p>
-            <a:r>
-              <a:rPr lang="fr-CH" dirty="0" smtClean="0"/>
-              <a:t>Se positionner sur le master du dépôt page-web-participative-</a:t>
-            </a:r>
-            <a:r>
-              <a:rPr lang="fr-CH" dirty="0" err="1" smtClean="0"/>
-              <a:t>rebase</a:t>
-            </a:r>
-            <a:endParaRPr lang="fr-CH" dirty="0" smtClean="0"/>
-          </a:p>
-          <a:p>
-            <a:r>
-              <a:rPr lang="fr-CH" dirty="0" smtClean="0"/>
-              <a:t>Faire une branche </a:t>
-            </a:r>
-            <a:r>
-              <a:rPr lang="fr-CH" dirty="0" err="1" smtClean="0"/>
-              <a:t>feature-awesome_new_button</a:t>
-            </a:r>
-            <a:r>
-              <a:rPr lang="fr-CH" dirty="0" smtClean="0"/>
-              <a:t> en partant de la branche </a:t>
-            </a:r>
-            <a:r>
-              <a:rPr lang="fr-CH" dirty="0" err="1" smtClean="0"/>
-              <a:t>feature-new_button</a:t>
-            </a:r>
-            <a:endParaRPr lang="fr-CH" dirty="0" smtClean="0"/>
-          </a:p>
-          <a:p>
-            <a:r>
-              <a:rPr lang="fr-CH" dirty="0" smtClean="0"/>
-              <a:t>Faire quelques </a:t>
-            </a:r>
-            <a:r>
-              <a:rPr lang="fr-CH" dirty="0" err="1" smtClean="0"/>
-              <a:t>commits</a:t>
-            </a:r>
-            <a:r>
-              <a:rPr lang="fr-CH" dirty="0"/>
-              <a:t> et </a:t>
-            </a:r>
-            <a:r>
-              <a:rPr lang="fr-CH" dirty="0" smtClean="0"/>
-              <a:t>observer </a:t>
-            </a:r>
-            <a:r>
-              <a:rPr lang="fr-CH" dirty="0"/>
-              <a:t>le log et son graphe</a:t>
-            </a:r>
-            <a:endParaRPr lang="fr-CH" dirty="0" smtClean="0"/>
-          </a:p>
-          <a:p>
-            <a:r>
-              <a:rPr lang="fr-CH" dirty="0" smtClean="0"/>
-              <a:t>Faire en sorte que la branche </a:t>
-            </a:r>
-            <a:r>
-              <a:rPr lang="fr-CH" dirty="0" err="1" smtClean="0"/>
-              <a:t>feature-awesome_new_button</a:t>
-            </a:r>
-            <a:r>
-              <a:rPr lang="fr-CH" dirty="0" smtClean="0"/>
-              <a:t> démarre en fait de master</a:t>
-            </a:r>
-          </a:p>
-          <a:p>
-            <a:r>
-              <a:rPr lang="fr-CH" dirty="0"/>
-              <a:t>Observer le log et son </a:t>
-            </a:r>
-            <a:r>
-              <a:rPr lang="fr-CH" dirty="0" smtClean="0"/>
-              <a:t>graphe et constater l’impact du git </a:t>
-            </a:r>
-            <a:r>
-              <a:rPr lang="fr-CH" dirty="0" err="1" smtClean="0"/>
-              <a:t>rebase</a:t>
-            </a:r>
-            <a:r>
-              <a:rPr lang="fr-CH" dirty="0"/>
-              <a:t> </a:t>
-            </a:r>
-            <a:r>
-              <a:rPr lang="fr-CH" dirty="0" smtClean="0"/>
-              <a:t>--onto</a:t>
-            </a:r>
-          </a:p>
-        </p:txBody>
-      </p:sp>
-    </p:spTree>
-    <p:extLst>
-      <p:ext uri="{BB962C8B-B14F-4D97-AF65-F5344CB8AC3E}">
-        <p14:creationId xmlns:p14="http://schemas.microsoft.com/office/powerpoint/2010/main" val="1393638253"/>
-      </p:ext>
-    </p:extLst>
-  </p:cSld>
-  <p:clrMapOvr>
-    <a:masterClrMapping/>
-  </p:clrMapOvr>
-</p:sld>
-</file>
-
 <file path=ppt/slides/slide23.xml><?xml version="1.0" encoding="utf-8"?>
 <p:sld xmlns:a="http://schemas.openxmlformats.org/drawingml/2006/main" xmlns:r="http://schemas.openxmlformats.org/officeDocument/2006/relationships" xmlns:p="http://schemas.openxmlformats.org/presentationml/2006/main">
   <p:cSld>
@@ -16220,7 +16184,11 @@
             </a:r>
             <a:r>
               <a:rPr lang="fr-CH" dirty="0" err="1" smtClean="0"/>
-              <a:t>bisect</a:t>
+              <a:t>rebase</a:t>
+            </a:r>
+            <a:r>
+              <a:rPr lang="fr-CH" dirty="0" smtClean="0"/>
+              <a:t> --onto</a:t>
             </a:r>
             <a:endParaRPr lang="fr-CH" dirty="0"/>
           </a:p>
@@ -16242,80 +16210,99 @@
           <a:lstStyle/>
           <a:p>
             <a:r>
+              <a:rPr lang="fr-CH" dirty="0" smtClean="0"/>
+              <a:t>Se positionner sur le master du dépôt page-web-participative-</a:t>
+            </a:r>
+            <a:r>
+              <a:rPr lang="fr-CH" dirty="0" err="1" smtClean="0"/>
+              <a:t>rebase</a:t>
+            </a:r>
+            <a:endParaRPr lang="fr-CH" dirty="0" smtClean="0"/>
+          </a:p>
+          <a:p>
+            <a:r>
+              <a:rPr lang="fr-CH" dirty="0" smtClean="0"/>
+              <a:t>Faire une branche </a:t>
+            </a:r>
+            <a:r>
+              <a:rPr lang="fr-CH" dirty="0" err="1" smtClean="0"/>
+              <a:t>feature-awesome_new_button</a:t>
+            </a:r>
+            <a:r>
+              <a:rPr lang="fr-CH" dirty="0" smtClean="0"/>
+              <a:t> en partant de la branche </a:t>
+            </a:r>
+            <a:r>
+              <a:rPr lang="fr-CH" dirty="0" err="1" smtClean="0"/>
+              <a:t>feature-new_button</a:t>
+            </a:r>
+            <a:endParaRPr lang="fr-CH" dirty="0" smtClean="0"/>
+          </a:p>
+          <a:p>
+            <a:r>
+              <a:rPr lang="fr-CH" dirty="0" smtClean="0"/>
+              <a:t>Faire quelques </a:t>
+            </a:r>
+            <a:r>
+              <a:rPr lang="fr-CH" dirty="0" err="1" smtClean="0"/>
+              <a:t>commits</a:t>
+            </a:r>
+            <a:r>
               <a:rPr lang="fr-CH" dirty="0"/>
-              <a:t>Pour faire une </a:t>
-            </a:r>
-            <a:r>
-              <a:rPr lang="fr-CH" dirty="0" smtClean="0"/>
-              <a:t>dichotomie </a:t>
+              <a:t> et </a:t>
+            </a:r>
+            <a:r>
+              <a:rPr lang="fr-CH" dirty="0" smtClean="0"/>
+              <a:t>observer </a:t>
             </a:r>
             <a:r>
               <a:rPr lang="fr-CH" dirty="0"/>
-              <a:t>sur vos commit afin de trouver le commit qui a introduit </a:t>
-            </a:r>
-            <a:r>
-              <a:rPr lang="fr-CH" dirty="0" smtClean="0"/>
-              <a:t>une régression</a:t>
-            </a:r>
-          </a:p>
-          <a:p>
-            <a:pPr lvl="1"/>
-            <a:r>
-              <a:rPr lang="fr-CH" dirty="0" smtClean="0"/>
-              <a:t>Manuel : git </a:t>
+              <a:t>le log et son graphe</a:t>
+            </a:r>
+            <a:endParaRPr lang="fr-CH" dirty="0" smtClean="0"/>
+          </a:p>
+          <a:p>
+            <a:r>
+              <a:rPr lang="fr-CH" dirty="0" smtClean="0"/>
+              <a:t>Faire en sorte que la branche </a:t>
             </a:r>
             <a:r>
               <a:rPr lang="fr-CH" dirty="0" err="1" smtClean="0"/>
-              <a:t>bisect</a:t>
-            </a:r>
-            <a:r>
-              <a:rPr lang="fr-CH" dirty="0" smtClean="0"/>
+              <a:t>feature-awesome_new_button</a:t>
+            </a:r>
+            <a:r>
+              <a:rPr lang="fr-CH" dirty="0" smtClean="0"/>
+              <a:t> démarre en fait de master</a:t>
+            </a:r>
+          </a:p>
+          <a:p>
+            <a:r>
+              <a:rPr lang="fr-CH" dirty="0"/>
+              <a:t>Observer le log et son </a:t>
+            </a:r>
+            <a:r>
+              <a:rPr lang="fr-CH" dirty="0" smtClean="0"/>
+              <a:t>graphe et constater l’impact du git </a:t>
+            </a:r>
+            <a:r>
+              <a:rPr lang="fr-CH" dirty="0" err="1" smtClean="0"/>
+              <a:t>rebase</a:t>
+            </a:r>
+            <a:r>
+              <a:rPr lang="fr-CH" dirty="0"/>
               <a:t> </a:t>
             </a:r>
             <a:r>
-              <a:rPr lang="fr-CH" dirty="0" err="1" smtClean="0"/>
-              <a:t>start</a:t>
-            </a:r>
-            <a:endParaRPr lang="fr-CH" dirty="0" smtClean="0"/>
-          </a:p>
-          <a:p>
-            <a:pPr lvl="1"/>
-            <a:r>
-              <a:rPr lang="fr-CH" dirty="0" smtClean="0"/>
-              <a:t>Automatique : git </a:t>
-            </a:r>
-            <a:r>
-              <a:rPr lang="fr-CH" dirty="0" err="1" smtClean="0"/>
-              <a:t>bisect</a:t>
-            </a:r>
-            <a:r>
-              <a:rPr lang="fr-CH" dirty="0" smtClean="0"/>
-              <a:t> </a:t>
-            </a:r>
-            <a:r>
-              <a:rPr lang="fr-CH" dirty="0" err="1" smtClean="0"/>
-              <a:t>run</a:t>
-            </a:r>
-            <a:r>
-              <a:rPr lang="fr-CH" dirty="0" smtClean="0"/>
-              <a:t> </a:t>
-            </a:r>
-            <a:r>
-              <a:rPr lang="fr-CH" dirty="0" err="1" smtClean="0"/>
-              <a:t>my_script</a:t>
-            </a:r>
-            <a:r>
-              <a:rPr lang="fr-CH" dirty="0" smtClean="0"/>
-              <a:t> arguments</a:t>
-            </a:r>
-            <a:endParaRPr lang="fr-CH" dirty="0"/>
+              <a:rPr lang="fr-CH" dirty="0" smtClean="0"/>
+              <a:t>--onto</a:t>
+            </a:r>
           </a:p>
         </p:txBody>
       </p:sp>
     </p:spTree>
     <p:extLst>
       <p:ext uri="{BB962C8B-B14F-4D97-AF65-F5344CB8AC3E}">
-        <p14:creationId xmlns:p14="http://schemas.microsoft.com/office/powerpoint/2010/main" val="735586294"/>
+        <p14:creationId xmlns:p14="http://schemas.microsoft.com/office/powerpoint/2010/main" val="1393638253"/>
       </p:ext>
     </p:extLst>
   </p:cSld>
@@ -16385,6 +16372,149 @@
           <a:lstStyle/>
           <a:p>
             <a:r>
+              <a:rPr lang="fr-CH" dirty="0"/>
+              <a:t>Pour faire une </a:t>
+            </a:r>
+            <a:r>
+              <a:rPr lang="fr-CH" dirty="0" smtClean="0"/>
+              <a:t>dichotomie </a:t>
+            </a:r>
+            <a:r>
+              <a:rPr lang="fr-CH" dirty="0"/>
+              <a:t>sur vos commit afin de trouver le commit qui a introduit </a:t>
+            </a:r>
+            <a:r>
+              <a:rPr lang="fr-CH" dirty="0" smtClean="0"/>
+              <a:t>une régression</a:t>
+            </a:r>
+          </a:p>
+          <a:p>
+            <a:pPr lvl="1"/>
+            <a:r>
+              <a:rPr lang="fr-CH" dirty="0" smtClean="0"/>
+              <a:t>Manuel : git </a:t>
+            </a:r>
+            <a:r>
+              <a:rPr lang="fr-CH" dirty="0" err="1" smtClean="0"/>
+              <a:t>bisect</a:t>
+            </a:r>
+            <a:r>
+              <a:rPr lang="fr-CH" dirty="0" smtClean="0"/>
+              <a:t> </a:t>
+            </a:r>
+            <a:r>
+              <a:rPr lang="fr-CH" dirty="0" err="1" smtClean="0"/>
+              <a:t>start</a:t>
+            </a:r>
+            <a:endParaRPr lang="fr-CH" dirty="0" smtClean="0"/>
+          </a:p>
+          <a:p>
+            <a:pPr lvl="1"/>
+            <a:r>
+              <a:rPr lang="fr-CH" dirty="0" smtClean="0"/>
+              <a:t>Automatique : git </a:t>
+            </a:r>
+            <a:r>
+              <a:rPr lang="fr-CH" dirty="0" err="1" smtClean="0"/>
+              <a:t>bisect</a:t>
+            </a:r>
+            <a:r>
+              <a:rPr lang="fr-CH" dirty="0" smtClean="0"/>
+              <a:t> </a:t>
+            </a:r>
+            <a:r>
+              <a:rPr lang="fr-CH" dirty="0" err="1" smtClean="0"/>
+              <a:t>run</a:t>
+            </a:r>
+            <a:r>
+              <a:rPr lang="fr-CH" dirty="0" smtClean="0"/>
+              <a:t> </a:t>
+            </a:r>
+            <a:r>
+              <a:rPr lang="fr-CH" dirty="0" err="1" smtClean="0"/>
+              <a:t>my_script</a:t>
+            </a:r>
+            <a:r>
+              <a:rPr lang="fr-CH" dirty="0" smtClean="0"/>
+              <a:t> arguments</a:t>
+            </a:r>
+            <a:endParaRPr lang="fr-CH" dirty="0"/>
+          </a:p>
+        </p:txBody>
+      </p:sp>
+    </p:spTree>
+    <p:extLst>
+      <p:ext uri="{BB962C8B-B14F-4D97-AF65-F5344CB8AC3E}">
+        <p14:creationId xmlns:p14="http://schemas.microsoft.com/office/powerpoint/2010/main" val="735586294"/>
+      </p:ext>
+    </p:extLst>
+  </p:cSld>
+  <p:clrMapOvr>
+    <a:masterClrMapping/>
+  </p:clrMapOvr>
+</p:sld>
+</file>
+
+<file path=ppt/slides/slide25.xml><?xml version="1.0" encoding="utf-8"?>
+<p:sld xmlns:a="http://schemas.openxmlformats.org/drawingml/2006/main" xmlns:r="http://schemas.openxmlformats.org/officeDocument/2006/relationships" xmlns:p="http://schemas.openxmlformats.org/presentationml/2006/main">
+  <p:cSld>
+    <p:spTree>
+      <p:nvGrpSpPr>
+        <p:cNvPr id="1" name=""/>
+        <p:cNvGrpSpPr/>
+        <p:nvPr/>
+      </p:nvGrpSpPr>
+      <p:grpSpPr>
+        <a:xfrm>
+          <a:off x="0" y="0"/>
+          <a:ext cx="0" cy="0"/>
+          <a:chOff x="0" y="0"/>
+          <a:chExt cx="0" cy="0"/>
+        </a:xfrm>
+      </p:grpSpPr>
+      <p:sp>
+        <p:nvSpPr>
+          <p:cNvPr id="2" name="Titre 1"/>
+          <p:cNvSpPr>
+            <a:spLocks noGrp="1"/>
+          </p:cNvSpPr>
+          <p:nvPr>
+            <p:ph type="title"/>
+          </p:nvPr>
+        </p:nvSpPr>
+        <p:spPr/>
+        <p:txBody>
+          <a:bodyPr/>
+          <a:lstStyle/>
+          <a:p>
+            <a:r>
+              <a:rPr lang="fr-CH" dirty="0" smtClean="0"/>
+              <a:t>git </a:t>
+            </a:r>
+            <a:r>
+              <a:rPr lang="fr-CH" dirty="0" err="1" smtClean="0"/>
+              <a:t>bisect</a:t>
+            </a:r>
+            <a:endParaRPr lang="fr-CH" dirty="0"/>
+          </a:p>
+        </p:txBody>
+      </p:sp>
+      <p:sp>
+        <p:nvSpPr>
+          <p:cNvPr id="3" name="Espace réservé du contenu 2"/>
+          <p:cNvSpPr>
+            <a:spLocks noGrp="1"/>
+          </p:cNvSpPr>
+          <p:nvPr>
+            <p:ph idx="1"/>
+          </p:nvPr>
+        </p:nvSpPr>
+        <p:spPr/>
+        <p:txBody>
+          <a:bodyPr/>
+          <a:lstStyle/>
+          <a:p>
+            <a:r>
               <a:rPr lang="fr-CH" dirty="0" smtClean="0"/>
               <a:t>Récupérer la branche master du projet </a:t>
             </a:r>
@@ -16450,7 +16580,7 @@
 </p:sld>
 </file>
 
-<file path=ppt/slides/slide25.xml><?xml version="1.0" encoding="utf-8"?>
+<file path=ppt/slides/slide26.xml><?xml version="1.0" encoding="utf-8"?>
 <p:sld xmlns:a="http://schemas.openxmlformats.org/drawingml/2006/main" xmlns:r="http://schemas.openxmlformats.org/officeDocument/2006/relationships" xmlns:p="http://schemas.openxmlformats.org/presentationml/2006/main">
   <p:cSld>
     <p:spTree>
@@ -16555,194 +16685,6 @@
 </p:sld>
 </file>
 
-<file path=ppt/slides/slide26.xml><?xml version="1.0" encoding="utf-8"?>
-<p:sld xmlns:a="http://schemas.openxmlformats.org/drawingml/2006/main" xmlns:r="http://schemas.openxmlformats.org/officeDocument/2006/relationships" xmlns:p="http://schemas.openxmlformats.org/presentationml/2006/main">
-  <p:cSld>
-    <p:spTree>
-      <p:nvGrpSpPr>
-        <p:cNvPr id="1" name=""/>
-        <p:cNvGrpSpPr/>
-        <p:nvPr/>
-      </p:nvGrpSpPr>
-      <p:grpSpPr>
-        <a:xfrm>
-          <a:off x="0" y="0"/>
-          <a:ext cx="0" cy="0"/>
-          <a:chOff x="0" y="0"/>
-          <a:chExt cx="0" cy="0"/>
-        </a:xfrm>
-      </p:grpSpPr>
-      <p:sp>
-        <p:nvSpPr>
-          <p:cNvPr id="2" name="Titre 1"/>
-          <p:cNvSpPr>
-            <a:spLocks noGrp="1"/>
-          </p:cNvSpPr>
-          <p:nvPr>
-            <p:ph type="title"/>
-          </p:nvPr>
-        </p:nvSpPr>
-        <p:spPr/>
-        <p:txBody>
-          <a:bodyPr/>
-          <a:lstStyle/>
-          <a:p>
-            <a:r>
-              <a:rPr lang="fr-CH" dirty="0" smtClean="0"/>
-              <a:t>git </a:t>
-            </a:r>
-            <a:r>
-              <a:rPr lang="fr-CH" dirty="0" err="1" smtClean="0"/>
-              <a:t>checkout</a:t>
-            </a:r>
-            <a:endParaRPr lang="fr-CH" dirty="0"/>
-          </a:p>
-        </p:txBody>
-      </p:sp>
-      <p:sp>
-        <p:nvSpPr>
-          <p:cNvPr id="3" name="Espace réservé du contenu 2"/>
-          <p:cNvSpPr>
-            <a:spLocks noGrp="1"/>
-          </p:cNvSpPr>
-          <p:nvPr>
-            <p:ph idx="1"/>
-          </p:nvPr>
-        </p:nvSpPr>
-        <p:spPr>
-          <a:xfrm>
-            <a:off x="950384" y="1951038"/>
-            <a:ext cx="10281992" cy="3543600"/>
-          </a:xfrm>
-        </p:spPr>
-        <p:txBody>
-          <a:bodyPr/>
-          <a:lstStyle/>
-          <a:p>
-            <a:r>
-              <a:rPr lang="fr-CH" dirty="0"/>
-              <a:t>Amener votre environnement sur une version connue</a:t>
-            </a:r>
-          </a:p>
-          <a:p>
-            <a:pPr lvl="1"/>
-            <a:r>
-              <a:rPr lang="fr-CH" dirty="0" smtClean="0"/>
-              <a:t>git </a:t>
-            </a:r>
-            <a:r>
-              <a:rPr lang="fr-CH" dirty="0" err="1"/>
-              <a:t>checkout</a:t>
-            </a:r>
-            <a:r>
-              <a:rPr lang="fr-CH" dirty="0"/>
-              <a:t> {</a:t>
-            </a:r>
-            <a:r>
-              <a:rPr lang="fr-CH" dirty="0" err="1"/>
-              <a:t>shorthash</a:t>
-            </a:r>
-            <a:r>
-              <a:rPr lang="fr-CH" dirty="0" smtClean="0"/>
-              <a:t>}</a:t>
-            </a:r>
-          </a:p>
-          <a:p>
-            <a:r>
-              <a:rPr lang="fr-CH" dirty="0"/>
-              <a:t>Lorsque vous revenez à un commit antérieur, votre environnement de travail est placé sur </a:t>
-            </a:r>
-            <a:r>
-              <a:rPr lang="fr-CH" dirty="0" smtClean="0"/>
-              <a:t>un “DETACHED </a:t>
-            </a:r>
-            <a:r>
-              <a:rPr lang="fr-CH" dirty="0"/>
-              <a:t>HEAD”. Si vous </a:t>
-            </a:r>
-            <a:r>
-              <a:rPr lang="fr-CH" dirty="0" err="1"/>
-              <a:t>commitez</a:t>
-            </a:r>
-            <a:r>
-              <a:rPr lang="fr-CH" dirty="0"/>
-              <a:t> du contenu à partir de là, il créera une branche </a:t>
-            </a:r>
-            <a:r>
-              <a:rPr lang="fr-CH" dirty="0" smtClean="0"/>
-              <a:t>virtuelle référencée </a:t>
-            </a:r>
-            <a:r>
-              <a:rPr lang="fr-CH" dirty="0"/>
-              <a:t>nulle part.</a:t>
-            </a:r>
-          </a:p>
-          <a:p>
-            <a:pPr lvl="1"/>
-            <a:r>
-              <a:rPr lang="fr-CH" dirty="0"/>
-              <a:t>Ne </a:t>
-            </a:r>
-            <a:r>
-              <a:rPr lang="fr-CH" dirty="0" err="1"/>
-              <a:t>commitez</a:t>
-            </a:r>
-            <a:r>
-              <a:rPr lang="fr-CH" dirty="0"/>
-              <a:t> pas de contenu après un </a:t>
-            </a:r>
-            <a:r>
-              <a:rPr lang="fr-CH" dirty="0" err="1"/>
-              <a:t>checkout</a:t>
-            </a:r>
-            <a:r>
-              <a:rPr lang="fr-CH" dirty="0"/>
-              <a:t> sur un commit </a:t>
-            </a:r>
-            <a:r>
-              <a:rPr lang="fr-CH" dirty="0" smtClean="0"/>
-              <a:t>spécifique</a:t>
-            </a:r>
-            <a:r>
-              <a:rPr lang="fr-CH" dirty="0"/>
-              <a:t> </a:t>
-            </a:r>
-            <a:r>
-              <a:rPr lang="fr-CH" dirty="0" smtClean="0"/>
-              <a:t>(</a:t>
-            </a:r>
-            <a:r>
-              <a:rPr lang="fr-CH" dirty="0" err="1" smtClean="0"/>
-              <a:t>garbage</a:t>
-            </a:r>
-            <a:r>
-              <a:rPr lang="fr-CH" dirty="0" smtClean="0"/>
-              <a:t> collector)</a:t>
-            </a:r>
-          </a:p>
-          <a:p>
-            <a:pPr lvl="1"/>
-            <a:r>
-              <a:rPr lang="fr-CH" dirty="0" smtClean="0"/>
-              <a:t>Sauf si… ?</a:t>
-            </a:r>
-            <a:endParaRPr lang="fr-CH" dirty="0"/>
-          </a:p>
-        </p:txBody>
-      </p:sp>
-    </p:spTree>
-    <p:extLst>
-      <p:ext uri="{BB962C8B-B14F-4D97-AF65-F5344CB8AC3E}">
-        <p14:creationId xmlns:p14="http://schemas.microsoft.com/office/powerpoint/2010/main" val="877634655"/>
-      </p:ext>
-    </p:extLst>
-  </p:cSld>
-  <p:clrMapOvr>
-    <a:masterClrMapping/>
-  </p:clrMapOvr>
-</p:sld>
-</file>
-
 <file path=ppt/slides/slide27.xml><?xml version="1.0" encoding="utf-8"?>
 <p:sld xmlns:a="http://schemas.openxmlformats.org/drawingml/2006/main" xmlns:r="http://schemas.openxmlformats.org/officeDocument/2006/relationships" xmlns:p="http://schemas.openxmlformats.org/presentationml/2006/main">
   <p:cSld>
@@ -16808,8 +16750,111 @@
           <a:lstStyle/>
           <a:p>
             <a:r>
-              <a:rPr lang="fr-CH" dirty="0" smtClean="0"/>
-              <a:t>Créez une nouvelle branche à partir du commit «Simplification du test»</a:t>
+              <a:rPr lang="fr-CH" dirty="0"/>
+              <a:t>Amener votre environnement sur une version connue</a:t>
+            </a:r>
+          </a:p>
+          <a:p>
+            <a:pPr lvl="1"/>
+            <a:r>
+              <a:rPr lang="fr-CH" dirty="0" smtClean="0"/>
+              <a:t>git </a:t>
+            </a:r>
+            <a:r>
+              <a:rPr lang="fr-CH" dirty="0" err="1"/>
+              <a:t>checkout</a:t>
+            </a:r>
+            <a:r>
+              <a:rPr lang="fr-CH" dirty="0"/>
+              <a:t> {</a:t>
+            </a:r>
+            <a:r>
+              <a:rPr lang="fr-CH" dirty="0" err="1"/>
+              <a:t>shorthash</a:t>
+            </a:r>
+            <a:r>
+              <a:rPr lang="fr-CH" dirty="0" smtClean="0"/>
+              <a:t>}</a:t>
+            </a:r>
+          </a:p>
+          <a:p>
+            <a:r>
+              <a:rPr lang="fr-CH" dirty="0"/>
+              <a:t>Lorsque vous revenez à un commit antérieur, votre environnement de travail est placé sur </a:t>
+            </a:r>
+            <a:r>
+              <a:rPr lang="fr-CH" dirty="0" smtClean="0"/>
+              <a:t>un “DETACHED </a:t>
+            </a:r>
+            <a:r>
+              <a:rPr lang="fr-CH" dirty="0"/>
+              <a:t>HEAD”. Si vous </a:t>
+            </a:r>
+            <a:r>
+              <a:rPr lang="fr-CH" dirty="0" err="1"/>
+              <a:t>commitez</a:t>
+            </a:r>
+            <a:r>
+              <a:rPr lang="fr-CH" dirty="0"/>
+              <a:t> du contenu à partir de là, il créera une branche </a:t>
+            </a:r>
+            <a:r>
+              <a:rPr lang="fr-CH" dirty="0" smtClean="0"/>
+              <a:t>virtuelle référencée </a:t>
+            </a:r>
+            <a:r>
+              <a:rPr lang="fr-CH" dirty="0"/>
+              <a:t>nulle part.</a:t>
+            </a:r>
+          </a:p>
+          <a:p>
+            <a:pPr lvl="1"/>
+            <a:r>
+              <a:rPr lang="fr-CH" dirty="0"/>
+              <a:t>Ne </a:t>
+            </a:r>
+            <a:r>
+              <a:rPr lang="fr-CH" dirty="0" err="1"/>
+              <a:t>commitez</a:t>
+            </a:r>
+            <a:r>
+              <a:rPr lang="fr-CH" dirty="0"/>
+              <a:t> pas de contenu après un </a:t>
+            </a:r>
+            <a:r>
+              <a:rPr lang="fr-CH" dirty="0" err="1"/>
+              <a:t>checkout</a:t>
+            </a:r>
+            <a:r>
+              <a:rPr lang="fr-CH" dirty="0"/>
+              <a:t> sur un commit </a:t>
+            </a:r>
+            <a:r>
+              <a:rPr lang="fr-CH" dirty="0" smtClean="0"/>
+              <a:t>spécifique</a:t>
+            </a:r>
+            <a:r>
+              <a:rPr lang="fr-CH" dirty="0"/>
+              <a:t> </a:t>
+            </a:r>
+            <a:r>
+              <a:rPr lang="fr-CH" dirty="0" smtClean="0"/>
+              <a:t>(</a:t>
+            </a:r>
+            <a:r>
+              <a:rPr lang="fr-CH" dirty="0" err="1" smtClean="0"/>
+              <a:t>garbage</a:t>
+            </a:r>
+            <a:r>
+              <a:rPr lang="fr-CH" dirty="0" smtClean="0"/>
+              <a:t> collector)</a:t>
+            </a:r>
+          </a:p>
+          <a:p>
+            <a:pPr lvl="1"/>
+            <a:r>
+              <a:rPr lang="fr-CH" dirty="0" smtClean="0"/>
+              <a:t>Sauf si… ?</a:t>
             </a:r>
             <a:endParaRPr lang="fr-CH" dirty="0"/>
           </a:p>
@@ -16818,7 +16863,7 @@
     </p:spTree>
     <p:extLst>
       <p:ext uri="{BB962C8B-B14F-4D97-AF65-F5344CB8AC3E}">
-        <p14:creationId xmlns:p14="http://schemas.microsoft.com/office/powerpoint/2010/main" val="3167818479"/>
+        <p14:creationId xmlns:p14="http://schemas.microsoft.com/office/powerpoint/2010/main" val="877634655"/>
       </p:ext>
     </p:extLst>
   </p:cSld>
@@ -16866,7 +16911,7 @@
             </a:r>
             <a:r>
               <a:rPr lang="fr-CH" dirty="0" err="1" smtClean="0"/>
-              <a:t>revert</a:t>
+              <a:t>checkout</a:t>
             </a:r>
             <a:endParaRPr lang="fr-CH" dirty="0"/>
           </a:p>
@@ -16882,111 +16927,19 @@
             <p:ph idx="1"/>
           </p:nvPr>
         </p:nvSpPr>
-        <p:spPr/>
+        <p:spPr>
+          <a:xfrm>
+            <a:off x="950384" y="1951038"/>
+            <a:ext cx="10281992" cy="3543600"/>
+          </a:xfrm>
+        </p:spPr>
         <p:txBody>
           <a:bodyPr/>
           <a:lstStyle/>
           <a:p>
             <a:r>
-              <a:rPr lang="fr-CH" dirty="0">
-                <a:solidFill>
-                  <a:srgbClr val="FF0000"/>
-                </a:solidFill>
-              </a:rPr>
-              <a:t>Construit un nouveau commit </a:t>
-            </a:r>
-            <a:r>
-              <a:rPr lang="fr-CH" dirty="0"/>
-              <a:t>qui annule un commit antérieur. C’est l’opération </a:t>
-            </a:r>
-            <a:r>
-              <a:rPr lang="fr-CH" dirty="0" smtClean="0"/>
-              <a:t>à utiliser </a:t>
-            </a:r>
-            <a:r>
-              <a:rPr lang="fr-CH" dirty="0"/>
-              <a:t>pour faire disparaître explicitement un </a:t>
-            </a:r>
-            <a:r>
-              <a:rPr lang="fr-CH" dirty="0" smtClean="0"/>
-              <a:t>commit</a:t>
-            </a:r>
-          </a:p>
-          <a:p>
-            <a:pPr lvl="1"/>
-            <a:r>
-              <a:rPr lang="fr-CH" dirty="0"/>
-              <a:t>git </a:t>
-            </a:r>
-            <a:r>
-              <a:rPr lang="fr-CH" dirty="0" err="1"/>
-              <a:t>revert</a:t>
-            </a:r>
-            <a:r>
-              <a:rPr lang="fr-CH" dirty="0"/>
-              <a:t> {</a:t>
-            </a:r>
-            <a:r>
-              <a:rPr lang="fr-CH" dirty="0" err="1"/>
-              <a:t>shorthash</a:t>
-            </a:r>
-            <a:r>
-              <a:rPr lang="fr-CH" dirty="0" smtClean="0"/>
-              <a:t>}</a:t>
-            </a:r>
-          </a:p>
-          <a:p>
-            <a:r>
-              <a:rPr lang="fr-CH" dirty="0"/>
-              <a:t>Pour que la commande fonctionne, votre </a:t>
-            </a:r>
-            <a:r>
-              <a:rPr lang="fr-CH" dirty="0" err="1"/>
-              <a:t>staging</a:t>
-            </a:r>
-            <a:r>
-              <a:rPr lang="fr-CH" dirty="0"/>
-              <a:t> et votre environnement de </a:t>
-            </a:r>
-            <a:r>
-              <a:rPr lang="fr-CH" dirty="0" smtClean="0"/>
-              <a:t>travail ne </a:t>
-            </a:r>
-            <a:r>
-              <a:rPr lang="fr-CH" dirty="0"/>
-              <a:t>doivent pas contenir de modifications en </a:t>
-            </a:r>
-            <a:r>
-              <a:rPr lang="fr-CH" dirty="0" smtClean="0"/>
-              <a:t>cours</a:t>
-            </a:r>
-          </a:p>
-          <a:p>
-            <a:endParaRPr lang="fr-CH" dirty="0"/>
-          </a:p>
-          <a:p>
-            <a:endParaRPr lang="fr-CH" dirty="0" smtClean="0"/>
-          </a:p>
-          <a:p>
-            <a:r>
-              <a:rPr lang="fr-CH" dirty="0" smtClean="0"/>
-              <a:t>Faites un </a:t>
-            </a:r>
-            <a:r>
-              <a:rPr lang="fr-CH" dirty="0" err="1" smtClean="0"/>
-              <a:t>revert</a:t>
-            </a:r>
-            <a:r>
-              <a:rPr lang="fr-CH" dirty="0" smtClean="0"/>
-              <a:t> du commit «</a:t>
-            </a:r>
-            <a:r>
-              <a:rPr lang="fr-CH" dirty="0"/>
-              <a:t>Bilingue et adaptation du </a:t>
-            </a:r>
-            <a:r>
-              <a:rPr lang="fr-CH" dirty="0" smtClean="0"/>
-              <a:t>test»</a:t>
+              <a:rPr lang="fr-CH" dirty="0" smtClean="0"/>
+              <a:t>Créez une nouvelle branche à partir du commit «Simplification du test»</a:t>
             </a:r>
             <a:endParaRPr lang="fr-CH" dirty="0"/>
           </a:p>
@@ -16995,7 +16948,7 @@
     </p:spTree>
     <p:extLst>
       <p:ext uri="{BB962C8B-B14F-4D97-AF65-F5344CB8AC3E}">
-        <p14:creationId xmlns:p14="http://schemas.microsoft.com/office/powerpoint/2010/main" val="3538104851"/>
+        <p14:creationId xmlns:p14="http://schemas.microsoft.com/office/powerpoint/2010/main" val="3167818479"/>
       </p:ext>
     </p:extLst>
   </p:cSld>
@@ -17039,7 +16992,11 @@
           <a:p>
             <a:r>
               <a:rPr lang="fr-CH" dirty="0" smtClean="0"/>
-              <a:t>git reset</a:t>
+              <a:t>git </a:t>
+            </a:r>
+            <a:r>
+              <a:rPr lang="fr-CH" dirty="0" err="1" smtClean="0"/>
+              <a:t>revert</a:t>
             </a:r>
             <a:endParaRPr lang="fr-CH" dirty="0"/>
           </a:p>
@@ -17066,30 +17023,38 @@
                   <a:srgbClr val="FF0000"/>
                 </a:solidFill>
               </a:rPr>
-              <a:t>Reset permet de jouer sur l’historique</a:t>
+              <a:t>Construit un nouveau commit </a:t>
             </a:r>
             <a:r>
               <a:rPr lang="fr-CH" dirty="0"/>
-              <a:t>. Vous pouvez déplacer le HEAD de </a:t>
-            </a:r>
-            <a:r>
-              <a:rPr lang="fr-CH" dirty="0" smtClean="0"/>
-              <a:t>votre branche </a:t>
+              <a:t>qui annule un commit antérieur. C’est l’opération </a:t>
+            </a:r>
+            <a:r>
+              <a:rPr lang="fr-CH" dirty="0" smtClean="0"/>
+              <a:t>à utiliser </a:t>
             </a:r>
             <a:r>
               <a:rPr lang="fr-CH" dirty="0"/>
-              <a:t>active sur un commit antérieur.</a:t>
+              <a:t>pour faire disparaître explicitement un </a:t>
+            </a:r>
+            <a:r>
+              <a:rPr lang="fr-CH" dirty="0" smtClean="0"/>
+              <a:t>commit</a:t>
             </a:r>
           </a:p>
           <a:p>
             <a:pPr lvl="1"/>
             <a:r>
-              <a:rPr lang="fr-CH" dirty="0" smtClean="0"/>
+              <a:rPr lang="fr-CH" dirty="0"/>
               <a:t>git </a:t>
             </a:r>
             <a:r>
+              <a:rPr lang="fr-CH" dirty="0" err="1"/>
+              <a:t>revert</a:t>
+            </a:r>
+            <a:r>
               <a:rPr lang="fr-CH" dirty="0"/>
-              <a:t>reset {</a:t>
+              <a:t> {</a:t>
             </a:r>
             <a:r>
               <a:rPr lang="fr-CH" dirty="0" err="1"/>
@@ -17103,7 +17068,7 @@
           <a:p>
             <a:r>
               <a:rPr lang="fr-CH" dirty="0"/>
-              <a:t>Les changements sont remis en zone de </a:t>
+              <a:t>Pour que la commande fonctionne, votre </a:t>
             </a:r>
             <a:r>
               <a:rPr lang="fr-CH" dirty="0" err="1"/>
@@ -17111,15 +17076,47 @@
             </a:r>
             <a:r>
               <a:rPr lang="fr-CH" dirty="0"/>
-              <a:t>. Vous pouvez reconstruire pas à pas vos </a:t>
+              <a:t> et votre environnement de </a:t>
+            </a:r>
+            <a:r>
+              <a:rPr lang="fr-CH" dirty="0" smtClean="0"/>
+              <a:t>travail ne </a:t>
+            </a:r>
+            <a:r>
+              <a:rPr lang="fr-CH" dirty="0"/>
+              <a:t>doivent pas contenir de modifications en </a:t>
+            </a:r>
+            <a:r>
+              <a:rPr lang="fr-CH" dirty="0" smtClean="0"/>
+              <a:t>cours</a:t>
+            </a:r>
+          </a:p>
+          <a:p>
+            <a:endParaRPr lang="fr-CH" dirty="0"/>
+          </a:p>
+          <a:p>
+            <a:endParaRPr lang="fr-CH" dirty="0" smtClean="0"/>
+          </a:p>
+          <a:p>
+            <a:r>
+              <a:rPr lang="fr-CH" dirty="0" smtClean="0"/>
+              <a:t>Faites un </a:t>
             </a:r>
             <a:r>
               <a:rPr lang="fr-CH" dirty="0" err="1" smtClean="0"/>
-              <a:t>commits</a:t>
-            </a:r>
-            <a:r>
-              <a:rPr lang="fr-CH" dirty="0" smtClean="0"/>
-              <a:t>.</a:t>
+              <a:t>revert</a:t>
+            </a:r>
+            <a:r>
+              <a:rPr lang="fr-CH" dirty="0" smtClean="0"/>
+              <a:t> du commit «</a:t>
+            </a:r>
+            <a:r>
+              <a:rPr lang="fr-CH" dirty="0"/>
+              <a:t>Bilingue et adaptation du </a:t>
+            </a:r>
+            <a:r>
+              <a:rPr lang="fr-CH" dirty="0" smtClean="0"/>
+              <a:t>test»</a:t>
             </a:r>
             <a:endParaRPr lang="fr-CH" dirty="0"/>
           </a:p>
@@ -17128,7 +17125,7 @@
     </p:spTree>
     <p:extLst>
       <p:ext uri="{BB962C8B-B14F-4D97-AF65-F5344CB8AC3E}">
-        <p14:creationId xmlns:p14="http://schemas.microsoft.com/office/powerpoint/2010/main" val="3254708671"/>
+        <p14:creationId xmlns:p14="http://schemas.microsoft.com/office/powerpoint/2010/main" val="3538104851"/>
       </p:ext>
     </p:extLst>
   </p:cSld>
@@ -17282,7 +17279,7 @@
     </p:spTree>
     <p:extLst>
       <p:ext uri="{BB962C8B-B14F-4D97-AF65-F5344CB8AC3E}">
-        <p14:creationId xmlns:p14="http://schemas.microsoft.com/office/powerpoint/2010/main" val="1697854684"/>
+        <p14:creationId xmlns:p14="http://schemas.microsoft.com/office/powerpoint/2010/main" val="3934817676"/>
       </p:ext>
     </p:extLst>
   </p:cSld>
@@ -17348,6 +17345,139 @@
           <a:lstStyle/>
           <a:p>
             <a:r>
+              <a:rPr lang="fr-CH" dirty="0">
+                <a:solidFill>
+                  <a:srgbClr val="FF0000"/>
+                </a:solidFill>
+              </a:rPr>
+              <a:t>Reset permet de jouer sur l’historique</a:t>
+            </a:r>
+            <a:r>
+              <a:rPr lang="fr-CH" dirty="0"/>
+              <a:t>. Vous pouvez déplacer le HEAD de </a:t>
+            </a:r>
+            <a:r>
+              <a:rPr lang="fr-CH" dirty="0" smtClean="0"/>
+              <a:t>votre branche </a:t>
+            </a:r>
+            <a:r>
+              <a:rPr lang="fr-CH" dirty="0"/>
+              <a:t>active sur un commit antérieur.</a:t>
+            </a:r>
+          </a:p>
+          <a:p>
+            <a:pPr lvl="1"/>
+            <a:r>
+              <a:rPr lang="fr-CH" dirty="0" smtClean="0"/>
+              <a:t>git </a:t>
+            </a:r>
+            <a:r>
+              <a:rPr lang="fr-CH" dirty="0"/>
+              <a:t>reset {</a:t>
+            </a:r>
+            <a:r>
+              <a:rPr lang="fr-CH" dirty="0" err="1"/>
+              <a:t>shorthash</a:t>
+            </a:r>
+            <a:r>
+              <a:rPr lang="fr-CH" dirty="0" smtClean="0"/>
+              <a:t>}</a:t>
+            </a:r>
+          </a:p>
+          <a:p>
+            <a:r>
+              <a:rPr lang="fr-CH" dirty="0"/>
+              <a:t>Les changements sont remis en zone de </a:t>
+            </a:r>
+            <a:r>
+              <a:rPr lang="fr-CH" dirty="0" err="1"/>
+              <a:t>staging</a:t>
+            </a:r>
+            <a:r>
+              <a:rPr lang="fr-CH" dirty="0"/>
+              <a:t>. Vous pouvez reconstruire pas à pas vos </a:t>
+            </a:r>
+            <a:r>
+              <a:rPr lang="fr-CH" dirty="0" err="1" smtClean="0"/>
+              <a:t>commits</a:t>
+            </a:r>
+            <a:r>
+              <a:rPr lang="fr-CH" dirty="0" smtClean="0"/>
+              <a:t>.</a:t>
+            </a:r>
+            <a:endParaRPr lang="fr-CH" dirty="0"/>
+          </a:p>
+        </p:txBody>
+      </p:sp>
+    </p:spTree>
+    <p:extLst>
+      <p:ext uri="{BB962C8B-B14F-4D97-AF65-F5344CB8AC3E}">
+        <p14:creationId xmlns:p14="http://schemas.microsoft.com/office/powerpoint/2010/main" val="3254708671"/>
+      </p:ext>
+    </p:extLst>
+  </p:cSld>
+  <p:clrMapOvr>
+    <a:masterClrMapping/>
+  </p:clrMapOvr>
+</p:sld>
+</file>
+
+<file path=ppt/slides/slide31.xml><?xml version="1.0" encoding="utf-8"?>
+<p:sld xmlns:a="http://schemas.openxmlformats.org/drawingml/2006/main" xmlns:r="http://schemas.openxmlformats.org/officeDocument/2006/relationships" xmlns:p="http://schemas.openxmlformats.org/presentationml/2006/main">
+  <p:cSld>
+    <p:spTree>
+      <p:nvGrpSpPr>
+        <p:cNvPr id="1" name=""/>
+        <p:cNvGrpSpPr/>
+        <p:nvPr/>
+      </p:nvGrpSpPr>
+      <p:grpSpPr>
+        <a:xfrm>
+          <a:off x="0" y="0"/>
+          <a:ext cx="0" cy="0"/>
+          <a:chOff x="0" y="0"/>
+          <a:chExt cx="0" cy="0"/>
+        </a:xfrm>
+      </p:grpSpPr>
+      <p:sp>
+        <p:nvSpPr>
+          <p:cNvPr id="2" name="Titre 1"/>
+          <p:cNvSpPr>
+            <a:spLocks noGrp="1"/>
+          </p:cNvSpPr>
+          <p:nvPr>
+            <p:ph type="title"/>
+          </p:nvPr>
+        </p:nvSpPr>
+        <p:spPr/>
+        <p:txBody>
+          <a:bodyPr/>
+          <a:lstStyle/>
+          <a:p>
+            <a:r>
+              <a:rPr lang="fr-CH" dirty="0" smtClean="0"/>
+              <a:t>git reset</a:t>
+            </a:r>
+            <a:endParaRPr lang="fr-CH" dirty="0"/>
+          </a:p>
+        </p:txBody>
+      </p:sp>
+      <p:sp>
+        <p:nvSpPr>
+          <p:cNvPr id="3" name="Espace réservé du contenu 2"/>
+          <p:cNvSpPr>
+            <a:spLocks noGrp="1"/>
+          </p:cNvSpPr>
+          <p:nvPr>
+            <p:ph idx="1"/>
+          </p:nvPr>
+        </p:nvSpPr>
+        <p:spPr/>
+        <p:txBody>
+          <a:bodyPr/>
+          <a:lstStyle/>
+          <a:p>
+            <a:r>
               <a:rPr lang="fr-CH" dirty="0" smtClean="0"/>
               <a:t>Modifiez un fichier et </a:t>
             </a:r>
@@ -17470,7 +17600,7 @@
 </p:sld>
 </file>
 
-<file path=ppt/slides/slide31.xml><?xml version="1.0" encoding="utf-8"?>
+<file path=ppt/slides/slide32.xml><?xml version="1.0" encoding="utf-8"?>
 <p:sld xmlns:a="http://schemas.openxmlformats.org/drawingml/2006/main" xmlns:r="http://schemas.openxmlformats.org/officeDocument/2006/relationships" xmlns:p="http://schemas.openxmlformats.org/presentationml/2006/main">
   <p:cSld>
     <p:spTree>
@@ -17579,7 +17709,7 @@
 </p:sld>
 </file>
 
-<file path=ppt/slides/slide32.xml><?xml version="1.0" encoding="utf-8"?>
+<file path=ppt/slides/slide33.xml><?xml version="1.0" encoding="utf-8"?>
 <p:sld xmlns:a="http://schemas.openxmlformats.org/drawingml/2006/main" xmlns:r="http://schemas.openxmlformats.org/officeDocument/2006/relationships" xmlns:p="http://schemas.openxmlformats.org/presentationml/2006/main">
   <p:cSld>
     <p:spTree>
@@ -17697,7 +17827,7 @@
 </p:sld>
 </file>
 
-<file path=ppt/slides/slide33.xml><?xml version="1.0" encoding="utf-8"?>
+<file path=ppt/slides/slide34.xml><?xml version="1.0" encoding="utf-8"?>
 <p:sld xmlns:a="http://schemas.openxmlformats.org/drawingml/2006/main" xmlns:r="http://schemas.openxmlformats.org/officeDocument/2006/relationships" xmlns:p="http://schemas.openxmlformats.org/presentationml/2006/main">
   <p:cSld>
     <p:spTree>
@@ -17852,137 +17982,6 @@
 </p:sld>
 </file>
 
-<file path=ppt/slides/slide34.xml><?xml version="1.0" encoding="utf-8"?>
-<p:sld xmlns:a="http://schemas.openxmlformats.org/drawingml/2006/main" xmlns:r="http://schemas.openxmlformats.org/officeDocument/2006/relationships" xmlns:p="http://schemas.openxmlformats.org/presentationml/2006/main">
-  <p:cSld>
-    <p:spTree>
-      <p:nvGrpSpPr>
-        <p:cNvPr id="1" name=""/>
-        <p:cNvGrpSpPr/>
-        <p:nvPr/>
-      </p:nvGrpSpPr>
-      <p:grpSpPr>
-        <a:xfrm>
-          <a:off x="0" y="0"/>
-          <a:ext cx="0" cy="0"/>
-          <a:chOff x="0" y="0"/>
-          <a:chExt cx="0" cy="0"/>
-        </a:xfrm>
-      </p:grpSpPr>
-      <p:sp>
-        <p:nvSpPr>
-          <p:cNvPr id="2" name="Titre 1"/>
-          <p:cNvSpPr>
-            <a:spLocks noGrp="1"/>
-          </p:cNvSpPr>
-          <p:nvPr>
-            <p:ph type="title"/>
-          </p:nvPr>
-        </p:nvSpPr>
-        <p:spPr/>
-        <p:txBody>
-          <a:bodyPr/>
-          <a:lstStyle/>
-          <a:p>
-            <a:r>
-              <a:rPr lang="fr-CH" dirty="0" smtClean="0"/>
-              <a:t>git </a:t>
-            </a:r>
-            <a:r>
-              <a:rPr lang="fr-CH" dirty="0" err="1" smtClean="0"/>
-              <a:t>rebase</a:t>
-            </a:r>
-            <a:r>
-              <a:rPr lang="fr-CH" dirty="0" smtClean="0"/>
-              <a:t> -i</a:t>
-            </a:r>
-            <a:endParaRPr lang="fr-CH" dirty="0"/>
-          </a:p>
-        </p:txBody>
-      </p:sp>
-      <p:sp>
-        <p:nvSpPr>
-          <p:cNvPr id="3" name="Espace réservé du contenu 2"/>
-          <p:cNvSpPr>
-            <a:spLocks noGrp="1"/>
-          </p:cNvSpPr>
-          <p:nvPr>
-            <p:ph idx="1"/>
-          </p:nvPr>
-        </p:nvSpPr>
-        <p:spPr>
-          <a:xfrm>
-            <a:off x="950384" y="1572097"/>
-            <a:ext cx="10281992" cy="4367384"/>
-          </a:xfrm>
-        </p:spPr>
-        <p:txBody>
-          <a:bodyPr>
-            <a:normAutofit/>
-          </a:bodyPr>
-          <a:lstStyle/>
-          <a:p>
-            <a:r>
-              <a:rPr lang="fr-CH" dirty="0" smtClean="0"/>
-              <a:t>Essayez de séparer un commit en plusieurs </a:t>
-            </a:r>
-            <a:r>
-              <a:rPr lang="fr-CH" dirty="0" err="1" smtClean="0"/>
-              <a:t>commits</a:t>
-            </a:r>
-            <a:r>
-              <a:rPr lang="fr-CH" dirty="0" smtClean="0"/>
-              <a:t> (cas d’un commit trop gros ou mélange de deux correctifs)</a:t>
-            </a:r>
-            <a:endParaRPr lang="fr-CH" dirty="0"/>
-          </a:p>
-          <a:p>
-            <a:pPr lvl="1"/>
-            <a:r>
-              <a:rPr lang="fr-CH" dirty="0" smtClean="0"/>
-              <a:t>git </a:t>
-            </a:r>
-            <a:r>
-              <a:rPr lang="fr-CH" dirty="0" err="1" smtClean="0"/>
-              <a:t>rebase</a:t>
-            </a:r>
-            <a:r>
-              <a:rPr lang="fr-CH" dirty="0" smtClean="0"/>
-              <a:t>, git reset, git </a:t>
-            </a:r>
-            <a:r>
-              <a:rPr lang="fr-CH" dirty="0" err="1" smtClean="0"/>
-              <a:t>add</a:t>
-            </a:r>
-            <a:r>
-              <a:rPr lang="fr-CH" dirty="0" smtClean="0"/>
-              <a:t>, git commit</a:t>
-            </a:r>
-          </a:p>
-          <a:p>
-            <a:endParaRPr lang="fr-CH" dirty="0"/>
-          </a:p>
-          <a:p>
-            <a:endParaRPr lang="fr-CH" dirty="0" smtClean="0"/>
-          </a:p>
-          <a:p>
-            <a:endParaRPr lang="fr-CH" dirty="0" smtClean="0"/>
-          </a:p>
-        </p:txBody>
-      </p:sp>
-    </p:spTree>
-    <p:extLst>
-      <p:ext uri="{BB962C8B-B14F-4D97-AF65-F5344CB8AC3E}">
-        <p14:creationId xmlns:p14="http://schemas.microsoft.com/office/powerpoint/2010/main" val="1475944714"/>
-      </p:ext>
-    </p:extLst>
-  </p:cSld>
-  <p:clrMapOvr>
-    <a:masterClrMapping/>
-  </p:clrMapOvr>
-</p:sld>
-</file>
-
 <file path=ppt/slides/slide35.xml><?xml version="1.0" encoding="utf-8"?>
 <p:sld xmlns:a="http://schemas.openxmlformats.org/drawingml/2006/main" xmlns:r="http://schemas.openxmlformats.org/officeDocument/2006/relationships" xmlns:p="http://schemas.openxmlformats.org/presentationml/2006/main">
   <p:cSld>
@@ -18021,6 +18020,137 @@
             </a:r>
             <a:r>
               <a:rPr lang="fr-CH" dirty="0" err="1" smtClean="0"/>
+              <a:t>rebase</a:t>
+            </a:r>
+            <a:r>
+              <a:rPr lang="fr-CH" dirty="0" smtClean="0"/>
+              <a:t> -i</a:t>
+            </a:r>
+            <a:endParaRPr lang="fr-CH" dirty="0"/>
+          </a:p>
+        </p:txBody>
+      </p:sp>
+      <p:sp>
+        <p:nvSpPr>
+          <p:cNvPr id="3" name="Espace réservé du contenu 2"/>
+          <p:cNvSpPr>
+            <a:spLocks noGrp="1"/>
+          </p:cNvSpPr>
+          <p:nvPr>
+            <p:ph idx="1"/>
+          </p:nvPr>
+        </p:nvSpPr>
+        <p:spPr>
+          <a:xfrm>
+            <a:off x="950384" y="1572097"/>
+            <a:ext cx="10281992" cy="4367384"/>
+          </a:xfrm>
+        </p:spPr>
+        <p:txBody>
+          <a:bodyPr>
+            <a:normAutofit/>
+          </a:bodyPr>
+          <a:lstStyle/>
+          <a:p>
+            <a:r>
+              <a:rPr lang="fr-CH" dirty="0" smtClean="0"/>
+              <a:t>Essayez de séparer un commit en plusieurs </a:t>
+            </a:r>
+            <a:r>
+              <a:rPr lang="fr-CH" dirty="0" err="1" smtClean="0"/>
+              <a:t>commits</a:t>
+            </a:r>
+            <a:r>
+              <a:rPr lang="fr-CH" dirty="0" smtClean="0"/>
+              <a:t> (cas d’un commit trop gros ou mélange de deux correctifs)</a:t>
+            </a:r>
+            <a:endParaRPr lang="fr-CH" dirty="0"/>
+          </a:p>
+          <a:p>
+            <a:pPr lvl="1"/>
+            <a:r>
+              <a:rPr lang="fr-CH" dirty="0" smtClean="0"/>
+              <a:t>git </a:t>
+            </a:r>
+            <a:r>
+              <a:rPr lang="fr-CH" dirty="0" err="1" smtClean="0"/>
+              <a:t>rebase</a:t>
+            </a:r>
+            <a:r>
+              <a:rPr lang="fr-CH" dirty="0" smtClean="0"/>
+              <a:t>, git reset, git </a:t>
+            </a:r>
+            <a:r>
+              <a:rPr lang="fr-CH" dirty="0" err="1" smtClean="0"/>
+              <a:t>add</a:t>
+            </a:r>
+            <a:r>
+              <a:rPr lang="fr-CH" dirty="0" smtClean="0"/>
+              <a:t>, git commit</a:t>
+            </a:r>
+          </a:p>
+          <a:p>
+            <a:endParaRPr lang="fr-CH" dirty="0"/>
+          </a:p>
+          <a:p>
+            <a:endParaRPr lang="fr-CH" dirty="0" smtClean="0"/>
+          </a:p>
+          <a:p>
+            <a:endParaRPr lang="fr-CH" dirty="0" smtClean="0"/>
+          </a:p>
+        </p:txBody>
+      </p:sp>
+    </p:spTree>
+    <p:extLst>
+      <p:ext uri="{BB962C8B-B14F-4D97-AF65-F5344CB8AC3E}">
+        <p14:creationId xmlns:p14="http://schemas.microsoft.com/office/powerpoint/2010/main" val="1475944714"/>
+      </p:ext>
+    </p:extLst>
+  </p:cSld>
+  <p:clrMapOvr>
+    <a:masterClrMapping/>
+  </p:clrMapOvr>
+</p:sld>
+</file>
+
+<file path=ppt/slides/slide36.xml><?xml version="1.0" encoding="utf-8"?>
+<p:sld xmlns:a="http://schemas.openxmlformats.org/drawingml/2006/main" xmlns:r="http://schemas.openxmlformats.org/officeDocument/2006/relationships" xmlns:p="http://schemas.openxmlformats.org/presentationml/2006/main">
+  <p:cSld>
+    <p:spTree>
+      <p:nvGrpSpPr>
+        <p:cNvPr id="1" name=""/>
+        <p:cNvGrpSpPr/>
+        <p:nvPr/>
+      </p:nvGrpSpPr>
+      <p:grpSpPr>
+        <a:xfrm>
+          <a:off x="0" y="0"/>
+          <a:ext cx="0" cy="0"/>
+          <a:chOff x="0" y="0"/>
+          <a:chExt cx="0" cy="0"/>
+        </a:xfrm>
+      </p:grpSpPr>
+      <p:sp>
+        <p:nvSpPr>
+          <p:cNvPr id="2" name="Titre 1"/>
+          <p:cNvSpPr>
+            <a:spLocks noGrp="1"/>
+          </p:cNvSpPr>
+          <p:nvPr>
+            <p:ph type="title"/>
+          </p:nvPr>
+        </p:nvSpPr>
+        <p:spPr/>
+        <p:txBody>
+          <a:bodyPr/>
+          <a:lstStyle/>
+          <a:p>
+            <a:r>
+              <a:rPr lang="fr-CH" dirty="0" smtClean="0"/>
+              <a:t>git </a:t>
+            </a:r>
+            <a:r>
+              <a:rPr lang="fr-CH" dirty="0" err="1" smtClean="0"/>
               <a:t>filter-branch</a:t>
             </a:r>
             <a:endParaRPr lang="fr-CH" dirty="0"/>
@@ -18116,7 +18246,7 @@
 </p:sld>
 </file>
 
-<file path=ppt/slides/slide36.xml><?xml version="1.0" encoding="utf-8"?>
+<file path=ppt/slides/slide37.xml><?xml version="1.0" encoding="utf-8"?>
 <p:sld xmlns:a="http://schemas.openxmlformats.org/drawingml/2006/main" xmlns:r="http://schemas.openxmlformats.org/officeDocument/2006/relationships" xmlns:p="http://schemas.openxmlformats.org/presentationml/2006/main">
   <p:cSld>
     <p:spTree>
@@ -18215,7 +18345,7 @@
 </p:sld>
 </file>
 
-<file path=ppt/slides/slide37.xml><?xml version="1.0" encoding="utf-8"?>
+<file path=ppt/slides/slide38.xml><?xml version="1.0" encoding="utf-8"?>
 <p:sld xmlns:a="http://schemas.openxmlformats.org/drawingml/2006/main" xmlns:r="http://schemas.openxmlformats.org/officeDocument/2006/relationships" xmlns:p="http://schemas.openxmlformats.org/presentationml/2006/main">
   <p:cSld>
     <p:spTree>
@@ -18320,235 +18450,6 @@
 </p:sld>
 </file>
 
-<file path=ppt/slides/slide38.xml><?xml version="1.0" encoding="utf-8"?>
-<p:sld xmlns:a="http://schemas.openxmlformats.org/drawingml/2006/main" xmlns:r="http://schemas.openxmlformats.org/officeDocument/2006/relationships" xmlns:p="http://schemas.openxmlformats.org/presentationml/2006/main">
-  <p:cSld>
-    <p:spTree>
-      <p:nvGrpSpPr>
-        <p:cNvPr id="1" name=""/>
-        <p:cNvGrpSpPr/>
-        <p:nvPr/>
-      </p:nvGrpSpPr>
-      <p:grpSpPr>
-        <a:xfrm>
-          <a:off x="0" y="0"/>
-          <a:ext cx="0" cy="0"/>
-          <a:chOff x="0" y="0"/>
-          <a:chExt cx="0" cy="0"/>
-        </a:xfrm>
-      </p:grpSpPr>
-      <p:sp>
-        <p:nvSpPr>
-          <p:cNvPr id="2" name="Titre 1"/>
-          <p:cNvSpPr>
-            <a:spLocks noGrp="1"/>
-          </p:cNvSpPr>
-          <p:nvPr>
-            <p:ph type="title"/>
-          </p:nvPr>
-        </p:nvSpPr>
-        <p:spPr/>
-        <p:txBody>
-          <a:bodyPr/>
-          <a:lstStyle/>
-          <a:p>
-            <a:r>
-              <a:rPr lang="fr-CH" dirty="0" smtClean="0"/>
-              <a:t>Un </a:t>
-            </a:r>
-            <a:r>
-              <a:rPr lang="fr-CH" dirty="0" err="1" smtClean="0"/>
-              <a:t>hook</a:t>
-            </a:r>
-            <a:r>
-              <a:rPr lang="fr-CH" dirty="0" smtClean="0"/>
-              <a:t>, pourquoi faire ?</a:t>
-            </a:r>
-            <a:endParaRPr lang="fr-CH" dirty="0"/>
-          </a:p>
-        </p:txBody>
-      </p:sp>
-      <p:sp>
-        <p:nvSpPr>
-          <p:cNvPr id="3" name="Espace réservé du contenu 2"/>
-          <p:cNvSpPr>
-            <a:spLocks noGrp="1"/>
-          </p:cNvSpPr>
-          <p:nvPr>
-            <p:ph idx="1"/>
-          </p:nvPr>
-        </p:nvSpPr>
-        <p:spPr/>
-        <p:txBody>
-          <a:bodyPr>
-            <a:normAutofit fontScale="92500" lnSpcReduction="10000"/>
-          </a:bodyPr>
-          <a:lstStyle/>
-          <a:p>
-            <a:r>
-              <a:rPr lang="fr-CH" dirty="0"/>
-              <a:t>Un </a:t>
-            </a:r>
-            <a:r>
-              <a:rPr lang="fr-CH" dirty="0" err="1"/>
-              <a:t>hook</a:t>
-            </a:r>
-            <a:r>
-              <a:rPr lang="fr-CH" dirty="0"/>
-              <a:t> est un script qui s'exécute dès qu’un événement particulier se </a:t>
-            </a:r>
-            <a:r>
-              <a:rPr lang="fr-CH" dirty="0" smtClean="0"/>
-              <a:t>produit dans </a:t>
-            </a:r>
-            <a:r>
-              <a:rPr lang="fr-CH" dirty="0"/>
-              <a:t>un repo. </a:t>
-            </a:r>
-            <a:r>
-              <a:rPr lang="fr-CH" dirty="0" smtClean="0"/>
-              <a:t>git.</a:t>
-            </a:r>
-          </a:p>
-          <a:p>
-            <a:pPr lvl="1"/>
-            <a:r>
-              <a:rPr lang="fr-CH" dirty="0" smtClean="0"/>
-              <a:t>Dans </a:t>
-            </a:r>
-            <a:r>
-              <a:rPr lang="fr-CH" dirty="0" err="1"/>
-              <a:t>gitlab</a:t>
-            </a:r>
-            <a:r>
-              <a:rPr lang="fr-CH" dirty="0"/>
-              <a:t>, ce sont les </a:t>
-            </a:r>
-            <a:r>
-              <a:rPr lang="fr-CH" dirty="0" err="1"/>
-              <a:t>webhooks</a:t>
-            </a:r>
-            <a:r>
-              <a:rPr lang="fr-CH" dirty="0"/>
-              <a:t> qui sont responsables de lancer </a:t>
-            </a:r>
-            <a:r>
-              <a:rPr lang="fr-CH" dirty="0" smtClean="0"/>
-              <a:t>une action.</a:t>
-            </a:r>
-          </a:p>
-          <a:p>
-            <a:r>
-              <a:rPr lang="fr-CH" dirty="0"/>
-              <a:t>Cas d’utilisation :</a:t>
-            </a:r>
-          </a:p>
-          <a:p>
-            <a:pPr lvl="1"/>
-            <a:r>
-              <a:rPr lang="fr-CH" dirty="0" err="1" smtClean="0"/>
-              <a:t>hooks</a:t>
-            </a:r>
-            <a:r>
-              <a:rPr lang="fr-CH" dirty="0" smtClean="0"/>
-              <a:t> </a:t>
-            </a:r>
-            <a:r>
-              <a:rPr lang="fr-CH" dirty="0"/>
-              <a:t>côté serveur</a:t>
-            </a:r>
-          </a:p>
-          <a:p>
-            <a:pPr lvl="2"/>
-            <a:r>
-              <a:rPr lang="fr-CH" dirty="0" smtClean="0"/>
-              <a:t>mise </a:t>
-            </a:r>
-            <a:r>
-              <a:rPr lang="fr-CH" dirty="0"/>
-              <a:t>en place d’une stratégie de commit</a:t>
-            </a:r>
-          </a:p>
-          <a:p>
-            <a:pPr lvl="2"/>
-            <a:r>
-              <a:rPr lang="fr-CH" dirty="0" smtClean="0"/>
-              <a:t>workflows </a:t>
-            </a:r>
-            <a:r>
-              <a:rPr lang="fr-CH" dirty="0"/>
-              <a:t>d’intégration continue</a:t>
-            </a:r>
-          </a:p>
-          <a:p>
-            <a:pPr lvl="2"/>
-            <a:r>
-              <a:rPr lang="fr-CH" dirty="0" smtClean="0"/>
-              <a:t>publication </a:t>
-            </a:r>
-            <a:r>
-              <a:rPr lang="fr-CH" dirty="0"/>
-              <a:t>des notifications sur un </a:t>
-            </a:r>
-            <a:r>
-              <a:rPr lang="fr-CH" dirty="0" err="1"/>
-              <a:t>channel</a:t>
-            </a:r>
-            <a:r>
-              <a:rPr lang="fr-CH" dirty="0"/>
-              <a:t> </a:t>
-            </a:r>
-            <a:r>
-              <a:rPr lang="fr-CH" dirty="0" err="1" smtClean="0"/>
-              <a:t>Mattermost</a:t>
-            </a:r>
-            <a:endParaRPr lang="fr-CH" dirty="0"/>
-          </a:p>
-          <a:p>
-            <a:pPr lvl="1"/>
-            <a:r>
-              <a:rPr lang="fr-CH" dirty="0" err="1" smtClean="0"/>
-              <a:t>hooks</a:t>
-            </a:r>
-            <a:r>
-              <a:rPr lang="fr-CH" dirty="0" smtClean="0"/>
-              <a:t> </a:t>
-            </a:r>
-            <a:r>
-              <a:rPr lang="fr-CH" dirty="0"/>
-              <a:t>en </a:t>
-            </a:r>
-            <a:r>
-              <a:rPr lang="fr-CH" dirty="0" smtClean="0"/>
-              <a:t>local</a:t>
-            </a:r>
-          </a:p>
-          <a:p>
-            <a:pPr lvl="2"/>
-            <a:r>
-              <a:rPr lang="fr-CH" dirty="0" smtClean="0"/>
-              <a:t>script </a:t>
-            </a:r>
-            <a:r>
-              <a:rPr lang="fr-CH" dirty="0"/>
-              <a:t>spécifique</a:t>
-            </a:r>
-          </a:p>
-        </p:txBody>
-      </p:sp>
-    </p:spTree>
-    <p:extLst>
-      <p:ext uri="{BB962C8B-B14F-4D97-AF65-F5344CB8AC3E}">
-        <p14:creationId xmlns:p14="http://schemas.microsoft.com/office/powerpoint/2010/main" val="1332524225"/>
-      </p:ext>
-    </p:extLst>
-  </p:cSld>
-  <p:clrMapOvr>
-    <a:masterClrMapping/>
-  </p:clrMapOvr>
-</p:sld>
-</file>
-
 <file path=ppt/slides/slide39.xml><?xml version="1.0" encoding="utf-8"?>
 <p:sld xmlns:a="http://schemas.openxmlformats.org/drawingml/2006/main" xmlns:r="http://schemas.openxmlformats.org/officeDocument/2006/relationships" xmlns:p="http://schemas.openxmlformats.org/presentationml/2006/main">
   <p:cSld>
@@ -18582,6 +18483,389 @@
           <a:lstStyle/>
           <a:p>
             <a:r>
+              <a:rPr lang="fr-CH" dirty="0" smtClean="0"/>
+              <a:t>Un </a:t>
+            </a:r>
+            <a:r>
+              <a:rPr lang="fr-CH" dirty="0" err="1" smtClean="0"/>
+              <a:t>hook</a:t>
+            </a:r>
+            <a:r>
+              <a:rPr lang="fr-CH" dirty="0" smtClean="0"/>
+              <a:t>, pourquoi faire ?</a:t>
+            </a:r>
+            <a:endParaRPr lang="fr-CH" dirty="0"/>
+          </a:p>
+        </p:txBody>
+      </p:sp>
+      <p:sp>
+        <p:nvSpPr>
+          <p:cNvPr id="3" name="Espace réservé du contenu 2"/>
+          <p:cNvSpPr>
+            <a:spLocks noGrp="1"/>
+          </p:cNvSpPr>
+          <p:nvPr>
+            <p:ph idx="1"/>
+          </p:nvPr>
+        </p:nvSpPr>
+        <p:spPr/>
+        <p:txBody>
+          <a:bodyPr>
+            <a:normAutofit fontScale="92500" lnSpcReduction="10000"/>
+          </a:bodyPr>
+          <a:lstStyle/>
+          <a:p>
+            <a:r>
+              <a:rPr lang="fr-CH" dirty="0"/>
+              <a:t>Un </a:t>
+            </a:r>
+            <a:r>
+              <a:rPr lang="fr-CH" dirty="0" err="1"/>
+              <a:t>hook</a:t>
+            </a:r>
+            <a:r>
+              <a:rPr lang="fr-CH" dirty="0"/>
+              <a:t> est un script qui s'exécute dès qu’un événement particulier se </a:t>
+            </a:r>
+            <a:r>
+              <a:rPr lang="fr-CH" dirty="0" smtClean="0"/>
+              <a:t>produit dans </a:t>
+            </a:r>
+            <a:r>
+              <a:rPr lang="fr-CH" dirty="0"/>
+              <a:t>un repo. </a:t>
+            </a:r>
+            <a:r>
+              <a:rPr lang="fr-CH" dirty="0" smtClean="0"/>
+              <a:t>git.</a:t>
+            </a:r>
+          </a:p>
+          <a:p>
+            <a:pPr lvl="1"/>
+            <a:r>
+              <a:rPr lang="fr-CH" dirty="0" smtClean="0"/>
+              <a:t>Dans </a:t>
+            </a:r>
+            <a:r>
+              <a:rPr lang="fr-CH" dirty="0" err="1"/>
+              <a:t>gitlab</a:t>
+            </a:r>
+            <a:r>
+              <a:rPr lang="fr-CH" dirty="0"/>
+              <a:t>, ce sont les </a:t>
+            </a:r>
+            <a:r>
+              <a:rPr lang="fr-CH" dirty="0" err="1"/>
+              <a:t>webhooks</a:t>
+            </a:r>
+            <a:r>
+              <a:rPr lang="fr-CH" dirty="0"/>
+              <a:t> qui sont responsables de lancer </a:t>
+            </a:r>
+            <a:r>
+              <a:rPr lang="fr-CH" dirty="0" smtClean="0"/>
+              <a:t>une action.</a:t>
+            </a:r>
+          </a:p>
+          <a:p>
+            <a:r>
+              <a:rPr lang="fr-CH" dirty="0"/>
+              <a:t>Cas d’utilisation :</a:t>
+            </a:r>
+          </a:p>
+          <a:p>
+            <a:pPr lvl="1"/>
+            <a:r>
+              <a:rPr lang="fr-CH" dirty="0" err="1" smtClean="0"/>
+              <a:t>hooks</a:t>
+            </a:r>
+            <a:r>
+              <a:rPr lang="fr-CH" dirty="0" smtClean="0"/>
+              <a:t> </a:t>
+            </a:r>
+            <a:r>
+              <a:rPr lang="fr-CH" dirty="0"/>
+              <a:t>côté serveur</a:t>
+            </a:r>
+          </a:p>
+          <a:p>
+            <a:pPr lvl="2"/>
+            <a:r>
+              <a:rPr lang="fr-CH" dirty="0" smtClean="0"/>
+              <a:t>mise </a:t>
+            </a:r>
+            <a:r>
+              <a:rPr lang="fr-CH" dirty="0"/>
+              <a:t>en place d’une stratégie de commit</a:t>
+            </a:r>
+          </a:p>
+          <a:p>
+            <a:pPr lvl="2"/>
+            <a:r>
+              <a:rPr lang="fr-CH" dirty="0" smtClean="0"/>
+              <a:t>workflows </a:t>
+            </a:r>
+            <a:r>
+              <a:rPr lang="fr-CH" dirty="0"/>
+              <a:t>d’intégration continue</a:t>
+            </a:r>
+          </a:p>
+          <a:p>
+            <a:pPr lvl="2"/>
+            <a:r>
+              <a:rPr lang="fr-CH" dirty="0" smtClean="0"/>
+              <a:t>publication </a:t>
+            </a:r>
+            <a:r>
+              <a:rPr lang="fr-CH" dirty="0"/>
+              <a:t>des notifications sur un </a:t>
+            </a:r>
+            <a:r>
+              <a:rPr lang="fr-CH" dirty="0" err="1"/>
+              <a:t>channel</a:t>
+            </a:r>
+            <a:r>
+              <a:rPr lang="fr-CH" dirty="0"/>
+              <a:t> </a:t>
+            </a:r>
+            <a:r>
+              <a:rPr lang="fr-CH" dirty="0" err="1" smtClean="0"/>
+              <a:t>Mattermost</a:t>
+            </a:r>
+            <a:endParaRPr lang="fr-CH" dirty="0"/>
+          </a:p>
+          <a:p>
+            <a:pPr lvl="1"/>
+            <a:r>
+              <a:rPr lang="fr-CH" dirty="0" err="1" smtClean="0"/>
+              <a:t>hooks</a:t>
+            </a:r>
+            <a:r>
+              <a:rPr lang="fr-CH" dirty="0" smtClean="0"/>
+              <a:t> </a:t>
+            </a:r>
+            <a:r>
+              <a:rPr lang="fr-CH" dirty="0"/>
+              <a:t>en </a:t>
+            </a:r>
+            <a:r>
+              <a:rPr lang="fr-CH" dirty="0" smtClean="0"/>
+              <a:t>local</a:t>
+            </a:r>
+          </a:p>
+          <a:p>
+            <a:pPr lvl="2"/>
+            <a:r>
+              <a:rPr lang="fr-CH" dirty="0" smtClean="0"/>
+              <a:t>script </a:t>
+            </a:r>
+            <a:r>
+              <a:rPr lang="fr-CH" dirty="0"/>
+              <a:t>spécifique</a:t>
+            </a:r>
+          </a:p>
+        </p:txBody>
+      </p:sp>
+    </p:spTree>
+    <p:extLst>
+      <p:ext uri="{BB962C8B-B14F-4D97-AF65-F5344CB8AC3E}">
+        <p14:creationId xmlns:p14="http://schemas.microsoft.com/office/powerpoint/2010/main" val="1332524225"/>
+      </p:ext>
+    </p:extLst>
+  </p:cSld>
+  <p:clrMapOvr>
+    <a:masterClrMapping/>
+  </p:clrMapOvr>
+</p:sld>
+</file>
+
+<file path=ppt/slides/slide4.xml><?xml version="1.0" encoding="utf-8"?>
+<p:sld xmlns:a="http://schemas.openxmlformats.org/drawingml/2006/main" xmlns:r="http://schemas.openxmlformats.org/officeDocument/2006/relationships" xmlns:p="http://schemas.openxmlformats.org/presentationml/2006/main">
+  <p:cSld>
+    <p:spTree>
+      <p:nvGrpSpPr>
+        <p:cNvPr id="1" name=""/>
+        <p:cNvGrpSpPr/>
+        <p:nvPr/>
+      </p:nvGrpSpPr>
+      <p:grpSpPr>
+        <a:xfrm>
+          <a:off x="0" y="0"/>
+          <a:ext cx="0" cy="0"/>
+          <a:chOff x="0" y="0"/>
+          <a:chExt cx="0" cy="0"/>
+        </a:xfrm>
+      </p:grpSpPr>
+      <p:sp>
+        <p:nvSpPr>
+          <p:cNvPr id="2" name="Titre 1"/>
+          <p:cNvSpPr>
+            <a:spLocks noGrp="1"/>
+          </p:cNvSpPr>
+          <p:nvPr>
+            <p:ph type="title"/>
+          </p:nvPr>
+        </p:nvSpPr>
+        <p:spPr/>
+        <p:txBody>
+          <a:bodyPr/>
+          <a:lstStyle/>
+          <a:p>
+            <a:r>
+              <a:rPr lang="fr-FR" dirty="0" smtClean="0"/>
+              <a:t>L’architecture</a:t>
+            </a:r>
+            <a:endParaRPr lang="fr-CH" dirty="0"/>
+          </a:p>
+        </p:txBody>
+      </p:sp>
+      <p:sp>
+        <p:nvSpPr>
+          <p:cNvPr id="3" name="Espace réservé du contenu 2"/>
+          <p:cNvSpPr>
+            <a:spLocks noGrp="1"/>
+          </p:cNvSpPr>
+          <p:nvPr>
+            <p:ph idx="1"/>
+          </p:nvPr>
+        </p:nvSpPr>
+        <p:spPr>
+          <a:xfrm>
+            <a:off x="950384" y="1555242"/>
+            <a:ext cx="10281992" cy="3619041"/>
+          </a:xfrm>
+        </p:spPr>
+        <p:txBody>
+          <a:bodyPr>
+            <a:normAutofit/>
+          </a:bodyPr>
+          <a:lstStyle/>
+          <a:p>
+            <a:r>
+              <a:rPr lang="fr-FR" dirty="0" smtClean="0"/>
+              <a:t>Le répertoire .git contient toutes les informations nécessaire au fonctionnement du </a:t>
+            </a:r>
+            <a:r>
+              <a:rPr lang="fr-FR" dirty="0" err="1" smtClean="0"/>
+              <a:t>dépot</a:t>
+            </a:r>
+            <a:endParaRPr lang="fr-FR" dirty="0" smtClean="0"/>
+          </a:p>
+          <a:p>
+            <a:r>
+              <a:rPr lang="fr-FR" dirty="0" smtClean="0"/>
+              <a:t>Contient les répertoires suivants</a:t>
+            </a:r>
+          </a:p>
+          <a:p>
+            <a:pPr lvl="1"/>
+            <a:r>
+              <a:rPr lang="fr-FR" dirty="0" err="1" smtClean="0"/>
+              <a:t>Hooks</a:t>
+            </a:r>
+            <a:r>
+              <a:rPr lang="fr-FR" dirty="0" smtClean="0"/>
+              <a:t> -&gt; permet de stocker les scripts de </a:t>
+            </a:r>
+            <a:r>
+              <a:rPr lang="fr-FR" dirty="0" err="1" smtClean="0"/>
+              <a:t>hook</a:t>
+            </a:r>
+            <a:endParaRPr lang="fr-FR" dirty="0" smtClean="0"/>
+          </a:p>
+          <a:p>
+            <a:pPr lvl="1"/>
+            <a:r>
+              <a:rPr lang="fr-FR" dirty="0" smtClean="0"/>
+              <a:t>Logs -&gt; logs des différentes opérations effectuées avec git</a:t>
+            </a:r>
+          </a:p>
+          <a:p>
+            <a:pPr lvl="1"/>
+            <a:r>
+              <a:rPr lang="fr-FR" dirty="0" err="1" smtClean="0"/>
+              <a:t>Objects</a:t>
+            </a:r>
+            <a:r>
+              <a:rPr lang="fr-FR" dirty="0" smtClean="0"/>
+              <a:t> -&gt; contient (entre autre) les </a:t>
+            </a:r>
+            <a:r>
+              <a:rPr lang="fr-FR" dirty="0" err="1" smtClean="0"/>
+              <a:t>commits</a:t>
+            </a:r>
+            <a:endParaRPr lang="fr-FR" dirty="0" smtClean="0"/>
+          </a:p>
+          <a:p>
+            <a:pPr lvl="1"/>
+            <a:r>
+              <a:rPr lang="fr-FR" dirty="0" err="1" smtClean="0"/>
+              <a:t>Refs</a:t>
+            </a:r>
+            <a:r>
+              <a:rPr lang="fr-FR" dirty="0" smtClean="0"/>
+              <a:t> -&gt; contient les étiquettes  </a:t>
+            </a:r>
+          </a:p>
+          <a:p>
+            <a:r>
+              <a:rPr lang="fr-CH" dirty="0" smtClean="0"/>
+              <a:t>Le fonctionnement interne de git est basé que sur les </a:t>
+            </a:r>
+            <a:r>
+              <a:rPr lang="fr-CH" dirty="0" err="1" smtClean="0"/>
+              <a:t>objects</a:t>
+            </a:r>
+            <a:endParaRPr lang="fr-FR" dirty="0"/>
+          </a:p>
+        </p:txBody>
+      </p:sp>
+    </p:spTree>
+    <p:extLst>
+      <p:ext uri="{BB962C8B-B14F-4D97-AF65-F5344CB8AC3E}">
+        <p14:creationId xmlns:p14="http://schemas.microsoft.com/office/powerpoint/2010/main" val="1697854684"/>
+      </p:ext>
+    </p:extLst>
+  </p:cSld>
+  <p:clrMapOvr>
+    <a:masterClrMapping/>
+  </p:clrMapOvr>
+</p:sld>
+</file>
+
+<file path=ppt/slides/slide40.xml><?xml version="1.0" encoding="utf-8"?>
+<p:sld xmlns:a="http://schemas.openxmlformats.org/drawingml/2006/main" xmlns:r="http://schemas.openxmlformats.org/officeDocument/2006/relationships" xmlns:p="http://schemas.openxmlformats.org/presentationml/2006/main">
+  <p:cSld>
+    <p:spTree>
+      <p:nvGrpSpPr>
+        <p:cNvPr id="1" name=""/>
+        <p:cNvGrpSpPr/>
+        <p:nvPr/>
+      </p:nvGrpSpPr>
+      <p:grpSpPr>
+        <a:xfrm>
+          <a:off x="0" y="0"/>
+          <a:ext cx="0" cy="0"/>
+          <a:chOff x="0" y="0"/>
+          <a:chExt cx="0" cy="0"/>
+        </a:xfrm>
+      </p:grpSpPr>
+      <p:sp>
+        <p:nvSpPr>
+          <p:cNvPr id="2" name="Titre 1"/>
+          <p:cNvSpPr>
+            <a:spLocks noGrp="1"/>
+          </p:cNvSpPr>
+          <p:nvPr>
+            <p:ph type="title"/>
+          </p:nvPr>
+        </p:nvSpPr>
+        <p:spPr/>
+        <p:txBody>
+          <a:bodyPr/>
+          <a:lstStyle/>
+          <a:p>
+            <a:r>
               <a:rPr lang="fr-CH" b="1" dirty="0"/>
               <a:t>Les types de </a:t>
             </a:r>
@@ -18863,7 +19147,147 @@
 </p:sld>
 </file>
 
-<file path=ppt/slides/slide4.xml><?xml version="1.0" encoding="utf-8"?>
+<file path=ppt/slides/slide41.xml><?xml version="1.0" encoding="utf-8"?>
+<p:sld xmlns:a="http://schemas.openxmlformats.org/drawingml/2006/main" xmlns:r="http://schemas.openxmlformats.org/officeDocument/2006/relationships" xmlns:p="http://schemas.openxmlformats.org/presentationml/2006/main">
+  <p:cSld>
+    <p:spTree>
+      <p:nvGrpSpPr>
+        <p:cNvPr id="1" name=""/>
+        <p:cNvGrpSpPr/>
+        <p:nvPr/>
+      </p:nvGrpSpPr>
+      <p:grpSpPr>
+        <a:xfrm>
+          <a:off x="0" y="0"/>
+          <a:ext cx="0" cy="0"/>
+          <a:chOff x="0" y="0"/>
+          <a:chExt cx="0" cy="0"/>
+        </a:xfrm>
+      </p:grpSpPr>
+      <p:sp>
+        <p:nvSpPr>
+          <p:cNvPr id="2" name="Titre 1"/>
+          <p:cNvSpPr>
+            <a:spLocks noGrp="1"/>
+          </p:cNvSpPr>
+          <p:nvPr>
+            <p:ph type="title"/>
+          </p:nvPr>
+        </p:nvSpPr>
+        <p:spPr/>
+        <p:txBody>
+          <a:bodyPr/>
+          <a:lstStyle/>
+          <a:p>
+            <a:r>
+              <a:rPr lang="fr-CH" dirty="0" smtClean="0"/>
+              <a:t>Où sont les </a:t>
+            </a:r>
+            <a:r>
+              <a:rPr lang="fr-CH" dirty="0" err="1" smtClean="0"/>
+              <a:t>hooks</a:t>
+            </a:r>
+            <a:r>
+              <a:rPr lang="fr-CH" dirty="0" smtClean="0"/>
+              <a:t> ?</a:t>
+            </a:r>
+            <a:endParaRPr lang="fr-CH" dirty="0"/>
+          </a:p>
+        </p:txBody>
+      </p:sp>
+      <p:sp>
+        <p:nvSpPr>
+          <p:cNvPr id="3" name="Espace réservé du contenu 2"/>
+          <p:cNvSpPr>
+            <a:spLocks noGrp="1"/>
+          </p:cNvSpPr>
+          <p:nvPr>
+            <p:ph idx="1"/>
+          </p:nvPr>
+        </p:nvSpPr>
+        <p:spPr/>
+        <p:txBody>
+          <a:bodyPr/>
+          <a:lstStyle/>
+          <a:p>
+            <a:r>
+              <a:rPr lang="fr-CH" dirty="0" smtClean="0"/>
+              <a:t>Regarder les exemples de .git/</a:t>
+            </a:r>
+            <a:r>
+              <a:rPr lang="fr-CH" dirty="0" err="1" smtClean="0"/>
+              <a:t>hooks</a:t>
+            </a:r>
+            <a:endParaRPr lang="fr-CH" dirty="0" smtClean="0"/>
+          </a:p>
+          <a:p>
+            <a:pPr lvl="1"/>
+            <a:r>
+              <a:rPr lang="fr-CH" dirty="0" err="1" smtClean="0"/>
+              <a:t>Pre</a:t>
+            </a:r>
+            <a:r>
+              <a:rPr lang="fr-CH" dirty="0" smtClean="0"/>
+              <a:t>-commit : lancement de tests, …</a:t>
+            </a:r>
+          </a:p>
+          <a:p>
+            <a:pPr lvl="1"/>
+            <a:r>
+              <a:rPr lang="fr-CH" dirty="0" err="1" smtClean="0"/>
+              <a:t>Prepare</a:t>
+            </a:r>
+            <a:r>
+              <a:rPr lang="fr-CH" dirty="0" smtClean="0"/>
+              <a:t>-commit-message : modifier les messages de </a:t>
+            </a:r>
+            <a:r>
+              <a:rPr lang="fr-CH" dirty="0" err="1" smtClean="0"/>
+              <a:t>commits</a:t>
+            </a:r>
+            <a:r>
+              <a:rPr lang="fr-CH" dirty="0" smtClean="0"/>
+              <a:t> (préfixe en fonction du nom de la branche, …)</a:t>
+            </a:r>
+          </a:p>
+          <a:p>
+            <a:pPr lvl="1"/>
+            <a:r>
+              <a:rPr lang="fr-CH" dirty="0" smtClean="0"/>
+              <a:t>Commit-</a:t>
+            </a:r>
+            <a:r>
+              <a:rPr lang="fr-CH" dirty="0" err="1" smtClean="0"/>
+              <a:t>msg</a:t>
+            </a:r>
+            <a:r>
+              <a:rPr lang="fr-CH" dirty="0" smtClean="0"/>
+              <a:t> : vérification du message de commit, …</a:t>
+            </a:r>
+          </a:p>
+          <a:p>
+            <a:pPr lvl="1"/>
+            <a:r>
+              <a:rPr lang="fr-CH" dirty="0" smtClean="0"/>
+              <a:t>Post-commit : notifications, envoie de mail, …</a:t>
+            </a:r>
+          </a:p>
+        </p:txBody>
+      </p:sp>
+    </p:spTree>
+    <p:extLst>
+      <p:ext uri="{BB962C8B-B14F-4D97-AF65-F5344CB8AC3E}">
+        <p14:creationId xmlns:p14="http://schemas.microsoft.com/office/powerpoint/2010/main" val="1749906507"/>
+      </p:ext>
+    </p:extLst>
+  </p:cSld>
+  <p:clrMapOvr>
+    <a:masterClrMapping/>
+  </p:clrMapOvr>
+</p:sld>
+</file>
+
+<file path=ppt/slides/slide5.xml><?xml version="1.0" encoding="utf-8"?>
 <p:sld xmlns:a="http://schemas.openxmlformats.org/drawingml/2006/main" xmlns:r="http://schemas.openxmlformats.org/officeDocument/2006/relationships" xmlns:p="http://schemas.openxmlformats.org/presentationml/2006/main">
   <p:cSld>
     <p:spTree>
@@ -19007,147 +19431,7 @@
 </p:sld>
 </file>
 
-<file path=ppt/slides/slide40.xml><?xml version="1.0" encoding="utf-8"?>
-<p:sld xmlns:a="http://schemas.openxmlformats.org/drawingml/2006/main" xmlns:r="http://schemas.openxmlformats.org/officeDocument/2006/relationships" xmlns:p="http://schemas.openxmlformats.org/presentationml/2006/main">
-  <p:cSld>
-    <p:spTree>
-      <p:nvGrpSpPr>
-        <p:cNvPr id="1" name=""/>
-        <p:cNvGrpSpPr/>
-        <p:nvPr/>
-      </p:nvGrpSpPr>
-      <p:grpSpPr>
-        <a:xfrm>
-          <a:off x="0" y="0"/>
-          <a:ext cx="0" cy="0"/>
-          <a:chOff x="0" y="0"/>
-          <a:chExt cx="0" cy="0"/>
-        </a:xfrm>
-      </p:grpSpPr>
-      <p:sp>
-        <p:nvSpPr>
-          <p:cNvPr id="2" name="Titre 1"/>
-          <p:cNvSpPr>
-            <a:spLocks noGrp="1"/>
-          </p:cNvSpPr>
-          <p:nvPr>
-            <p:ph type="title"/>
-          </p:nvPr>
-        </p:nvSpPr>
-        <p:spPr/>
-        <p:txBody>
-          <a:bodyPr/>
-          <a:lstStyle/>
-          <a:p>
-            <a:r>
-              <a:rPr lang="fr-CH" dirty="0" smtClean="0"/>
-              <a:t>Où sont les </a:t>
-            </a:r>
-            <a:r>
-              <a:rPr lang="fr-CH" dirty="0" err="1" smtClean="0"/>
-              <a:t>hooks</a:t>
-            </a:r>
-            <a:r>
-              <a:rPr lang="fr-CH" dirty="0" smtClean="0"/>
-              <a:t> ?</a:t>
-            </a:r>
-            <a:endParaRPr lang="fr-CH" dirty="0"/>
-          </a:p>
-        </p:txBody>
-      </p:sp>
-      <p:sp>
-        <p:nvSpPr>
-          <p:cNvPr id="3" name="Espace réservé du contenu 2"/>
-          <p:cNvSpPr>
-            <a:spLocks noGrp="1"/>
-          </p:cNvSpPr>
-          <p:nvPr>
-            <p:ph idx="1"/>
-          </p:nvPr>
-        </p:nvSpPr>
-        <p:spPr/>
-        <p:txBody>
-          <a:bodyPr/>
-          <a:lstStyle/>
-          <a:p>
-            <a:r>
-              <a:rPr lang="fr-CH" dirty="0" smtClean="0"/>
-              <a:t>Regarder les exemples de .git/</a:t>
-            </a:r>
-            <a:r>
-              <a:rPr lang="fr-CH" dirty="0" err="1" smtClean="0"/>
-              <a:t>hooks</a:t>
-            </a:r>
-            <a:endParaRPr lang="fr-CH" dirty="0" smtClean="0"/>
-          </a:p>
-          <a:p>
-            <a:pPr lvl="1"/>
-            <a:r>
-              <a:rPr lang="fr-CH" dirty="0" err="1" smtClean="0"/>
-              <a:t>Pre</a:t>
-            </a:r>
-            <a:r>
-              <a:rPr lang="fr-CH" dirty="0" smtClean="0"/>
-              <a:t>-commit : lancement de tests, …</a:t>
-            </a:r>
-          </a:p>
-          <a:p>
-            <a:pPr lvl="1"/>
-            <a:r>
-              <a:rPr lang="fr-CH" dirty="0" err="1" smtClean="0"/>
-              <a:t>Prepare</a:t>
-            </a:r>
-            <a:r>
-              <a:rPr lang="fr-CH" dirty="0" smtClean="0"/>
-              <a:t>-commit-message : modifier les messages de </a:t>
-            </a:r>
-            <a:r>
-              <a:rPr lang="fr-CH" dirty="0" err="1" smtClean="0"/>
-              <a:t>commits</a:t>
-            </a:r>
-            <a:r>
-              <a:rPr lang="fr-CH" dirty="0" smtClean="0"/>
-              <a:t> (préfixe en fonction du nom de la branche, …)</a:t>
-            </a:r>
-          </a:p>
-          <a:p>
-            <a:pPr lvl="1"/>
-            <a:r>
-              <a:rPr lang="fr-CH" dirty="0" smtClean="0"/>
-              <a:t>Commit-</a:t>
-            </a:r>
-            <a:r>
-              <a:rPr lang="fr-CH" dirty="0" err="1" smtClean="0"/>
-              <a:t>msg</a:t>
-            </a:r>
-            <a:r>
-              <a:rPr lang="fr-CH" dirty="0" smtClean="0"/>
-              <a:t> : vérification du message de commit, …</a:t>
-            </a:r>
-          </a:p>
-          <a:p>
-            <a:pPr lvl="1"/>
-            <a:r>
-              <a:rPr lang="fr-CH" dirty="0" smtClean="0"/>
-              <a:t>Post-commit : notifications, envoie de mail, …</a:t>
-            </a:r>
-          </a:p>
-        </p:txBody>
-      </p:sp>
-    </p:spTree>
-    <p:extLst>
-      <p:ext uri="{BB962C8B-B14F-4D97-AF65-F5344CB8AC3E}">
-        <p14:creationId xmlns:p14="http://schemas.microsoft.com/office/powerpoint/2010/main" val="1749906507"/>
-      </p:ext>
-    </p:extLst>
-  </p:cSld>
-  <p:clrMapOvr>
-    <a:masterClrMapping/>
-  </p:clrMapOvr>
-</p:sld>
-</file>
-
-<file path=ppt/slides/slide5.xml><?xml version="1.0" encoding="utf-8"?>
+<file path=ppt/slides/slide6.xml><?xml version="1.0" encoding="utf-8"?>
 <p:sld xmlns:a="http://schemas.openxmlformats.org/drawingml/2006/main" xmlns:r="http://schemas.openxmlformats.org/officeDocument/2006/relationships" xmlns:p="http://schemas.openxmlformats.org/presentationml/2006/main">
   <p:cSld>
     <p:spTree>
@@ -19278,7 +19562,7 @@
 </p:sld>
 </file>
 
-<file path=ppt/slides/slide6.xml><?xml version="1.0" encoding="utf-8"?>
+<file path=ppt/slides/slide7.xml><?xml version="1.0" encoding="utf-8"?>
 <p:sld xmlns:a="http://schemas.openxmlformats.org/drawingml/2006/main" xmlns:r="http://schemas.openxmlformats.org/officeDocument/2006/relationships" xmlns:p="http://schemas.openxmlformats.org/presentationml/2006/main">
   <p:cSld>
     <p:spTree>
@@ -19378,7 +19662,7 @@
 </p:sld>
 </file>
 
-<file path=ppt/slides/slide7.xml><?xml version="1.0" encoding="utf-8"?>
+<file path=ppt/slides/slide8.xml><?xml version="1.0" encoding="utf-8"?>
 <p:sld xmlns:a="http://schemas.openxmlformats.org/drawingml/2006/main" xmlns:r="http://schemas.openxmlformats.org/officeDocument/2006/relationships" xmlns:p="http://schemas.openxmlformats.org/presentationml/2006/main">
   <p:cSld>
     <p:spTree>
@@ -19581,7 +19865,7 @@
 </p:sld>
 </file>
 
-<file path=ppt/slides/slide8.xml><?xml version="1.0" encoding="utf-8"?>
+<file path=ppt/slides/slide9.xml><?xml version="1.0" encoding="utf-8"?>
 <p:sld xmlns:a="http://schemas.openxmlformats.org/drawingml/2006/main" xmlns:r="http://schemas.openxmlformats.org/officeDocument/2006/relationships" xmlns:p="http://schemas.openxmlformats.org/presentationml/2006/main">
   <p:cSld>
     <p:spTree>
@@ -19773,227 +20057,6 @@
     <p:extLst>
       <p:ext uri="{BB962C8B-B14F-4D97-AF65-F5344CB8AC3E}">
         <p14:creationId xmlns:p14="http://schemas.microsoft.com/office/powerpoint/2010/main" val="2153305433"/>
-      </p:ext>
-    </p:extLst>
-  </p:cSld>
-  <p:clrMapOvr>
-    <a:masterClrMapping/>
-  </p:clrMapOvr>
-</p:sld>
-</file>
-
-<file path=ppt/slides/slide9.xml><?xml version="1.0" encoding="utf-8"?>
-<p:sld xmlns:a="http://schemas.openxmlformats.org/drawingml/2006/main" xmlns:r="http://schemas.openxmlformats.org/officeDocument/2006/relationships" xmlns:p="http://schemas.openxmlformats.org/presentationml/2006/main">
-  <p:cSld>
-    <p:spTree>
-      <p:nvGrpSpPr>
-        <p:cNvPr id="1" name=""/>
-        <p:cNvGrpSpPr/>
-        <p:nvPr/>
-      </p:nvGrpSpPr>
-      <p:grpSpPr>
-        <a:xfrm>
-          <a:off x="0" y="0"/>
-          <a:ext cx="0" cy="0"/>
-          <a:chOff x="0" y="0"/>
-          <a:chExt cx="0" cy="0"/>
-        </a:xfrm>
-      </p:grpSpPr>
-      <p:sp>
-        <p:nvSpPr>
-          <p:cNvPr id="2" name="Titre 1"/>
-          <p:cNvSpPr>
-            <a:spLocks noGrp="1"/>
-          </p:cNvSpPr>
-          <p:nvPr>
-            <p:ph type="title"/>
-          </p:nvPr>
-        </p:nvSpPr>
-        <p:spPr/>
-        <p:txBody>
-          <a:bodyPr/>
-          <a:lstStyle/>
-          <a:p>
-            <a:r>
-              <a:rPr lang="fr-FR" dirty="0" smtClean="0"/>
-              <a:t>Rapatrier les </a:t>
-            </a:r>
-            <a:r>
-              <a:rPr lang="fr-FR" dirty="0" err="1" smtClean="0"/>
-              <a:t>commits</a:t>
-            </a:r>
-            <a:r>
-              <a:rPr lang="fr-FR" dirty="0" smtClean="0"/>
-              <a:t> distants avec le </a:t>
-            </a:r>
-            <a:r>
-              <a:rPr lang="fr-FR" dirty="0" err="1" smtClean="0"/>
-              <a:t>rebase</a:t>
-            </a:r>
-            <a:endParaRPr lang="fr-CH" dirty="0"/>
-          </a:p>
-        </p:txBody>
-      </p:sp>
-      <p:sp>
-        <p:nvSpPr>
-          <p:cNvPr id="3" name="Espace réservé du contenu 2"/>
-          <p:cNvSpPr>
-            <a:spLocks noGrp="1"/>
-          </p:cNvSpPr>
-          <p:nvPr>
-            <p:ph idx="1"/>
-          </p:nvPr>
-        </p:nvSpPr>
-        <p:spPr/>
-        <p:txBody>
-          <a:bodyPr/>
-          <a:lstStyle/>
-          <a:p>
-            <a:r>
-              <a:rPr lang="fr-FR" dirty="0" smtClean="0"/>
-              <a:t>Mettre à jour ma branche locale avec un </a:t>
-            </a:r>
-            <a:r>
-              <a:rPr lang="fr-FR" dirty="0" err="1" smtClean="0"/>
-              <a:t>rebase</a:t>
-            </a:r>
-            <a:endParaRPr lang="fr-FR" dirty="0" smtClean="0"/>
-          </a:p>
-          <a:p>
-            <a:pPr lvl="1"/>
-            <a:r>
-              <a:rPr lang="fr-FR" dirty="0" smtClean="0"/>
-              <a:t>git </a:t>
-            </a:r>
-            <a:r>
-              <a:rPr lang="fr-FR" dirty="0" err="1" smtClean="0"/>
-              <a:t>checkout</a:t>
-            </a:r>
-            <a:r>
-              <a:rPr lang="fr-FR" dirty="0" smtClean="0"/>
-              <a:t> </a:t>
-            </a:r>
-            <a:r>
-              <a:rPr lang="fr-FR" dirty="0" err="1" smtClean="0"/>
-              <a:t>mabranche</a:t>
-            </a:r>
-            <a:r>
-              <a:rPr lang="fr-FR" dirty="0" smtClean="0"/>
-              <a:t> </a:t>
-            </a:r>
-          </a:p>
-          <a:p>
-            <a:pPr lvl="1"/>
-            <a:r>
-              <a:rPr lang="fr-FR" dirty="0"/>
-              <a:t>g</a:t>
-            </a:r>
-            <a:r>
-              <a:rPr lang="fr-FR" dirty="0" smtClean="0"/>
-              <a:t>it </a:t>
-            </a:r>
-            <a:r>
-              <a:rPr lang="fr-FR" dirty="0" err="1" smtClean="0"/>
-              <a:t>fetch</a:t>
-            </a:r>
-            <a:endParaRPr lang="fr-FR" dirty="0" smtClean="0"/>
-          </a:p>
-          <a:p>
-            <a:pPr lvl="1"/>
-            <a:r>
-              <a:rPr lang="fr-FR" dirty="0" smtClean="0"/>
-              <a:t>git </a:t>
-            </a:r>
-            <a:r>
-              <a:rPr lang="fr-FR" dirty="0" err="1" smtClean="0"/>
-              <a:t>rebase</a:t>
-            </a:r>
-            <a:r>
-              <a:rPr lang="fr-FR" dirty="0" smtClean="0"/>
-              <a:t> </a:t>
-            </a:r>
-            <a:r>
-              <a:rPr lang="fr-FR" dirty="0" err="1" smtClean="0"/>
-              <a:t>origin</a:t>
-            </a:r>
-            <a:r>
-              <a:rPr lang="fr-FR" dirty="0" smtClean="0"/>
-              <a:t> </a:t>
-            </a:r>
-            <a:r>
-              <a:rPr lang="fr-FR" dirty="0" err="1" smtClean="0"/>
-              <a:t>mabranche</a:t>
-            </a:r>
-            <a:endParaRPr lang="fr-FR" dirty="0" smtClean="0"/>
-          </a:p>
-          <a:p>
-            <a:pPr lvl="1"/>
-            <a:r>
-              <a:rPr lang="fr-FR" dirty="0" smtClean="0"/>
-              <a:t>En une commande: git pull --</a:t>
-            </a:r>
-            <a:r>
-              <a:rPr lang="fr-FR" dirty="0" err="1" smtClean="0"/>
-              <a:t>rebase</a:t>
-            </a:r>
-            <a:r>
-              <a:rPr lang="fr-FR" dirty="0" smtClean="0"/>
-              <a:t> </a:t>
-            </a:r>
-            <a:r>
-              <a:rPr lang="fr-FR" dirty="0" err="1" smtClean="0"/>
-              <a:t>origin</a:t>
-            </a:r>
-            <a:r>
-              <a:rPr lang="fr-FR" dirty="0" smtClean="0"/>
-              <a:t> </a:t>
-            </a:r>
-            <a:r>
-              <a:rPr lang="fr-FR" dirty="0" err="1" smtClean="0"/>
-              <a:t>mabranche</a:t>
-            </a:r>
-            <a:endParaRPr lang="fr-FR" dirty="0" smtClean="0"/>
-          </a:p>
-          <a:p>
-            <a:r>
-              <a:rPr lang="fr-FR" dirty="0" smtClean="0"/>
-              <a:t>Pas de réécriture de l’histoire</a:t>
-            </a:r>
-          </a:p>
-          <a:p>
-            <a:pPr lvl="1"/>
-            <a:r>
-              <a:rPr lang="fr-FR" dirty="0"/>
-              <a:t>g</a:t>
-            </a:r>
-            <a:r>
-              <a:rPr lang="fr-FR" dirty="0" smtClean="0"/>
-              <a:t>it push </a:t>
-            </a:r>
-            <a:r>
-              <a:rPr lang="fr-FR" dirty="0" err="1" smtClean="0"/>
-              <a:t>origin</a:t>
-            </a:r>
-            <a:r>
-              <a:rPr lang="fr-FR" dirty="0" smtClean="0"/>
-              <a:t> </a:t>
-            </a:r>
-            <a:r>
-              <a:rPr lang="fr-FR" dirty="0" err="1" smtClean="0"/>
-              <a:t>mabranche</a:t>
-            </a:r>
-            <a:endParaRPr lang="fr-FR" dirty="0" smtClean="0"/>
-          </a:p>
-          <a:p>
-            <a:pPr lvl="1"/>
-            <a:endParaRPr lang="fr-CH" dirty="0"/>
-          </a:p>
-        </p:txBody>
-      </p:sp>
-    </p:spTree>
-    <p:extLst>
-      <p:ext uri="{BB962C8B-B14F-4D97-AF65-F5344CB8AC3E}">
-        <p14:creationId xmlns:p14="http://schemas.microsoft.com/office/powerpoint/2010/main" val="1478987373"/>
       </p:ext>
     </p:extLst>
   </p:cSld>

--- a/Formation Git - avancée.pptx
+++ b/Formation Git - avancée.pptx
@@ -14,7 +14,7 @@
     <p:sldId id="300" r:id="rId2"/>
     <p:sldId id="283" r:id="rId3"/>
     <p:sldId id="284" r:id="rId4"/>
-    <p:sldId id="285" r:id="rId5"/>
+    <p:sldId id="301" r:id="rId5"/>
     <p:sldId id="286" r:id="rId6"/>
     <p:sldId id="287" r:id="rId7"/>
     <p:sldId id="288" r:id="rId8"/>
@@ -13154,7 +13154,6 @@
               <a:rPr lang="fr-CH" dirty="0"/>
               <a:t>Comprendre git pour l’utiliser encore mieux tous les jours</a:t>
             </a:r>
-            <a:endParaRPr lang="fr-CH" dirty="0"/>
           </a:p>
         </p:txBody>
       </p:sp>
@@ -18713,7 +18712,7 @@
           <a:p>
             <a:r>
               <a:rPr lang="fr-FR" dirty="0" smtClean="0"/>
-              <a:t>L’architecture</a:t>
+              <a:t>Les objets</a:t>
             </a:r>
             <a:endParaRPr lang="fr-CH" dirty="0"/>
           </a:p>
@@ -18731,99 +18730,179 @@
         </p:nvSpPr>
         <p:spPr>
           <a:xfrm>
-            <a:off x="950384" y="1555242"/>
-            <a:ext cx="10281992" cy="3619041"/>
+            <a:off x="950385" y="1211855"/>
+            <a:ext cx="10281992" cy="4825388"/>
           </a:xfrm>
         </p:spPr>
         <p:txBody>
           <a:bodyPr>
-            <a:normAutofit/>
+            <a:normAutofit fontScale="85000" lnSpcReduction="10000"/>
           </a:bodyPr>
           <a:lstStyle/>
           <a:p>
             <a:r>
               <a:rPr lang="fr-FR" dirty="0" smtClean="0"/>
-              <a:t>Le répertoire .git contient toutes les informations nécessaire au fonctionnement du </a:t>
-            </a:r>
+              <a:t>4 types</a:t>
+            </a:r>
+          </a:p>
+          <a:p>
+            <a:pPr lvl="1"/>
+            <a:r>
+              <a:rPr lang="fr-FR" dirty="0" smtClean="0"/>
+              <a:t>Commit</a:t>
+            </a:r>
+          </a:p>
+          <a:p>
+            <a:pPr lvl="1"/>
             <a:r>
               <a:rPr lang="fr-FR" dirty="0" err="1" smtClean="0"/>
-              <a:t>dépot</a:t>
-            </a:r>
+              <a:t>Tree</a:t>
+            </a:r>
+            <a:r>
+              <a:rPr lang="fr-FR" dirty="0" smtClean="0"/>
+              <a:t> -&gt; représente les répertoires</a:t>
+            </a:r>
+          </a:p>
+          <a:p>
+            <a:pPr lvl="1"/>
+            <a:r>
+              <a:rPr lang="fr-FR" dirty="0" smtClean="0"/>
+              <a:t>Blob -&gt; contient le contenu des fichiers</a:t>
+            </a:r>
+          </a:p>
+          <a:p>
+            <a:pPr lvl="1"/>
+            <a:r>
+              <a:rPr lang="fr-FR" dirty="0" smtClean="0"/>
+              <a:t>Tag -&gt; Permet de tagguer un commit</a:t>
+            </a:r>
+          </a:p>
+          <a:p>
+            <a:r>
+              <a:rPr lang="fr-FR" dirty="0"/>
+              <a:t>Chaque type d’objet contient au minimum: type, taille et </a:t>
+            </a:r>
+            <a:r>
+              <a:rPr lang="fr-FR" dirty="0" smtClean="0"/>
+              <a:t>contenu</a:t>
+            </a:r>
+          </a:p>
+          <a:p>
+            <a:r>
+              <a:rPr lang="fr-FR" dirty="0" smtClean="0"/>
+              <a:t>Tous les objets sont signé </a:t>
+            </a:r>
+            <a:r>
+              <a:rPr lang="fr-FR" dirty="0"/>
+              <a:t>par la fonction de </a:t>
+            </a:r>
+            <a:r>
+              <a:rPr lang="fr-FR" dirty="0" err="1"/>
+              <a:t>hashage</a:t>
+            </a:r>
+            <a:r>
+              <a:rPr lang="fr-FR" dirty="0"/>
+              <a:t> SHA-1</a:t>
+            </a:r>
+            <a:r>
+              <a:rPr lang="fr-FR" dirty="0" smtClean="0"/>
+              <a:t> se basant sur le contenu de l’objet</a:t>
+            </a:r>
+          </a:p>
+          <a:p>
+            <a:pPr lvl="1"/>
+            <a:r>
+              <a:rPr lang="fr-FR" dirty="0" smtClean="0"/>
+              <a:t>git </a:t>
+            </a:r>
+            <a:r>
+              <a:rPr lang="fr-FR" dirty="0"/>
+              <a:t>hash-</a:t>
+            </a:r>
+            <a:r>
+              <a:rPr lang="fr-FR" dirty="0" err="1"/>
+              <a:t>object</a:t>
+            </a:r>
+            <a:r>
+              <a:rPr lang="fr-FR" dirty="0"/>
+              <a:t> </a:t>
+            </a:r>
+            <a:r>
+              <a:rPr lang="fr-FR" dirty="0" smtClean="0"/>
+              <a:t>&lt;</a:t>
+            </a:r>
+            <a:r>
+              <a:rPr lang="fr-FR" dirty="0" err="1" smtClean="0"/>
+              <a:t>object-name</a:t>
+            </a:r>
+            <a:r>
+              <a:rPr lang="fr-FR" dirty="0" smtClean="0"/>
+              <a:t>&gt;</a:t>
+            </a:r>
+          </a:p>
+          <a:p>
+            <a:pPr lvl="1"/>
+            <a:r>
+              <a:rPr lang="fr-FR" dirty="0"/>
+              <a:t>Hash unique (chance de collision très faible</a:t>
+            </a:r>
+            <a:r>
+              <a:rPr lang="fr-FR" dirty="0" smtClean="0"/>
+              <a:t>)</a:t>
+            </a:r>
+          </a:p>
+          <a:p>
+            <a:pPr lvl="1"/>
+            <a:r>
+              <a:rPr lang="fr-FR" dirty="0" smtClean="0"/>
+              <a:t>Identité: permet de synchroniser les </a:t>
+            </a:r>
+            <a:r>
+              <a:rPr lang="fr-FR" dirty="0" err="1" smtClean="0"/>
+              <a:t>dépots</a:t>
+            </a:r>
+            <a:r>
+              <a:rPr lang="fr-FR" dirty="0" smtClean="0"/>
+              <a:t> entre eux</a:t>
+            </a:r>
+          </a:p>
+          <a:p>
+            <a:pPr lvl="1"/>
+            <a:r>
+              <a:rPr lang="fr-FR" dirty="0" smtClean="0"/>
+              <a:t>Intégrité</a:t>
+            </a:r>
+          </a:p>
+          <a:p>
+            <a:r>
+              <a:rPr lang="fr-FR" dirty="0" smtClean="0"/>
+              <a:t>Les objets sont immuables</a:t>
+            </a:r>
+          </a:p>
+          <a:p>
+            <a:r>
+              <a:rPr lang="fr-FR" dirty="0" smtClean="0"/>
+              <a:t>Ces objets sont liés entre eux sous forme d’un arbre dont la racine est un commit</a:t>
+            </a:r>
+          </a:p>
+          <a:p>
             <a:endParaRPr lang="fr-FR" dirty="0" smtClean="0"/>
           </a:p>
           <a:p>
-            <a:r>
-              <a:rPr lang="fr-FR" dirty="0" smtClean="0"/>
-              <a:t>Contient les répertoires suivants</a:t>
-            </a:r>
-          </a:p>
-          <a:p>
-            <a:pPr lvl="1"/>
-            <a:r>
-              <a:rPr lang="fr-FR" dirty="0" err="1" smtClean="0"/>
-              <a:t>Hooks</a:t>
-            </a:r>
-            <a:r>
-              <a:rPr lang="fr-FR" dirty="0" smtClean="0"/>
-              <a:t> -&gt; permet de stocker les scripts de </a:t>
-            </a:r>
-            <a:r>
-              <a:rPr lang="fr-FR" dirty="0" err="1" smtClean="0"/>
-              <a:t>hook</a:t>
-            </a:r>
             <a:endParaRPr lang="fr-FR" dirty="0" smtClean="0"/>
           </a:p>
           <a:p>
-            <a:pPr lvl="1"/>
-            <a:r>
-              <a:rPr lang="fr-FR" dirty="0" smtClean="0"/>
-              <a:t>Logs -&gt; logs des différentes opérations effectuées avec git</a:t>
-            </a:r>
-          </a:p>
-          <a:p>
-            <a:pPr lvl="1"/>
-            <a:r>
-              <a:rPr lang="fr-FR" dirty="0" err="1" smtClean="0"/>
-              <a:t>Objects</a:t>
-            </a:r>
-            <a:r>
-              <a:rPr lang="fr-FR" dirty="0" smtClean="0"/>
-              <a:t> -&gt; contient (entre autre) les </a:t>
-            </a:r>
-            <a:r>
-              <a:rPr lang="fr-FR" dirty="0" err="1" smtClean="0"/>
-              <a:t>commits</a:t>
-            </a:r>
-            <a:endParaRPr lang="fr-FR" dirty="0" smtClean="0"/>
-          </a:p>
-          <a:p>
-            <a:pPr lvl="1"/>
-            <a:r>
-              <a:rPr lang="fr-FR" dirty="0" err="1" smtClean="0"/>
-              <a:t>Refs</a:t>
-            </a:r>
-            <a:r>
-              <a:rPr lang="fr-FR" dirty="0" smtClean="0"/>
-              <a:t> -&gt; contient les étiquettes  </a:t>
-            </a:r>
-          </a:p>
-          <a:p>
-            <a:r>
-              <a:rPr lang="fr-CH" dirty="0" smtClean="0"/>
-              <a:t>Le fonctionnement interne de git est basé que sur les </a:t>
-            </a:r>
-            <a:r>
-              <a:rPr lang="fr-CH" dirty="0" err="1" smtClean="0"/>
-              <a:t>objects</a:t>
-            </a:r>
-            <a:endParaRPr lang="fr-FR" dirty="0"/>
+            <a:pPr marL="80962" indent="0">
+              <a:buNone/>
+            </a:pPr>
+            <a:endParaRPr lang="fr-CH" dirty="0"/>
           </a:p>
         </p:txBody>
       </p:sp>
     </p:spTree>
     <p:extLst>
       <p:ext uri="{BB962C8B-B14F-4D97-AF65-F5344CB8AC3E}">
-        <p14:creationId xmlns:p14="http://schemas.microsoft.com/office/powerpoint/2010/main" val="1697854684"/>
+        <p14:creationId xmlns:p14="http://schemas.microsoft.com/office/powerpoint/2010/main" val="1841240301"/>
       </p:ext>
     </p:extLst>
   </p:cSld>
@@ -19599,8 +19678,12 @@
               <a:t>Rebase</a:t>
             </a:r>
             <a:r>
-              <a:rPr lang="fr-FR" dirty="0" smtClean="0"/>
-              <a:t> non interactif</a:t>
+              <a:rPr lang="fr-FR" smtClean="0"/>
+              <a:t> </a:t>
+            </a:r>
+            <a:r>
+              <a:rPr lang="fr-FR" smtClean="0"/>
+              <a:t>(non interactif)</a:t>
             </a:r>
             <a:endParaRPr lang="fr-CH" dirty="0"/>
           </a:p>

--- a/Formation Git - avancée.pptx
+++ b/Formation Git - avancée.pptx
@@ -152,10 +152,10 @@
   </p:defaultTextStyle>
   <p:extLst>
     <p:ext uri="{EFAFB233-063F-42B5-8137-9DF3F51BA10A}">
-      <p15:sldGuideLst xmlns:p15="http://schemas.microsoft.com/office/powerpoint/2012/main"/>
+      <p15:sldGuideLst xmlns:p15="http://schemas.microsoft.com/office/powerpoint/2012/main" xmlns=""/>
     </p:ext>
     <p:ext uri="{2D200454-40CA-4A62-9FC3-DE9A4176ACB9}">
-      <p15:notesGuideLst xmlns:p15="http://schemas.microsoft.com/office/powerpoint/2012/main"/>
+      <p15:notesGuideLst xmlns:p15="http://schemas.microsoft.com/office/powerpoint/2012/main" xmlns=""/>
     </p:ext>
   </p:extLst>
 </p:presentation>
@@ -243,6 +243,7 @@
           <a:p>
             <a:fld id="{449DC8A8-9D6D-4066-B279-13D21DC43A8D}" type="datetimeFigureOut">
               <a:rPr lang="fr-CH" smtClean="0"/>
+              <a:pPr/>
               <a:t>28.05.2019</a:t>
             </a:fld>
             <a:endParaRPr lang="fr-CH"/>
@@ -309,6 +310,7 @@
           <a:p>
             <a:fld id="{786FD8E9-2030-4235-A0D7-AA34E7CC7E34}" type="slidenum">
               <a:rPr lang="fr-CH" smtClean="0"/>
+              <a:pPr/>
               <a:t>‹N°›</a:t>
             </a:fld>
             <a:endParaRPr lang="fr-CH"/>
@@ -318,7 +320,7 @@
     </p:spTree>
     <p:extLst>
       <p:ext uri="{BB962C8B-B14F-4D97-AF65-F5344CB8AC3E}">
-        <p14:creationId xmlns:p14="http://schemas.microsoft.com/office/powerpoint/2010/main" val="937980441"/>
+        <p14:creationId xmlns:p14="http://schemas.microsoft.com/office/powerpoint/2010/main" xmlns="" val="937980441"/>
       </p:ext>
     </p:extLst>
   </p:cSld>
@@ -408,6 +410,7 @@
           <a:p>
             <a:fld id="{8E4BFDFC-3DF2-4B3C-BA9C-D67E7E12A90E}" type="datetimeFigureOut">
               <a:rPr lang="fr-CH" smtClean="0"/>
+              <a:pPr/>
               <a:t>28.05.2019</a:t>
             </a:fld>
             <a:endParaRPr lang="fr-CH"/>
@@ -567,6 +570,7 @@
           <a:p>
             <a:fld id="{64DAEC2F-FA44-4924-A2CC-31F29D56FF6E}" type="slidenum">
               <a:rPr lang="fr-CH" smtClean="0"/>
+              <a:pPr/>
               <a:t>‹N°›</a:t>
             </a:fld>
             <a:endParaRPr lang="fr-CH"/>
@@ -576,7 +580,7 @@
     </p:spTree>
     <p:extLst>
       <p:ext uri="{BB962C8B-B14F-4D97-AF65-F5344CB8AC3E}">
-        <p14:creationId xmlns:p14="http://schemas.microsoft.com/office/powerpoint/2010/main" val="645938648"/>
+        <p14:creationId xmlns:p14="http://schemas.microsoft.com/office/powerpoint/2010/main" xmlns="" val="645938648"/>
       </p:ext>
     </p:extLst>
   </p:cSld>
@@ -682,7 +686,7 @@
     <p:bg>
       <p:bgPr>
         <a:blipFill rotWithShape="1">
-          <a:blip r:embed="rId2"/>
+          <a:blip r:embed="rId2" cstate="print"/>
           <a:stretch>
             <a:fillRect/>
           </a:stretch>
@@ -744,7 +748,7 @@
     </p:spTree>
     <p:extLst>
       <p:ext uri="{BB962C8B-B14F-4D97-AF65-F5344CB8AC3E}">
-        <p14:creationId xmlns:p14="http://schemas.microsoft.com/office/powerpoint/2010/main" val="3141630914"/>
+        <p14:creationId xmlns:p14="http://schemas.microsoft.com/office/powerpoint/2010/main" xmlns="" val="3141630914"/>
       </p:ext>
     </p:extLst>
   </p:cSld>
@@ -1028,7 +1032,7 @@
     </p:spTree>
     <p:extLst>
       <p:ext uri="{BB962C8B-B14F-4D97-AF65-F5344CB8AC3E}">
-        <p14:creationId xmlns:p14="http://schemas.microsoft.com/office/powerpoint/2010/main" val="227954529"/>
+        <p14:creationId xmlns:p14="http://schemas.microsoft.com/office/powerpoint/2010/main" xmlns="" val="227954529"/>
       </p:ext>
     </p:extLst>
   </p:cSld>
@@ -1446,7 +1450,7 @@
     </p:spTree>
     <p:extLst>
       <p:ext uri="{BB962C8B-B14F-4D97-AF65-F5344CB8AC3E}">
-        <p14:creationId xmlns:p14="http://schemas.microsoft.com/office/powerpoint/2010/main" val="893589608"/>
+        <p14:creationId xmlns:p14="http://schemas.microsoft.com/office/powerpoint/2010/main" xmlns="" val="893589608"/>
       </p:ext>
     </p:extLst>
   </p:cSld>
@@ -1692,7 +1696,7 @@
     </p:spTree>
     <p:extLst>
       <p:ext uri="{BB962C8B-B14F-4D97-AF65-F5344CB8AC3E}">
-        <p14:creationId xmlns:p14="http://schemas.microsoft.com/office/powerpoint/2010/main" val="2169104782"/>
+        <p14:creationId xmlns:p14="http://schemas.microsoft.com/office/powerpoint/2010/main" xmlns="" val="2169104782"/>
       </p:ext>
     </p:extLst>
   </p:cSld>
@@ -1708,7 +1712,7 @@
     <p:bg>
       <p:bgPr>
         <a:blipFill rotWithShape="1">
-          <a:blip r:embed="rId2"/>
+          <a:blip r:embed="rId2" cstate="print"/>
           <a:stretch>
             <a:fillRect/>
           </a:stretch>
@@ -2109,7 +2113,7 @@
     </p:spTree>
     <p:extLst>
       <p:ext uri="{BB962C8B-B14F-4D97-AF65-F5344CB8AC3E}">
-        <p14:creationId xmlns:p14="http://schemas.microsoft.com/office/powerpoint/2010/main" val="639955310"/>
+        <p14:creationId xmlns:p14="http://schemas.microsoft.com/office/powerpoint/2010/main" xmlns="" val="639955310"/>
       </p:ext>
     </p:extLst>
   </p:cSld>
@@ -2125,7 +2129,7 @@
     <p:bg>
       <p:bgPr>
         <a:blipFill rotWithShape="1">
-          <a:blip r:embed="rId2"/>
+          <a:blip r:embed="rId2" cstate="print"/>
           <a:stretch>
             <a:fillRect/>
           </a:stretch>
@@ -2534,7 +2538,7 @@
     </p:spTree>
     <p:extLst>
       <p:ext uri="{BB962C8B-B14F-4D97-AF65-F5344CB8AC3E}">
-        <p14:creationId xmlns:p14="http://schemas.microsoft.com/office/powerpoint/2010/main" val="2675834129"/>
+        <p14:creationId xmlns:p14="http://schemas.microsoft.com/office/powerpoint/2010/main" xmlns="" val="2675834129"/>
       </p:ext>
     </p:extLst>
   </p:cSld>
@@ -2550,7 +2554,7 @@
     <p:bg>
       <p:bgPr>
         <a:blipFill rotWithShape="1">
-          <a:blip r:embed="rId2"/>
+          <a:blip r:embed="rId2" cstate="print"/>
           <a:stretch>
             <a:fillRect/>
           </a:stretch>
@@ -2823,7 +2827,7 @@
     </p:spTree>
     <p:extLst>
       <p:ext uri="{BB962C8B-B14F-4D97-AF65-F5344CB8AC3E}">
-        <p14:creationId xmlns:p14="http://schemas.microsoft.com/office/powerpoint/2010/main" val="4166925201"/>
+        <p14:creationId xmlns:p14="http://schemas.microsoft.com/office/powerpoint/2010/main" xmlns="" val="4166925201"/>
       </p:ext>
     </p:extLst>
   </p:cSld>
@@ -2839,7 +2843,7 @@
     <p:bg>
       <p:bgPr>
         <a:blipFill rotWithShape="1">
-          <a:blip r:embed="rId2"/>
+          <a:blip r:embed="rId2" cstate="print"/>
           <a:stretch>
             <a:fillRect/>
           </a:stretch>
@@ -3307,7 +3311,7 @@
     </p:spTree>
     <p:extLst>
       <p:ext uri="{BB962C8B-B14F-4D97-AF65-F5344CB8AC3E}">
-        <p14:creationId xmlns:p14="http://schemas.microsoft.com/office/powerpoint/2010/main" val="1005974000"/>
+        <p14:creationId xmlns:p14="http://schemas.microsoft.com/office/powerpoint/2010/main" xmlns="" val="1005974000"/>
       </p:ext>
     </p:extLst>
   </p:cSld>
@@ -3323,7 +3327,7 @@
     <p:bg>
       <p:bgPr>
         <a:blipFill rotWithShape="1">
-          <a:blip r:embed="rId2"/>
+          <a:blip r:embed="rId2" cstate="print"/>
           <a:stretch>
             <a:fillRect/>
           </a:stretch>
@@ -3581,7 +3585,7 @@
     </p:spTree>
     <p:extLst>
       <p:ext uri="{BB962C8B-B14F-4D97-AF65-F5344CB8AC3E}">
-        <p14:creationId xmlns:p14="http://schemas.microsoft.com/office/powerpoint/2010/main" val="2488424599"/>
+        <p14:creationId xmlns:p14="http://schemas.microsoft.com/office/powerpoint/2010/main" xmlns="" val="2488424599"/>
       </p:ext>
     </p:extLst>
   </p:cSld>
@@ -3597,7 +3601,7 @@
     <p:bg>
       <p:bgPr>
         <a:blipFill rotWithShape="1">
-          <a:blip r:embed="rId2"/>
+          <a:blip r:embed="rId2" cstate="print"/>
           <a:stretch>
             <a:fillRect/>
           </a:stretch>
@@ -3998,7 +4002,7 @@
     </p:spTree>
     <p:extLst>
       <p:ext uri="{BB962C8B-B14F-4D97-AF65-F5344CB8AC3E}">
-        <p14:creationId xmlns:p14="http://schemas.microsoft.com/office/powerpoint/2010/main" val="4070495515"/>
+        <p14:creationId xmlns:p14="http://schemas.microsoft.com/office/powerpoint/2010/main" xmlns="" val="4070495515"/>
       </p:ext>
     </p:extLst>
   </p:cSld>
@@ -4014,7 +4018,7 @@
     <p:bg>
       <p:bgPr>
         <a:blipFill rotWithShape="1">
-          <a:blip r:embed="rId2"/>
+          <a:blip r:embed="rId2" cstate="print"/>
           <a:stretch>
             <a:fillRect/>
           </a:stretch>
@@ -4423,7 +4427,7 @@
     </p:spTree>
     <p:extLst>
       <p:ext uri="{BB962C8B-B14F-4D97-AF65-F5344CB8AC3E}">
-        <p14:creationId xmlns:p14="http://schemas.microsoft.com/office/powerpoint/2010/main" val="1746594150"/>
+        <p14:creationId xmlns:p14="http://schemas.microsoft.com/office/powerpoint/2010/main" xmlns="" val="1746594150"/>
       </p:ext>
     </p:extLst>
   </p:cSld>
@@ -4590,7 +4594,7 @@
     </p:spTree>
     <p:extLst>
       <p:ext uri="{BB962C8B-B14F-4D97-AF65-F5344CB8AC3E}">
-        <p14:creationId xmlns:p14="http://schemas.microsoft.com/office/powerpoint/2010/main" val="2528842109"/>
+        <p14:creationId xmlns:p14="http://schemas.microsoft.com/office/powerpoint/2010/main" xmlns="" val="2528842109"/>
       </p:ext>
     </p:extLst>
   </p:cSld>
@@ -4613,7 +4617,7 @@
     <p:bg>
       <p:bgPr>
         <a:blipFill rotWithShape="1">
-          <a:blip r:embed="rId2"/>
+          <a:blip r:embed="rId2" cstate="print"/>
           <a:stretch>
             <a:fillRect/>
           </a:stretch>
@@ -4886,7 +4890,7 @@
     </p:spTree>
     <p:extLst>
       <p:ext uri="{BB962C8B-B14F-4D97-AF65-F5344CB8AC3E}">
-        <p14:creationId xmlns:p14="http://schemas.microsoft.com/office/powerpoint/2010/main" val="3680356374"/>
+        <p14:creationId xmlns:p14="http://schemas.microsoft.com/office/powerpoint/2010/main" xmlns="" val="3680356374"/>
       </p:ext>
     </p:extLst>
   </p:cSld>
@@ -4902,7 +4906,7 @@
     <p:bg>
       <p:bgPr>
         <a:blipFill rotWithShape="1">
-          <a:blip r:embed="rId2"/>
+          <a:blip r:embed="rId2" cstate="print"/>
           <a:stretch>
             <a:fillRect/>
           </a:stretch>
@@ -5370,7 +5374,7 @@
     </p:spTree>
     <p:extLst>
       <p:ext uri="{BB962C8B-B14F-4D97-AF65-F5344CB8AC3E}">
-        <p14:creationId xmlns:p14="http://schemas.microsoft.com/office/powerpoint/2010/main" val="2250812615"/>
+        <p14:creationId xmlns:p14="http://schemas.microsoft.com/office/powerpoint/2010/main" xmlns="" val="2250812615"/>
       </p:ext>
     </p:extLst>
   </p:cSld>
@@ -5386,7 +5390,7 @@
     <p:bg>
       <p:bgPr>
         <a:blipFill rotWithShape="1">
-          <a:blip r:embed="rId2"/>
+          <a:blip r:embed="rId2" cstate="print"/>
           <a:stretch>
             <a:fillRect/>
           </a:stretch>
@@ -5644,7 +5648,7 @@
     </p:spTree>
     <p:extLst>
       <p:ext uri="{BB962C8B-B14F-4D97-AF65-F5344CB8AC3E}">
-        <p14:creationId xmlns:p14="http://schemas.microsoft.com/office/powerpoint/2010/main" val="4117370829"/>
+        <p14:creationId xmlns:p14="http://schemas.microsoft.com/office/powerpoint/2010/main" xmlns="" val="4117370829"/>
       </p:ext>
     </p:extLst>
   </p:cSld>
@@ -5660,7 +5664,7 @@
     <p:bg>
       <p:bgPr>
         <a:blipFill rotWithShape="1">
-          <a:blip r:embed="rId2"/>
+          <a:blip r:embed="rId2" cstate="print"/>
           <a:stretch>
             <a:fillRect/>
           </a:stretch>
@@ -6061,7 +6065,7 @@
     </p:spTree>
     <p:extLst>
       <p:ext uri="{BB962C8B-B14F-4D97-AF65-F5344CB8AC3E}">
-        <p14:creationId xmlns:p14="http://schemas.microsoft.com/office/powerpoint/2010/main" val="837775449"/>
+        <p14:creationId xmlns:p14="http://schemas.microsoft.com/office/powerpoint/2010/main" xmlns="" val="837775449"/>
       </p:ext>
     </p:extLst>
   </p:cSld>
@@ -6077,7 +6081,7 @@
     <p:bg>
       <p:bgPr>
         <a:blipFill rotWithShape="1">
-          <a:blip r:embed="rId2"/>
+          <a:blip r:embed="rId2" cstate="print"/>
           <a:stretch>
             <a:fillRect/>
           </a:stretch>
@@ -6486,7 +6490,7 @@
     </p:spTree>
     <p:extLst>
       <p:ext uri="{BB962C8B-B14F-4D97-AF65-F5344CB8AC3E}">
-        <p14:creationId xmlns:p14="http://schemas.microsoft.com/office/powerpoint/2010/main" val="2278309512"/>
+        <p14:creationId xmlns:p14="http://schemas.microsoft.com/office/powerpoint/2010/main" xmlns="" val="2278309512"/>
       </p:ext>
     </p:extLst>
   </p:cSld>
@@ -6502,7 +6506,7 @@
     <p:bg>
       <p:bgPr>
         <a:blipFill rotWithShape="1">
-          <a:blip r:embed="rId2"/>
+          <a:blip r:embed="rId2" cstate="print"/>
           <a:stretch>
             <a:fillRect/>
           </a:stretch>
@@ -6775,7 +6779,7 @@
     </p:spTree>
     <p:extLst>
       <p:ext uri="{BB962C8B-B14F-4D97-AF65-F5344CB8AC3E}">
-        <p14:creationId xmlns:p14="http://schemas.microsoft.com/office/powerpoint/2010/main" val="315850718"/>
+        <p14:creationId xmlns:p14="http://schemas.microsoft.com/office/powerpoint/2010/main" xmlns="" val="315850718"/>
       </p:ext>
     </p:extLst>
   </p:cSld>
@@ -6791,7 +6795,7 @@
     <p:bg>
       <p:bgPr>
         <a:blipFill rotWithShape="1">
-          <a:blip r:embed="rId2"/>
+          <a:blip r:embed="rId2" cstate="print"/>
           <a:stretch>
             <a:fillRect/>
           </a:stretch>
@@ -7259,7 +7263,7 @@
     </p:spTree>
     <p:extLst>
       <p:ext uri="{BB962C8B-B14F-4D97-AF65-F5344CB8AC3E}">
-        <p14:creationId xmlns:p14="http://schemas.microsoft.com/office/powerpoint/2010/main" val="2782920359"/>
+        <p14:creationId xmlns:p14="http://schemas.microsoft.com/office/powerpoint/2010/main" xmlns="" val="2782920359"/>
       </p:ext>
     </p:extLst>
   </p:cSld>
@@ -7275,7 +7279,7 @@
     <p:bg>
       <p:bgPr>
         <a:blipFill rotWithShape="1">
-          <a:blip r:embed="rId2"/>
+          <a:blip r:embed="rId2" cstate="print"/>
           <a:stretch>
             <a:fillRect/>
           </a:stretch>
@@ -7533,7 +7537,7 @@
     </p:spTree>
     <p:extLst>
       <p:ext uri="{BB962C8B-B14F-4D97-AF65-F5344CB8AC3E}">
-        <p14:creationId xmlns:p14="http://schemas.microsoft.com/office/powerpoint/2010/main" val="1465625109"/>
+        <p14:creationId xmlns:p14="http://schemas.microsoft.com/office/powerpoint/2010/main" xmlns="" val="1465625109"/>
       </p:ext>
     </p:extLst>
   </p:cSld>
@@ -7549,7 +7553,7 @@
     <p:bg>
       <p:bgPr>
         <a:blipFill rotWithShape="1">
-          <a:blip r:embed="rId2"/>
+          <a:blip r:embed="rId2" cstate="print"/>
           <a:stretch>
             <a:fillRect/>
           </a:stretch>
@@ -7950,7 +7954,7 @@
     </p:spTree>
     <p:extLst>
       <p:ext uri="{BB962C8B-B14F-4D97-AF65-F5344CB8AC3E}">
-        <p14:creationId xmlns:p14="http://schemas.microsoft.com/office/powerpoint/2010/main" val="2632812"/>
+        <p14:creationId xmlns:p14="http://schemas.microsoft.com/office/powerpoint/2010/main" xmlns="" val="2632812"/>
       </p:ext>
     </p:extLst>
   </p:cSld>
@@ -7966,7 +7970,7 @@
     <p:bg>
       <p:bgPr>
         <a:blipFill rotWithShape="1">
-          <a:blip r:embed="rId2"/>
+          <a:blip r:embed="rId2" cstate="print"/>
           <a:stretch>
             <a:fillRect/>
           </a:stretch>
@@ -8375,7 +8379,7 @@
     </p:spTree>
     <p:extLst>
       <p:ext uri="{BB962C8B-B14F-4D97-AF65-F5344CB8AC3E}">
-        <p14:creationId xmlns:p14="http://schemas.microsoft.com/office/powerpoint/2010/main" val="2474197067"/>
+        <p14:creationId xmlns:p14="http://schemas.microsoft.com/office/powerpoint/2010/main" xmlns="" val="2474197067"/>
       </p:ext>
     </p:extLst>
   </p:cSld>
@@ -8776,7 +8780,7 @@
     </p:spTree>
     <p:extLst>
       <p:ext uri="{BB962C8B-B14F-4D97-AF65-F5344CB8AC3E}">
-        <p14:creationId xmlns:p14="http://schemas.microsoft.com/office/powerpoint/2010/main" val="3744645596"/>
+        <p14:creationId xmlns:p14="http://schemas.microsoft.com/office/powerpoint/2010/main" xmlns="" val="3744645596"/>
       </p:ext>
     </p:extLst>
   </p:cSld>
@@ -8799,7 +8803,7 @@
     <p:bg>
       <p:bgPr>
         <a:blipFill rotWithShape="1">
-          <a:blip r:embed="rId2"/>
+          <a:blip r:embed="rId2" cstate="print"/>
           <a:stretch>
             <a:fillRect/>
           </a:stretch>
@@ -9072,7 +9076,7 @@
     </p:spTree>
     <p:extLst>
       <p:ext uri="{BB962C8B-B14F-4D97-AF65-F5344CB8AC3E}">
-        <p14:creationId xmlns:p14="http://schemas.microsoft.com/office/powerpoint/2010/main" val="1406042865"/>
+        <p14:creationId xmlns:p14="http://schemas.microsoft.com/office/powerpoint/2010/main" xmlns="" val="1406042865"/>
       </p:ext>
     </p:extLst>
   </p:cSld>
@@ -9088,7 +9092,7 @@
     <p:bg>
       <p:bgPr>
         <a:blipFill rotWithShape="1">
-          <a:blip r:embed="rId2"/>
+          <a:blip r:embed="rId2" cstate="print"/>
           <a:stretch>
             <a:fillRect/>
           </a:stretch>
@@ -9556,7 +9560,7 @@
     </p:spTree>
     <p:extLst>
       <p:ext uri="{BB962C8B-B14F-4D97-AF65-F5344CB8AC3E}">
-        <p14:creationId xmlns:p14="http://schemas.microsoft.com/office/powerpoint/2010/main" val="4191909269"/>
+        <p14:creationId xmlns:p14="http://schemas.microsoft.com/office/powerpoint/2010/main" xmlns="" val="4191909269"/>
       </p:ext>
     </p:extLst>
   </p:cSld>
@@ -9572,7 +9576,7 @@
     <p:bg>
       <p:bgPr>
         <a:blipFill rotWithShape="1">
-          <a:blip r:embed="rId2"/>
+          <a:blip r:embed="rId2" cstate="print"/>
           <a:stretch>
             <a:fillRect/>
           </a:stretch>
@@ -9830,7 +9834,7 @@
     </p:spTree>
     <p:extLst>
       <p:ext uri="{BB962C8B-B14F-4D97-AF65-F5344CB8AC3E}">
-        <p14:creationId xmlns:p14="http://schemas.microsoft.com/office/powerpoint/2010/main" val="420444346"/>
+        <p14:creationId xmlns:p14="http://schemas.microsoft.com/office/powerpoint/2010/main" xmlns="" val="420444346"/>
       </p:ext>
     </p:extLst>
   </p:cSld>
@@ -9846,7 +9850,7 @@
     <p:bg>
       <p:bgPr>
         <a:blipFill rotWithShape="1">
-          <a:blip r:embed="rId2"/>
+          <a:blip r:embed="rId2" cstate="print"/>
           <a:stretch>
             <a:fillRect/>
           </a:stretch>
@@ -9871,7 +9875,7 @@
     </p:spTree>
     <p:extLst>
       <p:ext uri="{BB962C8B-B14F-4D97-AF65-F5344CB8AC3E}">
-        <p14:creationId xmlns:p14="http://schemas.microsoft.com/office/powerpoint/2010/main" val="1943521547"/>
+        <p14:creationId xmlns:p14="http://schemas.microsoft.com/office/powerpoint/2010/main" xmlns="" val="1943521547"/>
       </p:ext>
     </p:extLst>
   </p:cSld>
@@ -10094,7 +10098,7 @@
     </p:spTree>
     <p:extLst>
       <p:ext uri="{BB962C8B-B14F-4D97-AF65-F5344CB8AC3E}">
-        <p14:creationId xmlns:p14="http://schemas.microsoft.com/office/powerpoint/2010/main" val="1817237329"/>
+        <p14:creationId xmlns:p14="http://schemas.microsoft.com/office/powerpoint/2010/main" xmlns="" val="1817237329"/>
       </p:ext>
     </p:extLst>
   </p:cSld>
@@ -10243,6 +10247,7 @@
           <a:p>
             <a:fld id="{BD316801-2A97-4601-919F-FCA6A6B76BCF}" type="datetimeFigureOut">
               <a:rPr lang="fr-CH" smtClean="0"/>
+              <a:pPr/>
               <a:t>28.05.2019</a:t>
             </a:fld>
             <a:endParaRPr lang="fr-CH"/>
@@ -10293,6 +10298,7 @@
           <a:p>
             <a:fld id="{FDE333F6-557E-4A0A-BA29-2BD7F4CD5DAF}" type="slidenum">
               <a:rPr lang="fr-CH" smtClean="0"/>
+              <a:pPr/>
               <a:t>‹N°›</a:t>
             </a:fld>
             <a:endParaRPr lang="fr-CH"/>
@@ -10302,7 +10308,7 @@
     </p:spTree>
     <p:extLst>
       <p:ext uri="{BB962C8B-B14F-4D97-AF65-F5344CB8AC3E}">
-        <p14:creationId xmlns:p14="http://schemas.microsoft.com/office/powerpoint/2010/main" val="102423821"/>
+        <p14:creationId xmlns:p14="http://schemas.microsoft.com/office/powerpoint/2010/main" xmlns="" val="102423821"/>
       </p:ext>
     </p:extLst>
   </p:cSld>
@@ -10723,7 +10729,7 @@
     </p:spTree>
     <p:extLst>
       <p:ext uri="{BB962C8B-B14F-4D97-AF65-F5344CB8AC3E}">
-        <p14:creationId xmlns:p14="http://schemas.microsoft.com/office/powerpoint/2010/main" val="2546912538"/>
+        <p14:creationId xmlns:p14="http://schemas.microsoft.com/office/powerpoint/2010/main" xmlns="" val="2546912538"/>
       </p:ext>
     </p:extLst>
   </p:cSld>
@@ -11073,7 +11079,7 @@
     </p:spTree>
     <p:extLst>
       <p:ext uri="{BB962C8B-B14F-4D97-AF65-F5344CB8AC3E}">
-        <p14:creationId xmlns:p14="http://schemas.microsoft.com/office/powerpoint/2010/main" val="3395337127"/>
+        <p14:creationId xmlns:p14="http://schemas.microsoft.com/office/powerpoint/2010/main" xmlns="" val="3395337127"/>
       </p:ext>
     </p:extLst>
   </p:cSld>
@@ -11347,7 +11353,7 @@
     </p:spTree>
     <p:extLst>
       <p:ext uri="{BB962C8B-B14F-4D97-AF65-F5344CB8AC3E}">
-        <p14:creationId xmlns:p14="http://schemas.microsoft.com/office/powerpoint/2010/main" val="3624912706"/>
+        <p14:creationId xmlns:p14="http://schemas.microsoft.com/office/powerpoint/2010/main" xmlns="" val="3624912706"/>
       </p:ext>
     </p:extLst>
   </p:cSld>
@@ -11812,7 +11818,7 @@
     </p:spTree>
     <p:extLst>
       <p:ext uri="{BB962C8B-B14F-4D97-AF65-F5344CB8AC3E}">
-        <p14:creationId xmlns:p14="http://schemas.microsoft.com/office/powerpoint/2010/main" val="2211970743"/>
+        <p14:creationId xmlns:p14="http://schemas.microsoft.com/office/powerpoint/2010/main" xmlns="" val="2211970743"/>
       </p:ext>
     </p:extLst>
   </p:cSld>
@@ -11828,7 +11834,7 @@
     <p:bg>
       <p:bgPr>
         <a:blipFill rotWithShape="1">
-          <a:blip r:embed="rId2"/>
+          <a:blip r:embed="rId2" cstate="print"/>
           <a:stretch>
             <a:fillRect/>
           </a:stretch>
@@ -12086,7 +12092,7 @@
     </p:spTree>
     <p:extLst>
       <p:ext uri="{BB962C8B-B14F-4D97-AF65-F5344CB8AC3E}">
-        <p14:creationId xmlns:p14="http://schemas.microsoft.com/office/powerpoint/2010/main" val="4000462877"/>
+        <p14:creationId xmlns:p14="http://schemas.microsoft.com/office/powerpoint/2010/main" xmlns="" val="4000462877"/>
       </p:ext>
     </p:extLst>
   </p:cSld>
@@ -12506,7 +12512,7 @@
     </p:spTree>
     <p:extLst>
       <p:ext uri="{BB962C8B-B14F-4D97-AF65-F5344CB8AC3E}">
-        <p14:creationId xmlns:p14="http://schemas.microsoft.com/office/powerpoint/2010/main" val="1288118666"/>
+        <p14:creationId xmlns:p14="http://schemas.microsoft.com/office/powerpoint/2010/main" xmlns="" val="1288118666"/>
       </p:ext>
     </p:extLst>
   </p:cSld>
@@ -12522,7 +12528,7 @@
     <p:bg>
       <p:bgPr>
         <a:blipFill rotWithShape="1">
-          <a:blip r:embed="rId37"/>
+          <a:blip r:embed="rId37" cstate="print"/>
           <a:stretch>
             <a:fillRect/>
           </a:stretch>
@@ -12754,7 +12760,7 @@
     </p:spTree>
     <p:extLst>
       <p:ext uri="{BB962C8B-B14F-4D97-AF65-F5344CB8AC3E}">
-        <p14:creationId xmlns:p14="http://schemas.microsoft.com/office/powerpoint/2010/main" val="1595785646"/>
+        <p14:creationId xmlns:p14="http://schemas.microsoft.com/office/powerpoint/2010/main" xmlns="" val="1595785646"/>
       </p:ext>
     </p:extLst>
   </p:cSld>
@@ -13145,7 +13151,15 @@
           <a:p>
             <a:r>
               <a:rPr lang="fr-CH" b="1" dirty="0"/>
-              <a:t>Formation git - avancé</a:t>
+              <a:t>Formation git - </a:t>
+            </a:r>
+            <a:r>
+              <a:rPr lang="fr-CH" b="1" dirty="0" smtClean="0"/>
+              <a:t>avancée</a:t>
+            </a:r>
+            <a:r>
+              <a:rPr lang="fr-CH" b="1" dirty="0"/>
+              <a:t/>
             </a:r>
             <a:br>
               <a:rPr lang="fr-CH" b="1" dirty="0"/>
@@ -13160,7 +13174,7 @@
     </p:spTree>
     <p:extLst>
       <p:ext uri="{BB962C8B-B14F-4D97-AF65-F5344CB8AC3E}">
-        <p14:creationId xmlns:p14="http://schemas.microsoft.com/office/powerpoint/2010/main" val="2301295919"/>
+        <p14:creationId xmlns:p14="http://schemas.microsoft.com/office/powerpoint/2010/main" xmlns="" val="2301295919"/>
       </p:ext>
     </p:extLst>
   </p:cSld>
@@ -13318,7 +13332,15 @@
             <a:pPr lvl="1"/>
             <a:r>
               <a:rPr lang="fr-FR" dirty="0" smtClean="0"/>
-              <a:t>En une commande: git pull --</a:t>
+              <a:t>En une </a:t>
+            </a:r>
+            <a:r>
+              <a:rPr lang="fr-FR" dirty="0" smtClean="0"/>
+              <a:t>commande : </a:t>
+            </a:r>
+            <a:r>
+              <a:rPr lang="fr-FR" dirty="0" smtClean="0"/>
+              <a:t>git pull --</a:t>
             </a:r>
             <a:r>
               <a:rPr lang="fr-FR" dirty="0" err="1" smtClean="0"/>
@@ -13381,7 +13403,7 @@
     </p:spTree>
     <p:extLst>
       <p:ext uri="{BB962C8B-B14F-4D97-AF65-F5344CB8AC3E}">
-        <p14:creationId xmlns:p14="http://schemas.microsoft.com/office/powerpoint/2010/main" val="1478987373"/>
+        <p14:creationId xmlns:p14="http://schemas.microsoft.com/office/powerpoint/2010/main" xmlns="" val="1478987373"/>
       </p:ext>
     </p:extLst>
   </p:cSld>
@@ -13425,11 +13447,15 @@
           <a:p>
             <a:r>
               <a:rPr lang="fr-FR" dirty="0" err="1" smtClean="0"/>
-              <a:t>Rebase</a:t>
+              <a:t>Rebaser</a:t>
             </a:r>
             <a:r>
               <a:rPr lang="fr-FR" dirty="0" smtClean="0"/>
-              <a:t> une branche avec la branche de référence</a:t>
+              <a:t> </a:t>
+            </a:r>
+            <a:r>
+              <a:rPr lang="fr-FR" dirty="0" smtClean="0"/>
+              <a:t>une branche avec la branche de référence</a:t>
             </a:r>
             <a:endParaRPr lang="fr-CH" dirty="0"/>
           </a:p>
@@ -13570,7 +13596,7 @@
           <p:nvPr/>
         </p:nvPicPr>
         <p:blipFill>
-          <a:blip r:embed="rId2"/>
+          <a:blip r:embed="rId2" cstate="print"/>
           <a:stretch>
             <a:fillRect/>
           </a:stretch>
@@ -13588,7 +13614,7 @@
     </p:spTree>
     <p:extLst>
       <p:ext uri="{BB962C8B-B14F-4D97-AF65-F5344CB8AC3E}">
-        <p14:creationId xmlns:p14="http://schemas.microsoft.com/office/powerpoint/2010/main" val="2019640898"/>
+        <p14:creationId xmlns:p14="http://schemas.microsoft.com/office/powerpoint/2010/main" xmlns="" val="2019640898"/>
       </p:ext>
     </p:extLst>
   </p:cSld>
@@ -13714,7 +13740,7 @@
           <p:nvPr/>
         </p:nvPicPr>
         <p:blipFill>
-          <a:blip r:embed="rId2"/>
+          <a:blip r:embed="rId2" cstate="print"/>
           <a:stretch>
             <a:fillRect/>
           </a:stretch>
@@ -13732,7 +13758,7 @@
     </p:spTree>
     <p:extLst>
       <p:ext uri="{BB962C8B-B14F-4D97-AF65-F5344CB8AC3E}">
-        <p14:creationId xmlns:p14="http://schemas.microsoft.com/office/powerpoint/2010/main" val="4188038985"/>
+        <p14:creationId xmlns:p14="http://schemas.microsoft.com/office/powerpoint/2010/main" xmlns="" val="4188038985"/>
       </p:ext>
     </p:extLst>
   </p:cSld>
@@ -13776,7 +13802,7 @@
           <a:p>
             <a:r>
               <a:rPr lang="fr-FR" dirty="0" smtClean="0"/>
-              <a:t>Exercice: </a:t>
+              <a:t>Exercice : </a:t>
             </a:r>
             <a:r>
               <a:rPr lang="fr-FR" dirty="0" err="1" smtClean="0"/>
@@ -13803,7 +13829,11 @@
           <a:p>
             <a:r>
               <a:rPr lang="fr-FR" sz="1600" dirty="0" smtClean="0"/>
-              <a:t>Cloner le </a:t>
+              <a:t>Clonez </a:t>
+            </a:r>
+            <a:r>
+              <a:rPr lang="fr-FR" sz="1600" dirty="0" smtClean="0"/>
+              <a:t>le </a:t>
             </a:r>
             <a:r>
               <a:rPr lang="fr-FR" sz="1600" dirty="0"/>
@@ -13826,7 +13856,11 @@
           <a:p>
             <a:r>
               <a:rPr lang="fr-FR" sz="1600" dirty="0" smtClean="0"/>
-              <a:t>Visualiser sur </a:t>
+              <a:t>Visualisez </a:t>
+            </a:r>
+            <a:r>
+              <a:rPr lang="fr-FR" sz="1600" dirty="0" smtClean="0"/>
+              <a:t>sur </a:t>
             </a:r>
             <a:r>
               <a:rPr lang="fr-FR" sz="1600" dirty="0" err="1" smtClean="0"/>
@@ -13837,13 +13871,21 @@
           <a:p>
             <a:r>
               <a:rPr lang="fr-FR" sz="1600" dirty="0" smtClean="0"/>
-              <a:t>Afficher en console les 2 branches qui divergent</a:t>
-            </a:r>
-          </a:p>
-          <a:p>
+              <a:t>Affichez </a:t>
+            </a:r>
             <a:r>
               <a:rPr lang="fr-FR" sz="1600" dirty="0" smtClean="0"/>
-              <a:t>Faire un pull </a:t>
+              <a:t>en console les 2 branches qui divergent</a:t>
+            </a:r>
+          </a:p>
+          <a:p>
+            <a:r>
+              <a:rPr lang="fr-FR" sz="1600" dirty="0" smtClean="0"/>
+              <a:t>Faites </a:t>
+            </a:r>
+            <a:r>
+              <a:rPr lang="fr-FR" sz="1600" dirty="0" smtClean="0"/>
+              <a:t>un pull </a:t>
             </a:r>
             <a:r>
               <a:rPr lang="fr-FR" sz="1600" dirty="0" err="1" smtClean="0"/>
@@ -13859,7 +13901,15 @@
             </a:r>
             <a:r>
               <a:rPr lang="fr-FR" sz="1600" dirty="0" err="1" smtClean="0"/>
-              <a:t>feature-new_button</a:t>
+              <a:t>feature</a:t>
+            </a:r>
+            <a:r>
+              <a:rPr lang="fr-FR" sz="1600" dirty="0" smtClean="0"/>
+              <a:t>-</a:t>
+            </a:r>
+            <a:r>
+              <a:rPr lang="fr-FR" sz="1600" dirty="0" err="1" smtClean="0"/>
+              <a:t>new_button</a:t>
             </a:r>
             <a:r>
               <a:rPr lang="fr-FR" sz="1600" dirty="0" smtClean="0"/>
@@ -13875,8 +13925,12 @@
           </a:p>
           <a:p>
             <a:r>
+              <a:rPr lang="fr-FR" sz="1600" dirty="0" smtClean="0"/>
+              <a:t>Affichez </a:t>
+            </a:r>
+            <a:r>
               <a:rPr lang="fr-FR" sz="1600" dirty="0"/>
-              <a:t>Afficher en console les 2 branches qui </a:t>
+              <a:t>en console les 2 branches qui </a:t>
             </a:r>
             <a:r>
               <a:rPr lang="fr-FR" sz="1600" dirty="0" smtClean="0"/>
@@ -13886,7 +13940,11 @@
           <a:p>
             <a:r>
               <a:rPr lang="fr-FR" sz="1600" dirty="0" smtClean="0"/>
-              <a:t>Faire un git push</a:t>
+              <a:t>Faites </a:t>
+            </a:r>
+            <a:r>
+              <a:rPr lang="fr-FR" sz="1600" dirty="0" smtClean="0"/>
+              <a:t>un git push</a:t>
             </a:r>
             <a:endParaRPr lang="fr-FR" sz="1600" dirty="0"/>
           </a:p>
@@ -13907,7 +13965,7 @@
           <p:nvPr/>
         </p:nvPicPr>
         <p:blipFill>
-          <a:blip r:embed="rId3"/>
+          <a:blip r:embed="rId3" cstate="print"/>
           <a:stretch>
             <a:fillRect/>
           </a:stretch>
@@ -13925,7 +13983,7 @@
     </p:spTree>
     <p:extLst>
       <p:ext uri="{BB962C8B-B14F-4D97-AF65-F5344CB8AC3E}">
-        <p14:creationId xmlns:p14="http://schemas.microsoft.com/office/powerpoint/2010/main" val="1761097998"/>
+        <p14:creationId xmlns:p14="http://schemas.microsoft.com/office/powerpoint/2010/main" xmlns="" val="1761097998"/>
       </p:ext>
     </p:extLst>
   </p:cSld>
@@ -14003,7 +14061,15 @@
           <a:p>
             <a:r>
               <a:rPr lang="fr-FR" sz="1800" dirty="0" smtClean="0"/>
-              <a:t>Si des fichiers en conflit pendant le </a:t>
+              <a:t>Si des fichiers </a:t>
+            </a:r>
+            <a:r>
+              <a:rPr lang="fr-FR" sz="1800" dirty="0" smtClean="0"/>
+              <a:t>sont en </a:t>
+            </a:r>
+            <a:r>
+              <a:rPr lang="fr-FR" sz="1800" dirty="0" smtClean="0"/>
+              <a:t>conflit pendant le </a:t>
             </a:r>
             <a:r>
               <a:rPr lang="fr-FR" sz="1800" dirty="0" err="1" smtClean="0"/>
@@ -14017,7 +14083,15 @@
           <a:p>
             <a:r>
               <a:rPr lang="fr-FR" sz="1800" dirty="0" smtClean="0"/>
-              <a:t>Résoudre le(s) conflit(s) et continuez le </a:t>
+              <a:t>Résoudre le(s) conflit(s) et </a:t>
+            </a:r>
+            <a:r>
+              <a:rPr lang="fr-FR" sz="1800" dirty="0" smtClean="0"/>
+              <a:t>continuer </a:t>
+            </a:r>
+            <a:r>
+              <a:rPr lang="fr-FR" sz="1800" dirty="0" smtClean="0"/>
+              <a:t>le </a:t>
             </a:r>
             <a:r>
               <a:rPr lang="fr-FR" sz="1800" dirty="0" err="1" smtClean="0"/>
@@ -14025,14 +14099,19 @@
             </a:r>
             <a:r>
               <a:rPr lang="fr-FR" sz="1800" dirty="0" smtClean="0"/>
-              <a:t>:</a:t>
-            </a:r>
+              <a:t> :</a:t>
+            </a:r>
+            <a:endParaRPr lang="fr-FR" sz="1800" dirty="0" smtClean="0"/>
           </a:p>
           <a:p>
             <a:pPr lvl="1"/>
             <a:r>
               <a:rPr lang="fr-FR" sz="1600" dirty="0" smtClean="0"/>
-              <a:t>Editez le fichier et faire le </a:t>
+              <a:t>Éditer </a:t>
+            </a:r>
+            <a:r>
+              <a:rPr lang="fr-FR" sz="1600" dirty="0" smtClean="0"/>
+              <a:t>le fichier et faire le </a:t>
             </a:r>
             <a:r>
               <a:rPr lang="fr-FR" sz="1600" dirty="0" err="1" smtClean="0"/>
@@ -14047,7 +14126,11 @@
             <a:pPr lvl="1"/>
             <a:r>
               <a:rPr lang="fr-FR" sz="1600" dirty="0" smtClean="0"/>
-              <a:t>Ajoutez le fichier dans la zone de </a:t>
+              <a:t>Ajouter </a:t>
+            </a:r>
+            <a:r>
+              <a:rPr lang="fr-FR" sz="1600" dirty="0" smtClean="0"/>
+              <a:t>le fichier dans la zone de </a:t>
             </a:r>
             <a:r>
               <a:rPr lang="fr-FR" sz="1600" dirty="0" err="1" smtClean="0"/>
@@ -14078,7 +14161,11 @@
             <a:pPr lvl="1"/>
             <a:r>
               <a:rPr lang="fr-FR" sz="1600" dirty="0" smtClean="0"/>
-              <a:t>Continuez le </a:t>
+              <a:t>Continuer </a:t>
+            </a:r>
+            <a:r>
+              <a:rPr lang="fr-FR" sz="1600" dirty="0" smtClean="0"/>
+              <a:t>le </a:t>
             </a:r>
             <a:r>
               <a:rPr lang="fr-FR" sz="1600" dirty="0" err="1" smtClean="0"/>
@@ -14086,7 +14173,11 @@
             </a:r>
             <a:r>
               <a:rPr lang="fr-FR" sz="1600" dirty="0" smtClean="0"/>
-              <a:t>: git </a:t>
+              <a:t> : </a:t>
+            </a:r>
+            <a:r>
+              <a:rPr lang="fr-FR" sz="1600" dirty="0" smtClean="0"/>
+              <a:t>git </a:t>
             </a:r>
             <a:r>
               <a:rPr lang="fr-FR" sz="1600" dirty="0" err="1" smtClean="0"/>
@@ -14177,7 +14268,7 @@
     </p:spTree>
     <p:extLst>
       <p:ext uri="{BB962C8B-B14F-4D97-AF65-F5344CB8AC3E}">
-        <p14:creationId xmlns:p14="http://schemas.microsoft.com/office/powerpoint/2010/main" val="1250787570"/>
+        <p14:creationId xmlns:p14="http://schemas.microsoft.com/office/powerpoint/2010/main" xmlns="" val="1250787570"/>
       </p:ext>
     </p:extLst>
   </p:cSld>
@@ -14248,10 +14339,10 @@
           <p:nvPr/>
         </p:nvPicPr>
         <p:blipFill>
-          <a:blip r:embed="rId2">
+          <a:blip r:embed="rId2" cstate="print">
             <a:extLst>
               <a:ext uri="{28A0092B-C50C-407E-A947-70E740481C1C}">
-                <a14:useLocalDpi xmlns:a14="http://schemas.microsoft.com/office/drawing/2010/main" val="0"/>
+                <a14:useLocalDpi xmlns:a14="http://schemas.microsoft.com/office/drawing/2010/main" xmlns="" val="0"/>
               </a:ext>
             </a:extLst>
           </a:blip>
@@ -14271,7 +14362,7 @@
           <a:noFill/>
           <a:extLst>
             <a:ext uri="{909E8E84-426E-40DD-AFC4-6F175D3DCCD1}">
-              <a14:hiddenFill xmlns:a14="http://schemas.microsoft.com/office/drawing/2010/main">
+              <a14:hiddenFill xmlns:a14="http://schemas.microsoft.com/office/drawing/2010/main" xmlns="">
                 <a:solidFill>
                   <a:srgbClr val="FFFFFF"/>
                 </a:solidFill>
@@ -14283,7 +14374,7 @@
     </p:spTree>
     <p:extLst>
       <p:ext uri="{BB962C8B-B14F-4D97-AF65-F5344CB8AC3E}">
-        <p14:creationId xmlns:p14="http://schemas.microsoft.com/office/powerpoint/2010/main" val="2898289949"/>
+        <p14:creationId xmlns:p14="http://schemas.microsoft.com/office/powerpoint/2010/main" xmlns="" val="2898289949"/>
       </p:ext>
     </p:extLst>
   </p:cSld>
@@ -14380,22 +14471,34 @@
             </a:r>
             <a:r>
               <a:rPr lang="fr-FR" sz="1400" dirty="0" smtClean="0"/>
-              <a:t>: branche identifiable dans l’historique</a:t>
+              <a:t> : </a:t>
+            </a:r>
+            <a:r>
+              <a:rPr lang="fr-FR" sz="1400" dirty="0" smtClean="0"/>
+              <a:t>branche identifiable dans l’historique</a:t>
             </a:r>
           </a:p>
           <a:p>
             <a:pPr lvl="1"/>
             <a:r>
-              <a:rPr lang="fr-FR" sz="1400" dirty="0" err="1"/>
-              <a:t>f</a:t>
-            </a:r>
-            <a:r>
               <a:rPr lang="fr-FR" sz="1400" dirty="0" err="1" smtClean="0"/>
-              <a:t>ast-forward</a:t>
+              <a:t>fast</a:t>
             </a:r>
             <a:r>
               <a:rPr lang="fr-FR" sz="1400" dirty="0" smtClean="0"/>
-              <a:t>: branche transparente dans l’historique</a:t>
+              <a:t>-</a:t>
+            </a:r>
+            <a:r>
+              <a:rPr lang="fr-FR" sz="1400" dirty="0" err="1" smtClean="0"/>
+              <a:t>forward</a:t>
+            </a:r>
+            <a:r>
+              <a:rPr lang="fr-FR" sz="1400" dirty="0" smtClean="0"/>
+              <a:t> : </a:t>
+            </a:r>
+            <a:r>
+              <a:rPr lang="fr-FR" sz="1400" dirty="0" smtClean="0"/>
+              <a:t>branche transparente dans l’historique</a:t>
             </a:r>
             <a:endParaRPr lang="fr-FR" dirty="0" smtClean="0"/>
           </a:p>
@@ -14426,14 +14529,27 @@
             </a:r>
             <a:r>
               <a:rPr lang="fr-FR" sz="1600" dirty="0" smtClean="0"/>
-              <a:t>est le suivant</a:t>
-            </a:r>
+              <a:t>est le </a:t>
+            </a:r>
+            <a:r>
+              <a:rPr lang="fr-FR" sz="1600" dirty="0" smtClean="0"/>
+              <a:t>suivant :</a:t>
+            </a:r>
+            <a:endParaRPr lang="fr-FR" sz="1600" dirty="0" smtClean="0"/>
           </a:p>
           <a:p>
             <a:pPr lvl="1"/>
             <a:r>
               <a:rPr lang="fr-FR" sz="1400" dirty="0" smtClean="0"/>
-              <a:t>La branche de référence a divergée: no-</a:t>
+              <a:t>La branche de référence a </a:t>
+            </a:r>
+            <a:r>
+              <a:rPr lang="fr-FR" sz="1400" dirty="0" smtClean="0"/>
+              <a:t>divergé : </a:t>
+            </a:r>
+            <a:r>
+              <a:rPr lang="fr-FR" sz="1400" dirty="0" smtClean="0"/>
+              <a:t>no-</a:t>
             </a:r>
             <a:r>
               <a:rPr lang="fr-FR" sz="1400" dirty="0" err="1" smtClean="0"/>
@@ -14453,11 +14569,27 @@
             <a:pPr lvl="1"/>
             <a:r>
               <a:rPr lang="fr-FR" sz="1400" dirty="0" smtClean="0"/>
-              <a:t>La branche de référence n’a pas divergée : </a:t>
+              <a:t>La branche de référence n’a pas </a:t>
+            </a:r>
+            <a:r>
+              <a:rPr lang="fr-FR" sz="1400" dirty="0" smtClean="0"/>
+              <a:t>divergé </a:t>
+            </a:r>
+            <a:r>
+              <a:rPr lang="fr-FR" sz="1400" dirty="0" smtClean="0"/>
+              <a:t>: </a:t>
             </a:r>
             <a:r>
               <a:rPr lang="fr-FR" sz="1400" dirty="0" err="1" smtClean="0"/>
-              <a:t>fast-forward</a:t>
+              <a:t>fast</a:t>
+            </a:r>
+            <a:r>
+              <a:rPr lang="fr-FR" sz="1400" dirty="0" smtClean="0"/>
+              <a:t>-</a:t>
+            </a:r>
+            <a:r>
+              <a:rPr lang="fr-FR" sz="1400" dirty="0" err="1" smtClean="0"/>
+              <a:t>forward</a:t>
             </a:r>
             <a:endParaRPr lang="fr-FR" sz="1400" dirty="0" smtClean="0"/>
           </a:p>
@@ -14471,7 +14603,11 @@
             <a:pPr lvl="1"/>
             <a:r>
               <a:rPr lang="fr-FR" sz="1400" dirty="0" smtClean="0"/>
-              <a:t>Forcer le no-</a:t>
+              <a:t>Forcer le </a:t>
+            </a:r>
+            <a:r>
+              <a:rPr lang="fr-FR" sz="1400" dirty="0" smtClean="0"/>
+              <a:t>no-</a:t>
             </a:r>
             <a:r>
               <a:rPr lang="fr-FR" sz="1400" dirty="0" err="1" smtClean="0"/>
@@ -14487,7 +14623,11 @@
             </a:r>
             <a:r>
               <a:rPr lang="fr-FR" sz="1400" dirty="0" smtClean="0"/>
-              <a:t>: git </a:t>
+              <a:t> : </a:t>
+            </a:r>
+            <a:r>
+              <a:rPr lang="fr-FR" sz="1400" dirty="0" smtClean="0"/>
+              <a:t>git </a:t>
             </a:r>
             <a:r>
               <a:rPr lang="fr-FR" sz="1400" dirty="0" err="1" smtClean="0"/>
@@ -14495,11 +14635,43 @@
             </a:r>
             <a:r>
               <a:rPr lang="fr-FR" sz="1400" dirty="0" smtClean="0"/>
-              <a:t> --no-</a:t>
+              <a:t> --no-ff </a:t>
             </a:r>
             <a:r>
               <a:rPr lang="fr-FR" sz="1400" dirty="0" err="1" smtClean="0"/>
-              <a:t>ff</a:t>
+              <a:t>mabranche</a:t>
+            </a:r>
+            <a:endParaRPr lang="fr-FR" sz="1400" dirty="0" smtClean="0"/>
+          </a:p>
+          <a:p>
+            <a:pPr lvl="1"/>
+            <a:r>
+              <a:rPr lang="fr-FR" sz="1400" dirty="0" smtClean="0"/>
+              <a:t>Forcer le </a:t>
+            </a:r>
+            <a:r>
+              <a:rPr lang="fr-FR" sz="1400" dirty="0" err="1" smtClean="0"/>
+              <a:t>fast</a:t>
+            </a:r>
+            <a:r>
+              <a:rPr lang="fr-FR" sz="1400" dirty="0" smtClean="0"/>
+              <a:t>-</a:t>
+            </a:r>
+            <a:r>
+              <a:rPr lang="fr-FR" sz="1400" dirty="0" err="1" smtClean="0"/>
+              <a:t>forward</a:t>
+            </a:r>
+            <a:r>
+              <a:rPr lang="fr-FR" sz="1400" dirty="0" smtClean="0"/>
+              <a:t> : </a:t>
+            </a:r>
+            <a:r>
+              <a:rPr lang="fr-FR" sz="1400" dirty="0" smtClean="0"/>
+              <a:t>git pull --</a:t>
+            </a:r>
+            <a:r>
+              <a:rPr lang="fr-FR" sz="1400" dirty="0" err="1" smtClean="0"/>
+              <a:t>rebase</a:t>
             </a:r>
             <a:r>
               <a:rPr lang="fr-FR" sz="1400" dirty="0" smtClean="0"/>
@@ -14507,9 +14679,67 @@
             </a:r>
             <a:r>
               <a:rPr lang="fr-FR" sz="1400" dirty="0" err="1" smtClean="0"/>
+              <a:t>origin</a:t>
+            </a:r>
+            <a:r>
+              <a:rPr lang="fr-FR" sz="1400" dirty="0" smtClean="0"/>
+              <a:t> master + git </a:t>
+            </a:r>
+            <a:r>
+              <a:rPr lang="fr-FR" sz="1400" dirty="0" err="1" smtClean="0"/>
+              <a:t>merge</a:t>
+            </a:r>
+            <a:r>
+              <a:rPr lang="fr-FR" sz="1400" dirty="0" smtClean="0"/>
+              <a:t> </a:t>
+            </a:r>
+            <a:r>
+              <a:rPr lang="fr-FR" sz="1400" dirty="0" err="1" smtClean="0"/>
               <a:t>mabranche</a:t>
             </a:r>
             <a:endParaRPr lang="fr-FR" sz="1400" dirty="0" smtClean="0"/>
+          </a:p>
+          <a:p>
+            <a:r>
+              <a:rPr lang="fr-FR" sz="1600" dirty="0" smtClean="0"/>
+              <a:t>Il est possible de modifier le comportement par défaut dans les </a:t>
+            </a:r>
+            <a:r>
+              <a:rPr lang="fr-FR" sz="1600" dirty="0" err="1" smtClean="0"/>
+              <a:t>configs</a:t>
+            </a:r>
+            <a:endParaRPr lang="fr-FR" sz="1600" dirty="0" smtClean="0"/>
+          </a:p>
+          <a:p>
+            <a:pPr lvl="1"/>
+            <a:r>
+              <a:rPr lang="fr-FR" sz="1400" dirty="0" smtClean="0"/>
+              <a:t>Empêcher le </a:t>
+            </a:r>
+            <a:r>
+              <a:rPr lang="fr-FR" sz="1400" dirty="0" err="1" smtClean="0"/>
+              <a:t>fast</a:t>
+            </a:r>
+            <a:r>
+              <a:rPr lang="fr-FR" sz="1400" dirty="0" smtClean="0"/>
+              <a:t>-</a:t>
+            </a:r>
+            <a:r>
+              <a:rPr lang="fr-FR" sz="1400" dirty="0" err="1" smtClean="0"/>
+              <a:t>forward</a:t>
+            </a:r>
+            <a:r>
+              <a:rPr lang="fr-FR" sz="1400" dirty="0" smtClean="0"/>
+              <a:t> : </a:t>
+            </a:r>
+            <a:r>
+              <a:rPr lang="fr-FR" sz="1400" dirty="0" err="1" smtClean="0"/>
+              <a:t>merge.ff</a:t>
+            </a:r>
+            <a:r>
+              <a:rPr lang="fr-FR" sz="1400" dirty="0" smtClean="0"/>
+              <a:t>=false</a:t>
+            </a:r>
           </a:p>
           <a:p>
             <a:pPr lvl="1"/>
@@ -14519,89 +14749,19 @@
             </a:r>
             <a:r>
               <a:rPr lang="fr-FR" sz="1400" dirty="0" err="1" smtClean="0"/>
-              <a:t>fast-forward</a:t>
+              <a:t>fast</a:t>
             </a:r>
             <a:r>
               <a:rPr lang="fr-FR" sz="1400" dirty="0" smtClean="0"/>
-              <a:t>: git pull --</a:t>
+              <a:t>-</a:t>
             </a:r>
             <a:r>
               <a:rPr lang="fr-FR" sz="1400" dirty="0" err="1" smtClean="0"/>
-              <a:t>rebase</a:t>
+              <a:t>forward</a:t>
             </a:r>
             <a:r>
               <a:rPr lang="fr-FR" sz="1400" dirty="0" smtClean="0"/>
-              <a:t> </a:t>
-            </a:r>
-            <a:r>
-              <a:rPr lang="fr-FR" sz="1400" dirty="0" err="1" smtClean="0"/>
-              <a:t>origin</a:t>
-            </a:r>
-            <a:r>
-              <a:rPr lang="fr-FR" sz="1400" dirty="0" smtClean="0"/>
-              <a:t> master + git </a:t>
-            </a:r>
-            <a:r>
-              <a:rPr lang="fr-FR" sz="1400" dirty="0" err="1" smtClean="0"/>
-              <a:t>merge</a:t>
-            </a:r>
-            <a:r>
-              <a:rPr lang="fr-FR" sz="1400" dirty="0" smtClean="0"/>
-              <a:t> </a:t>
-            </a:r>
-            <a:r>
-              <a:rPr lang="fr-FR" sz="1400" dirty="0" err="1" smtClean="0"/>
-              <a:t>mabranche</a:t>
-            </a:r>
-            <a:endParaRPr lang="fr-FR" sz="1400" dirty="0" smtClean="0"/>
-          </a:p>
-          <a:p>
-            <a:r>
-              <a:rPr lang="fr-FR" sz="1600" dirty="0" smtClean="0"/>
-              <a:t>Il est possible de modifier le comportement par défaut dans les </a:t>
-            </a:r>
-            <a:r>
-              <a:rPr lang="fr-FR" sz="1600" dirty="0" err="1" smtClean="0"/>
-              <a:t>configs</a:t>
-            </a:r>
-            <a:endParaRPr lang="fr-FR" sz="1600" dirty="0" smtClean="0"/>
-          </a:p>
-          <a:p>
-            <a:pPr lvl="1"/>
-            <a:r>
-              <a:rPr lang="fr-FR" sz="1400" dirty="0" smtClean="0"/>
-              <a:t>Empêcher le </a:t>
-            </a:r>
-            <a:r>
-              <a:rPr lang="fr-FR" sz="1400" dirty="0" err="1" smtClean="0"/>
-              <a:t>fast-forward</a:t>
-            </a:r>
-            <a:r>
-              <a:rPr lang="fr-FR" sz="1400" dirty="0" smtClean="0"/>
-              <a:t>: </a:t>
-            </a:r>
-            <a:r>
-              <a:rPr lang="fr-FR" sz="1400" dirty="0" err="1" smtClean="0"/>
-              <a:t>merge.ff</a:t>
-            </a:r>
-            <a:r>
-              <a:rPr lang="fr-FR" sz="1400" dirty="0" smtClean="0"/>
-              <a:t>=false</a:t>
-            </a:r>
-          </a:p>
-          <a:p>
-            <a:pPr lvl="1"/>
-            <a:r>
-              <a:rPr lang="fr-FR" sz="1400" dirty="0" smtClean="0"/>
-              <a:t>Forcer le </a:t>
-            </a:r>
-            <a:r>
-              <a:rPr lang="fr-FR" sz="1400" dirty="0" err="1" smtClean="0"/>
-              <a:t>fast-forward</a:t>
-            </a:r>
-            <a:r>
-              <a:rPr lang="fr-FR" sz="1400" dirty="0" smtClean="0"/>
-              <a:t>: </a:t>
+              <a:t> : </a:t>
             </a:r>
             <a:r>
               <a:rPr lang="fr-FR" sz="1400" dirty="0" err="1" smtClean="0"/>
@@ -14644,7 +14804,7 @@
           <a:effectLst/>
           <a:extLst>
             <a:ext uri="{91240B29-F687-4F45-9708-019B960494DF}">
-              <a14:hiddenLine xmlns:a14="http://schemas.microsoft.com/office/drawing/2010/main" w="9525">
+              <a14:hiddenLine xmlns:a14="http://schemas.microsoft.com/office/drawing/2010/main" xmlns="" w="9525">
                 <a:solidFill>
                   <a:schemeClr val="tx1"/>
                 </a:solidFill>
@@ -14654,7 +14814,7 @@
               </a14:hiddenLine>
             </a:ext>
             <a:ext uri="{AF507438-7753-43E0-B8FC-AC1667EBCBE1}">
-              <a14:hiddenEffects xmlns:a14="http://schemas.microsoft.com/office/drawing/2010/main">
+              <a14:hiddenEffects xmlns:a14="http://schemas.microsoft.com/office/drawing/2010/main" xmlns="">
                 <a:effectLst>
                   <a:outerShdw dist="35921" dir="2700000" algn="ctr" rotWithShape="0">
                     <a:schemeClr val="bg2"/>
@@ -14775,7 +14935,7 @@
     </p:spTree>
     <p:extLst>
       <p:ext uri="{BB962C8B-B14F-4D97-AF65-F5344CB8AC3E}">
-        <p14:creationId xmlns:p14="http://schemas.microsoft.com/office/powerpoint/2010/main" val="525843154"/>
+        <p14:creationId xmlns:p14="http://schemas.microsoft.com/office/powerpoint/2010/main" xmlns="" val="525843154"/>
       </p:ext>
     </p:extLst>
   </p:cSld>
@@ -14869,10 +15029,10 @@
           <p:nvPr/>
         </p:nvPicPr>
         <p:blipFill>
-          <a:blip r:embed="rId2">
+          <a:blip r:embed="rId2" cstate="print">
             <a:extLst>
               <a:ext uri="{28A0092B-C50C-407E-A947-70E740481C1C}">
-                <a14:useLocalDpi xmlns:a14="http://schemas.microsoft.com/office/drawing/2010/main" val="0"/>
+                <a14:useLocalDpi xmlns:a14="http://schemas.microsoft.com/office/drawing/2010/main" xmlns="" val="0"/>
               </a:ext>
             </a:extLst>
           </a:blip>
@@ -14892,7 +15052,7 @@
           <a:noFill/>
           <a:extLst>
             <a:ext uri="{909E8E84-426E-40DD-AFC4-6F175D3DCCD1}">
-              <a14:hiddenFill xmlns:a14="http://schemas.microsoft.com/office/drawing/2010/main">
+              <a14:hiddenFill xmlns:a14="http://schemas.microsoft.com/office/drawing/2010/main" xmlns="">
                 <a:solidFill>
                   <a:srgbClr val="FFFFFF"/>
                 </a:solidFill>
@@ -14904,7 +15064,7 @@
     </p:spTree>
     <p:extLst>
       <p:ext uri="{BB962C8B-B14F-4D97-AF65-F5344CB8AC3E}">
-        <p14:creationId xmlns:p14="http://schemas.microsoft.com/office/powerpoint/2010/main" val="2238224726"/>
+        <p14:creationId xmlns:p14="http://schemas.microsoft.com/office/powerpoint/2010/main" xmlns="" val="2238224726"/>
       </p:ext>
     </p:extLst>
   </p:cSld>
@@ -14987,10 +15147,10 @@
           <p:nvPr/>
         </p:nvPicPr>
         <p:blipFill>
-          <a:blip r:embed="rId2">
+          <a:blip r:embed="rId2" cstate="print">
             <a:extLst>
               <a:ext uri="{28A0092B-C50C-407E-A947-70E740481C1C}">
-                <a14:useLocalDpi xmlns:a14="http://schemas.microsoft.com/office/drawing/2010/main" val="0"/>
+                <a14:useLocalDpi xmlns:a14="http://schemas.microsoft.com/office/drawing/2010/main" xmlns="" val="0"/>
               </a:ext>
             </a:extLst>
           </a:blip>
@@ -15010,7 +15170,7 @@
           <a:noFill/>
           <a:extLst>
             <a:ext uri="{909E8E84-426E-40DD-AFC4-6F175D3DCCD1}">
-              <a14:hiddenFill xmlns:a14="http://schemas.microsoft.com/office/drawing/2010/main">
+              <a14:hiddenFill xmlns:a14="http://schemas.microsoft.com/office/drawing/2010/main" xmlns="">
                 <a:solidFill>
                   <a:srgbClr val="FFFFFF"/>
                 </a:solidFill>
@@ -15022,7 +15182,7 @@
     </p:spTree>
     <p:extLst>
       <p:ext uri="{BB962C8B-B14F-4D97-AF65-F5344CB8AC3E}">
-        <p14:creationId xmlns:p14="http://schemas.microsoft.com/office/powerpoint/2010/main" val="4245586320"/>
+        <p14:creationId xmlns:p14="http://schemas.microsoft.com/office/powerpoint/2010/main" xmlns="" val="4245586320"/>
       </p:ext>
     </p:extLst>
   </p:cSld>
@@ -15130,7 +15290,7 @@
           <a:noFill/>
           <a:extLst>
             <a:ext uri="{909E8E84-426E-40DD-AFC4-6F175D3DCCD1}">
-              <a14:hiddenFill xmlns:a14="http://schemas.microsoft.com/office/drawing/2010/main">
+              <a14:hiddenFill xmlns:a14="http://schemas.microsoft.com/office/drawing/2010/main" xmlns="">
                 <a:solidFill>
                   <a:srgbClr val="FFFFFF"/>
                 </a:solidFill>
@@ -15159,10 +15319,10 @@
           <p:nvPr/>
         </p:nvPicPr>
         <p:blipFill>
-          <a:blip r:embed="rId2">
+          <a:blip r:embed="rId2" cstate="print">
             <a:extLst>
               <a:ext uri="{28A0092B-C50C-407E-A947-70E740481C1C}">
-                <a14:useLocalDpi xmlns:a14="http://schemas.microsoft.com/office/drawing/2010/main" val="0"/>
+                <a14:useLocalDpi xmlns:a14="http://schemas.microsoft.com/office/drawing/2010/main" xmlns="" val="0"/>
               </a:ext>
             </a:extLst>
           </a:blip>
@@ -15182,7 +15342,7 @@
           <a:noFill/>
           <a:extLst>
             <a:ext uri="{909E8E84-426E-40DD-AFC4-6F175D3DCCD1}">
-              <a14:hiddenFill xmlns:a14="http://schemas.microsoft.com/office/drawing/2010/main">
+              <a14:hiddenFill xmlns:a14="http://schemas.microsoft.com/office/drawing/2010/main" xmlns="">
                 <a:solidFill>
                   <a:srgbClr val="FFFFFF"/>
                 </a:solidFill>
@@ -15200,10 +15360,10 @@
           <p:nvPr/>
         </p:nvPicPr>
         <p:blipFill>
-          <a:blip r:embed="rId3">
+          <a:blip r:embed="rId3" cstate="print">
             <a:extLst>
               <a:ext uri="{28A0092B-C50C-407E-A947-70E740481C1C}">
-                <a14:useLocalDpi xmlns:a14="http://schemas.microsoft.com/office/drawing/2010/main" val="0"/>
+                <a14:useLocalDpi xmlns:a14="http://schemas.microsoft.com/office/drawing/2010/main" xmlns="" val="0"/>
               </a:ext>
             </a:extLst>
           </a:blip>
@@ -15223,7 +15383,7 @@
           <a:noFill/>
           <a:extLst>
             <a:ext uri="{909E8E84-426E-40DD-AFC4-6F175D3DCCD1}">
-              <a14:hiddenFill xmlns:a14="http://schemas.microsoft.com/office/drawing/2010/main">
+              <a14:hiddenFill xmlns:a14="http://schemas.microsoft.com/office/drawing/2010/main" xmlns="">
                 <a:solidFill>
                   <a:srgbClr val="FFFFFF"/>
                 </a:solidFill>
@@ -15455,7 +15615,7 @@
     </p:spTree>
     <p:extLst>
       <p:ext uri="{BB962C8B-B14F-4D97-AF65-F5344CB8AC3E}">
-        <p14:creationId xmlns:p14="http://schemas.microsoft.com/office/powerpoint/2010/main" val="885620089"/>
+        <p14:creationId xmlns:p14="http://schemas.microsoft.com/office/powerpoint/2010/main" xmlns="" val="885620089"/>
       </p:ext>
     </p:extLst>
   </p:cSld>
@@ -15516,10 +15676,10 @@
           </p:nvPr>
         </p:nvPicPr>
         <p:blipFill>
-          <a:blip r:embed="rId2">
+          <a:blip r:embed="rId2" cstate="print">
             <a:extLst>
               <a:ext uri="{28A0092B-C50C-407E-A947-70E740481C1C}">
-                <a14:useLocalDpi xmlns:a14="http://schemas.microsoft.com/office/drawing/2010/main" val="0"/>
+                <a14:useLocalDpi xmlns:a14="http://schemas.microsoft.com/office/drawing/2010/main" xmlns="" val="0"/>
               </a:ext>
             </a:extLst>
           </a:blip>
@@ -15537,7 +15697,7 @@
     </p:spTree>
     <p:extLst>
       <p:ext uri="{BB962C8B-B14F-4D97-AF65-F5344CB8AC3E}">
-        <p14:creationId xmlns:p14="http://schemas.microsoft.com/office/powerpoint/2010/main" val="286723226"/>
+        <p14:creationId xmlns:p14="http://schemas.microsoft.com/office/powerpoint/2010/main" xmlns="" val="286723226"/>
       </p:ext>
     </p:extLst>
   </p:cSld>
@@ -15756,7 +15916,7 @@
     </p:spTree>
     <p:extLst>
       <p:ext uri="{BB962C8B-B14F-4D97-AF65-F5344CB8AC3E}">
-        <p14:creationId xmlns:p14="http://schemas.microsoft.com/office/powerpoint/2010/main" val="4235567567"/>
+        <p14:creationId xmlns:p14="http://schemas.microsoft.com/office/powerpoint/2010/main" xmlns="" val="4235567567"/>
       </p:ext>
     </p:extLst>
   </p:cSld>
@@ -16011,7 +16171,7 @@
     </p:spTree>
     <p:extLst>
       <p:ext uri="{BB962C8B-B14F-4D97-AF65-F5344CB8AC3E}">
-        <p14:creationId xmlns:p14="http://schemas.microsoft.com/office/powerpoint/2010/main" val="4276447255"/>
+        <p14:creationId xmlns:p14="http://schemas.microsoft.com/office/powerpoint/2010/main" xmlns="" val="4276447255"/>
       </p:ext>
     </p:extLst>
   </p:cSld>
@@ -16088,7 +16248,7 @@
           <a:noFill/>
           <a:extLst>
             <a:ext uri="{909E8E84-426E-40DD-AFC4-6F175D3DCCD1}">
-              <a14:hiddenFill xmlns:a14="http://schemas.microsoft.com/office/drawing/2010/main">
+              <a14:hiddenFill xmlns:a14="http://schemas.microsoft.com/office/drawing/2010/main" xmlns="">
                 <a:solidFill>
                   <a:srgbClr val="FFFFFF"/>
                 </a:solidFill>
@@ -16117,7 +16277,7 @@
           <p:nvPr/>
         </p:nvPicPr>
         <p:blipFill>
-          <a:blip r:embed="rId2"/>
+          <a:blip r:embed="rId2" cstate="print"/>
           <a:stretch>
             <a:fillRect/>
           </a:stretch>
@@ -16135,7 +16295,7 @@
     </p:spTree>
     <p:extLst>
       <p:ext uri="{BB962C8B-B14F-4D97-AF65-F5344CB8AC3E}">
-        <p14:creationId xmlns:p14="http://schemas.microsoft.com/office/powerpoint/2010/main" val="690075602"/>
+        <p14:creationId xmlns:p14="http://schemas.microsoft.com/office/powerpoint/2010/main" xmlns="" val="690075602"/>
       </p:ext>
     </p:extLst>
   </p:cSld>
@@ -16301,7 +16461,7 @@
     </p:spTree>
     <p:extLst>
       <p:ext uri="{BB962C8B-B14F-4D97-AF65-F5344CB8AC3E}">
-        <p14:creationId xmlns:p14="http://schemas.microsoft.com/office/powerpoint/2010/main" val="1393638253"/>
+        <p14:creationId xmlns:p14="http://schemas.microsoft.com/office/powerpoint/2010/main" xmlns="" val="1393638253"/>
       </p:ext>
     </p:extLst>
   </p:cSld>
@@ -16444,7 +16604,7 @@
     </p:spTree>
     <p:extLst>
       <p:ext uri="{BB962C8B-B14F-4D97-AF65-F5344CB8AC3E}">
-        <p14:creationId xmlns:p14="http://schemas.microsoft.com/office/powerpoint/2010/main" val="735586294"/>
+        <p14:creationId xmlns:p14="http://schemas.microsoft.com/office/powerpoint/2010/main" xmlns="" val="735586294"/>
       </p:ext>
     </p:extLst>
   </p:cSld>
@@ -16569,7 +16729,7 @@
     </p:spTree>
     <p:extLst>
       <p:ext uri="{BB962C8B-B14F-4D97-AF65-F5344CB8AC3E}">
-        <p14:creationId xmlns:p14="http://schemas.microsoft.com/office/powerpoint/2010/main" val="3496589206"/>
+        <p14:creationId xmlns:p14="http://schemas.microsoft.com/office/powerpoint/2010/main" xmlns="" val="3496589206"/>
       </p:ext>
     </p:extLst>
   </p:cSld>
@@ -16632,10 +16792,10 @@
           <p:nvPr/>
         </p:nvPicPr>
         <p:blipFill>
-          <a:blip r:embed="rId2">
+          <a:blip r:embed="rId2" cstate="print">
             <a:extLst>
               <a:ext uri="{28A0092B-C50C-407E-A947-70E740481C1C}">
-                <a14:useLocalDpi xmlns:a14="http://schemas.microsoft.com/office/drawing/2010/main" val="0"/>
+                <a14:useLocalDpi xmlns:a14="http://schemas.microsoft.com/office/drawing/2010/main" xmlns="" val="0"/>
               </a:ext>
             </a:extLst>
           </a:blip>
@@ -16655,7 +16815,7 @@
           <a:noFill/>
           <a:extLst>
             <a:ext uri="{909E8E84-426E-40DD-AFC4-6F175D3DCCD1}">
-              <a14:hiddenFill xmlns:a14="http://schemas.microsoft.com/office/drawing/2010/main">
+              <a14:hiddenFill xmlns:a14="http://schemas.microsoft.com/office/drawing/2010/main" xmlns="">
                 <a:solidFill>
                   <a:srgbClr val="FFFFFF"/>
                 </a:solidFill>
@@ -16667,7 +16827,7 @@
     </p:spTree>
     <p:extLst>
       <p:ext uri="{BB962C8B-B14F-4D97-AF65-F5344CB8AC3E}">
-        <p14:creationId xmlns:p14="http://schemas.microsoft.com/office/powerpoint/2010/main" val="1835911282"/>
+        <p14:creationId xmlns:p14="http://schemas.microsoft.com/office/powerpoint/2010/main" xmlns="" val="1835911282"/>
       </p:ext>
     </p:extLst>
   </p:cSld>
@@ -16862,7 +17022,7 @@
     </p:spTree>
     <p:extLst>
       <p:ext uri="{BB962C8B-B14F-4D97-AF65-F5344CB8AC3E}">
-        <p14:creationId xmlns:p14="http://schemas.microsoft.com/office/powerpoint/2010/main" val="877634655"/>
+        <p14:creationId xmlns:p14="http://schemas.microsoft.com/office/powerpoint/2010/main" xmlns="" val="877634655"/>
       </p:ext>
     </p:extLst>
   </p:cSld>
@@ -16947,7 +17107,7 @@
     </p:spTree>
     <p:extLst>
       <p:ext uri="{BB962C8B-B14F-4D97-AF65-F5344CB8AC3E}">
-        <p14:creationId xmlns:p14="http://schemas.microsoft.com/office/powerpoint/2010/main" val="3167818479"/>
+        <p14:creationId xmlns:p14="http://schemas.microsoft.com/office/powerpoint/2010/main" xmlns="" val="3167818479"/>
       </p:ext>
     </p:extLst>
   </p:cSld>
@@ -17124,7 +17284,7 @@
     </p:spTree>
     <p:extLst>
       <p:ext uri="{BB962C8B-B14F-4D97-AF65-F5344CB8AC3E}">
-        <p14:creationId xmlns:p14="http://schemas.microsoft.com/office/powerpoint/2010/main" val="3538104851"/>
+        <p14:creationId xmlns:p14="http://schemas.microsoft.com/office/powerpoint/2010/main" xmlns="" val="3538104851"/>
       </p:ext>
     </p:extLst>
   </p:cSld>
@@ -17198,19 +17358,32 @@
           <a:p>
             <a:r>
               <a:rPr lang="fr-FR" dirty="0" smtClean="0"/>
-              <a:t>Le répertoire .git contient toutes les informations nécessaire au fonctionnement du </a:t>
-            </a:r>
-            <a:r>
-              <a:rPr lang="fr-FR" dirty="0" err="1" smtClean="0"/>
-              <a:t>dépot</a:t>
+              <a:t>Le répertoire .git contient toutes les informations </a:t>
+            </a:r>
+            <a:r>
+              <a:rPr lang="fr-FR" dirty="0" smtClean="0"/>
+              <a:t>nécessaires </a:t>
+            </a:r>
+            <a:r>
+              <a:rPr lang="fr-FR" dirty="0" smtClean="0"/>
+              <a:t>au fonctionnement du </a:t>
+            </a:r>
+            <a:r>
+              <a:rPr lang="fr-FR" dirty="0" smtClean="0"/>
+              <a:t>dépôt</a:t>
             </a:r>
             <a:endParaRPr lang="fr-FR" dirty="0" smtClean="0"/>
           </a:p>
           <a:p>
             <a:r>
               <a:rPr lang="fr-FR" dirty="0" smtClean="0"/>
-              <a:t>Contient les répertoires suivants</a:t>
-            </a:r>
+              <a:t>Contient les répertoires </a:t>
+            </a:r>
+            <a:r>
+              <a:rPr lang="fr-FR" dirty="0" smtClean="0"/>
+              <a:t>suivants :</a:t>
+            </a:r>
+            <a:endParaRPr lang="fr-FR" dirty="0" smtClean="0"/>
           </a:p>
           <a:p>
             <a:pPr lvl="1"/>
@@ -17243,7 +17416,15 @@
             </a:r>
             <a:r>
               <a:rPr lang="fr-FR" dirty="0" smtClean="0"/>
-              <a:t> -&gt; contient (entre autre) les </a:t>
+              <a:t> -&gt; contient (entre </a:t>
+            </a:r>
+            <a:r>
+              <a:rPr lang="fr-FR" dirty="0" smtClean="0"/>
+              <a:t>autres) </a:t>
+            </a:r>
+            <a:r>
+              <a:rPr lang="fr-FR" dirty="0" smtClean="0"/>
+              <a:t>les </a:t>
             </a:r>
             <a:r>
               <a:rPr lang="fr-FR" dirty="0" err="1" smtClean="0"/>
@@ -17265,7 +17446,15 @@
           <a:p>
             <a:r>
               <a:rPr lang="fr-CH" dirty="0" smtClean="0"/>
-              <a:t>Le fonctionnement interne de git est basé que sur les </a:t>
+              <a:t>Le fonctionnement interne de git </a:t>
+            </a:r>
+            <a:r>
+              <a:rPr lang="fr-CH" dirty="0" smtClean="0"/>
+              <a:t>n’est </a:t>
+            </a:r>
+            <a:r>
+              <a:rPr lang="fr-CH" dirty="0" smtClean="0"/>
+              <a:t>basé que sur les </a:t>
             </a:r>
             <a:r>
               <a:rPr lang="fr-CH" dirty="0" err="1" smtClean="0"/>
@@ -17278,7 +17467,7 @@
     </p:spTree>
     <p:extLst>
       <p:ext uri="{BB962C8B-B14F-4D97-AF65-F5344CB8AC3E}">
-        <p14:creationId xmlns:p14="http://schemas.microsoft.com/office/powerpoint/2010/main" val="3934817676"/>
+        <p14:creationId xmlns:p14="http://schemas.microsoft.com/office/powerpoint/2010/main" xmlns="" val="3934817676"/>
       </p:ext>
     </p:extLst>
   </p:cSld>
@@ -17411,7 +17600,7 @@
     </p:spTree>
     <p:extLst>
       <p:ext uri="{BB962C8B-B14F-4D97-AF65-F5344CB8AC3E}">
-        <p14:creationId xmlns:p14="http://schemas.microsoft.com/office/powerpoint/2010/main" val="3254708671"/>
+        <p14:creationId xmlns:p14="http://schemas.microsoft.com/office/powerpoint/2010/main" xmlns="" val="3254708671"/>
       </p:ext>
     </p:extLst>
   </p:cSld>
@@ -17589,7 +17778,7 @@
     </p:spTree>
     <p:extLst>
       <p:ext uri="{BB962C8B-B14F-4D97-AF65-F5344CB8AC3E}">
-        <p14:creationId xmlns:p14="http://schemas.microsoft.com/office/powerpoint/2010/main" val="2376632055"/>
+        <p14:creationId xmlns:p14="http://schemas.microsoft.com/office/powerpoint/2010/main" xmlns="" val="2376632055"/>
       </p:ext>
     </p:extLst>
   </p:cSld>
@@ -17656,10 +17845,10 @@
           <p:nvPr/>
         </p:nvPicPr>
         <p:blipFill>
-          <a:blip r:embed="rId2">
+          <a:blip r:embed="rId2" cstate="print">
             <a:extLst>
               <a:ext uri="{28A0092B-C50C-407E-A947-70E740481C1C}">
-                <a14:useLocalDpi xmlns:a14="http://schemas.microsoft.com/office/drawing/2010/main" val="0"/>
+                <a14:useLocalDpi xmlns:a14="http://schemas.microsoft.com/office/drawing/2010/main" xmlns="" val="0"/>
               </a:ext>
             </a:extLst>
           </a:blip>
@@ -17679,7 +17868,7 @@
           <a:noFill/>
           <a:extLst>
             <a:ext uri="{909E8E84-426E-40DD-AFC4-6F175D3DCCD1}">
-              <a14:hiddenFill xmlns:a14="http://schemas.microsoft.com/office/drawing/2010/main">
+              <a14:hiddenFill xmlns:a14="http://schemas.microsoft.com/office/drawing/2010/main" xmlns="">
                 <a:solidFill>
                   <a:srgbClr val="FFFFFF"/>
                 </a:solidFill>
@@ -17691,7 +17880,7 @@
     </p:spTree>
     <p:extLst>
       <p:ext uri="{BB962C8B-B14F-4D97-AF65-F5344CB8AC3E}">
-        <p14:creationId xmlns:p14="http://schemas.microsoft.com/office/powerpoint/2010/main" val="1881137798"/>
+        <p14:creationId xmlns:p14="http://schemas.microsoft.com/office/powerpoint/2010/main" xmlns="" val="1881137798"/>
       </p:ext>
     </p:extLst>
   </p:cSld>
@@ -17816,7 +18005,7 @@
     </p:spTree>
     <p:extLst>
       <p:ext uri="{BB962C8B-B14F-4D97-AF65-F5344CB8AC3E}">
-        <p14:creationId xmlns:p14="http://schemas.microsoft.com/office/powerpoint/2010/main" val="2418644300"/>
+        <p14:creationId xmlns:p14="http://schemas.microsoft.com/office/powerpoint/2010/main" xmlns="" val="2418644300"/>
       </p:ext>
     </p:extLst>
   </p:cSld>
@@ -17953,7 +18142,7 @@
           <p:nvPr/>
         </p:nvPicPr>
         <p:blipFill>
-          <a:blip r:embed="rId2"/>
+          <a:blip r:embed="rId2" cstate="print"/>
           <a:stretch>
             <a:fillRect/>
           </a:stretch>
@@ -17971,7 +18160,7 @@
     </p:spTree>
     <p:extLst>
       <p:ext uri="{BB962C8B-B14F-4D97-AF65-F5344CB8AC3E}">
-        <p14:creationId xmlns:p14="http://schemas.microsoft.com/office/powerpoint/2010/main" val="1462212787"/>
+        <p14:creationId xmlns:p14="http://schemas.microsoft.com/office/powerpoint/2010/main" xmlns="" val="1462212787"/>
       </p:ext>
     </p:extLst>
   </p:cSld>
@@ -18102,7 +18291,7 @@
     </p:spTree>
     <p:extLst>
       <p:ext uri="{BB962C8B-B14F-4D97-AF65-F5344CB8AC3E}">
-        <p14:creationId xmlns:p14="http://schemas.microsoft.com/office/powerpoint/2010/main" val="1475944714"/>
+        <p14:creationId xmlns:p14="http://schemas.microsoft.com/office/powerpoint/2010/main" xmlns="" val="1475944714"/>
       </p:ext>
     </p:extLst>
   </p:cSld>
@@ -18235,7 +18424,7 @@
     </p:spTree>
     <p:extLst>
       <p:ext uri="{BB962C8B-B14F-4D97-AF65-F5344CB8AC3E}">
-        <p14:creationId xmlns:p14="http://schemas.microsoft.com/office/powerpoint/2010/main" val="2547717949"/>
+        <p14:creationId xmlns:p14="http://schemas.microsoft.com/office/powerpoint/2010/main" xmlns="" val="2547717949"/>
       </p:ext>
     </p:extLst>
   </p:cSld>
@@ -18271,10 +18460,10 @@
           <p:nvPr/>
         </p:nvPicPr>
         <p:blipFill>
-          <a:blip r:embed="rId2">
+          <a:blip r:embed="rId2" cstate="print">
             <a:extLst>
               <a:ext uri="{28A0092B-C50C-407E-A947-70E740481C1C}">
-                <a14:useLocalDpi xmlns:a14="http://schemas.microsoft.com/office/drawing/2010/main" val="0"/>
+                <a14:useLocalDpi xmlns:a14="http://schemas.microsoft.com/office/drawing/2010/main" xmlns="" val="0"/>
               </a:ext>
             </a:extLst>
           </a:blip>
@@ -18294,7 +18483,7 @@
           <a:noFill/>
           <a:extLst>
             <a:ext uri="{909E8E84-426E-40DD-AFC4-6F175D3DCCD1}">
-              <a14:hiddenFill xmlns:a14="http://schemas.microsoft.com/office/drawing/2010/main">
+              <a14:hiddenFill xmlns:a14="http://schemas.microsoft.com/office/drawing/2010/main" xmlns="">
                 <a:solidFill>
                   <a:srgbClr val="FFFFFF"/>
                 </a:solidFill>
@@ -18334,7 +18523,7 @@
     </p:spTree>
     <p:extLst>
       <p:ext uri="{BB962C8B-B14F-4D97-AF65-F5344CB8AC3E}">
-        <p14:creationId xmlns:p14="http://schemas.microsoft.com/office/powerpoint/2010/main" val="4287816022"/>
+        <p14:creationId xmlns:p14="http://schemas.microsoft.com/office/powerpoint/2010/main" xmlns="" val="4287816022"/>
       </p:ext>
     </p:extLst>
   </p:cSld>
@@ -18397,10 +18586,10 @@
           <p:nvPr/>
         </p:nvPicPr>
         <p:blipFill>
-          <a:blip r:embed="rId2">
+          <a:blip r:embed="rId2" cstate="print">
             <a:extLst>
               <a:ext uri="{28A0092B-C50C-407E-A947-70E740481C1C}">
-                <a14:useLocalDpi xmlns:a14="http://schemas.microsoft.com/office/drawing/2010/main" val="0"/>
+                <a14:useLocalDpi xmlns:a14="http://schemas.microsoft.com/office/drawing/2010/main" xmlns="" val="0"/>
               </a:ext>
             </a:extLst>
           </a:blip>
@@ -18420,7 +18609,7 @@
           <a:noFill/>
           <a:extLst>
             <a:ext uri="{909E8E84-426E-40DD-AFC4-6F175D3DCCD1}">
-              <a14:hiddenFill xmlns:a14="http://schemas.microsoft.com/office/drawing/2010/main">
+              <a14:hiddenFill xmlns:a14="http://schemas.microsoft.com/office/drawing/2010/main" xmlns="">
                 <a:solidFill>
                   <a:srgbClr val="FFFFFF"/>
                 </a:solidFill>
@@ -18432,7 +18621,7 @@
     </p:spTree>
     <p:extLst>
       <p:ext uri="{BB962C8B-B14F-4D97-AF65-F5344CB8AC3E}">
-        <p14:creationId xmlns:p14="http://schemas.microsoft.com/office/powerpoint/2010/main" val="3148004108"/>
+        <p14:creationId xmlns:p14="http://schemas.microsoft.com/office/powerpoint/2010/main" xmlns="" val="3148004108"/>
       </p:ext>
     </p:extLst>
   </p:cSld>
@@ -18668,7 +18857,7 @@
     </p:spTree>
     <p:extLst>
       <p:ext uri="{BB962C8B-B14F-4D97-AF65-F5344CB8AC3E}">
-        <p14:creationId xmlns:p14="http://schemas.microsoft.com/office/powerpoint/2010/main" val="1332524225"/>
+        <p14:creationId xmlns:p14="http://schemas.microsoft.com/office/powerpoint/2010/main" xmlns="" val="1332524225"/>
       </p:ext>
     </p:extLst>
   </p:cSld>
@@ -18774,13 +18963,29 @@
             <a:pPr lvl="1"/>
             <a:r>
               <a:rPr lang="fr-FR" dirty="0" smtClean="0"/>
-              <a:t>Tag -&gt; Permet de tagguer un commit</a:t>
+              <a:t>Tag -&gt; </a:t>
+            </a:r>
+            <a:r>
+              <a:rPr lang="fr-FR" dirty="0" smtClean="0"/>
+              <a:t>permet </a:t>
+            </a:r>
+            <a:r>
+              <a:rPr lang="fr-FR" dirty="0" smtClean="0"/>
+              <a:t>de tagguer un commit</a:t>
             </a:r>
           </a:p>
           <a:p>
             <a:r>
               <a:rPr lang="fr-FR" dirty="0"/>
-              <a:t>Chaque type d’objet contient au minimum: type, taille et </a:t>
+              <a:t>Chaque type d’objet contient au </a:t>
+            </a:r>
+            <a:r>
+              <a:rPr lang="fr-FR" dirty="0" smtClean="0"/>
+              <a:t>minimum : </a:t>
+            </a:r>
+            <a:r>
+              <a:rPr lang="fr-FR" dirty="0"/>
+              <a:t>type, taille et </a:t>
             </a:r>
             <a:r>
               <a:rPr lang="fr-FR" dirty="0" smtClean="0"/>
@@ -18790,7 +18995,11 @@
           <a:p>
             <a:r>
               <a:rPr lang="fr-FR" dirty="0" smtClean="0"/>
-              <a:t>Tous les objets sont signé </a:t>
+              <a:t>Tous les objets sont </a:t>
+            </a:r>
+            <a:r>
+              <a:rPr lang="fr-FR" dirty="0" smtClean="0"/>
+              <a:t>signés </a:t>
             </a:r>
             <a:r>
               <a:rPr lang="fr-FR" dirty="0"/>
@@ -18855,15 +19064,19 @@
             <a:pPr lvl="1"/>
             <a:r>
               <a:rPr lang="fr-FR" dirty="0" smtClean="0"/>
-              <a:t>Identité: permet de synchroniser les </a:t>
-            </a:r>
-            <a:r>
-              <a:rPr lang="fr-FR" dirty="0" err="1" smtClean="0"/>
-              <a:t>dépots</a:t>
+              <a:t>Identité : </a:t>
             </a:r>
             <a:r>
               <a:rPr lang="fr-FR" dirty="0" smtClean="0"/>
-              <a:t> entre eux</a:t>
+              <a:t>permet de synchroniser les </a:t>
+            </a:r>
+            <a:r>
+              <a:rPr lang="fr-FR" dirty="0" smtClean="0"/>
+              <a:t>dépôts </a:t>
+            </a:r>
+            <a:r>
+              <a:rPr lang="fr-FR" dirty="0" smtClean="0"/>
+              <a:t>entre eux</a:t>
             </a:r>
           </a:p>
           <a:p>
@@ -18902,7 +19115,7 @@
     </p:spTree>
     <p:extLst>
       <p:ext uri="{BB962C8B-B14F-4D97-AF65-F5344CB8AC3E}">
-        <p14:creationId xmlns:p14="http://schemas.microsoft.com/office/powerpoint/2010/main" val="1841240301"/>
+        <p14:creationId xmlns:p14="http://schemas.microsoft.com/office/powerpoint/2010/main" xmlns="" val="1841240301"/>
       </p:ext>
     </p:extLst>
   </p:cSld>
@@ -19216,7 +19429,7 @@
     </p:spTree>
     <p:extLst>
       <p:ext uri="{BB962C8B-B14F-4D97-AF65-F5344CB8AC3E}">
-        <p14:creationId xmlns:p14="http://schemas.microsoft.com/office/powerpoint/2010/main" val="3205066126"/>
+        <p14:creationId xmlns:p14="http://schemas.microsoft.com/office/powerpoint/2010/main" xmlns="" val="3205066126"/>
       </p:ext>
     </p:extLst>
   </p:cSld>
@@ -19356,7 +19569,7 @@
     </p:spTree>
     <p:extLst>
       <p:ext uri="{BB962C8B-B14F-4D97-AF65-F5344CB8AC3E}">
-        <p14:creationId xmlns:p14="http://schemas.microsoft.com/office/powerpoint/2010/main" val="1749906507"/>
+        <p14:creationId xmlns:p14="http://schemas.microsoft.com/office/powerpoint/2010/main" xmlns="" val="1749906507"/>
       </p:ext>
     </p:extLst>
   </p:cSld>
@@ -19417,7 +19630,7 @@
           </p:nvPr>
         </p:nvPicPr>
         <p:blipFill>
-          <a:blip r:embed="rId2"/>
+          <a:blip r:embed="rId2" cstate="print"/>
           <a:stretch>
             <a:fillRect/>
           </a:stretch>
@@ -19441,7 +19654,7 @@
           <p:nvPr/>
         </p:nvPicPr>
         <p:blipFill>
-          <a:blip r:embed="rId3"/>
+          <a:blip r:embed="rId3" cstate="print"/>
           <a:stretch>
             <a:fillRect/>
           </a:stretch>
@@ -19465,10 +19678,10 @@
           <p:nvPr/>
         </p:nvPicPr>
         <p:blipFill>
-          <a:blip r:embed="rId4">
+          <a:blip r:embed="rId4" cstate="print">
             <a:extLst>
               <a:ext uri="{28A0092B-C50C-407E-A947-70E740481C1C}">
-                <a14:useLocalDpi xmlns:a14="http://schemas.microsoft.com/office/drawing/2010/main" val="0"/>
+                <a14:useLocalDpi xmlns:a14="http://schemas.microsoft.com/office/drawing/2010/main" xmlns="" val="0"/>
               </a:ext>
             </a:extLst>
           </a:blip>
@@ -19488,7 +19701,7 @@
           <a:noFill/>
           <a:extLst>
             <a:ext uri="{909E8E84-426E-40DD-AFC4-6F175D3DCCD1}">
-              <a14:hiddenFill xmlns:a14="http://schemas.microsoft.com/office/drawing/2010/main">
+              <a14:hiddenFill xmlns:a14="http://schemas.microsoft.com/office/drawing/2010/main" xmlns="">
                 <a:solidFill>
                   <a:srgbClr val="FFFFFF"/>
                 </a:solidFill>
@@ -19500,7 +19713,7 @@
     </p:spTree>
     <p:extLst>
       <p:ext uri="{BB962C8B-B14F-4D97-AF65-F5344CB8AC3E}">
-        <p14:creationId xmlns:p14="http://schemas.microsoft.com/office/powerpoint/2010/main" val="2624993597"/>
+        <p14:creationId xmlns:p14="http://schemas.microsoft.com/office/powerpoint/2010/main" xmlns="" val="2624993597"/>
       </p:ext>
     </p:extLst>
   </p:cSld>
@@ -19590,8 +19803,13 @@
             <a:pPr lvl="1"/>
             <a:r>
               <a:rPr lang="fr-FR" dirty="0" smtClean="0"/>
-              <a:t>Peu couteux</a:t>
-            </a:r>
+              <a:t>Peu </a:t>
+            </a:r>
+            <a:r>
+              <a:rPr lang="fr-FR" dirty="0" smtClean="0"/>
+              <a:t>coûteux</a:t>
+            </a:r>
+            <a:endParaRPr lang="fr-FR" dirty="0" smtClean="0"/>
           </a:p>
           <a:p>
             <a:endParaRPr lang="fr-CH" dirty="0"/>
@@ -19607,10 +19825,10 @@
           <p:nvPr/>
         </p:nvPicPr>
         <p:blipFill>
-          <a:blip r:embed="rId2">
+          <a:blip r:embed="rId2" cstate="print">
             <a:extLst>
               <a:ext uri="{28A0092B-C50C-407E-A947-70E740481C1C}">
-                <a14:useLocalDpi xmlns:a14="http://schemas.microsoft.com/office/drawing/2010/main" val="0"/>
+                <a14:useLocalDpi xmlns:a14="http://schemas.microsoft.com/office/drawing/2010/main" xmlns="" val="0"/>
               </a:ext>
             </a:extLst>
           </a:blip>
@@ -19631,7 +19849,7 @@
     </p:spTree>
     <p:extLst>
       <p:ext uri="{BB962C8B-B14F-4D97-AF65-F5344CB8AC3E}">
-        <p14:creationId xmlns:p14="http://schemas.microsoft.com/office/powerpoint/2010/main" val="3099981821"/>
+        <p14:creationId xmlns:p14="http://schemas.microsoft.com/office/powerpoint/2010/main" xmlns="" val="3099981821"/>
       </p:ext>
     </p:extLst>
   </p:cSld>
@@ -19679,11 +19897,7 @@
             </a:r>
             <a:r>
               <a:rPr lang="fr-FR" smtClean="0"/>
-              <a:t> </a:t>
-            </a:r>
-            <a:r>
-              <a:rPr lang="fr-FR" smtClean="0"/>
-              <a:t>(non interactif)</a:t>
+              <a:t> (non interactif)</a:t>
             </a:r>
             <a:endParaRPr lang="fr-CH" dirty="0"/>
           </a:p>
@@ -19700,10 +19914,10 @@
           </p:nvPr>
         </p:nvPicPr>
         <p:blipFill>
-          <a:blip r:embed="rId2">
+          <a:blip r:embed="rId2" cstate="print">
             <a:extLst>
               <a:ext uri="{28A0092B-C50C-407E-A947-70E740481C1C}">
-                <a14:useLocalDpi xmlns:a14="http://schemas.microsoft.com/office/drawing/2010/main" val="0"/>
+                <a14:useLocalDpi xmlns:a14="http://schemas.microsoft.com/office/drawing/2010/main" xmlns="" val="0"/>
               </a:ext>
             </a:extLst>
           </a:blip>
@@ -19723,7 +19937,7 @@
           <a:noFill/>
           <a:extLst>
             <a:ext uri="{909E8E84-426E-40DD-AFC4-6F175D3DCCD1}">
-              <a14:hiddenFill xmlns:a14="http://schemas.microsoft.com/office/drawing/2010/main">
+              <a14:hiddenFill xmlns:a14="http://schemas.microsoft.com/office/drawing/2010/main" xmlns="">
                 <a:solidFill>
                   <a:srgbClr val="FFFFFF"/>
                 </a:solidFill>
@@ -19735,7 +19949,7 @@
     </p:spTree>
     <p:extLst>
       <p:ext uri="{BB962C8B-B14F-4D97-AF65-F5344CB8AC3E}">
-        <p14:creationId xmlns:p14="http://schemas.microsoft.com/office/powerpoint/2010/main" val="2688864181"/>
+        <p14:creationId xmlns:p14="http://schemas.microsoft.com/office/powerpoint/2010/main" xmlns="" val="2688864181"/>
       </p:ext>
     </p:extLst>
   </p:cSld>
@@ -19810,7 +20024,19 @@
           <a:p>
             <a:r>
               <a:rPr lang="fr-FR" dirty="0" smtClean="0"/>
-              <a:t>Git pull créé des </a:t>
+              <a:t>git </a:t>
+            </a:r>
+            <a:r>
+              <a:rPr lang="fr-FR" dirty="0" smtClean="0"/>
+              <a:t>pull </a:t>
+            </a:r>
+            <a:r>
+              <a:rPr lang="fr-FR" dirty="0" smtClean="0"/>
+              <a:t>crée </a:t>
+            </a:r>
+            <a:r>
+              <a:rPr lang="fr-FR" dirty="0" smtClean="0"/>
+              <a:t>des </a:t>
             </a:r>
             <a:r>
               <a:rPr lang="fr-FR" dirty="0" err="1" smtClean="0"/>
@@ -19903,8 +20129,13 @@
             </a:r>
             <a:r>
               <a:rPr lang="fr-FR" dirty="0" smtClean="0"/>
-              <a:t> pour 2 cas:</a:t>
-            </a:r>
+              <a:t> pour 2 </a:t>
+            </a:r>
+            <a:r>
+              <a:rPr lang="fr-FR" dirty="0" smtClean="0"/>
+              <a:t>cas :</a:t>
+            </a:r>
+            <a:endParaRPr lang="fr-FR" dirty="0" smtClean="0"/>
           </a:p>
           <a:p>
             <a:pPr lvl="1"/>
@@ -19938,7 +20169,7 @@
     </p:spTree>
     <p:extLst>
       <p:ext uri="{BB962C8B-B14F-4D97-AF65-F5344CB8AC3E}">
-        <p14:creationId xmlns:p14="http://schemas.microsoft.com/office/powerpoint/2010/main" val="1059349003"/>
+        <p14:creationId xmlns:p14="http://schemas.microsoft.com/office/powerpoint/2010/main" xmlns="" val="1059349003"/>
       </p:ext>
     </p:extLst>
   </p:cSld>
@@ -19998,15 +20229,23 @@
             </a:r>
             <a:r>
               <a:rPr lang="fr-FR" dirty="0" smtClean="0"/>
-              <a:t>distants: </a:t>
+              <a:t>distants : </a:t>
             </a:r>
             <a:r>
               <a:rPr lang="fr-FR" dirty="0" err="1" smtClean="0"/>
-              <a:t>Rebase</a:t>
+              <a:t>r</a:t>
+            </a:r>
+            <a:r>
+              <a:rPr lang="fr-FR" dirty="0" err="1" smtClean="0"/>
+              <a:t>ebase</a:t>
             </a:r>
             <a:r>
               <a:rPr lang="fr-FR" dirty="0" smtClean="0"/>
-              <a:t> ou </a:t>
+              <a:t> </a:t>
+            </a:r>
+            <a:r>
+              <a:rPr lang="fr-FR" dirty="0" smtClean="0"/>
+              <a:t>ou </a:t>
             </a:r>
             <a:r>
               <a:rPr lang="fr-FR" dirty="0" err="1" smtClean="0"/>
@@ -20029,7 +20268,7 @@
           <p:nvPr/>
         </p:nvPicPr>
         <p:blipFill>
-          <a:blip r:embed="rId2"/>
+          <a:blip r:embed="rId2" cstate="print"/>
           <a:stretch>
             <a:fillRect/>
           </a:stretch>
@@ -20058,7 +20297,7 @@
           <p:nvPr/>
         </p:nvPicPr>
         <p:blipFill>
-          <a:blip r:embed="rId3"/>
+          <a:blip r:embed="rId3" cstate="print"/>
           <a:stretch>
             <a:fillRect/>
           </a:stretch>
@@ -20087,7 +20326,7 @@
           <p:nvPr/>
         </p:nvPicPr>
         <p:blipFill>
-          <a:blip r:embed="rId4"/>
+          <a:blip r:embed="rId4" cstate="print"/>
           <a:stretch>
             <a:fillRect/>
           </a:stretch>
@@ -20116,7 +20355,7 @@
           <p:nvPr/>
         </p:nvPicPr>
         <p:blipFill>
-          <a:blip r:embed="rId5"/>
+          <a:blip r:embed="rId5" cstate="print"/>
           <a:stretch>
             <a:fillRect/>
           </a:stretch>
@@ -20139,7 +20378,7 @@
     </p:spTree>
     <p:extLst>
       <p:ext uri="{BB962C8B-B14F-4D97-AF65-F5344CB8AC3E}">
-        <p14:creationId xmlns:p14="http://schemas.microsoft.com/office/powerpoint/2010/main" val="2153305433"/>
+        <p14:creationId xmlns:p14="http://schemas.microsoft.com/office/powerpoint/2010/main" xmlns="" val="2153305433"/>
       </p:ext>
     </p:extLst>
   </p:cSld>
@@ -20512,7 +20751,7 @@
     </a:clrScheme>
     <a:fontScheme name="Office">
       <a:majorFont>
-        <a:latin typeface="Calibri Light" panose="020F0302020204030204"/>
+        <a:latin typeface="Calibri Light"/>
         <a:ea typeface=""/>
         <a:cs typeface=""/>
         <a:font script="Jpan" typeface="ＭＳ Ｐゴシック"/>
@@ -20547,7 +20786,7 @@
         <a:font script="Geor" typeface="Sylfaen"/>
       </a:majorFont>
       <a:minorFont>
-        <a:latin typeface="Calibri" panose="020F0502020204030204"/>
+        <a:latin typeface="Calibri"/>
         <a:ea typeface=""/>
         <a:cs typeface=""/>
         <a:font script="Jpan" typeface="ＭＳ Ｐゴシック"/>
@@ -20724,7 +20963,7 @@
   <a:extraClrSchemeLst/>
   <a:extLst>
     <a:ext uri="{05A4C25C-085E-4340-85A3-A5531E510DB2}">
-      <thm15:themeFamily xmlns:thm15="http://schemas.microsoft.com/office/thememl/2012/main" name="Office Theme" id="{62F939B6-93AF-4DB8-9C6B-D6C7DFDC589F}" vid="{4A3C46E8-61CC-4603-A589-7422A47A8E4A}"/>
+      <thm15:themeFamily xmlns:thm15="http://schemas.microsoft.com/office/thememl/2012/main" xmlns="" name="Office Theme" id="{62F939B6-93AF-4DB8-9C6B-D6C7DFDC589F}" vid="{4A3C46E8-61CC-4603-A589-7422A47A8E4A}"/>
     </a:ext>
   </a:extLst>
 </a:theme>
@@ -20773,7 +21012,7 @@
     </a:clrScheme>
     <a:fontScheme name="Office">
       <a:majorFont>
-        <a:latin typeface="Calibri Light" panose="020F0302020204030204"/>
+        <a:latin typeface="Calibri Light"/>
         <a:ea typeface=""/>
         <a:cs typeface=""/>
         <a:font script="Jpan" typeface="ＭＳ Ｐゴシック"/>
@@ -20808,7 +21047,7 @@
         <a:font script="Geor" typeface="Sylfaen"/>
       </a:majorFont>
       <a:minorFont>
-        <a:latin typeface="Calibri" panose="020F0502020204030204"/>
+        <a:latin typeface="Calibri"/>
         <a:ea typeface=""/>
         <a:cs typeface=""/>
         <a:font script="Jpan" typeface="ＭＳ Ｐゴシック"/>
@@ -20985,7 +21224,7 @@
   <a:extraClrSchemeLst/>
   <a:extLst>
     <a:ext uri="{05A4C25C-085E-4340-85A3-A5531E510DB2}">
-      <thm15:themeFamily xmlns:thm15="http://schemas.microsoft.com/office/thememl/2012/main" name="Office Theme" id="{62F939B6-93AF-4DB8-9C6B-D6C7DFDC589F}" vid="{4A3C46E8-61CC-4603-A589-7422A47A8E4A}"/>
+      <thm15:themeFamily xmlns:thm15="http://schemas.microsoft.com/office/thememl/2012/main" xmlns="" name="Office Theme" id="{62F939B6-93AF-4DB8-9C6B-D6C7DFDC589F}" vid="{4A3C46E8-61CC-4603-A589-7422A47A8E4A}"/>
     </a:ext>
   </a:extLst>
 </a:theme>
